--- a/newDeck.pptx
+++ b/newDeck.pptx
@@ -4112,7 +4112,7 @@
           <a:p>
             <a:r>
               <a:rPr lang="en-US" dirty="0"/>
-              <a:t>*0*</a:t>
+              <a:t>5560 - State 1 - VT-07 On-Board Emissions</a:t>
             </a:r>
           </a:p>
         </p:txBody>
@@ -4154,6 +4154,174 @@
           </a:p>
         </p:txBody>
       </p:sp>
+      <p:pic>
+        <p:nvPicPr>
+          <p:cNvPr id="5" name="Picture 4" descr="image.png"/>
+          <p:cNvPicPr>
+            <a:picLocks noChangeAspect="1"/>
+          </p:cNvPicPr>
+          <p:nvPr/>
+        </p:nvPicPr>
+        <p:blipFill>
+          <a:blip r:embed="rId2"/>
+          <a:stretch>
+            <a:fillRect/>
+          </a:stretch>
+        </p:blipFill>
+        <p:spPr>
+          <a:xfrm>
+            <a:off x="12700" y="889000"/>
+            <a:ext cx="2959100" cy="2235200"/>
+          </a:xfrm>
+          <a:prstGeom prst="rect">
+            <a:avLst/>
+          </a:prstGeom>
+        </p:spPr>
+      </p:pic>
+      <p:pic>
+        <p:nvPicPr>
+          <p:cNvPr id="6" name="Picture 5" descr="image.png"/>
+          <p:cNvPicPr>
+            <a:picLocks noChangeAspect="1"/>
+          </p:cNvPicPr>
+          <p:nvPr/>
+        </p:nvPicPr>
+        <p:blipFill>
+          <a:blip r:embed="rId3"/>
+          <a:stretch>
+            <a:fillRect/>
+          </a:stretch>
+        </p:blipFill>
+        <p:spPr>
+          <a:xfrm>
+            <a:off x="3035300" y="889000"/>
+            <a:ext cx="2959100" cy="2235200"/>
+          </a:xfrm>
+          <a:prstGeom prst="rect">
+            <a:avLst/>
+          </a:prstGeom>
+        </p:spPr>
+      </p:pic>
+      <p:pic>
+        <p:nvPicPr>
+          <p:cNvPr id="7" name="Picture 6" descr="image.png"/>
+          <p:cNvPicPr>
+            <a:picLocks noChangeAspect="1"/>
+          </p:cNvPicPr>
+          <p:nvPr/>
+        </p:nvPicPr>
+        <p:blipFill>
+          <a:blip r:embed="rId4"/>
+          <a:stretch>
+            <a:fillRect/>
+          </a:stretch>
+        </p:blipFill>
+        <p:spPr>
+          <a:xfrm>
+            <a:off x="6057900" y="889000"/>
+            <a:ext cx="2959100" cy="2235200"/>
+          </a:xfrm>
+          <a:prstGeom prst="rect">
+            <a:avLst/>
+          </a:prstGeom>
+        </p:spPr>
+      </p:pic>
+      <p:pic>
+        <p:nvPicPr>
+          <p:cNvPr id="8" name="Picture 7" descr="image.png"/>
+          <p:cNvPicPr>
+            <a:picLocks noChangeAspect="1"/>
+          </p:cNvPicPr>
+          <p:nvPr/>
+        </p:nvPicPr>
+        <p:blipFill>
+          <a:blip r:embed="rId5"/>
+          <a:stretch>
+            <a:fillRect/>
+          </a:stretch>
+        </p:blipFill>
+        <p:spPr>
+          <a:xfrm>
+            <a:off x="12700" y="3492500"/>
+            <a:ext cx="2222500" cy="1651000"/>
+          </a:xfrm>
+          <a:prstGeom prst="rect">
+            <a:avLst/>
+          </a:prstGeom>
+        </p:spPr>
+      </p:pic>
+      <p:pic>
+        <p:nvPicPr>
+          <p:cNvPr id="9" name="Picture 8" descr="image.png"/>
+          <p:cNvPicPr>
+            <a:picLocks noChangeAspect="1"/>
+          </p:cNvPicPr>
+          <p:nvPr/>
+        </p:nvPicPr>
+        <p:blipFill>
+          <a:blip r:embed="rId6"/>
+          <a:stretch>
+            <a:fillRect/>
+          </a:stretch>
+        </p:blipFill>
+        <p:spPr>
+          <a:xfrm>
+            <a:off x="2286000" y="3492500"/>
+            <a:ext cx="2222500" cy="1651000"/>
+          </a:xfrm>
+          <a:prstGeom prst="rect">
+            <a:avLst/>
+          </a:prstGeom>
+        </p:spPr>
+      </p:pic>
+      <p:pic>
+        <p:nvPicPr>
+          <p:cNvPr id="10" name="Picture 9" descr="image.png"/>
+          <p:cNvPicPr>
+            <a:picLocks noChangeAspect="1"/>
+          </p:cNvPicPr>
+          <p:nvPr/>
+        </p:nvPicPr>
+        <p:blipFill>
+          <a:blip r:embed="rId7"/>
+          <a:stretch>
+            <a:fillRect/>
+          </a:stretch>
+        </p:blipFill>
+        <p:spPr>
+          <a:xfrm>
+            <a:off x="4572000" y="3492500"/>
+            <a:ext cx="2222500" cy="1651000"/>
+          </a:xfrm>
+          <a:prstGeom prst="rect">
+            <a:avLst/>
+          </a:prstGeom>
+        </p:spPr>
+      </p:pic>
+      <p:pic>
+        <p:nvPicPr>
+          <p:cNvPr id="11" name="Picture 10" descr="image.png"/>
+          <p:cNvPicPr>
+            <a:picLocks noChangeAspect="1"/>
+          </p:cNvPicPr>
+          <p:nvPr/>
+        </p:nvPicPr>
+        <p:blipFill>
+          <a:blip r:embed="rId8"/>
+          <a:stretch>
+            <a:fillRect/>
+          </a:stretch>
+        </p:blipFill>
+        <p:spPr>
+          <a:xfrm>
+            <a:off x="6858000" y="3492500"/>
+            <a:ext cx="2222500" cy="1651000"/>
+          </a:xfrm>
+          <a:prstGeom prst="rect">
+            <a:avLst/>
+          </a:prstGeom>
+        </p:spPr>
+      </p:pic>
     </p:spTree>
     <p:extLst>
       <p:ext uri="{BB962C8B-B14F-4D97-AF65-F5344CB8AC3E}">
@@ -5531,7 +5699,7 @@
           <a:p>
             <a:r>
               <a:rPr lang="en-US" dirty="0"/>
-              <a:t>*1*</a:t>
+              <a:t>5560 - State 3 - VT-07 On-Board Emissions</a:t>
             </a:r>
           </a:p>
         </p:txBody>
@@ -5573,6 +5741,174 @@
           </a:p>
         </p:txBody>
       </p:sp>
+      <p:pic>
+        <p:nvPicPr>
+          <p:cNvPr id="5" name="Picture 4" descr="image.png"/>
+          <p:cNvPicPr>
+            <a:picLocks noChangeAspect="1"/>
+          </p:cNvPicPr>
+          <p:nvPr/>
+        </p:nvPicPr>
+        <p:blipFill>
+          <a:blip r:embed="rId2"/>
+          <a:stretch>
+            <a:fillRect/>
+          </a:stretch>
+        </p:blipFill>
+        <p:spPr>
+          <a:xfrm>
+            <a:off x="12700" y="889000"/>
+            <a:ext cx="2959100" cy="2235200"/>
+          </a:xfrm>
+          <a:prstGeom prst="rect">
+            <a:avLst/>
+          </a:prstGeom>
+        </p:spPr>
+      </p:pic>
+      <p:pic>
+        <p:nvPicPr>
+          <p:cNvPr id="6" name="Picture 5" descr="image.png"/>
+          <p:cNvPicPr>
+            <a:picLocks noChangeAspect="1"/>
+          </p:cNvPicPr>
+          <p:nvPr/>
+        </p:nvPicPr>
+        <p:blipFill>
+          <a:blip r:embed="rId3"/>
+          <a:stretch>
+            <a:fillRect/>
+          </a:stretch>
+        </p:blipFill>
+        <p:spPr>
+          <a:xfrm>
+            <a:off x="3035300" y="889000"/>
+            <a:ext cx="2959100" cy="2235200"/>
+          </a:xfrm>
+          <a:prstGeom prst="rect">
+            <a:avLst/>
+          </a:prstGeom>
+        </p:spPr>
+      </p:pic>
+      <p:pic>
+        <p:nvPicPr>
+          <p:cNvPr id="7" name="Picture 6" descr="image.png"/>
+          <p:cNvPicPr>
+            <a:picLocks noChangeAspect="1"/>
+          </p:cNvPicPr>
+          <p:nvPr/>
+        </p:nvPicPr>
+        <p:blipFill>
+          <a:blip r:embed="rId4"/>
+          <a:stretch>
+            <a:fillRect/>
+          </a:stretch>
+        </p:blipFill>
+        <p:spPr>
+          <a:xfrm>
+            <a:off x="6057900" y="889000"/>
+            <a:ext cx="2959100" cy="2235200"/>
+          </a:xfrm>
+          <a:prstGeom prst="rect">
+            <a:avLst/>
+          </a:prstGeom>
+        </p:spPr>
+      </p:pic>
+      <p:pic>
+        <p:nvPicPr>
+          <p:cNvPr id="8" name="Picture 7" descr="image.png"/>
+          <p:cNvPicPr>
+            <a:picLocks noChangeAspect="1"/>
+          </p:cNvPicPr>
+          <p:nvPr/>
+        </p:nvPicPr>
+        <p:blipFill>
+          <a:blip r:embed="rId5"/>
+          <a:stretch>
+            <a:fillRect/>
+          </a:stretch>
+        </p:blipFill>
+        <p:spPr>
+          <a:xfrm>
+            <a:off x="12700" y="3492500"/>
+            <a:ext cx="2222500" cy="1651000"/>
+          </a:xfrm>
+          <a:prstGeom prst="rect">
+            <a:avLst/>
+          </a:prstGeom>
+        </p:spPr>
+      </p:pic>
+      <p:pic>
+        <p:nvPicPr>
+          <p:cNvPr id="9" name="Picture 8" descr="image.png"/>
+          <p:cNvPicPr>
+            <a:picLocks noChangeAspect="1"/>
+          </p:cNvPicPr>
+          <p:nvPr/>
+        </p:nvPicPr>
+        <p:blipFill>
+          <a:blip r:embed="rId6"/>
+          <a:stretch>
+            <a:fillRect/>
+          </a:stretch>
+        </p:blipFill>
+        <p:spPr>
+          <a:xfrm>
+            <a:off x="2286000" y="3492500"/>
+            <a:ext cx="2222500" cy="1651000"/>
+          </a:xfrm>
+          <a:prstGeom prst="rect">
+            <a:avLst/>
+          </a:prstGeom>
+        </p:spPr>
+      </p:pic>
+      <p:pic>
+        <p:nvPicPr>
+          <p:cNvPr id="10" name="Picture 9" descr="image.png"/>
+          <p:cNvPicPr>
+            <a:picLocks noChangeAspect="1"/>
+          </p:cNvPicPr>
+          <p:nvPr/>
+        </p:nvPicPr>
+        <p:blipFill>
+          <a:blip r:embed="rId7"/>
+          <a:stretch>
+            <a:fillRect/>
+          </a:stretch>
+        </p:blipFill>
+        <p:spPr>
+          <a:xfrm>
+            <a:off x="4572000" y="3492500"/>
+            <a:ext cx="2222500" cy="1651000"/>
+          </a:xfrm>
+          <a:prstGeom prst="rect">
+            <a:avLst/>
+          </a:prstGeom>
+        </p:spPr>
+      </p:pic>
+      <p:pic>
+        <p:nvPicPr>
+          <p:cNvPr id="11" name="Picture 10" descr="image.png"/>
+          <p:cNvPicPr>
+            <a:picLocks noChangeAspect="1"/>
+          </p:cNvPicPr>
+          <p:nvPr/>
+        </p:nvPicPr>
+        <p:blipFill>
+          <a:blip r:embed="rId8"/>
+          <a:stretch>
+            <a:fillRect/>
+          </a:stretch>
+        </p:blipFill>
+        <p:spPr>
+          <a:xfrm>
+            <a:off x="6858000" y="3492500"/>
+            <a:ext cx="2222500" cy="1651000"/>
+          </a:xfrm>
+          <a:prstGeom prst="rect">
+            <a:avLst/>
+          </a:prstGeom>
+        </p:spPr>
+      </p:pic>
     </p:spTree>
     <p:extLst>
       <p:ext uri="{BB962C8B-B14F-4D97-AF65-F5344CB8AC3E}">
@@ -6265,7 +6601,7 @@
           <a:p>
             <a:r>
               <a:rPr lang="en-US" dirty="0"/>
-              <a:t>*2*</a:t>
+              <a:t>5560 - State 2 - VT-07 On-Board Emissions</a:t>
             </a:r>
           </a:p>
         </p:txBody>
@@ -6307,6 +6643,174 @@
           </a:p>
         </p:txBody>
       </p:sp>
+      <p:pic>
+        <p:nvPicPr>
+          <p:cNvPr id="5" name="Picture 4" descr="image.png"/>
+          <p:cNvPicPr>
+            <a:picLocks noChangeAspect="1"/>
+          </p:cNvPicPr>
+          <p:nvPr/>
+        </p:nvPicPr>
+        <p:blipFill>
+          <a:blip r:embed="rId2"/>
+          <a:stretch>
+            <a:fillRect/>
+          </a:stretch>
+        </p:blipFill>
+        <p:spPr>
+          <a:xfrm>
+            <a:off x="12700" y="889000"/>
+            <a:ext cx="2959100" cy="2235200"/>
+          </a:xfrm>
+          <a:prstGeom prst="rect">
+            <a:avLst/>
+          </a:prstGeom>
+        </p:spPr>
+      </p:pic>
+      <p:pic>
+        <p:nvPicPr>
+          <p:cNvPr id="6" name="Picture 5" descr="image.png"/>
+          <p:cNvPicPr>
+            <a:picLocks noChangeAspect="1"/>
+          </p:cNvPicPr>
+          <p:nvPr/>
+        </p:nvPicPr>
+        <p:blipFill>
+          <a:blip r:embed="rId3"/>
+          <a:stretch>
+            <a:fillRect/>
+          </a:stretch>
+        </p:blipFill>
+        <p:spPr>
+          <a:xfrm>
+            <a:off x="3035300" y="889000"/>
+            <a:ext cx="2959100" cy="2235200"/>
+          </a:xfrm>
+          <a:prstGeom prst="rect">
+            <a:avLst/>
+          </a:prstGeom>
+        </p:spPr>
+      </p:pic>
+      <p:pic>
+        <p:nvPicPr>
+          <p:cNvPr id="7" name="Picture 6" descr="image.png"/>
+          <p:cNvPicPr>
+            <a:picLocks noChangeAspect="1"/>
+          </p:cNvPicPr>
+          <p:nvPr/>
+        </p:nvPicPr>
+        <p:blipFill>
+          <a:blip r:embed="rId4"/>
+          <a:stretch>
+            <a:fillRect/>
+          </a:stretch>
+        </p:blipFill>
+        <p:spPr>
+          <a:xfrm>
+            <a:off x="6057900" y="889000"/>
+            <a:ext cx="2959100" cy="2235200"/>
+          </a:xfrm>
+          <a:prstGeom prst="rect">
+            <a:avLst/>
+          </a:prstGeom>
+        </p:spPr>
+      </p:pic>
+      <p:pic>
+        <p:nvPicPr>
+          <p:cNvPr id="8" name="Picture 7" descr="image.png"/>
+          <p:cNvPicPr>
+            <a:picLocks noChangeAspect="1"/>
+          </p:cNvPicPr>
+          <p:nvPr/>
+        </p:nvPicPr>
+        <p:blipFill>
+          <a:blip r:embed="rId5"/>
+          <a:stretch>
+            <a:fillRect/>
+          </a:stretch>
+        </p:blipFill>
+        <p:spPr>
+          <a:xfrm>
+            <a:off x="12700" y="3492500"/>
+            <a:ext cx="2222500" cy="1651000"/>
+          </a:xfrm>
+          <a:prstGeom prst="rect">
+            <a:avLst/>
+          </a:prstGeom>
+        </p:spPr>
+      </p:pic>
+      <p:pic>
+        <p:nvPicPr>
+          <p:cNvPr id="9" name="Picture 8" descr="image.png"/>
+          <p:cNvPicPr>
+            <a:picLocks noChangeAspect="1"/>
+          </p:cNvPicPr>
+          <p:nvPr/>
+        </p:nvPicPr>
+        <p:blipFill>
+          <a:blip r:embed="rId6"/>
+          <a:stretch>
+            <a:fillRect/>
+          </a:stretch>
+        </p:blipFill>
+        <p:spPr>
+          <a:xfrm>
+            <a:off x="2286000" y="3492500"/>
+            <a:ext cx="2222500" cy="1651000"/>
+          </a:xfrm>
+          <a:prstGeom prst="rect">
+            <a:avLst/>
+          </a:prstGeom>
+        </p:spPr>
+      </p:pic>
+      <p:pic>
+        <p:nvPicPr>
+          <p:cNvPr id="10" name="Picture 9" descr="image.png"/>
+          <p:cNvPicPr>
+            <a:picLocks noChangeAspect="1"/>
+          </p:cNvPicPr>
+          <p:nvPr/>
+        </p:nvPicPr>
+        <p:blipFill>
+          <a:blip r:embed="rId7"/>
+          <a:stretch>
+            <a:fillRect/>
+          </a:stretch>
+        </p:blipFill>
+        <p:spPr>
+          <a:xfrm>
+            <a:off x="4572000" y="3492500"/>
+            <a:ext cx="2222500" cy="1651000"/>
+          </a:xfrm>
+          <a:prstGeom prst="rect">
+            <a:avLst/>
+          </a:prstGeom>
+        </p:spPr>
+      </p:pic>
+      <p:pic>
+        <p:nvPicPr>
+          <p:cNvPr id="11" name="Picture 10" descr="image.png"/>
+          <p:cNvPicPr>
+            <a:picLocks noChangeAspect="1"/>
+          </p:cNvPicPr>
+          <p:nvPr/>
+        </p:nvPicPr>
+        <p:blipFill>
+          <a:blip r:embed="rId8"/>
+          <a:stretch>
+            <a:fillRect/>
+          </a:stretch>
+        </p:blipFill>
+        <p:spPr>
+          <a:xfrm>
+            <a:off x="6858000" y="3492500"/>
+            <a:ext cx="2222500" cy="1651000"/>
+          </a:xfrm>
+          <a:prstGeom prst="rect">
+            <a:avLst/>
+          </a:prstGeom>
+        </p:spPr>
+      </p:pic>
     </p:spTree>
     <p:extLst>
       <p:ext uri="{BB962C8B-B14F-4D97-AF65-F5344CB8AC3E}">

--- a/newDeck.pptx
+++ b/newDeck.pptx
@@ -4112,7 +4112,7 @@
           <a:p>
             <a:r>
               <a:rPr lang="en-US" dirty="0"/>
-              <a:t>5560 - State 1 - VT-07 On-Board Emissions</a:t>
+              <a:t>5580 - State 10 - VT-07 On-Board Emissions</a:t>
             </a:r>
           </a:p>
         </p:txBody>
@@ -5699,7 +5699,7 @@
           <a:p>
             <a:r>
               <a:rPr lang="en-US" dirty="0"/>
-              <a:t>5560 - State 3 - VT-07 On-Board Emissions</a:t>
+              <a:t>5580 - State 11 - VT-07 On-Board Emissions</a:t>
             </a:r>
           </a:p>
         </p:txBody>
@@ -6601,7 +6601,7 @@
           <a:p>
             <a:r>
               <a:rPr lang="en-US" dirty="0"/>
-              <a:t>5560 - State 2 - VT-07 On-Board Emissions</a:t>
+              <a:t>5580 - State 12 - VT-07 On-Board Emissions</a:t>
             </a:r>
           </a:p>
         </p:txBody>
@@ -6898,7 +6898,7 @@
           <a:p>
             <a:r>
               <a:rPr lang="en-US" dirty="0"/>
-              <a:t>*3*</a:t>
+              <a:t>5580 - State 9 - VT-07 On-Board Emissions</a:t>
             </a:r>
           </a:p>
         </p:txBody>
@@ -6940,6 +6940,174 @@
           </a:p>
         </p:txBody>
       </p:sp>
+      <p:pic>
+        <p:nvPicPr>
+          <p:cNvPr id="5" name="Picture 4" descr="image.png"/>
+          <p:cNvPicPr>
+            <a:picLocks noChangeAspect="1"/>
+          </p:cNvPicPr>
+          <p:nvPr/>
+        </p:nvPicPr>
+        <p:blipFill>
+          <a:blip r:embed="rId2"/>
+          <a:stretch>
+            <a:fillRect/>
+          </a:stretch>
+        </p:blipFill>
+        <p:spPr>
+          <a:xfrm>
+            <a:off x="12700" y="889000"/>
+            <a:ext cx="2959100" cy="2235200"/>
+          </a:xfrm>
+          <a:prstGeom prst="rect">
+            <a:avLst/>
+          </a:prstGeom>
+        </p:spPr>
+      </p:pic>
+      <p:pic>
+        <p:nvPicPr>
+          <p:cNvPr id="6" name="Picture 5" descr="image.png"/>
+          <p:cNvPicPr>
+            <a:picLocks noChangeAspect="1"/>
+          </p:cNvPicPr>
+          <p:nvPr/>
+        </p:nvPicPr>
+        <p:blipFill>
+          <a:blip r:embed="rId3"/>
+          <a:stretch>
+            <a:fillRect/>
+          </a:stretch>
+        </p:blipFill>
+        <p:spPr>
+          <a:xfrm>
+            <a:off x="3035300" y="889000"/>
+            <a:ext cx="2959100" cy="2235200"/>
+          </a:xfrm>
+          <a:prstGeom prst="rect">
+            <a:avLst/>
+          </a:prstGeom>
+        </p:spPr>
+      </p:pic>
+      <p:pic>
+        <p:nvPicPr>
+          <p:cNvPr id="7" name="Picture 6" descr="image.png"/>
+          <p:cNvPicPr>
+            <a:picLocks noChangeAspect="1"/>
+          </p:cNvPicPr>
+          <p:nvPr/>
+        </p:nvPicPr>
+        <p:blipFill>
+          <a:blip r:embed="rId4"/>
+          <a:stretch>
+            <a:fillRect/>
+          </a:stretch>
+        </p:blipFill>
+        <p:spPr>
+          <a:xfrm>
+            <a:off x="6057900" y="889000"/>
+            <a:ext cx="2959100" cy="2235200"/>
+          </a:xfrm>
+          <a:prstGeom prst="rect">
+            <a:avLst/>
+          </a:prstGeom>
+        </p:spPr>
+      </p:pic>
+      <p:pic>
+        <p:nvPicPr>
+          <p:cNvPr id="8" name="Picture 7" descr="image.png"/>
+          <p:cNvPicPr>
+            <a:picLocks noChangeAspect="1"/>
+          </p:cNvPicPr>
+          <p:nvPr/>
+        </p:nvPicPr>
+        <p:blipFill>
+          <a:blip r:embed="rId5"/>
+          <a:stretch>
+            <a:fillRect/>
+          </a:stretch>
+        </p:blipFill>
+        <p:spPr>
+          <a:xfrm>
+            <a:off x="12700" y="3492500"/>
+            <a:ext cx="2222500" cy="1651000"/>
+          </a:xfrm>
+          <a:prstGeom prst="rect">
+            <a:avLst/>
+          </a:prstGeom>
+        </p:spPr>
+      </p:pic>
+      <p:pic>
+        <p:nvPicPr>
+          <p:cNvPr id="9" name="Picture 8" descr="image.png"/>
+          <p:cNvPicPr>
+            <a:picLocks noChangeAspect="1"/>
+          </p:cNvPicPr>
+          <p:nvPr/>
+        </p:nvPicPr>
+        <p:blipFill>
+          <a:blip r:embed="rId6"/>
+          <a:stretch>
+            <a:fillRect/>
+          </a:stretch>
+        </p:blipFill>
+        <p:spPr>
+          <a:xfrm>
+            <a:off x="2286000" y="3492500"/>
+            <a:ext cx="2222500" cy="1651000"/>
+          </a:xfrm>
+          <a:prstGeom prst="rect">
+            <a:avLst/>
+          </a:prstGeom>
+        </p:spPr>
+      </p:pic>
+      <p:pic>
+        <p:nvPicPr>
+          <p:cNvPr id="10" name="Picture 9" descr="image.png"/>
+          <p:cNvPicPr>
+            <a:picLocks noChangeAspect="1"/>
+          </p:cNvPicPr>
+          <p:nvPr/>
+        </p:nvPicPr>
+        <p:blipFill>
+          <a:blip r:embed="rId7"/>
+          <a:stretch>
+            <a:fillRect/>
+          </a:stretch>
+        </p:blipFill>
+        <p:spPr>
+          <a:xfrm>
+            <a:off x="4572000" y="3492500"/>
+            <a:ext cx="2222500" cy="1651000"/>
+          </a:xfrm>
+          <a:prstGeom prst="rect">
+            <a:avLst/>
+          </a:prstGeom>
+        </p:spPr>
+      </p:pic>
+      <p:pic>
+        <p:nvPicPr>
+          <p:cNvPr id="11" name="Picture 10" descr="image.png"/>
+          <p:cNvPicPr>
+            <a:picLocks noChangeAspect="1"/>
+          </p:cNvPicPr>
+          <p:nvPr/>
+        </p:nvPicPr>
+        <p:blipFill>
+          <a:blip r:embed="rId8"/>
+          <a:stretch>
+            <a:fillRect/>
+          </a:stretch>
+        </p:blipFill>
+        <p:spPr>
+          <a:xfrm>
+            <a:off x="6858000" y="3492500"/>
+            <a:ext cx="2222500" cy="1651000"/>
+          </a:xfrm>
+          <a:prstGeom prst="rect">
+            <a:avLst/>
+          </a:prstGeom>
+        </p:spPr>
+      </p:pic>
     </p:spTree>
     <p:extLst>
       <p:ext uri="{BB962C8B-B14F-4D97-AF65-F5344CB8AC3E}">

--- a/newDeck.pptx
+++ b/newDeck.pptx
@@ -4112,7 +4112,7 @@
           <a:p>
             <a:r>
               <a:rPr lang="en-US" dirty="0"/>
-              <a:t>5580 - State 10 - VT-07 On-Board Emissions</a:t>
+              <a:t>5537 - State 2 - RRNB - VT-01 Off-Board Emissions 3m</a:t>
             </a:r>
           </a:p>
         </p:txBody>
@@ -4172,150 +4172,6 @@
           <a:xfrm>
             <a:off x="12700" y="889000"/>
             <a:ext cx="2959100" cy="2235200"/>
-          </a:xfrm>
-          <a:prstGeom prst="rect">
-            <a:avLst/>
-          </a:prstGeom>
-        </p:spPr>
-      </p:pic>
-      <p:pic>
-        <p:nvPicPr>
-          <p:cNvPr id="6" name="Picture 5" descr="image.png"/>
-          <p:cNvPicPr>
-            <a:picLocks noChangeAspect="1"/>
-          </p:cNvPicPr>
-          <p:nvPr/>
-        </p:nvPicPr>
-        <p:blipFill>
-          <a:blip r:embed="rId3"/>
-          <a:stretch>
-            <a:fillRect/>
-          </a:stretch>
-        </p:blipFill>
-        <p:spPr>
-          <a:xfrm>
-            <a:off x="3035300" y="889000"/>
-            <a:ext cx="2959100" cy="2235200"/>
-          </a:xfrm>
-          <a:prstGeom prst="rect">
-            <a:avLst/>
-          </a:prstGeom>
-        </p:spPr>
-      </p:pic>
-      <p:pic>
-        <p:nvPicPr>
-          <p:cNvPr id="7" name="Picture 6" descr="image.png"/>
-          <p:cNvPicPr>
-            <a:picLocks noChangeAspect="1"/>
-          </p:cNvPicPr>
-          <p:nvPr/>
-        </p:nvPicPr>
-        <p:blipFill>
-          <a:blip r:embed="rId4"/>
-          <a:stretch>
-            <a:fillRect/>
-          </a:stretch>
-        </p:blipFill>
-        <p:spPr>
-          <a:xfrm>
-            <a:off x="6057900" y="889000"/>
-            <a:ext cx="2959100" cy="2235200"/>
-          </a:xfrm>
-          <a:prstGeom prst="rect">
-            <a:avLst/>
-          </a:prstGeom>
-        </p:spPr>
-      </p:pic>
-      <p:pic>
-        <p:nvPicPr>
-          <p:cNvPr id="8" name="Picture 7" descr="image.png"/>
-          <p:cNvPicPr>
-            <a:picLocks noChangeAspect="1"/>
-          </p:cNvPicPr>
-          <p:nvPr/>
-        </p:nvPicPr>
-        <p:blipFill>
-          <a:blip r:embed="rId5"/>
-          <a:stretch>
-            <a:fillRect/>
-          </a:stretch>
-        </p:blipFill>
-        <p:spPr>
-          <a:xfrm>
-            <a:off x="12700" y="3492500"/>
-            <a:ext cx="2222500" cy="1651000"/>
-          </a:xfrm>
-          <a:prstGeom prst="rect">
-            <a:avLst/>
-          </a:prstGeom>
-        </p:spPr>
-      </p:pic>
-      <p:pic>
-        <p:nvPicPr>
-          <p:cNvPr id="9" name="Picture 8" descr="image.png"/>
-          <p:cNvPicPr>
-            <a:picLocks noChangeAspect="1"/>
-          </p:cNvPicPr>
-          <p:nvPr/>
-        </p:nvPicPr>
-        <p:blipFill>
-          <a:blip r:embed="rId6"/>
-          <a:stretch>
-            <a:fillRect/>
-          </a:stretch>
-        </p:blipFill>
-        <p:spPr>
-          <a:xfrm>
-            <a:off x="2286000" y="3492500"/>
-            <a:ext cx="2222500" cy="1651000"/>
-          </a:xfrm>
-          <a:prstGeom prst="rect">
-            <a:avLst/>
-          </a:prstGeom>
-        </p:spPr>
-      </p:pic>
-      <p:pic>
-        <p:nvPicPr>
-          <p:cNvPr id="10" name="Picture 9" descr="image.png"/>
-          <p:cNvPicPr>
-            <a:picLocks noChangeAspect="1"/>
-          </p:cNvPicPr>
-          <p:nvPr/>
-        </p:nvPicPr>
-        <p:blipFill>
-          <a:blip r:embed="rId7"/>
-          <a:stretch>
-            <a:fillRect/>
-          </a:stretch>
-        </p:blipFill>
-        <p:spPr>
-          <a:xfrm>
-            <a:off x="4572000" y="3492500"/>
-            <a:ext cx="2222500" cy="1651000"/>
-          </a:xfrm>
-          <a:prstGeom prst="rect">
-            <a:avLst/>
-          </a:prstGeom>
-        </p:spPr>
-      </p:pic>
-      <p:pic>
-        <p:nvPicPr>
-          <p:cNvPr id="11" name="Picture 10" descr="image.png"/>
-          <p:cNvPicPr>
-            <a:picLocks noChangeAspect="1"/>
-          </p:cNvPicPr>
-          <p:nvPr/>
-        </p:nvPicPr>
-        <p:blipFill>
-          <a:blip r:embed="rId8"/>
-          <a:stretch>
-            <a:fillRect/>
-          </a:stretch>
-        </p:blipFill>
-        <p:spPr>
-          <a:xfrm>
-            <a:off x="6858000" y="3492500"/>
-            <a:ext cx="2222500" cy="1651000"/>
           </a:xfrm>
           <a:prstGeom prst="rect">
             <a:avLst/>
@@ -5699,7 +5555,7 @@
           <a:p>
             <a:r>
               <a:rPr lang="en-US" dirty="0"/>
-              <a:t>5580 - State 11 - VT-07 On-Board Emissions</a:t>
+              <a:t>5537 - State 1 - FRNB - VT-01 Off-Board Emissions 3m</a:t>
             </a:r>
           </a:p>
         </p:txBody>
@@ -5759,150 +5615,6 @@
           <a:xfrm>
             <a:off x="12700" y="889000"/>
             <a:ext cx="2959100" cy="2235200"/>
-          </a:xfrm>
-          <a:prstGeom prst="rect">
-            <a:avLst/>
-          </a:prstGeom>
-        </p:spPr>
-      </p:pic>
-      <p:pic>
-        <p:nvPicPr>
-          <p:cNvPr id="6" name="Picture 5" descr="image.png"/>
-          <p:cNvPicPr>
-            <a:picLocks noChangeAspect="1"/>
-          </p:cNvPicPr>
-          <p:nvPr/>
-        </p:nvPicPr>
-        <p:blipFill>
-          <a:blip r:embed="rId3"/>
-          <a:stretch>
-            <a:fillRect/>
-          </a:stretch>
-        </p:blipFill>
-        <p:spPr>
-          <a:xfrm>
-            <a:off x="3035300" y="889000"/>
-            <a:ext cx="2959100" cy="2235200"/>
-          </a:xfrm>
-          <a:prstGeom prst="rect">
-            <a:avLst/>
-          </a:prstGeom>
-        </p:spPr>
-      </p:pic>
-      <p:pic>
-        <p:nvPicPr>
-          <p:cNvPr id="7" name="Picture 6" descr="image.png"/>
-          <p:cNvPicPr>
-            <a:picLocks noChangeAspect="1"/>
-          </p:cNvPicPr>
-          <p:nvPr/>
-        </p:nvPicPr>
-        <p:blipFill>
-          <a:blip r:embed="rId4"/>
-          <a:stretch>
-            <a:fillRect/>
-          </a:stretch>
-        </p:blipFill>
-        <p:spPr>
-          <a:xfrm>
-            <a:off x="6057900" y="889000"/>
-            <a:ext cx="2959100" cy="2235200"/>
-          </a:xfrm>
-          <a:prstGeom prst="rect">
-            <a:avLst/>
-          </a:prstGeom>
-        </p:spPr>
-      </p:pic>
-      <p:pic>
-        <p:nvPicPr>
-          <p:cNvPr id="8" name="Picture 7" descr="image.png"/>
-          <p:cNvPicPr>
-            <a:picLocks noChangeAspect="1"/>
-          </p:cNvPicPr>
-          <p:nvPr/>
-        </p:nvPicPr>
-        <p:blipFill>
-          <a:blip r:embed="rId5"/>
-          <a:stretch>
-            <a:fillRect/>
-          </a:stretch>
-        </p:blipFill>
-        <p:spPr>
-          <a:xfrm>
-            <a:off x="12700" y="3492500"/>
-            <a:ext cx="2222500" cy="1651000"/>
-          </a:xfrm>
-          <a:prstGeom prst="rect">
-            <a:avLst/>
-          </a:prstGeom>
-        </p:spPr>
-      </p:pic>
-      <p:pic>
-        <p:nvPicPr>
-          <p:cNvPr id="9" name="Picture 8" descr="image.png"/>
-          <p:cNvPicPr>
-            <a:picLocks noChangeAspect="1"/>
-          </p:cNvPicPr>
-          <p:nvPr/>
-        </p:nvPicPr>
-        <p:blipFill>
-          <a:blip r:embed="rId6"/>
-          <a:stretch>
-            <a:fillRect/>
-          </a:stretch>
-        </p:blipFill>
-        <p:spPr>
-          <a:xfrm>
-            <a:off x="2286000" y="3492500"/>
-            <a:ext cx="2222500" cy="1651000"/>
-          </a:xfrm>
-          <a:prstGeom prst="rect">
-            <a:avLst/>
-          </a:prstGeom>
-        </p:spPr>
-      </p:pic>
-      <p:pic>
-        <p:nvPicPr>
-          <p:cNvPr id="10" name="Picture 9" descr="image.png"/>
-          <p:cNvPicPr>
-            <a:picLocks noChangeAspect="1"/>
-          </p:cNvPicPr>
-          <p:nvPr/>
-        </p:nvPicPr>
-        <p:blipFill>
-          <a:blip r:embed="rId7"/>
-          <a:stretch>
-            <a:fillRect/>
-          </a:stretch>
-        </p:blipFill>
-        <p:spPr>
-          <a:xfrm>
-            <a:off x="4572000" y="3492500"/>
-            <a:ext cx="2222500" cy="1651000"/>
-          </a:xfrm>
-          <a:prstGeom prst="rect">
-            <a:avLst/>
-          </a:prstGeom>
-        </p:spPr>
-      </p:pic>
-      <p:pic>
-        <p:nvPicPr>
-          <p:cNvPr id="11" name="Picture 10" descr="image.png"/>
-          <p:cNvPicPr>
-            <a:picLocks noChangeAspect="1"/>
-          </p:cNvPicPr>
-          <p:nvPr/>
-        </p:nvPicPr>
-        <p:blipFill>
-          <a:blip r:embed="rId8"/>
-          <a:stretch>
-            <a:fillRect/>
-          </a:stretch>
-        </p:blipFill>
-        <p:spPr>
-          <a:xfrm>
-            <a:off x="6858000" y="3492500"/>
-            <a:ext cx="2222500" cy="1651000"/>
           </a:xfrm>
           <a:prstGeom prst="rect">
             <a:avLst/>
@@ -6601,7 +6313,7 @@
           <a:p>
             <a:r>
               <a:rPr lang="en-US" dirty="0"/>
-              <a:t>5580 - State 12 - VT-07 On-Board Emissions</a:t>
+              <a:t>*2*</a:t>
             </a:r>
           </a:p>
         </p:txBody>
@@ -6643,174 +6355,6 @@
           </a:p>
         </p:txBody>
       </p:sp>
-      <p:pic>
-        <p:nvPicPr>
-          <p:cNvPr id="5" name="Picture 4" descr="image.png"/>
-          <p:cNvPicPr>
-            <a:picLocks noChangeAspect="1"/>
-          </p:cNvPicPr>
-          <p:nvPr/>
-        </p:nvPicPr>
-        <p:blipFill>
-          <a:blip r:embed="rId2"/>
-          <a:stretch>
-            <a:fillRect/>
-          </a:stretch>
-        </p:blipFill>
-        <p:spPr>
-          <a:xfrm>
-            <a:off x="12700" y="889000"/>
-            <a:ext cx="2959100" cy="2235200"/>
-          </a:xfrm>
-          <a:prstGeom prst="rect">
-            <a:avLst/>
-          </a:prstGeom>
-        </p:spPr>
-      </p:pic>
-      <p:pic>
-        <p:nvPicPr>
-          <p:cNvPr id="6" name="Picture 5" descr="image.png"/>
-          <p:cNvPicPr>
-            <a:picLocks noChangeAspect="1"/>
-          </p:cNvPicPr>
-          <p:nvPr/>
-        </p:nvPicPr>
-        <p:blipFill>
-          <a:blip r:embed="rId3"/>
-          <a:stretch>
-            <a:fillRect/>
-          </a:stretch>
-        </p:blipFill>
-        <p:spPr>
-          <a:xfrm>
-            <a:off x="3035300" y="889000"/>
-            <a:ext cx="2959100" cy="2235200"/>
-          </a:xfrm>
-          <a:prstGeom prst="rect">
-            <a:avLst/>
-          </a:prstGeom>
-        </p:spPr>
-      </p:pic>
-      <p:pic>
-        <p:nvPicPr>
-          <p:cNvPr id="7" name="Picture 6" descr="image.png"/>
-          <p:cNvPicPr>
-            <a:picLocks noChangeAspect="1"/>
-          </p:cNvPicPr>
-          <p:nvPr/>
-        </p:nvPicPr>
-        <p:blipFill>
-          <a:blip r:embed="rId4"/>
-          <a:stretch>
-            <a:fillRect/>
-          </a:stretch>
-        </p:blipFill>
-        <p:spPr>
-          <a:xfrm>
-            <a:off x="6057900" y="889000"/>
-            <a:ext cx="2959100" cy="2235200"/>
-          </a:xfrm>
-          <a:prstGeom prst="rect">
-            <a:avLst/>
-          </a:prstGeom>
-        </p:spPr>
-      </p:pic>
-      <p:pic>
-        <p:nvPicPr>
-          <p:cNvPr id="8" name="Picture 7" descr="image.png"/>
-          <p:cNvPicPr>
-            <a:picLocks noChangeAspect="1"/>
-          </p:cNvPicPr>
-          <p:nvPr/>
-        </p:nvPicPr>
-        <p:blipFill>
-          <a:blip r:embed="rId5"/>
-          <a:stretch>
-            <a:fillRect/>
-          </a:stretch>
-        </p:blipFill>
-        <p:spPr>
-          <a:xfrm>
-            <a:off x="12700" y="3492500"/>
-            <a:ext cx="2222500" cy="1651000"/>
-          </a:xfrm>
-          <a:prstGeom prst="rect">
-            <a:avLst/>
-          </a:prstGeom>
-        </p:spPr>
-      </p:pic>
-      <p:pic>
-        <p:nvPicPr>
-          <p:cNvPr id="9" name="Picture 8" descr="image.png"/>
-          <p:cNvPicPr>
-            <a:picLocks noChangeAspect="1"/>
-          </p:cNvPicPr>
-          <p:nvPr/>
-        </p:nvPicPr>
-        <p:blipFill>
-          <a:blip r:embed="rId6"/>
-          <a:stretch>
-            <a:fillRect/>
-          </a:stretch>
-        </p:blipFill>
-        <p:spPr>
-          <a:xfrm>
-            <a:off x="2286000" y="3492500"/>
-            <a:ext cx="2222500" cy="1651000"/>
-          </a:xfrm>
-          <a:prstGeom prst="rect">
-            <a:avLst/>
-          </a:prstGeom>
-        </p:spPr>
-      </p:pic>
-      <p:pic>
-        <p:nvPicPr>
-          <p:cNvPr id="10" name="Picture 9" descr="image.png"/>
-          <p:cNvPicPr>
-            <a:picLocks noChangeAspect="1"/>
-          </p:cNvPicPr>
-          <p:nvPr/>
-        </p:nvPicPr>
-        <p:blipFill>
-          <a:blip r:embed="rId7"/>
-          <a:stretch>
-            <a:fillRect/>
-          </a:stretch>
-        </p:blipFill>
-        <p:spPr>
-          <a:xfrm>
-            <a:off x="4572000" y="3492500"/>
-            <a:ext cx="2222500" cy="1651000"/>
-          </a:xfrm>
-          <a:prstGeom prst="rect">
-            <a:avLst/>
-          </a:prstGeom>
-        </p:spPr>
-      </p:pic>
-      <p:pic>
-        <p:nvPicPr>
-          <p:cNvPr id="11" name="Picture 10" descr="image.png"/>
-          <p:cNvPicPr>
-            <a:picLocks noChangeAspect="1"/>
-          </p:cNvPicPr>
-          <p:nvPr/>
-        </p:nvPicPr>
-        <p:blipFill>
-          <a:blip r:embed="rId8"/>
-          <a:stretch>
-            <a:fillRect/>
-          </a:stretch>
-        </p:blipFill>
-        <p:spPr>
-          <a:xfrm>
-            <a:off x="6858000" y="3492500"/>
-            <a:ext cx="2222500" cy="1651000"/>
-          </a:xfrm>
-          <a:prstGeom prst="rect">
-            <a:avLst/>
-          </a:prstGeom>
-        </p:spPr>
-      </p:pic>
     </p:spTree>
     <p:extLst>
       <p:ext uri="{BB962C8B-B14F-4D97-AF65-F5344CB8AC3E}">
@@ -6898,7 +6442,7 @@
           <a:p>
             <a:r>
               <a:rPr lang="en-US" dirty="0"/>
-              <a:t>5580 - State 9 - VT-07 On-Board Emissions</a:t>
+              <a:t>*3*</a:t>
             </a:r>
           </a:p>
         </p:txBody>
@@ -6940,174 +6484,6 @@
           </a:p>
         </p:txBody>
       </p:sp>
-      <p:pic>
-        <p:nvPicPr>
-          <p:cNvPr id="5" name="Picture 4" descr="image.png"/>
-          <p:cNvPicPr>
-            <a:picLocks noChangeAspect="1"/>
-          </p:cNvPicPr>
-          <p:nvPr/>
-        </p:nvPicPr>
-        <p:blipFill>
-          <a:blip r:embed="rId2"/>
-          <a:stretch>
-            <a:fillRect/>
-          </a:stretch>
-        </p:blipFill>
-        <p:spPr>
-          <a:xfrm>
-            <a:off x="12700" y="889000"/>
-            <a:ext cx="2959100" cy="2235200"/>
-          </a:xfrm>
-          <a:prstGeom prst="rect">
-            <a:avLst/>
-          </a:prstGeom>
-        </p:spPr>
-      </p:pic>
-      <p:pic>
-        <p:nvPicPr>
-          <p:cNvPr id="6" name="Picture 5" descr="image.png"/>
-          <p:cNvPicPr>
-            <a:picLocks noChangeAspect="1"/>
-          </p:cNvPicPr>
-          <p:nvPr/>
-        </p:nvPicPr>
-        <p:blipFill>
-          <a:blip r:embed="rId3"/>
-          <a:stretch>
-            <a:fillRect/>
-          </a:stretch>
-        </p:blipFill>
-        <p:spPr>
-          <a:xfrm>
-            <a:off x="3035300" y="889000"/>
-            <a:ext cx="2959100" cy="2235200"/>
-          </a:xfrm>
-          <a:prstGeom prst="rect">
-            <a:avLst/>
-          </a:prstGeom>
-        </p:spPr>
-      </p:pic>
-      <p:pic>
-        <p:nvPicPr>
-          <p:cNvPr id="7" name="Picture 6" descr="image.png"/>
-          <p:cNvPicPr>
-            <a:picLocks noChangeAspect="1"/>
-          </p:cNvPicPr>
-          <p:nvPr/>
-        </p:nvPicPr>
-        <p:blipFill>
-          <a:blip r:embed="rId4"/>
-          <a:stretch>
-            <a:fillRect/>
-          </a:stretch>
-        </p:blipFill>
-        <p:spPr>
-          <a:xfrm>
-            <a:off x="6057900" y="889000"/>
-            <a:ext cx="2959100" cy="2235200"/>
-          </a:xfrm>
-          <a:prstGeom prst="rect">
-            <a:avLst/>
-          </a:prstGeom>
-        </p:spPr>
-      </p:pic>
-      <p:pic>
-        <p:nvPicPr>
-          <p:cNvPr id="8" name="Picture 7" descr="image.png"/>
-          <p:cNvPicPr>
-            <a:picLocks noChangeAspect="1"/>
-          </p:cNvPicPr>
-          <p:nvPr/>
-        </p:nvPicPr>
-        <p:blipFill>
-          <a:blip r:embed="rId5"/>
-          <a:stretch>
-            <a:fillRect/>
-          </a:stretch>
-        </p:blipFill>
-        <p:spPr>
-          <a:xfrm>
-            <a:off x="12700" y="3492500"/>
-            <a:ext cx="2222500" cy="1651000"/>
-          </a:xfrm>
-          <a:prstGeom prst="rect">
-            <a:avLst/>
-          </a:prstGeom>
-        </p:spPr>
-      </p:pic>
-      <p:pic>
-        <p:nvPicPr>
-          <p:cNvPr id="9" name="Picture 8" descr="image.png"/>
-          <p:cNvPicPr>
-            <a:picLocks noChangeAspect="1"/>
-          </p:cNvPicPr>
-          <p:nvPr/>
-        </p:nvPicPr>
-        <p:blipFill>
-          <a:blip r:embed="rId6"/>
-          <a:stretch>
-            <a:fillRect/>
-          </a:stretch>
-        </p:blipFill>
-        <p:spPr>
-          <a:xfrm>
-            <a:off x="2286000" y="3492500"/>
-            <a:ext cx="2222500" cy="1651000"/>
-          </a:xfrm>
-          <a:prstGeom prst="rect">
-            <a:avLst/>
-          </a:prstGeom>
-        </p:spPr>
-      </p:pic>
-      <p:pic>
-        <p:nvPicPr>
-          <p:cNvPr id="10" name="Picture 9" descr="image.png"/>
-          <p:cNvPicPr>
-            <a:picLocks noChangeAspect="1"/>
-          </p:cNvPicPr>
-          <p:nvPr/>
-        </p:nvPicPr>
-        <p:blipFill>
-          <a:blip r:embed="rId7"/>
-          <a:stretch>
-            <a:fillRect/>
-          </a:stretch>
-        </p:blipFill>
-        <p:spPr>
-          <a:xfrm>
-            <a:off x="4572000" y="3492500"/>
-            <a:ext cx="2222500" cy="1651000"/>
-          </a:xfrm>
-          <a:prstGeom prst="rect">
-            <a:avLst/>
-          </a:prstGeom>
-        </p:spPr>
-      </p:pic>
-      <p:pic>
-        <p:nvPicPr>
-          <p:cNvPr id="11" name="Picture 10" descr="image.png"/>
-          <p:cNvPicPr>
-            <a:picLocks noChangeAspect="1"/>
-          </p:cNvPicPr>
-          <p:nvPr/>
-        </p:nvPicPr>
-        <p:blipFill>
-          <a:blip r:embed="rId8"/>
-          <a:stretch>
-            <a:fillRect/>
-          </a:stretch>
-        </p:blipFill>
-        <p:spPr>
-          <a:xfrm>
-            <a:off x="6858000" y="3492500"/>
-            <a:ext cx="2222500" cy="1651000"/>
-          </a:xfrm>
-          <a:prstGeom prst="rect">
-            <a:avLst/>
-          </a:prstGeom>
-        </p:spPr>
-      </p:pic>
     </p:spTree>
     <p:extLst>
       <p:ext uri="{BB962C8B-B14F-4D97-AF65-F5344CB8AC3E}">

--- a/newDeck.pptx
+++ b/newDeck.pptx
@@ -4112,7 +4112,7 @@
           <a:p>
             <a:r>
               <a:rPr lang="en-US" dirty="0"/>
-              <a:t>5537 - State 2 - RRNB - VT-01 Off-Board Emissions 3m</a:t>
+              <a:t>5537 - State 2 - RRNB | VT-01 Off-Board Emissions (3m)</a:t>
             </a:r>
           </a:p>
         </p:txBody>
@@ -5555,7 +5555,7 @@
           <a:p>
             <a:r>
               <a:rPr lang="en-US" dirty="0"/>
-              <a:t>5537 - State 1 - FRNB - VT-01 Off-Board Emissions 3m</a:t>
+              <a:t>5537 - State 1 - FRNB | VT-01 Off-Board Emissions (3m)</a:t>
             </a:r>
           </a:p>
         </p:txBody>
@@ -6313,7 +6313,7 @@
           <a:p>
             <a:r>
               <a:rPr lang="en-US" dirty="0"/>
-              <a:t>*2*</a:t>
+              <a:t>5537 - State 3 - FLNB | VT-01 Off-Board Emissions (3m)</a:t>
             </a:r>
           </a:p>
         </p:txBody>
@@ -6355,6 +6355,30 @@
           </a:p>
         </p:txBody>
       </p:sp>
+      <p:pic>
+        <p:nvPicPr>
+          <p:cNvPr id="5" name="Picture 4" descr="image.png"/>
+          <p:cNvPicPr>
+            <a:picLocks noChangeAspect="1"/>
+          </p:cNvPicPr>
+          <p:nvPr/>
+        </p:nvPicPr>
+        <p:blipFill>
+          <a:blip r:embed="rId2"/>
+          <a:stretch>
+            <a:fillRect/>
+          </a:stretch>
+        </p:blipFill>
+        <p:spPr>
+          <a:xfrm>
+            <a:off x="12700" y="889000"/>
+            <a:ext cx="2959100" cy="2235200"/>
+          </a:xfrm>
+          <a:prstGeom prst="rect">
+            <a:avLst/>
+          </a:prstGeom>
+        </p:spPr>
+      </p:pic>
     </p:spTree>
     <p:extLst>
       <p:ext uri="{BB962C8B-B14F-4D97-AF65-F5344CB8AC3E}">
@@ -6442,7 +6466,7 @@
           <a:p>
             <a:r>
               <a:rPr lang="en-US" dirty="0"/>
-              <a:t>*3*</a:t>
+              <a:t>5537 - State 4 - RLNB | VT-01 Off-Board Emissions (3m)</a:t>
             </a:r>
           </a:p>
         </p:txBody>
@@ -6484,6 +6508,30 @@
           </a:p>
         </p:txBody>
       </p:sp>
+      <p:pic>
+        <p:nvPicPr>
+          <p:cNvPr id="5" name="Picture 4" descr="image.png"/>
+          <p:cNvPicPr>
+            <a:picLocks noChangeAspect="1"/>
+          </p:cNvPicPr>
+          <p:nvPr/>
+        </p:nvPicPr>
+        <p:blipFill>
+          <a:blip r:embed="rId2"/>
+          <a:stretch>
+            <a:fillRect/>
+          </a:stretch>
+        </p:blipFill>
+        <p:spPr>
+          <a:xfrm>
+            <a:off x="12700" y="889000"/>
+            <a:ext cx="2959100" cy="2235200"/>
+          </a:xfrm>
+          <a:prstGeom prst="rect">
+            <a:avLst/>
+          </a:prstGeom>
+        </p:spPr>
+      </p:pic>
     </p:spTree>
     <p:extLst>
       <p:ext uri="{BB962C8B-B14F-4D97-AF65-F5344CB8AC3E}">

--- a/newDeck.pptx
+++ b/newDeck.pptx
@@ -4170,8 +4170,32 @@
         </p:blipFill>
         <p:spPr>
           <a:xfrm>
-            <a:off x="12700" y="889000"/>
-            <a:ext cx="2959100" cy="2235200"/>
+            <a:off x="12700" y="1079500"/>
+            <a:ext cx="4546600" cy="3429000"/>
+          </a:xfrm>
+          <a:prstGeom prst="rect">
+            <a:avLst/>
+          </a:prstGeom>
+        </p:spPr>
+      </p:pic>
+      <p:pic>
+        <p:nvPicPr>
+          <p:cNvPr id="6" name="Picture 5" descr="image.png"/>
+          <p:cNvPicPr>
+            <a:picLocks noChangeAspect="1"/>
+          </p:cNvPicPr>
+          <p:nvPr/>
+        </p:nvPicPr>
+        <p:blipFill>
+          <a:blip r:embed="rId3"/>
+          <a:stretch>
+            <a:fillRect/>
+          </a:stretch>
+        </p:blipFill>
+        <p:spPr>
+          <a:xfrm>
+            <a:off x="4572000" y="1079500"/>
+            <a:ext cx="4546600" cy="3429000"/>
           </a:xfrm>
           <a:prstGeom prst="rect">
             <a:avLst/>
@@ -5613,8 +5637,32 @@
         </p:blipFill>
         <p:spPr>
           <a:xfrm>
-            <a:off x="12700" y="889000"/>
-            <a:ext cx="2959100" cy="2235200"/>
+            <a:off x="12700" y="1079500"/>
+            <a:ext cx="4546600" cy="3429000"/>
+          </a:xfrm>
+          <a:prstGeom prst="rect">
+            <a:avLst/>
+          </a:prstGeom>
+        </p:spPr>
+      </p:pic>
+      <p:pic>
+        <p:nvPicPr>
+          <p:cNvPr id="6" name="Picture 5" descr="image.png"/>
+          <p:cNvPicPr>
+            <a:picLocks noChangeAspect="1"/>
+          </p:cNvPicPr>
+          <p:nvPr/>
+        </p:nvPicPr>
+        <p:blipFill>
+          <a:blip r:embed="rId3"/>
+          <a:stretch>
+            <a:fillRect/>
+          </a:stretch>
+        </p:blipFill>
+        <p:spPr>
+          <a:xfrm>
+            <a:off x="4572000" y="1079500"/>
+            <a:ext cx="4546600" cy="3429000"/>
           </a:xfrm>
           <a:prstGeom prst="rect">
             <a:avLst/>
@@ -6371,8 +6419,32 @@
         </p:blipFill>
         <p:spPr>
           <a:xfrm>
-            <a:off x="12700" y="889000"/>
-            <a:ext cx="2959100" cy="2235200"/>
+            <a:off x="12700" y="1079500"/>
+            <a:ext cx="4546600" cy="3429000"/>
+          </a:xfrm>
+          <a:prstGeom prst="rect">
+            <a:avLst/>
+          </a:prstGeom>
+        </p:spPr>
+      </p:pic>
+      <p:pic>
+        <p:nvPicPr>
+          <p:cNvPr id="6" name="Picture 5" descr="image.png"/>
+          <p:cNvPicPr>
+            <a:picLocks noChangeAspect="1"/>
+          </p:cNvPicPr>
+          <p:nvPr/>
+        </p:nvPicPr>
+        <p:blipFill>
+          <a:blip r:embed="rId3"/>
+          <a:stretch>
+            <a:fillRect/>
+          </a:stretch>
+        </p:blipFill>
+        <p:spPr>
+          <a:xfrm>
+            <a:off x="4572000" y="1079500"/>
+            <a:ext cx="4546600" cy="3429000"/>
           </a:xfrm>
           <a:prstGeom prst="rect">
             <a:avLst/>
@@ -6524,8 +6596,32 @@
         </p:blipFill>
         <p:spPr>
           <a:xfrm>
-            <a:off x="12700" y="889000"/>
-            <a:ext cx="2959100" cy="2235200"/>
+            <a:off x="12700" y="1079500"/>
+            <a:ext cx="4546600" cy="3429000"/>
+          </a:xfrm>
+          <a:prstGeom prst="rect">
+            <a:avLst/>
+          </a:prstGeom>
+        </p:spPr>
+      </p:pic>
+      <p:pic>
+        <p:nvPicPr>
+          <p:cNvPr id="6" name="Picture 5" descr="image.png"/>
+          <p:cNvPicPr>
+            <a:picLocks noChangeAspect="1"/>
+          </p:cNvPicPr>
+          <p:nvPr/>
+        </p:nvPicPr>
+        <p:blipFill>
+          <a:blip r:embed="rId3"/>
+          <a:stretch>
+            <a:fillRect/>
+          </a:stretch>
+        </p:blipFill>
+        <p:spPr>
+          <a:xfrm>
+            <a:off x="4572000" y="1079500"/>
+            <a:ext cx="4546600" cy="3429000"/>
           </a:xfrm>
           <a:prstGeom prst="rect">
             <a:avLst/>
@@ -6619,7 +6715,7 @@
           <a:p>
             <a:r>
               <a:rPr lang="en-US" dirty="0"/>
-              <a:t>*4*</a:t>
+              <a:t>5537 - State 42 | VT-07 On-Board Emissions</a:t>
             </a:r>
           </a:p>
         </p:txBody>
@@ -6661,6 +6757,174 @@
           </a:p>
         </p:txBody>
       </p:sp>
+      <p:pic>
+        <p:nvPicPr>
+          <p:cNvPr id="5" name="Picture 4" descr="image.png"/>
+          <p:cNvPicPr>
+            <a:picLocks noChangeAspect="1"/>
+          </p:cNvPicPr>
+          <p:nvPr/>
+        </p:nvPicPr>
+        <p:blipFill>
+          <a:blip r:embed="rId2"/>
+          <a:stretch>
+            <a:fillRect/>
+          </a:stretch>
+        </p:blipFill>
+        <p:spPr>
+          <a:xfrm>
+            <a:off x="12700" y="889000"/>
+            <a:ext cx="2959100" cy="2235200"/>
+          </a:xfrm>
+          <a:prstGeom prst="rect">
+            <a:avLst/>
+          </a:prstGeom>
+        </p:spPr>
+      </p:pic>
+      <p:pic>
+        <p:nvPicPr>
+          <p:cNvPr id="6" name="Picture 5" descr="image.png"/>
+          <p:cNvPicPr>
+            <a:picLocks noChangeAspect="1"/>
+          </p:cNvPicPr>
+          <p:nvPr/>
+        </p:nvPicPr>
+        <p:blipFill>
+          <a:blip r:embed="rId3"/>
+          <a:stretch>
+            <a:fillRect/>
+          </a:stretch>
+        </p:blipFill>
+        <p:spPr>
+          <a:xfrm>
+            <a:off x="3035300" y="889000"/>
+            <a:ext cx="2959100" cy="2235200"/>
+          </a:xfrm>
+          <a:prstGeom prst="rect">
+            <a:avLst/>
+          </a:prstGeom>
+        </p:spPr>
+      </p:pic>
+      <p:pic>
+        <p:nvPicPr>
+          <p:cNvPr id="7" name="Picture 6" descr="image.png"/>
+          <p:cNvPicPr>
+            <a:picLocks noChangeAspect="1"/>
+          </p:cNvPicPr>
+          <p:nvPr/>
+        </p:nvPicPr>
+        <p:blipFill>
+          <a:blip r:embed="rId4"/>
+          <a:stretch>
+            <a:fillRect/>
+          </a:stretch>
+        </p:blipFill>
+        <p:spPr>
+          <a:xfrm>
+            <a:off x="6057900" y="889000"/>
+            <a:ext cx="2959100" cy="2235200"/>
+          </a:xfrm>
+          <a:prstGeom prst="rect">
+            <a:avLst/>
+          </a:prstGeom>
+        </p:spPr>
+      </p:pic>
+      <p:pic>
+        <p:nvPicPr>
+          <p:cNvPr id="8" name="Picture 7" descr="image.png"/>
+          <p:cNvPicPr>
+            <a:picLocks noChangeAspect="1"/>
+          </p:cNvPicPr>
+          <p:nvPr/>
+        </p:nvPicPr>
+        <p:blipFill>
+          <a:blip r:embed="rId5"/>
+          <a:stretch>
+            <a:fillRect/>
+          </a:stretch>
+        </p:blipFill>
+        <p:spPr>
+          <a:xfrm>
+            <a:off x="12700" y="3492500"/>
+            <a:ext cx="2222500" cy="1651000"/>
+          </a:xfrm>
+          <a:prstGeom prst="rect">
+            <a:avLst/>
+          </a:prstGeom>
+        </p:spPr>
+      </p:pic>
+      <p:pic>
+        <p:nvPicPr>
+          <p:cNvPr id="9" name="Picture 8" descr="image.png"/>
+          <p:cNvPicPr>
+            <a:picLocks noChangeAspect="1"/>
+          </p:cNvPicPr>
+          <p:nvPr/>
+        </p:nvPicPr>
+        <p:blipFill>
+          <a:blip r:embed="rId6"/>
+          <a:stretch>
+            <a:fillRect/>
+          </a:stretch>
+        </p:blipFill>
+        <p:spPr>
+          <a:xfrm>
+            <a:off x="2286000" y="3492500"/>
+            <a:ext cx="2222500" cy="1651000"/>
+          </a:xfrm>
+          <a:prstGeom prst="rect">
+            <a:avLst/>
+          </a:prstGeom>
+        </p:spPr>
+      </p:pic>
+      <p:pic>
+        <p:nvPicPr>
+          <p:cNvPr id="10" name="Picture 9" descr="image.png"/>
+          <p:cNvPicPr>
+            <a:picLocks noChangeAspect="1"/>
+          </p:cNvPicPr>
+          <p:nvPr/>
+        </p:nvPicPr>
+        <p:blipFill>
+          <a:blip r:embed="rId7"/>
+          <a:stretch>
+            <a:fillRect/>
+          </a:stretch>
+        </p:blipFill>
+        <p:spPr>
+          <a:xfrm>
+            <a:off x="4572000" y="3492500"/>
+            <a:ext cx="2222500" cy="1651000"/>
+          </a:xfrm>
+          <a:prstGeom prst="rect">
+            <a:avLst/>
+          </a:prstGeom>
+        </p:spPr>
+      </p:pic>
+      <p:pic>
+        <p:nvPicPr>
+          <p:cNvPr id="11" name="Picture 10" descr="image.png"/>
+          <p:cNvPicPr>
+            <a:picLocks noChangeAspect="1"/>
+          </p:cNvPicPr>
+          <p:nvPr/>
+        </p:nvPicPr>
+        <p:blipFill>
+          <a:blip r:embed="rId8"/>
+          <a:stretch>
+            <a:fillRect/>
+          </a:stretch>
+        </p:blipFill>
+        <p:spPr>
+          <a:xfrm>
+            <a:off x="6858000" y="3492500"/>
+            <a:ext cx="2222500" cy="1651000"/>
+          </a:xfrm>
+          <a:prstGeom prst="rect">
+            <a:avLst/>
+          </a:prstGeom>
+        </p:spPr>
+      </p:pic>
     </p:spTree>
     <p:extLst>
       <p:ext uri="{BB962C8B-B14F-4D97-AF65-F5344CB8AC3E}">
@@ -6748,7 +7012,7 @@
           <a:p>
             <a:r>
               <a:rPr lang="en-US" dirty="0"/>
-              <a:t>*5*</a:t>
+              <a:t>5537 - State 43 | VT-07 On-Board Emissions</a:t>
             </a:r>
           </a:p>
         </p:txBody>
@@ -6790,6 +7054,174 @@
           </a:p>
         </p:txBody>
       </p:sp>
+      <p:pic>
+        <p:nvPicPr>
+          <p:cNvPr id="5" name="Picture 4" descr="image.png"/>
+          <p:cNvPicPr>
+            <a:picLocks noChangeAspect="1"/>
+          </p:cNvPicPr>
+          <p:nvPr/>
+        </p:nvPicPr>
+        <p:blipFill>
+          <a:blip r:embed="rId2"/>
+          <a:stretch>
+            <a:fillRect/>
+          </a:stretch>
+        </p:blipFill>
+        <p:spPr>
+          <a:xfrm>
+            <a:off x="12700" y="889000"/>
+            <a:ext cx="2959100" cy="2235200"/>
+          </a:xfrm>
+          <a:prstGeom prst="rect">
+            <a:avLst/>
+          </a:prstGeom>
+        </p:spPr>
+      </p:pic>
+      <p:pic>
+        <p:nvPicPr>
+          <p:cNvPr id="6" name="Picture 5" descr="image.png"/>
+          <p:cNvPicPr>
+            <a:picLocks noChangeAspect="1"/>
+          </p:cNvPicPr>
+          <p:nvPr/>
+        </p:nvPicPr>
+        <p:blipFill>
+          <a:blip r:embed="rId3"/>
+          <a:stretch>
+            <a:fillRect/>
+          </a:stretch>
+        </p:blipFill>
+        <p:spPr>
+          <a:xfrm>
+            <a:off x="3035300" y="889000"/>
+            <a:ext cx="2959100" cy="2235200"/>
+          </a:xfrm>
+          <a:prstGeom prst="rect">
+            <a:avLst/>
+          </a:prstGeom>
+        </p:spPr>
+      </p:pic>
+      <p:pic>
+        <p:nvPicPr>
+          <p:cNvPr id="7" name="Picture 6" descr="image.png"/>
+          <p:cNvPicPr>
+            <a:picLocks noChangeAspect="1"/>
+          </p:cNvPicPr>
+          <p:nvPr/>
+        </p:nvPicPr>
+        <p:blipFill>
+          <a:blip r:embed="rId4"/>
+          <a:stretch>
+            <a:fillRect/>
+          </a:stretch>
+        </p:blipFill>
+        <p:spPr>
+          <a:xfrm>
+            <a:off x="6057900" y="889000"/>
+            <a:ext cx="2959100" cy="2235200"/>
+          </a:xfrm>
+          <a:prstGeom prst="rect">
+            <a:avLst/>
+          </a:prstGeom>
+        </p:spPr>
+      </p:pic>
+      <p:pic>
+        <p:nvPicPr>
+          <p:cNvPr id="8" name="Picture 7" descr="image.png"/>
+          <p:cNvPicPr>
+            <a:picLocks noChangeAspect="1"/>
+          </p:cNvPicPr>
+          <p:nvPr/>
+        </p:nvPicPr>
+        <p:blipFill>
+          <a:blip r:embed="rId5"/>
+          <a:stretch>
+            <a:fillRect/>
+          </a:stretch>
+        </p:blipFill>
+        <p:spPr>
+          <a:xfrm>
+            <a:off x="12700" y="3492500"/>
+            <a:ext cx="2222500" cy="1651000"/>
+          </a:xfrm>
+          <a:prstGeom prst="rect">
+            <a:avLst/>
+          </a:prstGeom>
+        </p:spPr>
+      </p:pic>
+      <p:pic>
+        <p:nvPicPr>
+          <p:cNvPr id="9" name="Picture 8" descr="image.png"/>
+          <p:cNvPicPr>
+            <a:picLocks noChangeAspect="1"/>
+          </p:cNvPicPr>
+          <p:nvPr/>
+        </p:nvPicPr>
+        <p:blipFill>
+          <a:blip r:embed="rId6"/>
+          <a:stretch>
+            <a:fillRect/>
+          </a:stretch>
+        </p:blipFill>
+        <p:spPr>
+          <a:xfrm>
+            <a:off x="2286000" y="3492500"/>
+            <a:ext cx="2222500" cy="1651000"/>
+          </a:xfrm>
+          <a:prstGeom prst="rect">
+            <a:avLst/>
+          </a:prstGeom>
+        </p:spPr>
+      </p:pic>
+      <p:pic>
+        <p:nvPicPr>
+          <p:cNvPr id="10" name="Picture 9" descr="image.png"/>
+          <p:cNvPicPr>
+            <a:picLocks noChangeAspect="1"/>
+          </p:cNvPicPr>
+          <p:nvPr/>
+        </p:nvPicPr>
+        <p:blipFill>
+          <a:blip r:embed="rId7"/>
+          <a:stretch>
+            <a:fillRect/>
+          </a:stretch>
+        </p:blipFill>
+        <p:spPr>
+          <a:xfrm>
+            <a:off x="4572000" y="3492500"/>
+            <a:ext cx="2222500" cy="1651000"/>
+          </a:xfrm>
+          <a:prstGeom prst="rect">
+            <a:avLst/>
+          </a:prstGeom>
+        </p:spPr>
+      </p:pic>
+      <p:pic>
+        <p:nvPicPr>
+          <p:cNvPr id="11" name="Picture 10" descr="image.png"/>
+          <p:cNvPicPr>
+            <a:picLocks noChangeAspect="1"/>
+          </p:cNvPicPr>
+          <p:nvPr/>
+        </p:nvPicPr>
+        <p:blipFill>
+          <a:blip r:embed="rId8"/>
+          <a:stretch>
+            <a:fillRect/>
+          </a:stretch>
+        </p:blipFill>
+        <p:spPr>
+          <a:xfrm>
+            <a:off x="6858000" y="3492500"/>
+            <a:ext cx="2222500" cy="1651000"/>
+          </a:xfrm>
+          <a:prstGeom prst="rect">
+            <a:avLst/>
+          </a:prstGeom>
+        </p:spPr>
+      </p:pic>
     </p:spTree>
     <p:extLst>
       <p:ext uri="{BB962C8B-B14F-4D97-AF65-F5344CB8AC3E}">
@@ -6877,7 +7309,7 @@
           <a:p>
             <a:r>
               <a:rPr lang="en-US" dirty="0"/>
-              <a:t>*6*</a:t>
+              <a:t>5537 - State 41 | VT-07 On-Board Emissions</a:t>
             </a:r>
           </a:p>
         </p:txBody>
@@ -6919,6 +7351,174 @@
           </a:p>
         </p:txBody>
       </p:sp>
+      <p:pic>
+        <p:nvPicPr>
+          <p:cNvPr id="5" name="Picture 4" descr="image.png"/>
+          <p:cNvPicPr>
+            <a:picLocks noChangeAspect="1"/>
+          </p:cNvPicPr>
+          <p:nvPr/>
+        </p:nvPicPr>
+        <p:blipFill>
+          <a:blip r:embed="rId2"/>
+          <a:stretch>
+            <a:fillRect/>
+          </a:stretch>
+        </p:blipFill>
+        <p:spPr>
+          <a:xfrm>
+            <a:off x="12700" y="889000"/>
+            <a:ext cx="2959100" cy="2235200"/>
+          </a:xfrm>
+          <a:prstGeom prst="rect">
+            <a:avLst/>
+          </a:prstGeom>
+        </p:spPr>
+      </p:pic>
+      <p:pic>
+        <p:nvPicPr>
+          <p:cNvPr id="6" name="Picture 5" descr="image.png"/>
+          <p:cNvPicPr>
+            <a:picLocks noChangeAspect="1"/>
+          </p:cNvPicPr>
+          <p:nvPr/>
+        </p:nvPicPr>
+        <p:blipFill>
+          <a:blip r:embed="rId3"/>
+          <a:stretch>
+            <a:fillRect/>
+          </a:stretch>
+        </p:blipFill>
+        <p:spPr>
+          <a:xfrm>
+            <a:off x="3035300" y="889000"/>
+            <a:ext cx="2959100" cy="2235200"/>
+          </a:xfrm>
+          <a:prstGeom prst="rect">
+            <a:avLst/>
+          </a:prstGeom>
+        </p:spPr>
+      </p:pic>
+      <p:pic>
+        <p:nvPicPr>
+          <p:cNvPr id="7" name="Picture 6" descr="image.png"/>
+          <p:cNvPicPr>
+            <a:picLocks noChangeAspect="1"/>
+          </p:cNvPicPr>
+          <p:nvPr/>
+        </p:nvPicPr>
+        <p:blipFill>
+          <a:blip r:embed="rId4"/>
+          <a:stretch>
+            <a:fillRect/>
+          </a:stretch>
+        </p:blipFill>
+        <p:spPr>
+          <a:xfrm>
+            <a:off x="6057900" y="889000"/>
+            <a:ext cx="2959100" cy="2235200"/>
+          </a:xfrm>
+          <a:prstGeom prst="rect">
+            <a:avLst/>
+          </a:prstGeom>
+        </p:spPr>
+      </p:pic>
+      <p:pic>
+        <p:nvPicPr>
+          <p:cNvPr id="8" name="Picture 7" descr="image.png"/>
+          <p:cNvPicPr>
+            <a:picLocks noChangeAspect="1"/>
+          </p:cNvPicPr>
+          <p:nvPr/>
+        </p:nvPicPr>
+        <p:blipFill>
+          <a:blip r:embed="rId5"/>
+          <a:stretch>
+            <a:fillRect/>
+          </a:stretch>
+        </p:blipFill>
+        <p:spPr>
+          <a:xfrm>
+            <a:off x="12700" y="3492500"/>
+            <a:ext cx="2222500" cy="1651000"/>
+          </a:xfrm>
+          <a:prstGeom prst="rect">
+            <a:avLst/>
+          </a:prstGeom>
+        </p:spPr>
+      </p:pic>
+      <p:pic>
+        <p:nvPicPr>
+          <p:cNvPr id="9" name="Picture 8" descr="image.png"/>
+          <p:cNvPicPr>
+            <a:picLocks noChangeAspect="1"/>
+          </p:cNvPicPr>
+          <p:nvPr/>
+        </p:nvPicPr>
+        <p:blipFill>
+          <a:blip r:embed="rId6"/>
+          <a:stretch>
+            <a:fillRect/>
+          </a:stretch>
+        </p:blipFill>
+        <p:spPr>
+          <a:xfrm>
+            <a:off x="2286000" y="3492500"/>
+            <a:ext cx="2222500" cy="1651000"/>
+          </a:xfrm>
+          <a:prstGeom prst="rect">
+            <a:avLst/>
+          </a:prstGeom>
+        </p:spPr>
+      </p:pic>
+      <p:pic>
+        <p:nvPicPr>
+          <p:cNvPr id="10" name="Picture 9" descr="image.png"/>
+          <p:cNvPicPr>
+            <a:picLocks noChangeAspect="1"/>
+          </p:cNvPicPr>
+          <p:nvPr/>
+        </p:nvPicPr>
+        <p:blipFill>
+          <a:blip r:embed="rId7"/>
+          <a:stretch>
+            <a:fillRect/>
+          </a:stretch>
+        </p:blipFill>
+        <p:spPr>
+          <a:xfrm>
+            <a:off x="4572000" y="3492500"/>
+            <a:ext cx="2222500" cy="1651000"/>
+          </a:xfrm>
+          <a:prstGeom prst="rect">
+            <a:avLst/>
+          </a:prstGeom>
+        </p:spPr>
+      </p:pic>
+      <p:pic>
+        <p:nvPicPr>
+          <p:cNvPr id="11" name="Picture 10" descr="image.png"/>
+          <p:cNvPicPr>
+            <a:picLocks noChangeAspect="1"/>
+          </p:cNvPicPr>
+          <p:nvPr/>
+        </p:nvPicPr>
+        <p:blipFill>
+          <a:blip r:embed="rId8"/>
+          <a:stretch>
+            <a:fillRect/>
+          </a:stretch>
+        </p:blipFill>
+        <p:spPr>
+          <a:xfrm>
+            <a:off x="6858000" y="3492500"/>
+            <a:ext cx="2222500" cy="1651000"/>
+          </a:xfrm>
+          <a:prstGeom prst="rect">
+            <a:avLst/>
+          </a:prstGeom>
+        </p:spPr>
+      </p:pic>
     </p:spTree>
     <p:extLst>
       <p:ext uri="{BB962C8B-B14F-4D97-AF65-F5344CB8AC3E}">
@@ -7006,7 +7606,7 @@
           <a:p>
             <a:r>
               <a:rPr lang="en-US" dirty="0"/>
-              <a:t>*7*</a:t>
+              <a:t>5537 - State 40 | VT-07 On-Board Emissions</a:t>
             </a:r>
           </a:p>
         </p:txBody>
@@ -7048,6 +7648,174 @@
           </a:p>
         </p:txBody>
       </p:sp>
+      <p:pic>
+        <p:nvPicPr>
+          <p:cNvPr id="5" name="Picture 4" descr="image.png"/>
+          <p:cNvPicPr>
+            <a:picLocks noChangeAspect="1"/>
+          </p:cNvPicPr>
+          <p:nvPr/>
+        </p:nvPicPr>
+        <p:blipFill>
+          <a:blip r:embed="rId2"/>
+          <a:stretch>
+            <a:fillRect/>
+          </a:stretch>
+        </p:blipFill>
+        <p:spPr>
+          <a:xfrm>
+            <a:off x="12700" y="889000"/>
+            <a:ext cx="2959100" cy="2235200"/>
+          </a:xfrm>
+          <a:prstGeom prst="rect">
+            <a:avLst/>
+          </a:prstGeom>
+        </p:spPr>
+      </p:pic>
+      <p:pic>
+        <p:nvPicPr>
+          <p:cNvPr id="6" name="Picture 5" descr="image.png"/>
+          <p:cNvPicPr>
+            <a:picLocks noChangeAspect="1"/>
+          </p:cNvPicPr>
+          <p:nvPr/>
+        </p:nvPicPr>
+        <p:blipFill>
+          <a:blip r:embed="rId3"/>
+          <a:stretch>
+            <a:fillRect/>
+          </a:stretch>
+        </p:blipFill>
+        <p:spPr>
+          <a:xfrm>
+            <a:off x="3035300" y="889000"/>
+            <a:ext cx="2959100" cy="2235200"/>
+          </a:xfrm>
+          <a:prstGeom prst="rect">
+            <a:avLst/>
+          </a:prstGeom>
+        </p:spPr>
+      </p:pic>
+      <p:pic>
+        <p:nvPicPr>
+          <p:cNvPr id="7" name="Picture 6" descr="image.png"/>
+          <p:cNvPicPr>
+            <a:picLocks noChangeAspect="1"/>
+          </p:cNvPicPr>
+          <p:nvPr/>
+        </p:nvPicPr>
+        <p:blipFill>
+          <a:blip r:embed="rId4"/>
+          <a:stretch>
+            <a:fillRect/>
+          </a:stretch>
+        </p:blipFill>
+        <p:spPr>
+          <a:xfrm>
+            <a:off x="6057900" y="889000"/>
+            <a:ext cx="2959100" cy="2235200"/>
+          </a:xfrm>
+          <a:prstGeom prst="rect">
+            <a:avLst/>
+          </a:prstGeom>
+        </p:spPr>
+      </p:pic>
+      <p:pic>
+        <p:nvPicPr>
+          <p:cNvPr id="8" name="Picture 7" descr="image.png"/>
+          <p:cNvPicPr>
+            <a:picLocks noChangeAspect="1"/>
+          </p:cNvPicPr>
+          <p:nvPr/>
+        </p:nvPicPr>
+        <p:blipFill>
+          <a:blip r:embed="rId5"/>
+          <a:stretch>
+            <a:fillRect/>
+          </a:stretch>
+        </p:blipFill>
+        <p:spPr>
+          <a:xfrm>
+            <a:off x="12700" y="3492500"/>
+            <a:ext cx="2222500" cy="1651000"/>
+          </a:xfrm>
+          <a:prstGeom prst="rect">
+            <a:avLst/>
+          </a:prstGeom>
+        </p:spPr>
+      </p:pic>
+      <p:pic>
+        <p:nvPicPr>
+          <p:cNvPr id="9" name="Picture 8" descr="image.png"/>
+          <p:cNvPicPr>
+            <a:picLocks noChangeAspect="1"/>
+          </p:cNvPicPr>
+          <p:nvPr/>
+        </p:nvPicPr>
+        <p:blipFill>
+          <a:blip r:embed="rId6"/>
+          <a:stretch>
+            <a:fillRect/>
+          </a:stretch>
+        </p:blipFill>
+        <p:spPr>
+          <a:xfrm>
+            <a:off x="2286000" y="3492500"/>
+            <a:ext cx="2222500" cy="1651000"/>
+          </a:xfrm>
+          <a:prstGeom prst="rect">
+            <a:avLst/>
+          </a:prstGeom>
+        </p:spPr>
+      </p:pic>
+      <p:pic>
+        <p:nvPicPr>
+          <p:cNvPr id="10" name="Picture 9" descr="image.png"/>
+          <p:cNvPicPr>
+            <a:picLocks noChangeAspect="1"/>
+          </p:cNvPicPr>
+          <p:nvPr/>
+        </p:nvPicPr>
+        <p:blipFill>
+          <a:blip r:embed="rId7"/>
+          <a:stretch>
+            <a:fillRect/>
+          </a:stretch>
+        </p:blipFill>
+        <p:spPr>
+          <a:xfrm>
+            <a:off x="4572000" y="3492500"/>
+            <a:ext cx="2222500" cy="1651000"/>
+          </a:xfrm>
+          <a:prstGeom prst="rect">
+            <a:avLst/>
+          </a:prstGeom>
+        </p:spPr>
+      </p:pic>
+      <p:pic>
+        <p:nvPicPr>
+          <p:cNvPr id="11" name="Picture 10" descr="image.png"/>
+          <p:cNvPicPr>
+            <a:picLocks noChangeAspect="1"/>
+          </p:cNvPicPr>
+          <p:nvPr/>
+        </p:nvPicPr>
+        <p:blipFill>
+          <a:blip r:embed="rId8"/>
+          <a:stretch>
+            <a:fillRect/>
+          </a:stretch>
+        </p:blipFill>
+        <p:spPr>
+          <a:xfrm>
+            <a:off x="6858000" y="3492500"/>
+            <a:ext cx="2222500" cy="1651000"/>
+          </a:xfrm>
+          <a:prstGeom prst="rect">
+            <a:avLst/>
+          </a:prstGeom>
+        </p:spPr>
+      </p:pic>
     </p:spTree>
     <p:extLst>
       <p:ext uri="{BB962C8B-B14F-4D97-AF65-F5344CB8AC3E}">

--- a/newDeck.pptx
+++ b/newDeck.pptx
@@ -5,7 +5,7 @@
     <p:sldMasterId id="2147483648" r:id="rId1"/>
   </p:sldMasterIdLst>
   <p:notesMasterIdLst>
-    <p:notesMasterId r:id="rId26"/>
+    <p:notesMasterId r:id="rId53"/>
   </p:notesMasterIdLst>
   <p:sldIdLst>
     <p:sldId id="258" r:id="rId2"/>
@@ -31,7 +31,34 @@
     <p:sldId id="278" r:id="rId22"/>
     <p:sldId id="279" r:id="rId23"/>
     <p:sldId id="280" r:id="rId24"/>
-    <p:sldId id="281" r:id="rId25"/>
+    <p:sldId id="282" r:id="rId25"/>
+    <p:sldId id="283" r:id="rId26"/>
+    <p:sldId id="284" r:id="rId27"/>
+    <p:sldId id="285" r:id="rId28"/>
+    <p:sldId id="286" r:id="rId29"/>
+    <p:sldId id="287" r:id="rId30"/>
+    <p:sldId id="288" r:id="rId31"/>
+    <p:sldId id="289" r:id="rId32"/>
+    <p:sldId id="290" r:id="rId33"/>
+    <p:sldId id="291" r:id="rId34"/>
+    <p:sldId id="292" r:id="rId35"/>
+    <p:sldId id="293" r:id="rId36"/>
+    <p:sldId id="294" r:id="rId37"/>
+    <p:sldId id="295" r:id="rId38"/>
+    <p:sldId id="296" r:id="rId39"/>
+    <p:sldId id="297" r:id="rId40"/>
+    <p:sldId id="298" r:id="rId41"/>
+    <p:sldId id="299" r:id="rId42"/>
+    <p:sldId id="300" r:id="rId43"/>
+    <p:sldId id="301" r:id="rId44"/>
+    <p:sldId id="302" r:id="rId45"/>
+    <p:sldId id="303" r:id="rId46"/>
+    <p:sldId id="304" r:id="rId47"/>
+    <p:sldId id="305" r:id="rId48"/>
+    <p:sldId id="306" r:id="rId49"/>
+    <p:sldId id="307" r:id="rId50"/>
+    <p:sldId id="308" r:id="rId51"/>
+    <p:sldId id="281" r:id="rId52"/>
   </p:sldIdLst>
   <p:sldSz cx="9144000" cy="5143500" type="screen16x9"/>
   <p:notesSz cx="6858000" cy="9144000"/>
@@ -220,7 +247,7 @@
           <a:p>
             <a:fld id="{4229831F-C8BF-4C81-9259-DC456B4501DA}" type="datetimeFigureOut">
               <a:rPr lang="en-GB" smtClean="0"/>
-              <a:t>24/03/2022</a:t>
+              <a:t>03/05/2022</a:t>
             </a:fld>
             <a:endParaRPr lang="en-GB" dirty="0"/>
           </a:p>
@@ -1096,7 +1123,7 @@
             <a:lvl1pPr marL="0" indent="0">
               <a:buFont typeface="Arial" panose="020B0604020202020204" pitchFamily="34" charset="0"/>
               <a:buNone/>
-              <a:defRPr/>
+              <a:defRPr sz="1600"/>
             </a:lvl1pPr>
           </a:lstStyle>
           <a:p>
@@ -4111,8 +4138,8 @@
           <a:lstStyle/>
           <a:p>
             <a:r>
-              <a:rPr lang="en-US" dirty="0"/>
-              <a:t>5537 - State 2 - RRNB | VT-01 Off-Board Emissions (3m)</a:t>
+              <a:rPr lang="en-US" sz="1600" dirty="0"/>
+              <a:t>5564 - State 26 - 20 SOC | VT-12 Conducted Emissions (Three Phase)</a:t>
             </a:r>
           </a:p>
         </p:txBody>
@@ -4170,8 +4197,8 @@
         </p:blipFill>
         <p:spPr>
           <a:xfrm>
-            <a:off x="12700" y="1079500"/>
-            <a:ext cx="4546600" cy="3429000"/>
+            <a:off x="12700" y="825500"/>
+            <a:ext cx="2806700" cy="2120900"/>
           </a:xfrm>
           <a:prstGeom prst="rect">
             <a:avLst/>
@@ -4194,8 +4221,56 @@
         </p:blipFill>
         <p:spPr>
           <a:xfrm>
-            <a:off x="4572000" y="1079500"/>
-            <a:ext cx="4546600" cy="3429000"/>
+            <a:off x="2819400" y="825500"/>
+            <a:ext cx="2806700" cy="2120900"/>
+          </a:xfrm>
+          <a:prstGeom prst="rect">
+            <a:avLst/>
+          </a:prstGeom>
+        </p:spPr>
+      </p:pic>
+      <p:pic>
+        <p:nvPicPr>
+          <p:cNvPr id="7" name="Picture 6" descr="image.png"/>
+          <p:cNvPicPr>
+            <a:picLocks noChangeAspect="1"/>
+          </p:cNvPicPr>
+          <p:nvPr/>
+        </p:nvPicPr>
+        <p:blipFill>
+          <a:blip r:embed="rId4"/>
+          <a:stretch>
+            <a:fillRect/>
+          </a:stretch>
+        </p:blipFill>
+        <p:spPr>
+          <a:xfrm>
+            <a:off x="12700" y="3048000"/>
+            <a:ext cx="2806700" cy="2120900"/>
+          </a:xfrm>
+          <a:prstGeom prst="rect">
+            <a:avLst/>
+          </a:prstGeom>
+        </p:spPr>
+      </p:pic>
+      <p:pic>
+        <p:nvPicPr>
+          <p:cNvPr id="8" name="Picture 7" descr="image.png"/>
+          <p:cNvPicPr>
+            <a:picLocks noChangeAspect="1"/>
+          </p:cNvPicPr>
+          <p:nvPr/>
+        </p:nvPicPr>
+        <p:blipFill>
+          <a:blip r:embed="rId5"/>
+          <a:stretch>
+            <a:fillRect/>
+          </a:stretch>
+        </p:blipFill>
+        <p:spPr>
+          <a:xfrm>
+            <a:off x="2819400" y="3048000"/>
+            <a:ext cx="2806700" cy="2120900"/>
           </a:xfrm>
           <a:prstGeom prst="rect">
             <a:avLst/>
@@ -5567,19 +5642,14 @@
             <p:ph type="title"/>
           </p:nvPr>
         </p:nvSpPr>
-        <p:spPr>
-          <a:xfrm>
-            <a:off x="223838" y="118733"/>
-            <a:ext cx="6629400" cy="349618"/>
-          </a:xfrm>
-        </p:spPr>
-        <p:txBody>
-          <a:bodyPr/>
-          <a:lstStyle/>
-          <a:p>
-            <a:r>
-              <a:rPr lang="en-US" dirty="0"/>
-              <a:t>5537 - State 1 - FRNB | VT-01 Off-Board Emissions (3m)</a:t>
+        <p:spPr/>
+        <p:txBody>
+          <a:bodyPr/>
+          <a:lstStyle/>
+          <a:p>
+            <a:r>
+              <a:rPr lang="en-US" sz="1600" dirty="0"/>
+              <a:t>*1*</a:t>
             </a:r>
           </a:p>
         </p:txBody>
@@ -5621,54 +5691,6 @@
           </a:p>
         </p:txBody>
       </p:sp>
-      <p:pic>
-        <p:nvPicPr>
-          <p:cNvPr id="5" name="Picture 4" descr="image.png"/>
-          <p:cNvPicPr>
-            <a:picLocks noChangeAspect="1"/>
-          </p:cNvPicPr>
-          <p:nvPr/>
-        </p:nvPicPr>
-        <p:blipFill>
-          <a:blip r:embed="rId2"/>
-          <a:stretch>
-            <a:fillRect/>
-          </a:stretch>
-        </p:blipFill>
-        <p:spPr>
-          <a:xfrm>
-            <a:off x="12700" y="1079500"/>
-            <a:ext cx="4546600" cy="3429000"/>
-          </a:xfrm>
-          <a:prstGeom prst="rect">
-            <a:avLst/>
-          </a:prstGeom>
-        </p:spPr>
-      </p:pic>
-      <p:pic>
-        <p:nvPicPr>
-          <p:cNvPr id="6" name="Picture 5" descr="image.png"/>
-          <p:cNvPicPr>
-            <a:picLocks noChangeAspect="1"/>
-          </p:cNvPicPr>
-          <p:nvPr/>
-        </p:nvPicPr>
-        <p:blipFill>
-          <a:blip r:embed="rId3"/>
-          <a:stretch>
-            <a:fillRect/>
-          </a:stretch>
-        </p:blipFill>
-        <p:spPr>
-          <a:xfrm>
-            <a:off x="4572000" y="1079500"/>
-            <a:ext cx="4546600" cy="3429000"/>
-          </a:xfrm>
-          <a:prstGeom prst="rect">
-            <a:avLst/>
-          </a:prstGeom>
-        </p:spPr>
-      </p:pic>
     </p:spTree>
     <p:extLst>
       <p:ext uri="{BB962C8B-B14F-4D97-AF65-F5344CB8AC3E}">
@@ -6270,14 +6292,699 @@
           <a:bodyPr/>
           <a:lstStyle/>
           <a:p>
-            <a:endParaRPr lang="en-US" dirty="0"/>
+            <a:r>
+              <a:rPr lang="en-US" dirty="0"/>
+              <a:t>*23*</a:t>
+            </a:r>
+          </a:p>
+        </p:txBody>
+      </p:sp>
+      <p:sp>
+        <p:nvSpPr>
+          <p:cNvPr id="4" name="TextBox 3">
+            <a:extLst>
+              <a:ext uri="{FF2B5EF4-FFF2-40B4-BE49-F238E27FC236}">
+                <a16:creationId xmlns:a16="http://schemas.microsoft.com/office/drawing/2014/main" id="{C73B122E-5230-6243-A035-151EDB99E12E}"/>
+              </a:ext>
+            </a:extLst>
+          </p:cNvPr>
+          <p:cNvSpPr txBox="1"/>
+          <p:nvPr/>
+        </p:nvSpPr>
+        <p:spPr>
+          <a:xfrm>
+            <a:off x="223837" y="447345"/>
+            <a:ext cx="6892069" cy="328612"/>
+          </a:xfrm>
+          <a:prstGeom prst="rect">
+            <a:avLst/>
+          </a:prstGeom>
+          <a:noFill/>
+        </p:spPr>
+        <p:txBody>
+          <a:bodyPr wrap="square" lIns="0" tIns="0" rIns="0" bIns="0" rtlCol="0">
+            <a:noAutofit/>
+          </a:bodyPr>
+          <a:lstStyle/>
+          <a:p>
+            <a:r>
+              <a:rPr lang="en-GB" sz="1400" i="1" dirty="0">
+                <a:latin typeface="JLR Emeric SemiBold" panose="02000503040000020004" pitchFamily="2" charset="0"/>
+              </a:rPr>
+              <a:t>State Information</a:t>
+            </a:r>
           </a:p>
         </p:txBody>
       </p:sp>
     </p:spTree>
     <p:extLst>
       <p:ext uri="{BB962C8B-B14F-4D97-AF65-F5344CB8AC3E}">
-        <p14:creationId xmlns:p14="http://schemas.microsoft.com/office/powerpoint/2010/main" val="747518252"/>
+        <p14:creationId xmlns:p14="http://schemas.microsoft.com/office/powerpoint/2010/main" val="2276768909"/>
+      </p:ext>
+    </p:extLst>
+  </p:cSld>
+  <p:clrMapOvr>
+    <a:masterClrMapping/>
+  </p:clrMapOvr>
+</p:sld>
+</file>
+
+<file path=ppt/slides/slide25.xml><?xml version="1.0" encoding="utf-8"?>
+<p:sld xmlns:a="http://schemas.openxmlformats.org/drawingml/2006/main" xmlns:r="http://schemas.openxmlformats.org/officeDocument/2006/relationships" xmlns:p="http://schemas.openxmlformats.org/presentationml/2006/main">
+  <p:cSld>
+    <p:spTree>
+      <p:nvGrpSpPr>
+        <p:cNvPr id="1" name=""/>
+        <p:cNvGrpSpPr/>
+        <p:nvPr/>
+      </p:nvGrpSpPr>
+      <p:grpSpPr>
+        <a:xfrm>
+          <a:off x="0" y="0"/>
+          <a:ext cx="0" cy="0"/>
+          <a:chOff x="0" y="0"/>
+          <a:chExt cx="0" cy="0"/>
+        </a:xfrm>
+      </p:grpSpPr>
+      <p:sp>
+        <p:nvSpPr>
+          <p:cNvPr id="2" name="Slide Number Placeholder 1">
+            <a:extLst>
+              <a:ext uri="{FF2B5EF4-FFF2-40B4-BE49-F238E27FC236}">
+                <a16:creationId xmlns:a16="http://schemas.microsoft.com/office/drawing/2014/main" id="{4CF602FA-47FB-1C42-87F9-B1D80E651C85}"/>
+              </a:ext>
+            </a:extLst>
+          </p:cNvPr>
+          <p:cNvSpPr>
+            <a:spLocks noGrp="1"/>
+          </p:cNvSpPr>
+          <p:nvPr>
+            <p:ph type="sldNum" sz="quarter" idx="12"/>
+          </p:nvPr>
+        </p:nvSpPr>
+        <p:spPr/>
+        <p:txBody>
+          <a:bodyPr/>
+          <a:lstStyle/>
+          <a:p>
+            <a:fld id="{C554A706-D19D-4C79-97F9-BC489483F7EF}" type="slidenum">
+              <a:rPr lang="en-GB" smtClean="0"/>
+              <a:t>25</a:t>
+            </a:fld>
+            <a:endParaRPr lang="en-GB" dirty="0"/>
+          </a:p>
+        </p:txBody>
+      </p:sp>
+      <p:sp>
+        <p:nvSpPr>
+          <p:cNvPr id="3" name="Title 2">
+            <a:extLst>
+              <a:ext uri="{FF2B5EF4-FFF2-40B4-BE49-F238E27FC236}">
+                <a16:creationId xmlns:a16="http://schemas.microsoft.com/office/drawing/2014/main" id="{5C8F3E15-B13C-694D-8D0F-CC5DF81C9E0E}"/>
+              </a:ext>
+            </a:extLst>
+          </p:cNvPr>
+          <p:cNvSpPr>
+            <a:spLocks noGrp="1"/>
+          </p:cNvSpPr>
+          <p:nvPr>
+            <p:ph type="title"/>
+          </p:nvPr>
+        </p:nvSpPr>
+        <p:spPr>
+          <a:xfrm>
+            <a:off x="223838" y="118733"/>
+            <a:ext cx="6629400" cy="349618"/>
+          </a:xfrm>
+        </p:spPr>
+        <p:txBody>
+          <a:bodyPr/>
+          <a:lstStyle/>
+          <a:p>
+            <a:r>
+              <a:rPr lang="en-US" dirty="0"/>
+              <a:t>*24*</a:t>
+            </a:r>
+          </a:p>
+        </p:txBody>
+      </p:sp>
+      <p:sp>
+        <p:nvSpPr>
+          <p:cNvPr id="4" name="TextBox 3">
+            <a:extLst>
+              <a:ext uri="{FF2B5EF4-FFF2-40B4-BE49-F238E27FC236}">
+                <a16:creationId xmlns:a16="http://schemas.microsoft.com/office/drawing/2014/main" id="{C73B122E-5230-6243-A035-151EDB99E12E}"/>
+              </a:ext>
+            </a:extLst>
+          </p:cNvPr>
+          <p:cNvSpPr txBox="1"/>
+          <p:nvPr/>
+        </p:nvSpPr>
+        <p:spPr>
+          <a:xfrm>
+            <a:off x="223837" y="447345"/>
+            <a:ext cx="6892069" cy="328612"/>
+          </a:xfrm>
+          <a:prstGeom prst="rect">
+            <a:avLst/>
+          </a:prstGeom>
+          <a:noFill/>
+        </p:spPr>
+        <p:txBody>
+          <a:bodyPr wrap="square" lIns="0" tIns="0" rIns="0" bIns="0" rtlCol="0">
+            <a:noAutofit/>
+          </a:bodyPr>
+          <a:lstStyle/>
+          <a:p>
+            <a:r>
+              <a:rPr lang="en-GB" sz="1400" i="1" dirty="0">
+                <a:latin typeface="JLR Emeric SemiBold" panose="02000503040000020004" pitchFamily="2" charset="0"/>
+              </a:rPr>
+              <a:t>State Information</a:t>
+            </a:r>
+          </a:p>
+        </p:txBody>
+      </p:sp>
+    </p:spTree>
+    <p:extLst>
+      <p:ext uri="{BB962C8B-B14F-4D97-AF65-F5344CB8AC3E}">
+        <p14:creationId xmlns:p14="http://schemas.microsoft.com/office/powerpoint/2010/main" val="3857168063"/>
+      </p:ext>
+    </p:extLst>
+  </p:cSld>
+  <p:clrMapOvr>
+    <a:masterClrMapping/>
+  </p:clrMapOvr>
+</p:sld>
+</file>
+
+<file path=ppt/slides/slide26.xml><?xml version="1.0" encoding="utf-8"?>
+<p:sld xmlns:a="http://schemas.openxmlformats.org/drawingml/2006/main" xmlns:r="http://schemas.openxmlformats.org/officeDocument/2006/relationships" xmlns:p="http://schemas.openxmlformats.org/presentationml/2006/main">
+  <p:cSld>
+    <p:spTree>
+      <p:nvGrpSpPr>
+        <p:cNvPr id="1" name=""/>
+        <p:cNvGrpSpPr/>
+        <p:nvPr/>
+      </p:nvGrpSpPr>
+      <p:grpSpPr>
+        <a:xfrm>
+          <a:off x="0" y="0"/>
+          <a:ext cx="0" cy="0"/>
+          <a:chOff x="0" y="0"/>
+          <a:chExt cx="0" cy="0"/>
+        </a:xfrm>
+      </p:grpSpPr>
+      <p:sp>
+        <p:nvSpPr>
+          <p:cNvPr id="2" name="Slide Number Placeholder 1">
+            <a:extLst>
+              <a:ext uri="{FF2B5EF4-FFF2-40B4-BE49-F238E27FC236}">
+                <a16:creationId xmlns:a16="http://schemas.microsoft.com/office/drawing/2014/main" id="{4CF602FA-47FB-1C42-87F9-B1D80E651C85}"/>
+              </a:ext>
+            </a:extLst>
+          </p:cNvPr>
+          <p:cNvSpPr>
+            <a:spLocks noGrp="1"/>
+          </p:cNvSpPr>
+          <p:nvPr>
+            <p:ph type="sldNum" sz="quarter" idx="12"/>
+          </p:nvPr>
+        </p:nvSpPr>
+        <p:spPr/>
+        <p:txBody>
+          <a:bodyPr/>
+          <a:lstStyle/>
+          <a:p>
+            <a:fld id="{C554A706-D19D-4C79-97F9-BC489483F7EF}" type="slidenum">
+              <a:rPr lang="en-GB" smtClean="0"/>
+              <a:t>26</a:t>
+            </a:fld>
+            <a:endParaRPr lang="en-GB" dirty="0"/>
+          </a:p>
+        </p:txBody>
+      </p:sp>
+      <p:sp>
+        <p:nvSpPr>
+          <p:cNvPr id="3" name="Title 2">
+            <a:extLst>
+              <a:ext uri="{FF2B5EF4-FFF2-40B4-BE49-F238E27FC236}">
+                <a16:creationId xmlns:a16="http://schemas.microsoft.com/office/drawing/2014/main" id="{5C8F3E15-B13C-694D-8D0F-CC5DF81C9E0E}"/>
+              </a:ext>
+            </a:extLst>
+          </p:cNvPr>
+          <p:cNvSpPr>
+            <a:spLocks noGrp="1"/>
+          </p:cNvSpPr>
+          <p:nvPr>
+            <p:ph type="title"/>
+          </p:nvPr>
+        </p:nvSpPr>
+        <p:spPr>
+          <a:xfrm>
+            <a:off x="223838" y="118733"/>
+            <a:ext cx="6629400" cy="349618"/>
+          </a:xfrm>
+        </p:spPr>
+        <p:txBody>
+          <a:bodyPr/>
+          <a:lstStyle/>
+          <a:p>
+            <a:r>
+              <a:rPr lang="en-US" dirty="0"/>
+              <a:t>*25*</a:t>
+            </a:r>
+          </a:p>
+        </p:txBody>
+      </p:sp>
+      <p:sp>
+        <p:nvSpPr>
+          <p:cNvPr id="4" name="TextBox 3">
+            <a:extLst>
+              <a:ext uri="{FF2B5EF4-FFF2-40B4-BE49-F238E27FC236}">
+                <a16:creationId xmlns:a16="http://schemas.microsoft.com/office/drawing/2014/main" id="{C73B122E-5230-6243-A035-151EDB99E12E}"/>
+              </a:ext>
+            </a:extLst>
+          </p:cNvPr>
+          <p:cNvSpPr txBox="1"/>
+          <p:nvPr/>
+        </p:nvSpPr>
+        <p:spPr>
+          <a:xfrm>
+            <a:off x="223837" y="447345"/>
+            <a:ext cx="6892069" cy="328612"/>
+          </a:xfrm>
+          <a:prstGeom prst="rect">
+            <a:avLst/>
+          </a:prstGeom>
+          <a:noFill/>
+        </p:spPr>
+        <p:txBody>
+          <a:bodyPr wrap="square" lIns="0" tIns="0" rIns="0" bIns="0" rtlCol="0">
+            <a:noAutofit/>
+          </a:bodyPr>
+          <a:lstStyle/>
+          <a:p>
+            <a:r>
+              <a:rPr lang="en-GB" sz="1400" i="1" dirty="0">
+                <a:latin typeface="JLR Emeric SemiBold" panose="02000503040000020004" pitchFamily="2" charset="0"/>
+              </a:rPr>
+              <a:t>State Information</a:t>
+            </a:r>
+          </a:p>
+        </p:txBody>
+      </p:sp>
+    </p:spTree>
+    <p:extLst>
+      <p:ext uri="{BB962C8B-B14F-4D97-AF65-F5344CB8AC3E}">
+        <p14:creationId xmlns:p14="http://schemas.microsoft.com/office/powerpoint/2010/main" val="2621112799"/>
+      </p:ext>
+    </p:extLst>
+  </p:cSld>
+  <p:clrMapOvr>
+    <a:masterClrMapping/>
+  </p:clrMapOvr>
+</p:sld>
+</file>
+
+<file path=ppt/slides/slide27.xml><?xml version="1.0" encoding="utf-8"?>
+<p:sld xmlns:a="http://schemas.openxmlformats.org/drawingml/2006/main" xmlns:r="http://schemas.openxmlformats.org/officeDocument/2006/relationships" xmlns:p="http://schemas.openxmlformats.org/presentationml/2006/main">
+  <p:cSld>
+    <p:spTree>
+      <p:nvGrpSpPr>
+        <p:cNvPr id="1" name=""/>
+        <p:cNvGrpSpPr/>
+        <p:nvPr/>
+      </p:nvGrpSpPr>
+      <p:grpSpPr>
+        <a:xfrm>
+          <a:off x="0" y="0"/>
+          <a:ext cx="0" cy="0"/>
+          <a:chOff x="0" y="0"/>
+          <a:chExt cx="0" cy="0"/>
+        </a:xfrm>
+      </p:grpSpPr>
+      <p:sp>
+        <p:nvSpPr>
+          <p:cNvPr id="2" name="Slide Number Placeholder 1">
+            <a:extLst>
+              <a:ext uri="{FF2B5EF4-FFF2-40B4-BE49-F238E27FC236}">
+                <a16:creationId xmlns:a16="http://schemas.microsoft.com/office/drawing/2014/main" id="{4CF602FA-47FB-1C42-87F9-B1D80E651C85}"/>
+              </a:ext>
+            </a:extLst>
+          </p:cNvPr>
+          <p:cNvSpPr>
+            <a:spLocks noGrp="1"/>
+          </p:cNvSpPr>
+          <p:nvPr>
+            <p:ph type="sldNum" sz="quarter" idx="12"/>
+          </p:nvPr>
+        </p:nvSpPr>
+        <p:spPr/>
+        <p:txBody>
+          <a:bodyPr/>
+          <a:lstStyle/>
+          <a:p>
+            <a:fld id="{C554A706-D19D-4C79-97F9-BC489483F7EF}" type="slidenum">
+              <a:rPr lang="en-GB" smtClean="0"/>
+              <a:t>27</a:t>
+            </a:fld>
+            <a:endParaRPr lang="en-GB" dirty="0"/>
+          </a:p>
+        </p:txBody>
+      </p:sp>
+      <p:sp>
+        <p:nvSpPr>
+          <p:cNvPr id="3" name="Title 2">
+            <a:extLst>
+              <a:ext uri="{FF2B5EF4-FFF2-40B4-BE49-F238E27FC236}">
+                <a16:creationId xmlns:a16="http://schemas.microsoft.com/office/drawing/2014/main" id="{5C8F3E15-B13C-694D-8D0F-CC5DF81C9E0E}"/>
+              </a:ext>
+            </a:extLst>
+          </p:cNvPr>
+          <p:cNvSpPr>
+            <a:spLocks noGrp="1"/>
+          </p:cNvSpPr>
+          <p:nvPr>
+            <p:ph type="title"/>
+          </p:nvPr>
+        </p:nvSpPr>
+        <p:spPr>
+          <a:xfrm>
+            <a:off x="223838" y="118733"/>
+            <a:ext cx="6629400" cy="349618"/>
+          </a:xfrm>
+        </p:spPr>
+        <p:txBody>
+          <a:bodyPr/>
+          <a:lstStyle/>
+          <a:p>
+            <a:r>
+              <a:rPr lang="en-US" dirty="0"/>
+              <a:t>*26*</a:t>
+            </a:r>
+          </a:p>
+        </p:txBody>
+      </p:sp>
+      <p:sp>
+        <p:nvSpPr>
+          <p:cNvPr id="4" name="TextBox 3">
+            <a:extLst>
+              <a:ext uri="{FF2B5EF4-FFF2-40B4-BE49-F238E27FC236}">
+                <a16:creationId xmlns:a16="http://schemas.microsoft.com/office/drawing/2014/main" id="{C73B122E-5230-6243-A035-151EDB99E12E}"/>
+              </a:ext>
+            </a:extLst>
+          </p:cNvPr>
+          <p:cNvSpPr txBox="1"/>
+          <p:nvPr/>
+        </p:nvSpPr>
+        <p:spPr>
+          <a:xfrm>
+            <a:off x="223837" y="447345"/>
+            <a:ext cx="6892069" cy="328612"/>
+          </a:xfrm>
+          <a:prstGeom prst="rect">
+            <a:avLst/>
+          </a:prstGeom>
+          <a:noFill/>
+        </p:spPr>
+        <p:txBody>
+          <a:bodyPr wrap="square" lIns="0" tIns="0" rIns="0" bIns="0" rtlCol="0">
+            <a:noAutofit/>
+          </a:bodyPr>
+          <a:lstStyle/>
+          <a:p>
+            <a:r>
+              <a:rPr lang="en-GB" sz="1400" i="1" dirty="0">
+                <a:latin typeface="JLR Emeric SemiBold" panose="02000503040000020004" pitchFamily="2" charset="0"/>
+              </a:rPr>
+              <a:t>State Information</a:t>
+            </a:r>
+          </a:p>
+        </p:txBody>
+      </p:sp>
+    </p:spTree>
+    <p:extLst>
+      <p:ext uri="{BB962C8B-B14F-4D97-AF65-F5344CB8AC3E}">
+        <p14:creationId xmlns:p14="http://schemas.microsoft.com/office/powerpoint/2010/main" val="1844892471"/>
+      </p:ext>
+    </p:extLst>
+  </p:cSld>
+  <p:clrMapOvr>
+    <a:masterClrMapping/>
+  </p:clrMapOvr>
+</p:sld>
+</file>
+
+<file path=ppt/slides/slide28.xml><?xml version="1.0" encoding="utf-8"?>
+<p:sld xmlns:a="http://schemas.openxmlformats.org/drawingml/2006/main" xmlns:r="http://schemas.openxmlformats.org/officeDocument/2006/relationships" xmlns:p="http://schemas.openxmlformats.org/presentationml/2006/main">
+  <p:cSld>
+    <p:spTree>
+      <p:nvGrpSpPr>
+        <p:cNvPr id="1" name=""/>
+        <p:cNvGrpSpPr/>
+        <p:nvPr/>
+      </p:nvGrpSpPr>
+      <p:grpSpPr>
+        <a:xfrm>
+          <a:off x="0" y="0"/>
+          <a:ext cx="0" cy="0"/>
+          <a:chOff x="0" y="0"/>
+          <a:chExt cx="0" cy="0"/>
+        </a:xfrm>
+      </p:grpSpPr>
+      <p:sp>
+        <p:nvSpPr>
+          <p:cNvPr id="2" name="Slide Number Placeholder 1">
+            <a:extLst>
+              <a:ext uri="{FF2B5EF4-FFF2-40B4-BE49-F238E27FC236}">
+                <a16:creationId xmlns:a16="http://schemas.microsoft.com/office/drawing/2014/main" id="{4CF602FA-47FB-1C42-87F9-B1D80E651C85}"/>
+              </a:ext>
+            </a:extLst>
+          </p:cNvPr>
+          <p:cNvSpPr>
+            <a:spLocks noGrp="1"/>
+          </p:cNvSpPr>
+          <p:nvPr>
+            <p:ph type="sldNum" sz="quarter" idx="12"/>
+          </p:nvPr>
+        </p:nvSpPr>
+        <p:spPr/>
+        <p:txBody>
+          <a:bodyPr/>
+          <a:lstStyle/>
+          <a:p>
+            <a:fld id="{C554A706-D19D-4C79-97F9-BC489483F7EF}" type="slidenum">
+              <a:rPr lang="en-GB" smtClean="0"/>
+              <a:t>28</a:t>
+            </a:fld>
+            <a:endParaRPr lang="en-GB" dirty="0"/>
+          </a:p>
+        </p:txBody>
+      </p:sp>
+      <p:sp>
+        <p:nvSpPr>
+          <p:cNvPr id="3" name="Title 2">
+            <a:extLst>
+              <a:ext uri="{FF2B5EF4-FFF2-40B4-BE49-F238E27FC236}">
+                <a16:creationId xmlns:a16="http://schemas.microsoft.com/office/drawing/2014/main" id="{5C8F3E15-B13C-694D-8D0F-CC5DF81C9E0E}"/>
+              </a:ext>
+            </a:extLst>
+          </p:cNvPr>
+          <p:cNvSpPr>
+            <a:spLocks noGrp="1"/>
+          </p:cNvSpPr>
+          <p:nvPr>
+            <p:ph type="title"/>
+          </p:nvPr>
+        </p:nvSpPr>
+        <p:spPr>
+          <a:xfrm>
+            <a:off x="223838" y="118733"/>
+            <a:ext cx="6629400" cy="349618"/>
+          </a:xfrm>
+        </p:spPr>
+        <p:txBody>
+          <a:bodyPr/>
+          <a:lstStyle/>
+          <a:p>
+            <a:r>
+              <a:rPr lang="en-US" dirty="0"/>
+              <a:t>*27*</a:t>
+            </a:r>
+          </a:p>
+        </p:txBody>
+      </p:sp>
+      <p:sp>
+        <p:nvSpPr>
+          <p:cNvPr id="4" name="TextBox 3">
+            <a:extLst>
+              <a:ext uri="{FF2B5EF4-FFF2-40B4-BE49-F238E27FC236}">
+                <a16:creationId xmlns:a16="http://schemas.microsoft.com/office/drawing/2014/main" id="{C73B122E-5230-6243-A035-151EDB99E12E}"/>
+              </a:ext>
+            </a:extLst>
+          </p:cNvPr>
+          <p:cNvSpPr txBox="1"/>
+          <p:nvPr/>
+        </p:nvSpPr>
+        <p:spPr>
+          <a:xfrm>
+            <a:off x="223837" y="447345"/>
+            <a:ext cx="6892069" cy="328612"/>
+          </a:xfrm>
+          <a:prstGeom prst="rect">
+            <a:avLst/>
+          </a:prstGeom>
+          <a:noFill/>
+        </p:spPr>
+        <p:txBody>
+          <a:bodyPr wrap="square" lIns="0" tIns="0" rIns="0" bIns="0" rtlCol="0">
+            <a:noAutofit/>
+          </a:bodyPr>
+          <a:lstStyle/>
+          <a:p>
+            <a:r>
+              <a:rPr lang="en-GB" sz="1400" i="1" dirty="0">
+                <a:latin typeface="JLR Emeric SemiBold" panose="02000503040000020004" pitchFamily="2" charset="0"/>
+              </a:rPr>
+              <a:t>State Information</a:t>
+            </a:r>
+          </a:p>
+        </p:txBody>
+      </p:sp>
+    </p:spTree>
+    <p:extLst>
+      <p:ext uri="{BB962C8B-B14F-4D97-AF65-F5344CB8AC3E}">
+        <p14:creationId xmlns:p14="http://schemas.microsoft.com/office/powerpoint/2010/main" val="3161739597"/>
+      </p:ext>
+    </p:extLst>
+  </p:cSld>
+  <p:clrMapOvr>
+    <a:masterClrMapping/>
+  </p:clrMapOvr>
+</p:sld>
+</file>
+
+<file path=ppt/slides/slide29.xml><?xml version="1.0" encoding="utf-8"?>
+<p:sld xmlns:a="http://schemas.openxmlformats.org/drawingml/2006/main" xmlns:r="http://schemas.openxmlformats.org/officeDocument/2006/relationships" xmlns:p="http://schemas.openxmlformats.org/presentationml/2006/main">
+  <p:cSld>
+    <p:spTree>
+      <p:nvGrpSpPr>
+        <p:cNvPr id="1" name=""/>
+        <p:cNvGrpSpPr/>
+        <p:nvPr/>
+      </p:nvGrpSpPr>
+      <p:grpSpPr>
+        <a:xfrm>
+          <a:off x="0" y="0"/>
+          <a:ext cx="0" cy="0"/>
+          <a:chOff x="0" y="0"/>
+          <a:chExt cx="0" cy="0"/>
+        </a:xfrm>
+      </p:grpSpPr>
+      <p:sp>
+        <p:nvSpPr>
+          <p:cNvPr id="2" name="Slide Number Placeholder 1">
+            <a:extLst>
+              <a:ext uri="{FF2B5EF4-FFF2-40B4-BE49-F238E27FC236}">
+                <a16:creationId xmlns:a16="http://schemas.microsoft.com/office/drawing/2014/main" id="{4CF602FA-47FB-1C42-87F9-B1D80E651C85}"/>
+              </a:ext>
+            </a:extLst>
+          </p:cNvPr>
+          <p:cNvSpPr>
+            <a:spLocks noGrp="1"/>
+          </p:cNvSpPr>
+          <p:nvPr>
+            <p:ph type="sldNum" sz="quarter" idx="12"/>
+          </p:nvPr>
+        </p:nvSpPr>
+        <p:spPr/>
+        <p:txBody>
+          <a:bodyPr/>
+          <a:lstStyle/>
+          <a:p>
+            <a:fld id="{C554A706-D19D-4C79-97F9-BC489483F7EF}" type="slidenum">
+              <a:rPr lang="en-GB" smtClean="0"/>
+              <a:t>29</a:t>
+            </a:fld>
+            <a:endParaRPr lang="en-GB" dirty="0"/>
+          </a:p>
+        </p:txBody>
+      </p:sp>
+      <p:sp>
+        <p:nvSpPr>
+          <p:cNvPr id="3" name="Title 2">
+            <a:extLst>
+              <a:ext uri="{FF2B5EF4-FFF2-40B4-BE49-F238E27FC236}">
+                <a16:creationId xmlns:a16="http://schemas.microsoft.com/office/drawing/2014/main" id="{5C8F3E15-B13C-694D-8D0F-CC5DF81C9E0E}"/>
+              </a:ext>
+            </a:extLst>
+          </p:cNvPr>
+          <p:cNvSpPr>
+            <a:spLocks noGrp="1"/>
+          </p:cNvSpPr>
+          <p:nvPr>
+            <p:ph type="title"/>
+          </p:nvPr>
+        </p:nvSpPr>
+        <p:spPr>
+          <a:xfrm>
+            <a:off x="223838" y="118733"/>
+            <a:ext cx="6629400" cy="349618"/>
+          </a:xfrm>
+        </p:spPr>
+        <p:txBody>
+          <a:bodyPr/>
+          <a:lstStyle/>
+          <a:p>
+            <a:r>
+              <a:rPr lang="en-US" dirty="0"/>
+              <a:t>*28*</a:t>
+            </a:r>
+          </a:p>
+        </p:txBody>
+      </p:sp>
+      <p:sp>
+        <p:nvSpPr>
+          <p:cNvPr id="4" name="TextBox 3">
+            <a:extLst>
+              <a:ext uri="{FF2B5EF4-FFF2-40B4-BE49-F238E27FC236}">
+                <a16:creationId xmlns:a16="http://schemas.microsoft.com/office/drawing/2014/main" id="{C73B122E-5230-6243-A035-151EDB99E12E}"/>
+              </a:ext>
+            </a:extLst>
+          </p:cNvPr>
+          <p:cNvSpPr txBox="1"/>
+          <p:nvPr/>
+        </p:nvSpPr>
+        <p:spPr>
+          <a:xfrm>
+            <a:off x="223837" y="447345"/>
+            <a:ext cx="6892069" cy="328612"/>
+          </a:xfrm>
+          <a:prstGeom prst="rect">
+            <a:avLst/>
+          </a:prstGeom>
+          <a:noFill/>
+        </p:spPr>
+        <p:txBody>
+          <a:bodyPr wrap="square" lIns="0" tIns="0" rIns="0" bIns="0" rtlCol="0">
+            <a:noAutofit/>
+          </a:bodyPr>
+          <a:lstStyle/>
+          <a:p>
+            <a:r>
+              <a:rPr lang="en-GB" sz="1400" i="1" dirty="0">
+                <a:latin typeface="JLR Emeric SemiBold" panose="02000503040000020004" pitchFamily="2" charset="0"/>
+              </a:rPr>
+              <a:t>State Information</a:t>
+            </a:r>
+          </a:p>
+        </p:txBody>
+      </p:sp>
+    </p:spTree>
+    <p:extLst>
+      <p:ext uri="{BB962C8B-B14F-4D97-AF65-F5344CB8AC3E}">
+        <p14:creationId xmlns:p14="http://schemas.microsoft.com/office/powerpoint/2010/main" val="336942523"/>
       </p:ext>
     </p:extLst>
   </p:cSld>
@@ -6360,8 +7067,8 @@
           <a:lstStyle/>
           <a:p>
             <a:r>
-              <a:rPr lang="en-US" dirty="0"/>
-              <a:t>5537 - State 3 - FLNB | VT-01 Off-Board Emissions (3m)</a:t>
+              <a:rPr lang="en-US" sz="1600" dirty="0"/>
+              <a:t>*2*</a:t>
             </a:r>
           </a:p>
         </p:txBody>
@@ -6403,58 +7110,1300 @@
           </a:p>
         </p:txBody>
       </p:sp>
-      <p:pic>
-        <p:nvPicPr>
-          <p:cNvPr id="5" name="Picture 4" descr="image.png"/>
-          <p:cNvPicPr>
-            <a:picLocks noChangeAspect="1"/>
-          </p:cNvPicPr>
-          <p:nvPr/>
-        </p:nvPicPr>
-        <p:blipFill>
-          <a:blip r:embed="rId2"/>
-          <a:stretch>
-            <a:fillRect/>
-          </a:stretch>
-        </p:blipFill>
-        <p:spPr>
-          <a:xfrm>
-            <a:off x="12700" y="1079500"/>
-            <a:ext cx="4546600" cy="3429000"/>
-          </a:xfrm>
-          <a:prstGeom prst="rect">
-            <a:avLst/>
-          </a:prstGeom>
-        </p:spPr>
-      </p:pic>
-      <p:pic>
-        <p:nvPicPr>
-          <p:cNvPr id="6" name="Picture 5" descr="image.png"/>
-          <p:cNvPicPr>
-            <a:picLocks noChangeAspect="1"/>
-          </p:cNvPicPr>
-          <p:nvPr/>
-        </p:nvPicPr>
-        <p:blipFill>
-          <a:blip r:embed="rId3"/>
-          <a:stretch>
-            <a:fillRect/>
-          </a:stretch>
-        </p:blipFill>
-        <p:spPr>
-          <a:xfrm>
-            <a:off x="4572000" y="1079500"/>
-            <a:ext cx="4546600" cy="3429000"/>
-          </a:xfrm>
-          <a:prstGeom prst="rect">
-            <a:avLst/>
-          </a:prstGeom>
-        </p:spPr>
-      </p:pic>
     </p:spTree>
     <p:extLst>
       <p:ext uri="{BB962C8B-B14F-4D97-AF65-F5344CB8AC3E}">
         <p14:creationId xmlns:p14="http://schemas.microsoft.com/office/powerpoint/2010/main" val="3722620324"/>
+      </p:ext>
+    </p:extLst>
+  </p:cSld>
+  <p:clrMapOvr>
+    <a:masterClrMapping/>
+  </p:clrMapOvr>
+</p:sld>
+</file>
+
+<file path=ppt/slides/slide30.xml><?xml version="1.0" encoding="utf-8"?>
+<p:sld xmlns:a="http://schemas.openxmlformats.org/drawingml/2006/main" xmlns:r="http://schemas.openxmlformats.org/officeDocument/2006/relationships" xmlns:p="http://schemas.openxmlformats.org/presentationml/2006/main">
+  <p:cSld>
+    <p:spTree>
+      <p:nvGrpSpPr>
+        <p:cNvPr id="1" name=""/>
+        <p:cNvGrpSpPr/>
+        <p:nvPr/>
+      </p:nvGrpSpPr>
+      <p:grpSpPr>
+        <a:xfrm>
+          <a:off x="0" y="0"/>
+          <a:ext cx="0" cy="0"/>
+          <a:chOff x="0" y="0"/>
+          <a:chExt cx="0" cy="0"/>
+        </a:xfrm>
+      </p:grpSpPr>
+      <p:sp>
+        <p:nvSpPr>
+          <p:cNvPr id="2" name="Slide Number Placeholder 1">
+            <a:extLst>
+              <a:ext uri="{FF2B5EF4-FFF2-40B4-BE49-F238E27FC236}">
+                <a16:creationId xmlns:a16="http://schemas.microsoft.com/office/drawing/2014/main" id="{4CF602FA-47FB-1C42-87F9-B1D80E651C85}"/>
+              </a:ext>
+            </a:extLst>
+          </p:cNvPr>
+          <p:cNvSpPr>
+            <a:spLocks noGrp="1"/>
+          </p:cNvSpPr>
+          <p:nvPr>
+            <p:ph type="sldNum" sz="quarter" idx="12"/>
+          </p:nvPr>
+        </p:nvSpPr>
+        <p:spPr/>
+        <p:txBody>
+          <a:bodyPr/>
+          <a:lstStyle/>
+          <a:p>
+            <a:fld id="{C554A706-D19D-4C79-97F9-BC489483F7EF}" type="slidenum">
+              <a:rPr lang="en-GB" smtClean="0"/>
+              <a:t>30</a:t>
+            </a:fld>
+            <a:endParaRPr lang="en-GB" dirty="0"/>
+          </a:p>
+        </p:txBody>
+      </p:sp>
+      <p:sp>
+        <p:nvSpPr>
+          <p:cNvPr id="3" name="Title 2">
+            <a:extLst>
+              <a:ext uri="{FF2B5EF4-FFF2-40B4-BE49-F238E27FC236}">
+                <a16:creationId xmlns:a16="http://schemas.microsoft.com/office/drawing/2014/main" id="{5C8F3E15-B13C-694D-8D0F-CC5DF81C9E0E}"/>
+              </a:ext>
+            </a:extLst>
+          </p:cNvPr>
+          <p:cNvSpPr>
+            <a:spLocks noGrp="1"/>
+          </p:cNvSpPr>
+          <p:nvPr>
+            <p:ph type="title"/>
+          </p:nvPr>
+        </p:nvSpPr>
+        <p:spPr>
+          <a:xfrm>
+            <a:off x="223838" y="118733"/>
+            <a:ext cx="6629400" cy="349618"/>
+          </a:xfrm>
+        </p:spPr>
+        <p:txBody>
+          <a:bodyPr/>
+          <a:lstStyle/>
+          <a:p>
+            <a:r>
+              <a:rPr lang="en-US" dirty="0"/>
+              <a:t>*29*</a:t>
+            </a:r>
+          </a:p>
+        </p:txBody>
+      </p:sp>
+      <p:sp>
+        <p:nvSpPr>
+          <p:cNvPr id="4" name="TextBox 3">
+            <a:extLst>
+              <a:ext uri="{FF2B5EF4-FFF2-40B4-BE49-F238E27FC236}">
+                <a16:creationId xmlns:a16="http://schemas.microsoft.com/office/drawing/2014/main" id="{C73B122E-5230-6243-A035-151EDB99E12E}"/>
+              </a:ext>
+            </a:extLst>
+          </p:cNvPr>
+          <p:cNvSpPr txBox="1"/>
+          <p:nvPr/>
+        </p:nvSpPr>
+        <p:spPr>
+          <a:xfrm>
+            <a:off x="223837" y="447345"/>
+            <a:ext cx="6892069" cy="328612"/>
+          </a:xfrm>
+          <a:prstGeom prst="rect">
+            <a:avLst/>
+          </a:prstGeom>
+          <a:noFill/>
+        </p:spPr>
+        <p:txBody>
+          <a:bodyPr wrap="square" lIns="0" tIns="0" rIns="0" bIns="0" rtlCol="0">
+            <a:noAutofit/>
+          </a:bodyPr>
+          <a:lstStyle/>
+          <a:p>
+            <a:r>
+              <a:rPr lang="en-GB" sz="1400" i="1" dirty="0">
+                <a:latin typeface="JLR Emeric SemiBold" panose="02000503040000020004" pitchFamily="2" charset="0"/>
+              </a:rPr>
+              <a:t>State Information</a:t>
+            </a:r>
+          </a:p>
+        </p:txBody>
+      </p:sp>
+    </p:spTree>
+    <p:extLst>
+      <p:ext uri="{BB962C8B-B14F-4D97-AF65-F5344CB8AC3E}">
+        <p14:creationId xmlns:p14="http://schemas.microsoft.com/office/powerpoint/2010/main" val="3152784817"/>
+      </p:ext>
+    </p:extLst>
+  </p:cSld>
+  <p:clrMapOvr>
+    <a:masterClrMapping/>
+  </p:clrMapOvr>
+</p:sld>
+</file>
+
+<file path=ppt/slides/slide31.xml><?xml version="1.0" encoding="utf-8"?>
+<p:sld xmlns:a="http://schemas.openxmlformats.org/drawingml/2006/main" xmlns:r="http://schemas.openxmlformats.org/officeDocument/2006/relationships" xmlns:p="http://schemas.openxmlformats.org/presentationml/2006/main">
+  <p:cSld>
+    <p:spTree>
+      <p:nvGrpSpPr>
+        <p:cNvPr id="1" name=""/>
+        <p:cNvGrpSpPr/>
+        <p:nvPr/>
+      </p:nvGrpSpPr>
+      <p:grpSpPr>
+        <a:xfrm>
+          <a:off x="0" y="0"/>
+          <a:ext cx="0" cy="0"/>
+          <a:chOff x="0" y="0"/>
+          <a:chExt cx="0" cy="0"/>
+        </a:xfrm>
+      </p:grpSpPr>
+      <p:sp>
+        <p:nvSpPr>
+          <p:cNvPr id="2" name="Slide Number Placeholder 1">
+            <a:extLst>
+              <a:ext uri="{FF2B5EF4-FFF2-40B4-BE49-F238E27FC236}">
+                <a16:creationId xmlns:a16="http://schemas.microsoft.com/office/drawing/2014/main" id="{4CF602FA-47FB-1C42-87F9-B1D80E651C85}"/>
+              </a:ext>
+            </a:extLst>
+          </p:cNvPr>
+          <p:cNvSpPr>
+            <a:spLocks noGrp="1"/>
+          </p:cNvSpPr>
+          <p:nvPr>
+            <p:ph type="sldNum" sz="quarter" idx="12"/>
+          </p:nvPr>
+        </p:nvSpPr>
+        <p:spPr/>
+        <p:txBody>
+          <a:bodyPr/>
+          <a:lstStyle/>
+          <a:p>
+            <a:fld id="{C554A706-D19D-4C79-97F9-BC489483F7EF}" type="slidenum">
+              <a:rPr lang="en-GB" smtClean="0"/>
+              <a:t>31</a:t>
+            </a:fld>
+            <a:endParaRPr lang="en-GB" dirty="0"/>
+          </a:p>
+        </p:txBody>
+      </p:sp>
+      <p:sp>
+        <p:nvSpPr>
+          <p:cNvPr id="3" name="Title 2">
+            <a:extLst>
+              <a:ext uri="{FF2B5EF4-FFF2-40B4-BE49-F238E27FC236}">
+                <a16:creationId xmlns:a16="http://schemas.microsoft.com/office/drawing/2014/main" id="{5C8F3E15-B13C-694D-8D0F-CC5DF81C9E0E}"/>
+              </a:ext>
+            </a:extLst>
+          </p:cNvPr>
+          <p:cNvSpPr>
+            <a:spLocks noGrp="1"/>
+          </p:cNvSpPr>
+          <p:nvPr>
+            <p:ph type="title"/>
+          </p:nvPr>
+        </p:nvSpPr>
+        <p:spPr>
+          <a:xfrm>
+            <a:off x="223838" y="118733"/>
+            <a:ext cx="6629400" cy="349618"/>
+          </a:xfrm>
+        </p:spPr>
+        <p:txBody>
+          <a:bodyPr/>
+          <a:lstStyle/>
+          <a:p>
+            <a:r>
+              <a:rPr lang="en-US" dirty="0"/>
+              <a:t>*30*</a:t>
+            </a:r>
+          </a:p>
+        </p:txBody>
+      </p:sp>
+      <p:sp>
+        <p:nvSpPr>
+          <p:cNvPr id="4" name="TextBox 3">
+            <a:extLst>
+              <a:ext uri="{FF2B5EF4-FFF2-40B4-BE49-F238E27FC236}">
+                <a16:creationId xmlns:a16="http://schemas.microsoft.com/office/drawing/2014/main" id="{C73B122E-5230-6243-A035-151EDB99E12E}"/>
+              </a:ext>
+            </a:extLst>
+          </p:cNvPr>
+          <p:cNvSpPr txBox="1"/>
+          <p:nvPr/>
+        </p:nvSpPr>
+        <p:spPr>
+          <a:xfrm>
+            <a:off x="223837" y="447345"/>
+            <a:ext cx="6892069" cy="328612"/>
+          </a:xfrm>
+          <a:prstGeom prst="rect">
+            <a:avLst/>
+          </a:prstGeom>
+          <a:noFill/>
+        </p:spPr>
+        <p:txBody>
+          <a:bodyPr wrap="square" lIns="0" tIns="0" rIns="0" bIns="0" rtlCol="0">
+            <a:noAutofit/>
+          </a:bodyPr>
+          <a:lstStyle/>
+          <a:p>
+            <a:r>
+              <a:rPr lang="en-GB" sz="1400" i="1" dirty="0">
+                <a:latin typeface="JLR Emeric SemiBold" panose="02000503040000020004" pitchFamily="2" charset="0"/>
+              </a:rPr>
+              <a:t>State Information</a:t>
+            </a:r>
+          </a:p>
+        </p:txBody>
+      </p:sp>
+    </p:spTree>
+    <p:extLst>
+      <p:ext uri="{BB962C8B-B14F-4D97-AF65-F5344CB8AC3E}">
+        <p14:creationId xmlns:p14="http://schemas.microsoft.com/office/powerpoint/2010/main" val="2853045810"/>
+      </p:ext>
+    </p:extLst>
+  </p:cSld>
+  <p:clrMapOvr>
+    <a:masterClrMapping/>
+  </p:clrMapOvr>
+</p:sld>
+</file>
+
+<file path=ppt/slides/slide32.xml><?xml version="1.0" encoding="utf-8"?>
+<p:sld xmlns:a="http://schemas.openxmlformats.org/drawingml/2006/main" xmlns:r="http://schemas.openxmlformats.org/officeDocument/2006/relationships" xmlns:p="http://schemas.openxmlformats.org/presentationml/2006/main">
+  <p:cSld>
+    <p:spTree>
+      <p:nvGrpSpPr>
+        <p:cNvPr id="1" name=""/>
+        <p:cNvGrpSpPr/>
+        <p:nvPr/>
+      </p:nvGrpSpPr>
+      <p:grpSpPr>
+        <a:xfrm>
+          <a:off x="0" y="0"/>
+          <a:ext cx="0" cy="0"/>
+          <a:chOff x="0" y="0"/>
+          <a:chExt cx="0" cy="0"/>
+        </a:xfrm>
+      </p:grpSpPr>
+      <p:sp>
+        <p:nvSpPr>
+          <p:cNvPr id="2" name="Slide Number Placeholder 1">
+            <a:extLst>
+              <a:ext uri="{FF2B5EF4-FFF2-40B4-BE49-F238E27FC236}">
+                <a16:creationId xmlns:a16="http://schemas.microsoft.com/office/drawing/2014/main" id="{4CF602FA-47FB-1C42-87F9-B1D80E651C85}"/>
+              </a:ext>
+            </a:extLst>
+          </p:cNvPr>
+          <p:cNvSpPr>
+            <a:spLocks noGrp="1"/>
+          </p:cNvSpPr>
+          <p:nvPr>
+            <p:ph type="sldNum" sz="quarter" idx="12"/>
+          </p:nvPr>
+        </p:nvSpPr>
+        <p:spPr/>
+        <p:txBody>
+          <a:bodyPr/>
+          <a:lstStyle/>
+          <a:p>
+            <a:fld id="{C554A706-D19D-4C79-97F9-BC489483F7EF}" type="slidenum">
+              <a:rPr lang="en-GB" smtClean="0"/>
+              <a:t>32</a:t>
+            </a:fld>
+            <a:endParaRPr lang="en-GB" dirty="0"/>
+          </a:p>
+        </p:txBody>
+      </p:sp>
+      <p:sp>
+        <p:nvSpPr>
+          <p:cNvPr id="3" name="Title 2">
+            <a:extLst>
+              <a:ext uri="{FF2B5EF4-FFF2-40B4-BE49-F238E27FC236}">
+                <a16:creationId xmlns:a16="http://schemas.microsoft.com/office/drawing/2014/main" id="{5C8F3E15-B13C-694D-8D0F-CC5DF81C9E0E}"/>
+              </a:ext>
+            </a:extLst>
+          </p:cNvPr>
+          <p:cNvSpPr>
+            <a:spLocks noGrp="1"/>
+          </p:cNvSpPr>
+          <p:nvPr>
+            <p:ph type="title"/>
+          </p:nvPr>
+        </p:nvSpPr>
+        <p:spPr>
+          <a:xfrm>
+            <a:off x="223838" y="118733"/>
+            <a:ext cx="6629400" cy="349618"/>
+          </a:xfrm>
+        </p:spPr>
+        <p:txBody>
+          <a:bodyPr/>
+          <a:lstStyle/>
+          <a:p>
+            <a:r>
+              <a:rPr lang="en-US" dirty="0"/>
+              <a:t>*31*</a:t>
+            </a:r>
+          </a:p>
+        </p:txBody>
+      </p:sp>
+      <p:sp>
+        <p:nvSpPr>
+          <p:cNvPr id="4" name="TextBox 3">
+            <a:extLst>
+              <a:ext uri="{FF2B5EF4-FFF2-40B4-BE49-F238E27FC236}">
+                <a16:creationId xmlns:a16="http://schemas.microsoft.com/office/drawing/2014/main" id="{C73B122E-5230-6243-A035-151EDB99E12E}"/>
+              </a:ext>
+            </a:extLst>
+          </p:cNvPr>
+          <p:cNvSpPr txBox="1"/>
+          <p:nvPr/>
+        </p:nvSpPr>
+        <p:spPr>
+          <a:xfrm>
+            <a:off x="223837" y="447345"/>
+            <a:ext cx="6892069" cy="328612"/>
+          </a:xfrm>
+          <a:prstGeom prst="rect">
+            <a:avLst/>
+          </a:prstGeom>
+          <a:noFill/>
+        </p:spPr>
+        <p:txBody>
+          <a:bodyPr wrap="square" lIns="0" tIns="0" rIns="0" bIns="0" rtlCol="0">
+            <a:noAutofit/>
+          </a:bodyPr>
+          <a:lstStyle/>
+          <a:p>
+            <a:r>
+              <a:rPr lang="en-GB" sz="1400" i="1" dirty="0">
+                <a:latin typeface="JLR Emeric SemiBold" panose="02000503040000020004" pitchFamily="2" charset="0"/>
+              </a:rPr>
+              <a:t>State Information</a:t>
+            </a:r>
+          </a:p>
+        </p:txBody>
+      </p:sp>
+    </p:spTree>
+    <p:extLst>
+      <p:ext uri="{BB962C8B-B14F-4D97-AF65-F5344CB8AC3E}">
+        <p14:creationId xmlns:p14="http://schemas.microsoft.com/office/powerpoint/2010/main" val="1040026715"/>
+      </p:ext>
+    </p:extLst>
+  </p:cSld>
+  <p:clrMapOvr>
+    <a:masterClrMapping/>
+  </p:clrMapOvr>
+</p:sld>
+</file>
+
+<file path=ppt/slides/slide33.xml><?xml version="1.0" encoding="utf-8"?>
+<p:sld xmlns:a="http://schemas.openxmlformats.org/drawingml/2006/main" xmlns:r="http://schemas.openxmlformats.org/officeDocument/2006/relationships" xmlns:p="http://schemas.openxmlformats.org/presentationml/2006/main">
+  <p:cSld>
+    <p:spTree>
+      <p:nvGrpSpPr>
+        <p:cNvPr id="1" name=""/>
+        <p:cNvGrpSpPr/>
+        <p:nvPr/>
+      </p:nvGrpSpPr>
+      <p:grpSpPr>
+        <a:xfrm>
+          <a:off x="0" y="0"/>
+          <a:ext cx="0" cy="0"/>
+          <a:chOff x="0" y="0"/>
+          <a:chExt cx="0" cy="0"/>
+        </a:xfrm>
+      </p:grpSpPr>
+      <p:sp>
+        <p:nvSpPr>
+          <p:cNvPr id="2" name="Slide Number Placeholder 1">
+            <a:extLst>
+              <a:ext uri="{FF2B5EF4-FFF2-40B4-BE49-F238E27FC236}">
+                <a16:creationId xmlns:a16="http://schemas.microsoft.com/office/drawing/2014/main" id="{4CF602FA-47FB-1C42-87F9-B1D80E651C85}"/>
+              </a:ext>
+            </a:extLst>
+          </p:cNvPr>
+          <p:cNvSpPr>
+            <a:spLocks noGrp="1"/>
+          </p:cNvSpPr>
+          <p:nvPr>
+            <p:ph type="sldNum" sz="quarter" idx="12"/>
+          </p:nvPr>
+        </p:nvSpPr>
+        <p:spPr/>
+        <p:txBody>
+          <a:bodyPr/>
+          <a:lstStyle/>
+          <a:p>
+            <a:fld id="{C554A706-D19D-4C79-97F9-BC489483F7EF}" type="slidenum">
+              <a:rPr lang="en-GB" smtClean="0"/>
+              <a:t>33</a:t>
+            </a:fld>
+            <a:endParaRPr lang="en-GB" dirty="0"/>
+          </a:p>
+        </p:txBody>
+      </p:sp>
+      <p:sp>
+        <p:nvSpPr>
+          <p:cNvPr id="3" name="Title 2">
+            <a:extLst>
+              <a:ext uri="{FF2B5EF4-FFF2-40B4-BE49-F238E27FC236}">
+                <a16:creationId xmlns:a16="http://schemas.microsoft.com/office/drawing/2014/main" id="{5C8F3E15-B13C-694D-8D0F-CC5DF81C9E0E}"/>
+              </a:ext>
+            </a:extLst>
+          </p:cNvPr>
+          <p:cNvSpPr>
+            <a:spLocks noGrp="1"/>
+          </p:cNvSpPr>
+          <p:nvPr>
+            <p:ph type="title"/>
+          </p:nvPr>
+        </p:nvSpPr>
+        <p:spPr>
+          <a:xfrm>
+            <a:off x="223838" y="118733"/>
+            <a:ext cx="6629400" cy="349618"/>
+          </a:xfrm>
+        </p:spPr>
+        <p:txBody>
+          <a:bodyPr/>
+          <a:lstStyle/>
+          <a:p>
+            <a:r>
+              <a:rPr lang="en-US" dirty="0"/>
+              <a:t>*32*</a:t>
+            </a:r>
+          </a:p>
+        </p:txBody>
+      </p:sp>
+      <p:sp>
+        <p:nvSpPr>
+          <p:cNvPr id="4" name="TextBox 3">
+            <a:extLst>
+              <a:ext uri="{FF2B5EF4-FFF2-40B4-BE49-F238E27FC236}">
+                <a16:creationId xmlns:a16="http://schemas.microsoft.com/office/drawing/2014/main" id="{C73B122E-5230-6243-A035-151EDB99E12E}"/>
+              </a:ext>
+            </a:extLst>
+          </p:cNvPr>
+          <p:cNvSpPr txBox="1"/>
+          <p:nvPr/>
+        </p:nvSpPr>
+        <p:spPr>
+          <a:xfrm>
+            <a:off x="223837" y="447345"/>
+            <a:ext cx="6892069" cy="328612"/>
+          </a:xfrm>
+          <a:prstGeom prst="rect">
+            <a:avLst/>
+          </a:prstGeom>
+          <a:noFill/>
+        </p:spPr>
+        <p:txBody>
+          <a:bodyPr wrap="square" lIns="0" tIns="0" rIns="0" bIns="0" rtlCol="0">
+            <a:noAutofit/>
+          </a:bodyPr>
+          <a:lstStyle/>
+          <a:p>
+            <a:r>
+              <a:rPr lang="en-GB" sz="1400" i="1" dirty="0">
+                <a:latin typeface="JLR Emeric SemiBold" panose="02000503040000020004" pitchFamily="2" charset="0"/>
+              </a:rPr>
+              <a:t>State Information</a:t>
+            </a:r>
+          </a:p>
+        </p:txBody>
+      </p:sp>
+    </p:spTree>
+    <p:extLst>
+      <p:ext uri="{BB962C8B-B14F-4D97-AF65-F5344CB8AC3E}">
+        <p14:creationId xmlns:p14="http://schemas.microsoft.com/office/powerpoint/2010/main" val="2291862530"/>
+      </p:ext>
+    </p:extLst>
+  </p:cSld>
+  <p:clrMapOvr>
+    <a:masterClrMapping/>
+  </p:clrMapOvr>
+</p:sld>
+</file>
+
+<file path=ppt/slides/slide34.xml><?xml version="1.0" encoding="utf-8"?>
+<p:sld xmlns:a="http://schemas.openxmlformats.org/drawingml/2006/main" xmlns:r="http://schemas.openxmlformats.org/officeDocument/2006/relationships" xmlns:p="http://schemas.openxmlformats.org/presentationml/2006/main">
+  <p:cSld>
+    <p:spTree>
+      <p:nvGrpSpPr>
+        <p:cNvPr id="1" name=""/>
+        <p:cNvGrpSpPr/>
+        <p:nvPr/>
+      </p:nvGrpSpPr>
+      <p:grpSpPr>
+        <a:xfrm>
+          <a:off x="0" y="0"/>
+          <a:ext cx="0" cy="0"/>
+          <a:chOff x="0" y="0"/>
+          <a:chExt cx="0" cy="0"/>
+        </a:xfrm>
+      </p:grpSpPr>
+      <p:sp>
+        <p:nvSpPr>
+          <p:cNvPr id="2" name="Slide Number Placeholder 1">
+            <a:extLst>
+              <a:ext uri="{FF2B5EF4-FFF2-40B4-BE49-F238E27FC236}">
+                <a16:creationId xmlns:a16="http://schemas.microsoft.com/office/drawing/2014/main" id="{4CF602FA-47FB-1C42-87F9-B1D80E651C85}"/>
+              </a:ext>
+            </a:extLst>
+          </p:cNvPr>
+          <p:cNvSpPr>
+            <a:spLocks noGrp="1"/>
+          </p:cNvSpPr>
+          <p:nvPr>
+            <p:ph type="sldNum" sz="quarter" idx="12"/>
+          </p:nvPr>
+        </p:nvSpPr>
+        <p:spPr/>
+        <p:txBody>
+          <a:bodyPr/>
+          <a:lstStyle/>
+          <a:p>
+            <a:fld id="{C554A706-D19D-4C79-97F9-BC489483F7EF}" type="slidenum">
+              <a:rPr lang="en-GB" smtClean="0"/>
+              <a:t>34</a:t>
+            </a:fld>
+            <a:endParaRPr lang="en-GB" dirty="0"/>
+          </a:p>
+        </p:txBody>
+      </p:sp>
+      <p:sp>
+        <p:nvSpPr>
+          <p:cNvPr id="3" name="Title 2">
+            <a:extLst>
+              <a:ext uri="{FF2B5EF4-FFF2-40B4-BE49-F238E27FC236}">
+                <a16:creationId xmlns:a16="http://schemas.microsoft.com/office/drawing/2014/main" id="{5C8F3E15-B13C-694D-8D0F-CC5DF81C9E0E}"/>
+              </a:ext>
+            </a:extLst>
+          </p:cNvPr>
+          <p:cNvSpPr>
+            <a:spLocks noGrp="1"/>
+          </p:cNvSpPr>
+          <p:nvPr>
+            <p:ph type="title"/>
+          </p:nvPr>
+        </p:nvSpPr>
+        <p:spPr>
+          <a:xfrm>
+            <a:off x="223838" y="118733"/>
+            <a:ext cx="6629400" cy="349618"/>
+          </a:xfrm>
+        </p:spPr>
+        <p:txBody>
+          <a:bodyPr/>
+          <a:lstStyle/>
+          <a:p>
+            <a:r>
+              <a:rPr lang="en-US" dirty="0"/>
+              <a:t>*33*</a:t>
+            </a:r>
+          </a:p>
+        </p:txBody>
+      </p:sp>
+      <p:sp>
+        <p:nvSpPr>
+          <p:cNvPr id="4" name="TextBox 3">
+            <a:extLst>
+              <a:ext uri="{FF2B5EF4-FFF2-40B4-BE49-F238E27FC236}">
+                <a16:creationId xmlns:a16="http://schemas.microsoft.com/office/drawing/2014/main" id="{C73B122E-5230-6243-A035-151EDB99E12E}"/>
+              </a:ext>
+            </a:extLst>
+          </p:cNvPr>
+          <p:cNvSpPr txBox="1"/>
+          <p:nvPr/>
+        </p:nvSpPr>
+        <p:spPr>
+          <a:xfrm>
+            <a:off x="223837" y="447345"/>
+            <a:ext cx="6892069" cy="328612"/>
+          </a:xfrm>
+          <a:prstGeom prst="rect">
+            <a:avLst/>
+          </a:prstGeom>
+          <a:noFill/>
+        </p:spPr>
+        <p:txBody>
+          <a:bodyPr wrap="square" lIns="0" tIns="0" rIns="0" bIns="0" rtlCol="0">
+            <a:noAutofit/>
+          </a:bodyPr>
+          <a:lstStyle/>
+          <a:p>
+            <a:r>
+              <a:rPr lang="en-GB" sz="1400" i="1" dirty="0">
+                <a:latin typeface="JLR Emeric SemiBold" panose="02000503040000020004" pitchFamily="2" charset="0"/>
+              </a:rPr>
+              <a:t>State Information</a:t>
+            </a:r>
+          </a:p>
+        </p:txBody>
+      </p:sp>
+    </p:spTree>
+    <p:extLst>
+      <p:ext uri="{BB962C8B-B14F-4D97-AF65-F5344CB8AC3E}">
+        <p14:creationId xmlns:p14="http://schemas.microsoft.com/office/powerpoint/2010/main" val="3013314091"/>
+      </p:ext>
+    </p:extLst>
+  </p:cSld>
+  <p:clrMapOvr>
+    <a:masterClrMapping/>
+  </p:clrMapOvr>
+</p:sld>
+</file>
+
+<file path=ppt/slides/slide35.xml><?xml version="1.0" encoding="utf-8"?>
+<p:sld xmlns:a="http://schemas.openxmlformats.org/drawingml/2006/main" xmlns:r="http://schemas.openxmlformats.org/officeDocument/2006/relationships" xmlns:p="http://schemas.openxmlformats.org/presentationml/2006/main">
+  <p:cSld>
+    <p:spTree>
+      <p:nvGrpSpPr>
+        <p:cNvPr id="1" name=""/>
+        <p:cNvGrpSpPr/>
+        <p:nvPr/>
+      </p:nvGrpSpPr>
+      <p:grpSpPr>
+        <a:xfrm>
+          <a:off x="0" y="0"/>
+          <a:ext cx="0" cy="0"/>
+          <a:chOff x="0" y="0"/>
+          <a:chExt cx="0" cy="0"/>
+        </a:xfrm>
+      </p:grpSpPr>
+      <p:sp>
+        <p:nvSpPr>
+          <p:cNvPr id="2" name="Slide Number Placeholder 1">
+            <a:extLst>
+              <a:ext uri="{FF2B5EF4-FFF2-40B4-BE49-F238E27FC236}">
+                <a16:creationId xmlns:a16="http://schemas.microsoft.com/office/drawing/2014/main" id="{4CF602FA-47FB-1C42-87F9-B1D80E651C85}"/>
+              </a:ext>
+            </a:extLst>
+          </p:cNvPr>
+          <p:cNvSpPr>
+            <a:spLocks noGrp="1"/>
+          </p:cNvSpPr>
+          <p:nvPr>
+            <p:ph type="sldNum" sz="quarter" idx="12"/>
+          </p:nvPr>
+        </p:nvSpPr>
+        <p:spPr/>
+        <p:txBody>
+          <a:bodyPr/>
+          <a:lstStyle/>
+          <a:p>
+            <a:fld id="{C554A706-D19D-4C79-97F9-BC489483F7EF}" type="slidenum">
+              <a:rPr lang="en-GB" smtClean="0"/>
+              <a:t>35</a:t>
+            </a:fld>
+            <a:endParaRPr lang="en-GB" dirty="0"/>
+          </a:p>
+        </p:txBody>
+      </p:sp>
+      <p:sp>
+        <p:nvSpPr>
+          <p:cNvPr id="3" name="Title 2">
+            <a:extLst>
+              <a:ext uri="{FF2B5EF4-FFF2-40B4-BE49-F238E27FC236}">
+                <a16:creationId xmlns:a16="http://schemas.microsoft.com/office/drawing/2014/main" id="{5C8F3E15-B13C-694D-8D0F-CC5DF81C9E0E}"/>
+              </a:ext>
+            </a:extLst>
+          </p:cNvPr>
+          <p:cNvSpPr>
+            <a:spLocks noGrp="1"/>
+          </p:cNvSpPr>
+          <p:nvPr>
+            <p:ph type="title"/>
+          </p:nvPr>
+        </p:nvSpPr>
+        <p:spPr>
+          <a:xfrm>
+            <a:off x="223838" y="118733"/>
+            <a:ext cx="6629400" cy="349618"/>
+          </a:xfrm>
+        </p:spPr>
+        <p:txBody>
+          <a:bodyPr/>
+          <a:lstStyle/>
+          <a:p>
+            <a:r>
+              <a:rPr lang="en-US" dirty="0"/>
+              <a:t>*34*</a:t>
+            </a:r>
+          </a:p>
+        </p:txBody>
+      </p:sp>
+      <p:sp>
+        <p:nvSpPr>
+          <p:cNvPr id="4" name="TextBox 3">
+            <a:extLst>
+              <a:ext uri="{FF2B5EF4-FFF2-40B4-BE49-F238E27FC236}">
+                <a16:creationId xmlns:a16="http://schemas.microsoft.com/office/drawing/2014/main" id="{C73B122E-5230-6243-A035-151EDB99E12E}"/>
+              </a:ext>
+            </a:extLst>
+          </p:cNvPr>
+          <p:cNvSpPr txBox="1"/>
+          <p:nvPr/>
+        </p:nvSpPr>
+        <p:spPr>
+          <a:xfrm>
+            <a:off x="223837" y="447345"/>
+            <a:ext cx="6892069" cy="328612"/>
+          </a:xfrm>
+          <a:prstGeom prst="rect">
+            <a:avLst/>
+          </a:prstGeom>
+          <a:noFill/>
+        </p:spPr>
+        <p:txBody>
+          <a:bodyPr wrap="square" lIns="0" tIns="0" rIns="0" bIns="0" rtlCol="0">
+            <a:noAutofit/>
+          </a:bodyPr>
+          <a:lstStyle/>
+          <a:p>
+            <a:r>
+              <a:rPr lang="en-GB" sz="1400" i="1" dirty="0">
+                <a:latin typeface="JLR Emeric SemiBold" panose="02000503040000020004" pitchFamily="2" charset="0"/>
+              </a:rPr>
+              <a:t>State Information</a:t>
+            </a:r>
+          </a:p>
+        </p:txBody>
+      </p:sp>
+    </p:spTree>
+    <p:extLst>
+      <p:ext uri="{BB962C8B-B14F-4D97-AF65-F5344CB8AC3E}">
+        <p14:creationId xmlns:p14="http://schemas.microsoft.com/office/powerpoint/2010/main" val="292467307"/>
+      </p:ext>
+    </p:extLst>
+  </p:cSld>
+  <p:clrMapOvr>
+    <a:masterClrMapping/>
+  </p:clrMapOvr>
+</p:sld>
+</file>
+
+<file path=ppt/slides/slide36.xml><?xml version="1.0" encoding="utf-8"?>
+<p:sld xmlns:a="http://schemas.openxmlformats.org/drawingml/2006/main" xmlns:r="http://schemas.openxmlformats.org/officeDocument/2006/relationships" xmlns:p="http://schemas.openxmlformats.org/presentationml/2006/main">
+  <p:cSld>
+    <p:spTree>
+      <p:nvGrpSpPr>
+        <p:cNvPr id="1" name=""/>
+        <p:cNvGrpSpPr/>
+        <p:nvPr/>
+      </p:nvGrpSpPr>
+      <p:grpSpPr>
+        <a:xfrm>
+          <a:off x="0" y="0"/>
+          <a:ext cx="0" cy="0"/>
+          <a:chOff x="0" y="0"/>
+          <a:chExt cx="0" cy="0"/>
+        </a:xfrm>
+      </p:grpSpPr>
+      <p:sp>
+        <p:nvSpPr>
+          <p:cNvPr id="2" name="Slide Number Placeholder 1">
+            <a:extLst>
+              <a:ext uri="{FF2B5EF4-FFF2-40B4-BE49-F238E27FC236}">
+                <a16:creationId xmlns:a16="http://schemas.microsoft.com/office/drawing/2014/main" id="{4CF602FA-47FB-1C42-87F9-B1D80E651C85}"/>
+              </a:ext>
+            </a:extLst>
+          </p:cNvPr>
+          <p:cNvSpPr>
+            <a:spLocks noGrp="1"/>
+          </p:cNvSpPr>
+          <p:nvPr>
+            <p:ph type="sldNum" sz="quarter" idx="12"/>
+          </p:nvPr>
+        </p:nvSpPr>
+        <p:spPr/>
+        <p:txBody>
+          <a:bodyPr/>
+          <a:lstStyle/>
+          <a:p>
+            <a:fld id="{C554A706-D19D-4C79-97F9-BC489483F7EF}" type="slidenum">
+              <a:rPr lang="en-GB" smtClean="0"/>
+              <a:t>36</a:t>
+            </a:fld>
+            <a:endParaRPr lang="en-GB" dirty="0"/>
+          </a:p>
+        </p:txBody>
+      </p:sp>
+      <p:sp>
+        <p:nvSpPr>
+          <p:cNvPr id="3" name="Title 2">
+            <a:extLst>
+              <a:ext uri="{FF2B5EF4-FFF2-40B4-BE49-F238E27FC236}">
+                <a16:creationId xmlns:a16="http://schemas.microsoft.com/office/drawing/2014/main" id="{5C8F3E15-B13C-694D-8D0F-CC5DF81C9E0E}"/>
+              </a:ext>
+            </a:extLst>
+          </p:cNvPr>
+          <p:cNvSpPr>
+            <a:spLocks noGrp="1"/>
+          </p:cNvSpPr>
+          <p:nvPr>
+            <p:ph type="title"/>
+          </p:nvPr>
+        </p:nvSpPr>
+        <p:spPr>
+          <a:xfrm>
+            <a:off x="223838" y="118733"/>
+            <a:ext cx="6629400" cy="349618"/>
+          </a:xfrm>
+        </p:spPr>
+        <p:txBody>
+          <a:bodyPr/>
+          <a:lstStyle/>
+          <a:p>
+            <a:r>
+              <a:rPr lang="en-US" dirty="0"/>
+              <a:t>*35*</a:t>
+            </a:r>
+          </a:p>
+        </p:txBody>
+      </p:sp>
+      <p:sp>
+        <p:nvSpPr>
+          <p:cNvPr id="4" name="TextBox 3">
+            <a:extLst>
+              <a:ext uri="{FF2B5EF4-FFF2-40B4-BE49-F238E27FC236}">
+                <a16:creationId xmlns:a16="http://schemas.microsoft.com/office/drawing/2014/main" id="{C73B122E-5230-6243-A035-151EDB99E12E}"/>
+              </a:ext>
+            </a:extLst>
+          </p:cNvPr>
+          <p:cNvSpPr txBox="1"/>
+          <p:nvPr/>
+        </p:nvSpPr>
+        <p:spPr>
+          <a:xfrm>
+            <a:off x="223837" y="447345"/>
+            <a:ext cx="6892069" cy="328612"/>
+          </a:xfrm>
+          <a:prstGeom prst="rect">
+            <a:avLst/>
+          </a:prstGeom>
+          <a:noFill/>
+        </p:spPr>
+        <p:txBody>
+          <a:bodyPr wrap="square" lIns="0" tIns="0" rIns="0" bIns="0" rtlCol="0">
+            <a:noAutofit/>
+          </a:bodyPr>
+          <a:lstStyle/>
+          <a:p>
+            <a:r>
+              <a:rPr lang="en-GB" sz="1400" i="1" dirty="0">
+                <a:latin typeface="JLR Emeric SemiBold" panose="02000503040000020004" pitchFamily="2" charset="0"/>
+              </a:rPr>
+              <a:t>State Information</a:t>
+            </a:r>
+          </a:p>
+        </p:txBody>
+      </p:sp>
+    </p:spTree>
+    <p:extLst>
+      <p:ext uri="{BB962C8B-B14F-4D97-AF65-F5344CB8AC3E}">
+        <p14:creationId xmlns:p14="http://schemas.microsoft.com/office/powerpoint/2010/main" val="2053321147"/>
+      </p:ext>
+    </p:extLst>
+  </p:cSld>
+  <p:clrMapOvr>
+    <a:masterClrMapping/>
+  </p:clrMapOvr>
+</p:sld>
+</file>
+
+<file path=ppt/slides/slide37.xml><?xml version="1.0" encoding="utf-8"?>
+<p:sld xmlns:a="http://schemas.openxmlformats.org/drawingml/2006/main" xmlns:r="http://schemas.openxmlformats.org/officeDocument/2006/relationships" xmlns:p="http://schemas.openxmlformats.org/presentationml/2006/main">
+  <p:cSld>
+    <p:spTree>
+      <p:nvGrpSpPr>
+        <p:cNvPr id="1" name=""/>
+        <p:cNvGrpSpPr/>
+        <p:nvPr/>
+      </p:nvGrpSpPr>
+      <p:grpSpPr>
+        <a:xfrm>
+          <a:off x="0" y="0"/>
+          <a:ext cx="0" cy="0"/>
+          <a:chOff x="0" y="0"/>
+          <a:chExt cx="0" cy="0"/>
+        </a:xfrm>
+      </p:grpSpPr>
+      <p:sp>
+        <p:nvSpPr>
+          <p:cNvPr id="2" name="Slide Number Placeholder 1">
+            <a:extLst>
+              <a:ext uri="{FF2B5EF4-FFF2-40B4-BE49-F238E27FC236}">
+                <a16:creationId xmlns:a16="http://schemas.microsoft.com/office/drawing/2014/main" id="{4CF602FA-47FB-1C42-87F9-B1D80E651C85}"/>
+              </a:ext>
+            </a:extLst>
+          </p:cNvPr>
+          <p:cNvSpPr>
+            <a:spLocks noGrp="1"/>
+          </p:cNvSpPr>
+          <p:nvPr>
+            <p:ph type="sldNum" sz="quarter" idx="12"/>
+          </p:nvPr>
+        </p:nvSpPr>
+        <p:spPr/>
+        <p:txBody>
+          <a:bodyPr/>
+          <a:lstStyle/>
+          <a:p>
+            <a:fld id="{C554A706-D19D-4C79-97F9-BC489483F7EF}" type="slidenum">
+              <a:rPr lang="en-GB" smtClean="0"/>
+              <a:t>37</a:t>
+            </a:fld>
+            <a:endParaRPr lang="en-GB" dirty="0"/>
+          </a:p>
+        </p:txBody>
+      </p:sp>
+      <p:sp>
+        <p:nvSpPr>
+          <p:cNvPr id="3" name="Title 2">
+            <a:extLst>
+              <a:ext uri="{FF2B5EF4-FFF2-40B4-BE49-F238E27FC236}">
+                <a16:creationId xmlns:a16="http://schemas.microsoft.com/office/drawing/2014/main" id="{5C8F3E15-B13C-694D-8D0F-CC5DF81C9E0E}"/>
+              </a:ext>
+            </a:extLst>
+          </p:cNvPr>
+          <p:cNvSpPr>
+            <a:spLocks noGrp="1"/>
+          </p:cNvSpPr>
+          <p:nvPr>
+            <p:ph type="title"/>
+          </p:nvPr>
+        </p:nvSpPr>
+        <p:spPr>
+          <a:xfrm>
+            <a:off x="223838" y="118733"/>
+            <a:ext cx="6629400" cy="349618"/>
+          </a:xfrm>
+        </p:spPr>
+        <p:txBody>
+          <a:bodyPr/>
+          <a:lstStyle/>
+          <a:p>
+            <a:r>
+              <a:rPr lang="en-US" dirty="0"/>
+              <a:t>*36*</a:t>
+            </a:r>
+          </a:p>
+        </p:txBody>
+      </p:sp>
+      <p:sp>
+        <p:nvSpPr>
+          <p:cNvPr id="4" name="TextBox 3">
+            <a:extLst>
+              <a:ext uri="{FF2B5EF4-FFF2-40B4-BE49-F238E27FC236}">
+                <a16:creationId xmlns:a16="http://schemas.microsoft.com/office/drawing/2014/main" id="{C73B122E-5230-6243-A035-151EDB99E12E}"/>
+              </a:ext>
+            </a:extLst>
+          </p:cNvPr>
+          <p:cNvSpPr txBox="1"/>
+          <p:nvPr/>
+        </p:nvSpPr>
+        <p:spPr>
+          <a:xfrm>
+            <a:off x="223837" y="447345"/>
+            <a:ext cx="6892069" cy="328612"/>
+          </a:xfrm>
+          <a:prstGeom prst="rect">
+            <a:avLst/>
+          </a:prstGeom>
+          <a:noFill/>
+        </p:spPr>
+        <p:txBody>
+          <a:bodyPr wrap="square" lIns="0" tIns="0" rIns="0" bIns="0" rtlCol="0">
+            <a:noAutofit/>
+          </a:bodyPr>
+          <a:lstStyle/>
+          <a:p>
+            <a:r>
+              <a:rPr lang="en-GB" sz="1400" i="1" dirty="0">
+                <a:latin typeface="JLR Emeric SemiBold" panose="02000503040000020004" pitchFamily="2" charset="0"/>
+              </a:rPr>
+              <a:t>State Information</a:t>
+            </a:r>
+          </a:p>
+        </p:txBody>
+      </p:sp>
+    </p:spTree>
+    <p:extLst>
+      <p:ext uri="{BB962C8B-B14F-4D97-AF65-F5344CB8AC3E}">
+        <p14:creationId xmlns:p14="http://schemas.microsoft.com/office/powerpoint/2010/main" val="2927945373"/>
+      </p:ext>
+    </p:extLst>
+  </p:cSld>
+  <p:clrMapOvr>
+    <a:masterClrMapping/>
+  </p:clrMapOvr>
+</p:sld>
+</file>
+
+<file path=ppt/slides/slide38.xml><?xml version="1.0" encoding="utf-8"?>
+<p:sld xmlns:a="http://schemas.openxmlformats.org/drawingml/2006/main" xmlns:r="http://schemas.openxmlformats.org/officeDocument/2006/relationships" xmlns:p="http://schemas.openxmlformats.org/presentationml/2006/main">
+  <p:cSld>
+    <p:spTree>
+      <p:nvGrpSpPr>
+        <p:cNvPr id="1" name=""/>
+        <p:cNvGrpSpPr/>
+        <p:nvPr/>
+      </p:nvGrpSpPr>
+      <p:grpSpPr>
+        <a:xfrm>
+          <a:off x="0" y="0"/>
+          <a:ext cx="0" cy="0"/>
+          <a:chOff x="0" y="0"/>
+          <a:chExt cx="0" cy="0"/>
+        </a:xfrm>
+      </p:grpSpPr>
+      <p:sp>
+        <p:nvSpPr>
+          <p:cNvPr id="2" name="Slide Number Placeholder 1">
+            <a:extLst>
+              <a:ext uri="{FF2B5EF4-FFF2-40B4-BE49-F238E27FC236}">
+                <a16:creationId xmlns:a16="http://schemas.microsoft.com/office/drawing/2014/main" id="{4CF602FA-47FB-1C42-87F9-B1D80E651C85}"/>
+              </a:ext>
+            </a:extLst>
+          </p:cNvPr>
+          <p:cNvSpPr>
+            <a:spLocks noGrp="1"/>
+          </p:cNvSpPr>
+          <p:nvPr>
+            <p:ph type="sldNum" sz="quarter" idx="12"/>
+          </p:nvPr>
+        </p:nvSpPr>
+        <p:spPr/>
+        <p:txBody>
+          <a:bodyPr/>
+          <a:lstStyle/>
+          <a:p>
+            <a:fld id="{C554A706-D19D-4C79-97F9-BC489483F7EF}" type="slidenum">
+              <a:rPr lang="en-GB" smtClean="0"/>
+              <a:t>38</a:t>
+            </a:fld>
+            <a:endParaRPr lang="en-GB" dirty="0"/>
+          </a:p>
+        </p:txBody>
+      </p:sp>
+      <p:sp>
+        <p:nvSpPr>
+          <p:cNvPr id="3" name="Title 2">
+            <a:extLst>
+              <a:ext uri="{FF2B5EF4-FFF2-40B4-BE49-F238E27FC236}">
+                <a16:creationId xmlns:a16="http://schemas.microsoft.com/office/drawing/2014/main" id="{5C8F3E15-B13C-694D-8D0F-CC5DF81C9E0E}"/>
+              </a:ext>
+            </a:extLst>
+          </p:cNvPr>
+          <p:cNvSpPr>
+            <a:spLocks noGrp="1"/>
+          </p:cNvSpPr>
+          <p:nvPr>
+            <p:ph type="title"/>
+          </p:nvPr>
+        </p:nvSpPr>
+        <p:spPr>
+          <a:xfrm>
+            <a:off x="223838" y="118733"/>
+            <a:ext cx="6629400" cy="349618"/>
+          </a:xfrm>
+        </p:spPr>
+        <p:txBody>
+          <a:bodyPr/>
+          <a:lstStyle/>
+          <a:p>
+            <a:r>
+              <a:rPr lang="en-US" dirty="0"/>
+              <a:t>*37*</a:t>
+            </a:r>
+          </a:p>
+        </p:txBody>
+      </p:sp>
+      <p:sp>
+        <p:nvSpPr>
+          <p:cNvPr id="4" name="TextBox 3">
+            <a:extLst>
+              <a:ext uri="{FF2B5EF4-FFF2-40B4-BE49-F238E27FC236}">
+                <a16:creationId xmlns:a16="http://schemas.microsoft.com/office/drawing/2014/main" id="{C73B122E-5230-6243-A035-151EDB99E12E}"/>
+              </a:ext>
+            </a:extLst>
+          </p:cNvPr>
+          <p:cNvSpPr txBox="1"/>
+          <p:nvPr/>
+        </p:nvSpPr>
+        <p:spPr>
+          <a:xfrm>
+            <a:off x="223837" y="447345"/>
+            <a:ext cx="6892069" cy="328612"/>
+          </a:xfrm>
+          <a:prstGeom prst="rect">
+            <a:avLst/>
+          </a:prstGeom>
+          <a:noFill/>
+        </p:spPr>
+        <p:txBody>
+          <a:bodyPr wrap="square" lIns="0" tIns="0" rIns="0" bIns="0" rtlCol="0">
+            <a:noAutofit/>
+          </a:bodyPr>
+          <a:lstStyle/>
+          <a:p>
+            <a:r>
+              <a:rPr lang="en-GB" sz="1400" i="1" dirty="0">
+                <a:latin typeface="JLR Emeric SemiBold" panose="02000503040000020004" pitchFamily="2" charset="0"/>
+              </a:rPr>
+              <a:t>State Information</a:t>
+            </a:r>
+          </a:p>
+        </p:txBody>
+      </p:sp>
+    </p:spTree>
+    <p:extLst>
+      <p:ext uri="{BB962C8B-B14F-4D97-AF65-F5344CB8AC3E}">
+        <p14:creationId xmlns:p14="http://schemas.microsoft.com/office/powerpoint/2010/main" val="1626580100"/>
+      </p:ext>
+    </p:extLst>
+  </p:cSld>
+  <p:clrMapOvr>
+    <a:masterClrMapping/>
+  </p:clrMapOvr>
+</p:sld>
+</file>
+
+<file path=ppt/slides/slide39.xml><?xml version="1.0" encoding="utf-8"?>
+<p:sld xmlns:a="http://schemas.openxmlformats.org/drawingml/2006/main" xmlns:r="http://schemas.openxmlformats.org/officeDocument/2006/relationships" xmlns:p="http://schemas.openxmlformats.org/presentationml/2006/main">
+  <p:cSld>
+    <p:spTree>
+      <p:nvGrpSpPr>
+        <p:cNvPr id="1" name=""/>
+        <p:cNvGrpSpPr/>
+        <p:nvPr/>
+      </p:nvGrpSpPr>
+      <p:grpSpPr>
+        <a:xfrm>
+          <a:off x="0" y="0"/>
+          <a:ext cx="0" cy="0"/>
+          <a:chOff x="0" y="0"/>
+          <a:chExt cx="0" cy="0"/>
+        </a:xfrm>
+      </p:grpSpPr>
+      <p:sp>
+        <p:nvSpPr>
+          <p:cNvPr id="2" name="Slide Number Placeholder 1">
+            <a:extLst>
+              <a:ext uri="{FF2B5EF4-FFF2-40B4-BE49-F238E27FC236}">
+                <a16:creationId xmlns:a16="http://schemas.microsoft.com/office/drawing/2014/main" id="{4CF602FA-47FB-1C42-87F9-B1D80E651C85}"/>
+              </a:ext>
+            </a:extLst>
+          </p:cNvPr>
+          <p:cNvSpPr>
+            <a:spLocks noGrp="1"/>
+          </p:cNvSpPr>
+          <p:nvPr>
+            <p:ph type="sldNum" sz="quarter" idx="12"/>
+          </p:nvPr>
+        </p:nvSpPr>
+        <p:spPr/>
+        <p:txBody>
+          <a:bodyPr/>
+          <a:lstStyle/>
+          <a:p>
+            <a:fld id="{C554A706-D19D-4C79-97F9-BC489483F7EF}" type="slidenum">
+              <a:rPr lang="en-GB" smtClean="0"/>
+              <a:t>39</a:t>
+            </a:fld>
+            <a:endParaRPr lang="en-GB" dirty="0"/>
+          </a:p>
+        </p:txBody>
+      </p:sp>
+      <p:sp>
+        <p:nvSpPr>
+          <p:cNvPr id="3" name="Title 2">
+            <a:extLst>
+              <a:ext uri="{FF2B5EF4-FFF2-40B4-BE49-F238E27FC236}">
+                <a16:creationId xmlns:a16="http://schemas.microsoft.com/office/drawing/2014/main" id="{5C8F3E15-B13C-694D-8D0F-CC5DF81C9E0E}"/>
+              </a:ext>
+            </a:extLst>
+          </p:cNvPr>
+          <p:cNvSpPr>
+            <a:spLocks noGrp="1"/>
+          </p:cNvSpPr>
+          <p:nvPr>
+            <p:ph type="title"/>
+          </p:nvPr>
+        </p:nvSpPr>
+        <p:spPr>
+          <a:xfrm>
+            <a:off x="223838" y="118733"/>
+            <a:ext cx="6629400" cy="349618"/>
+          </a:xfrm>
+        </p:spPr>
+        <p:txBody>
+          <a:bodyPr/>
+          <a:lstStyle/>
+          <a:p>
+            <a:r>
+              <a:rPr lang="en-US" dirty="0"/>
+              <a:t>*38*</a:t>
+            </a:r>
+          </a:p>
+        </p:txBody>
+      </p:sp>
+      <p:sp>
+        <p:nvSpPr>
+          <p:cNvPr id="4" name="TextBox 3">
+            <a:extLst>
+              <a:ext uri="{FF2B5EF4-FFF2-40B4-BE49-F238E27FC236}">
+                <a16:creationId xmlns:a16="http://schemas.microsoft.com/office/drawing/2014/main" id="{C73B122E-5230-6243-A035-151EDB99E12E}"/>
+              </a:ext>
+            </a:extLst>
+          </p:cNvPr>
+          <p:cNvSpPr txBox="1"/>
+          <p:nvPr/>
+        </p:nvSpPr>
+        <p:spPr>
+          <a:xfrm>
+            <a:off x="223837" y="447345"/>
+            <a:ext cx="6892069" cy="328612"/>
+          </a:xfrm>
+          <a:prstGeom prst="rect">
+            <a:avLst/>
+          </a:prstGeom>
+          <a:noFill/>
+        </p:spPr>
+        <p:txBody>
+          <a:bodyPr wrap="square" lIns="0" tIns="0" rIns="0" bIns="0" rtlCol="0">
+            <a:noAutofit/>
+          </a:bodyPr>
+          <a:lstStyle/>
+          <a:p>
+            <a:r>
+              <a:rPr lang="en-GB" sz="1400" i="1" dirty="0">
+                <a:latin typeface="JLR Emeric SemiBold" panose="02000503040000020004" pitchFamily="2" charset="0"/>
+              </a:rPr>
+              <a:t>State Information</a:t>
+            </a:r>
+          </a:p>
+        </p:txBody>
+      </p:sp>
+    </p:spTree>
+    <p:extLst>
+      <p:ext uri="{BB962C8B-B14F-4D97-AF65-F5344CB8AC3E}">
+        <p14:creationId xmlns:p14="http://schemas.microsoft.com/office/powerpoint/2010/main" val="2205803735"/>
       </p:ext>
     </p:extLst>
   </p:cSld>
@@ -6538,7 +8487,7 @@
           <a:p>
             <a:r>
               <a:rPr lang="en-US" dirty="0"/>
-              <a:t>5537 - State 4 - RLNB | VT-01 Off-Board Emissions (3m)</a:t>
+              <a:t>*3*</a:t>
             </a:r>
           </a:p>
         </p:txBody>
@@ -6580,58 +8529,1300 @@
           </a:p>
         </p:txBody>
       </p:sp>
-      <p:pic>
-        <p:nvPicPr>
-          <p:cNvPr id="5" name="Picture 4" descr="image.png"/>
-          <p:cNvPicPr>
-            <a:picLocks noChangeAspect="1"/>
-          </p:cNvPicPr>
-          <p:nvPr/>
-        </p:nvPicPr>
-        <p:blipFill>
-          <a:blip r:embed="rId2"/>
-          <a:stretch>
-            <a:fillRect/>
-          </a:stretch>
-        </p:blipFill>
-        <p:spPr>
-          <a:xfrm>
-            <a:off x="12700" y="1079500"/>
-            <a:ext cx="4546600" cy="3429000"/>
-          </a:xfrm>
-          <a:prstGeom prst="rect">
-            <a:avLst/>
-          </a:prstGeom>
-        </p:spPr>
-      </p:pic>
-      <p:pic>
-        <p:nvPicPr>
-          <p:cNvPr id="6" name="Picture 5" descr="image.png"/>
-          <p:cNvPicPr>
-            <a:picLocks noChangeAspect="1"/>
-          </p:cNvPicPr>
-          <p:nvPr/>
-        </p:nvPicPr>
-        <p:blipFill>
-          <a:blip r:embed="rId3"/>
-          <a:stretch>
-            <a:fillRect/>
-          </a:stretch>
-        </p:blipFill>
-        <p:spPr>
-          <a:xfrm>
-            <a:off x="4572000" y="1079500"/>
-            <a:ext cx="4546600" cy="3429000"/>
-          </a:xfrm>
-          <a:prstGeom prst="rect">
-            <a:avLst/>
-          </a:prstGeom>
-        </p:spPr>
-      </p:pic>
     </p:spTree>
     <p:extLst>
       <p:ext uri="{BB962C8B-B14F-4D97-AF65-F5344CB8AC3E}">
         <p14:creationId xmlns:p14="http://schemas.microsoft.com/office/powerpoint/2010/main" val="3624886482"/>
+      </p:ext>
+    </p:extLst>
+  </p:cSld>
+  <p:clrMapOvr>
+    <a:masterClrMapping/>
+  </p:clrMapOvr>
+</p:sld>
+</file>
+
+<file path=ppt/slides/slide40.xml><?xml version="1.0" encoding="utf-8"?>
+<p:sld xmlns:a="http://schemas.openxmlformats.org/drawingml/2006/main" xmlns:r="http://schemas.openxmlformats.org/officeDocument/2006/relationships" xmlns:p="http://schemas.openxmlformats.org/presentationml/2006/main">
+  <p:cSld>
+    <p:spTree>
+      <p:nvGrpSpPr>
+        <p:cNvPr id="1" name=""/>
+        <p:cNvGrpSpPr/>
+        <p:nvPr/>
+      </p:nvGrpSpPr>
+      <p:grpSpPr>
+        <a:xfrm>
+          <a:off x="0" y="0"/>
+          <a:ext cx="0" cy="0"/>
+          <a:chOff x="0" y="0"/>
+          <a:chExt cx="0" cy="0"/>
+        </a:xfrm>
+      </p:grpSpPr>
+      <p:sp>
+        <p:nvSpPr>
+          <p:cNvPr id="2" name="Slide Number Placeholder 1">
+            <a:extLst>
+              <a:ext uri="{FF2B5EF4-FFF2-40B4-BE49-F238E27FC236}">
+                <a16:creationId xmlns:a16="http://schemas.microsoft.com/office/drawing/2014/main" id="{4CF602FA-47FB-1C42-87F9-B1D80E651C85}"/>
+              </a:ext>
+            </a:extLst>
+          </p:cNvPr>
+          <p:cNvSpPr>
+            <a:spLocks noGrp="1"/>
+          </p:cNvSpPr>
+          <p:nvPr>
+            <p:ph type="sldNum" sz="quarter" idx="12"/>
+          </p:nvPr>
+        </p:nvSpPr>
+        <p:spPr/>
+        <p:txBody>
+          <a:bodyPr/>
+          <a:lstStyle/>
+          <a:p>
+            <a:fld id="{C554A706-D19D-4C79-97F9-BC489483F7EF}" type="slidenum">
+              <a:rPr lang="en-GB" smtClean="0"/>
+              <a:t>40</a:t>
+            </a:fld>
+            <a:endParaRPr lang="en-GB" dirty="0"/>
+          </a:p>
+        </p:txBody>
+      </p:sp>
+      <p:sp>
+        <p:nvSpPr>
+          <p:cNvPr id="3" name="Title 2">
+            <a:extLst>
+              <a:ext uri="{FF2B5EF4-FFF2-40B4-BE49-F238E27FC236}">
+                <a16:creationId xmlns:a16="http://schemas.microsoft.com/office/drawing/2014/main" id="{5C8F3E15-B13C-694D-8D0F-CC5DF81C9E0E}"/>
+              </a:ext>
+            </a:extLst>
+          </p:cNvPr>
+          <p:cNvSpPr>
+            <a:spLocks noGrp="1"/>
+          </p:cNvSpPr>
+          <p:nvPr>
+            <p:ph type="title"/>
+          </p:nvPr>
+        </p:nvSpPr>
+        <p:spPr>
+          <a:xfrm>
+            <a:off x="223838" y="118733"/>
+            <a:ext cx="6629400" cy="349618"/>
+          </a:xfrm>
+        </p:spPr>
+        <p:txBody>
+          <a:bodyPr/>
+          <a:lstStyle/>
+          <a:p>
+            <a:r>
+              <a:rPr lang="en-US" dirty="0"/>
+              <a:t>*39*</a:t>
+            </a:r>
+          </a:p>
+        </p:txBody>
+      </p:sp>
+      <p:sp>
+        <p:nvSpPr>
+          <p:cNvPr id="4" name="TextBox 3">
+            <a:extLst>
+              <a:ext uri="{FF2B5EF4-FFF2-40B4-BE49-F238E27FC236}">
+                <a16:creationId xmlns:a16="http://schemas.microsoft.com/office/drawing/2014/main" id="{C73B122E-5230-6243-A035-151EDB99E12E}"/>
+              </a:ext>
+            </a:extLst>
+          </p:cNvPr>
+          <p:cNvSpPr txBox="1"/>
+          <p:nvPr/>
+        </p:nvSpPr>
+        <p:spPr>
+          <a:xfrm>
+            <a:off x="223837" y="447345"/>
+            <a:ext cx="6892069" cy="328612"/>
+          </a:xfrm>
+          <a:prstGeom prst="rect">
+            <a:avLst/>
+          </a:prstGeom>
+          <a:noFill/>
+        </p:spPr>
+        <p:txBody>
+          <a:bodyPr wrap="square" lIns="0" tIns="0" rIns="0" bIns="0" rtlCol="0">
+            <a:noAutofit/>
+          </a:bodyPr>
+          <a:lstStyle/>
+          <a:p>
+            <a:r>
+              <a:rPr lang="en-GB" sz="1400" i="1" dirty="0">
+                <a:latin typeface="JLR Emeric SemiBold" panose="02000503040000020004" pitchFamily="2" charset="0"/>
+              </a:rPr>
+              <a:t>State Information</a:t>
+            </a:r>
+          </a:p>
+        </p:txBody>
+      </p:sp>
+    </p:spTree>
+    <p:extLst>
+      <p:ext uri="{BB962C8B-B14F-4D97-AF65-F5344CB8AC3E}">
+        <p14:creationId xmlns:p14="http://schemas.microsoft.com/office/powerpoint/2010/main" val="882737094"/>
+      </p:ext>
+    </p:extLst>
+  </p:cSld>
+  <p:clrMapOvr>
+    <a:masterClrMapping/>
+  </p:clrMapOvr>
+</p:sld>
+</file>
+
+<file path=ppt/slides/slide41.xml><?xml version="1.0" encoding="utf-8"?>
+<p:sld xmlns:a="http://schemas.openxmlformats.org/drawingml/2006/main" xmlns:r="http://schemas.openxmlformats.org/officeDocument/2006/relationships" xmlns:p="http://schemas.openxmlformats.org/presentationml/2006/main">
+  <p:cSld>
+    <p:spTree>
+      <p:nvGrpSpPr>
+        <p:cNvPr id="1" name=""/>
+        <p:cNvGrpSpPr/>
+        <p:nvPr/>
+      </p:nvGrpSpPr>
+      <p:grpSpPr>
+        <a:xfrm>
+          <a:off x="0" y="0"/>
+          <a:ext cx="0" cy="0"/>
+          <a:chOff x="0" y="0"/>
+          <a:chExt cx="0" cy="0"/>
+        </a:xfrm>
+      </p:grpSpPr>
+      <p:sp>
+        <p:nvSpPr>
+          <p:cNvPr id="2" name="Slide Number Placeholder 1">
+            <a:extLst>
+              <a:ext uri="{FF2B5EF4-FFF2-40B4-BE49-F238E27FC236}">
+                <a16:creationId xmlns:a16="http://schemas.microsoft.com/office/drawing/2014/main" id="{4CF602FA-47FB-1C42-87F9-B1D80E651C85}"/>
+              </a:ext>
+            </a:extLst>
+          </p:cNvPr>
+          <p:cNvSpPr>
+            <a:spLocks noGrp="1"/>
+          </p:cNvSpPr>
+          <p:nvPr>
+            <p:ph type="sldNum" sz="quarter" idx="12"/>
+          </p:nvPr>
+        </p:nvSpPr>
+        <p:spPr/>
+        <p:txBody>
+          <a:bodyPr/>
+          <a:lstStyle/>
+          <a:p>
+            <a:fld id="{C554A706-D19D-4C79-97F9-BC489483F7EF}" type="slidenum">
+              <a:rPr lang="en-GB" smtClean="0"/>
+              <a:t>41</a:t>
+            </a:fld>
+            <a:endParaRPr lang="en-GB" dirty="0"/>
+          </a:p>
+        </p:txBody>
+      </p:sp>
+      <p:sp>
+        <p:nvSpPr>
+          <p:cNvPr id="3" name="Title 2">
+            <a:extLst>
+              <a:ext uri="{FF2B5EF4-FFF2-40B4-BE49-F238E27FC236}">
+                <a16:creationId xmlns:a16="http://schemas.microsoft.com/office/drawing/2014/main" id="{5C8F3E15-B13C-694D-8D0F-CC5DF81C9E0E}"/>
+              </a:ext>
+            </a:extLst>
+          </p:cNvPr>
+          <p:cNvSpPr>
+            <a:spLocks noGrp="1"/>
+          </p:cNvSpPr>
+          <p:nvPr>
+            <p:ph type="title"/>
+          </p:nvPr>
+        </p:nvSpPr>
+        <p:spPr>
+          <a:xfrm>
+            <a:off x="223838" y="118733"/>
+            <a:ext cx="6629400" cy="349618"/>
+          </a:xfrm>
+        </p:spPr>
+        <p:txBody>
+          <a:bodyPr/>
+          <a:lstStyle/>
+          <a:p>
+            <a:r>
+              <a:rPr lang="en-US" dirty="0"/>
+              <a:t>*40*</a:t>
+            </a:r>
+          </a:p>
+        </p:txBody>
+      </p:sp>
+      <p:sp>
+        <p:nvSpPr>
+          <p:cNvPr id="4" name="TextBox 3">
+            <a:extLst>
+              <a:ext uri="{FF2B5EF4-FFF2-40B4-BE49-F238E27FC236}">
+                <a16:creationId xmlns:a16="http://schemas.microsoft.com/office/drawing/2014/main" id="{C73B122E-5230-6243-A035-151EDB99E12E}"/>
+              </a:ext>
+            </a:extLst>
+          </p:cNvPr>
+          <p:cNvSpPr txBox="1"/>
+          <p:nvPr/>
+        </p:nvSpPr>
+        <p:spPr>
+          <a:xfrm>
+            <a:off x="223837" y="447345"/>
+            <a:ext cx="6892069" cy="328612"/>
+          </a:xfrm>
+          <a:prstGeom prst="rect">
+            <a:avLst/>
+          </a:prstGeom>
+          <a:noFill/>
+        </p:spPr>
+        <p:txBody>
+          <a:bodyPr wrap="square" lIns="0" tIns="0" rIns="0" bIns="0" rtlCol="0">
+            <a:noAutofit/>
+          </a:bodyPr>
+          <a:lstStyle/>
+          <a:p>
+            <a:r>
+              <a:rPr lang="en-GB" sz="1400" i="1" dirty="0">
+                <a:latin typeface="JLR Emeric SemiBold" panose="02000503040000020004" pitchFamily="2" charset="0"/>
+              </a:rPr>
+              <a:t>State Information</a:t>
+            </a:r>
+          </a:p>
+        </p:txBody>
+      </p:sp>
+    </p:spTree>
+    <p:extLst>
+      <p:ext uri="{BB962C8B-B14F-4D97-AF65-F5344CB8AC3E}">
+        <p14:creationId xmlns:p14="http://schemas.microsoft.com/office/powerpoint/2010/main" val="1752042318"/>
+      </p:ext>
+    </p:extLst>
+  </p:cSld>
+  <p:clrMapOvr>
+    <a:masterClrMapping/>
+  </p:clrMapOvr>
+</p:sld>
+</file>
+
+<file path=ppt/slides/slide42.xml><?xml version="1.0" encoding="utf-8"?>
+<p:sld xmlns:a="http://schemas.openxmlformats.org/drawingml/2006/main" xmlns:r="http://schemas.openxmlformats.org/officeDocument/2006/relationships" xmlns:p="http://schemas.openxmlformats.org/presentationml/2006/main">
+  <p:cSld>
+    <p:spTree>
+      <p:nvGrpSpPr>
+        <p:cNvPr id="1" name=""/>
+        <p:cNvGrpSpPr/>
+        <p:nvPr/>
+      </p:nvGrpSpPr>
+      <p:grpSpPr>
+        <a:xfrm>
+          <a:off x="0" y="0"/>
+          <a:ext cx="0" cy="0"/>
+          <a:chOff x="0" y="0"/>
+          <a:chExt cx="0" cy="0"/>
+        </a:xfrm>
+      </p:grpSpPr>
+      <p:sp>
+        <p:nvSpPr>
+          <p:cNvPr id="2" name="Slide Number Placeholder 1">
+            <a:extLst>
+              <a:ext uri="{FF2B5EF4-FFF2-40B4-BE49-F238E27FC236}">
+                <a16:creationId xmlns:a16="http://schemas.microsoft.com/office/drawing/2014/main" id="{4CF602FA-47FB-1C42-87F9-B1D80E651C85}"/>
+              </a:ext>
+            </a:extLst>
+          </p:cNvPr>
+          <p:cNvSpPr>
+            <a:spLocks noGrp="1"/>
+          </p:cNvSpPr>
+          <p:nvPr>
+            <p:ph type="sldNum" sz="quarter" idx="12"/>
+          </p:nvPr>
+        </p:nvSpPr>
+        <p:spPr/>
+        <p:txBody>
+          <a:bodyPr/>
+          <a:lstStyle/>
+          <a:p>
+            <a:fld id="{C554A706-D19D-4C79-97F9-BC489483F7EF}" type="slidenum">
+              <a:rPr lang="en-GB" smtClean="0"/>
+              <a:t>42</a:t>
+            </a:fld>
+            <a:endParaRPr lang="en-GB" dirty="0"/>
+          </a:p>
+        </p:txBody>
+      </p:sp>
+      <p:sp>
+        <p:nvSpPr>
+          <p:cNvPr id="3" name="Title 2">
+            <a:extLst>
+              <a:ext uri="{FF2B5EF4-FFF2-40B4-BE49-F238E27FC236}">
+                <a16:creationId xmlns:a16="http://schemas.microsoft.com/office/drawing/2014/main" id="{5C8F3E15-B13C-694D-8D0F-CC5DF81C9E0E}"/>
+              </a:ext>
+            </a:extLst>
+          </p:cNvPr>
+          <p:cNvSpPr>
+            <a:spLocks noGrp="1"/>
+          </p:cNvSpPr>
+          <p:nvPr>
+            <p:ph type="title"/>
+          </p:nvPr>
+        </p:nvSpPr>
+        <p:spPr>
+          <a:xfrm>
+            <a:off x="223838" y="118733"/>
+            <a:ext cx="6629400" cy="349618"/>
+          </a:xfrm>
+        </p:spPr>
+        <p:txBody>
+          <a:bodyPr/>
+          <a:lstStyle/>
+          <a:p>
+            <a:r>
+              <a:rPr lang="en-US" dirty="0"/>
+              <a:t>*41*</a:t>
+            </a:r>
+          </a:p>
+        </p:txBody>
+      </p:sp>
+      <p:sp>
+        <p:nvSpPr>
+          <p:cNvPr id="4" name="TextBox 3">
+            <a:extLst>
+              <a:ext uri="{FF2B5EF4-FFF2-40B4-BE49-F238E27FC236}">
+                <a16:creationId xmlns:a16="http://schemas.microsoft.com/office/drawing/2014/main" id="{C73B122E-5230-6243-A035-151EDB99E12E}"/>
+              </a:ext>
+            </a:extLst>
+          </p:cNvPr>
+          <p:cNvSpPr txBox="1"/>
+          <p:nvPr/>
+        </p:nvSpPr>
+        <p:spPr>
+          <a:xfrm>
+            <a:off x="223837" y="447345"/>
+            <a:ext cx="6892069" cy="328612"/>
+          </a:xfrm>
+          <a:prstGeom prst="rect">
+            <a:avLst/>
+          </a:prstGeom>
+          <a:noFill/>
+        </p:spPr>
+        <p:txBody>
+          <a:bodyPr wrap="square" lIns="0" tIns="0" rIns="0" bIns="0" rtlCol="0">
+            <a:noAutofit/>
+          </a:bodyPr>
+          <a:lstStyle/>
+          <a:p>
+            <a:r>
+              <a:rPr lang="en-GB" sz="1400" i="1" dirty="0">
+                <a:latin typeface="JLR Emeric SemiBold" panose="02000503040000020004" pitchFamily="2" charset="0"/>
+              </a:rPr>
+              <a:t>State Information</a:t>
+            </a:r>
+          </a:p>
+        </p:txBody>
+      </p:sp>
+    </p:spTree>
+    <p:extLst>
+      <p:ext uri="{BB962C8B-B14F-4D97-AF65-F5344CB8AC3E}">
+        <p14:creationId xmlns:p14="http://schemas.microsoft.com/office/powerpoint/2010/main" val="3489392721"/>
+      </p:ext>
+    </p:extLst>
+  </p:cSld>
+  <p:clrMapOvr>
+    <a:masterClrMapping/>
+  </p:clrMapOvr>
+</p:sld>
+</file>
+
+<file path=ppt/slides/slide43.xml><?xml version="1.0" encoding="utf-8"?>
+<p:sld xmlns:a="http://schemas.openxmlformats.org/drawingml/2006/main" xmlns:r="http://schemas.openxmlformats.org/officeDocument/2006/relationships" xmlns:p="http://schemas.openxmlformats.org/presentationml/2006/main">
+  <p:cSld>
+    <p:spTree>
+      <p:nvGrpSpPr>
+        <p:cNvPr id="1" name=""/>
+        <p:cNvGrpSpPr/>
+        <p:nvPr/>
+      </p:nvGrpSpPr>
+      <p:grpSpPr>
+        <a:xfrm>
+          <a:off x="0" y="0"/>
+          <a:ext cx="0" cy="0"/>
+          <a:chOff x="0" y="0"/>
+          <a:chExt cx="0" cy="0"/>
+        </a:xfrm>
+      </p:grpSpPr>
+      <p:sp>
+        <p:nvSpPr>
+          <p:cNvPr id="2" name="Slide Number Placeholder 1">
+            <a:extLst>
+              <a:ext uri="{FF2B5EF4-FFF2-40B4-BE49-F238E27FC236}">
+                <a16:creationId xmlns:a16="http://schemas.microsoft.com/office/drawing/2014/main" id="{4CF602FA-47FB-1C42-87F9-B1D80E651C85}"/>
+              </a:ext>
+            </a:extLst>
+          </p:cNvPr>
+          <p:cNvSpPr>
+            <a:spLocks noGrp="1"/>
+          </p:cNvSpPr>
+          <p:nvPr>
+            <p:ph type="sldNum" sz="quarter" idx="12"/>
+          </p:nvPr>
+        </p:nvSpPr>
+        <p:spPr/>
+        <p:txBody>
+          <a:bodyPr/>
+          <a:lstStyle/>
+          <a:p>
+            <a:fld id="{C554A706-D19D-4C79-97F9-BC489483F7EF}" type="slidenum">
+              <a:rPr lang="en-GB" smtClean="0"/>
+              <a:t>43</a:t>
+            </a:fld>
+            <a:endParaRPr lang="en-GB" dirty="0"/>
+          </a:p>
+        </p:txBody>
+      </p:sp>
+      <p:sp>
+        <p:nvSpPr>
+          <p:cNvPr id="3" name="Title 2">
+            <a:extLst>
+              <a:ext uri="{FF2B5EF4-FFF2-40B4-BE49-F238E27FC236}">
+                <a16:creationId xmlns:a16="http://schemas.microsoft.com/office/drawing/2014/main" id="{5C8F3E15-B13C-694D-8D0F-CC5DF81C9E0E}"/>
+              </a:ext>
+            </a:extLst>
+          </p:cNvPr>
+          <p:cNvSpPr>
+            <a:spLocks noGrp="1"/>
+          </p:cNvSpPr>
+          <p:nvPr>
+            <p:ph type="title"/>
+          </p:nvPr>
+        </p:nvSpPr>
+        <p:spPr>
+          <a:xfrm>
+            <a:off x="223838" y="118733"/>
+            <a:ext cx="6629400" cy="349618"/>
+          </a:xfrm>
+        </p:spPr>
+        <p:txBody>
+          <a:bodyPr/>
+          <a:lstStyle/>
+          <a:p>
+            <a:r>
+              <a:rPr lang="en-US" dirty="0"/>
+              <a:t>*42*</a:t>
+            </a:r>
+          </a:p>
+        </p:txBody>
+      </p:sp>
+      <p:sp>
+        <p:nvSpPr>
+          <p:cNvPr id="4" name="TextBox 3">
+            <a:extLst>
+              <a:ext uri="{FF2B5EF4-FFF2-40B4-BE49-F238E27FC236}">
+                <a16:creationId xmlns:a16="http://schemas.microsoft.com/office/drawing/2014/main" id="{C73B122E-5230-6243-A035-151EDB99E12E}"/>
+              </a:ext>
+            </a:extLst>
+          </p:cNvPr>
+          <p:cNvSpPr txBox="1"/>
+          <p:nvPr/>
+        </p:nvSpPr>
+        <p:spPr>
+          <a:xfrm>
+            <a:off x="223837" y="447345"/>
+            <a:ext cx="6892069" cy="328612"/>
+          </a:xfrm>
+          <a:prstGeom prst="rect">
+            <a:avLst/>
+          </a:prstGeom>
+          <a:noFill/>
+        </p:spPr>
+        <p:txBody>
+          <a:bodyPr wrap="square" lIns="0" tIns="0" rIns="0" bIns="0" rtlCol="0">
+            <a:noAutofit/>
+          </a:bodyPr>
+          <a:lstStyle/>
+          <a:p>
+            <a:r>
+              <a:rPr lang="en-GB" sz="1400" i="1" dirty="0">
+                <a:latin typeface="JLR Emeric SemiBold" panose="02000503040000020004" pitchFamily="2" charset="0"/>
+              </a:rPr>
+              <a:t>State Information</a:t>
+            </a:r>
+          </a:p>
+        </p:txBody>
+      </p:sp>
+    </p:spTree>
+    <p:extLst>
+      <p:ext uri="{BB962C8B-B14F-4D97-AF65-F5344CB8AC3E}">
+        <p14:creationId xmlns:p14="http://schemas.microsoft.com/office/powerpoint/2010/main" val="515359928"/>
+      </p:ext>
+    </p:extLst>
+  </p:cSld>
+  <p:clrMapOvr>
+    <a:masterClrMapping/>
+  </p:clrMapOvr>
+</p:sld>
+</file>
+
+<file path=ppt/slides/slide44.xml><?xml version="1.0" encoding="utf-8"?>
+<p:sld xmlns:a="http://schemas.openxmlformats.org/drawingml/2006/main" xmlns:r="http://schemas.openxmlformats.org/officeDocument/2006/relationships" xmlns:p="http://schemas.openxmlformats.org/presentationml/2006/main">
+  <p:cSld>
+    <p:spTree>
+      <p:nvGrpSpPr>
+        <p:cNvPr id="1" name=""/>
+        <p:cNvGrpSpPr/>
+        <p:nvPr/>
+      </p:nvGrpSpPr>
+      <p:grpSpPr>
+        <a:xfrm>
+          <a:off x="0" y="0"/>
+          <a:ext cx="0" cy="0"/>
+          <a:chOff x="0" y="0"/>
+          <a:chExt cx="0" cy="0"/>
+        </a:xfrm>
+      </p:grpSpPr>
+      <p:sp>
+        <p:nvSpPr>
+          <p:cNvPr id="2" name="Slide Number Placeholder 1">
+            <a:extLst>
+              <a:ext uri="{FF2B5EF4-FFF2-40B4-BE49-F238E27FC236}">
+                <a16:creationId xmlns:a16="http://schemas.microsoft.com/office/drawing/2014/main" id="{4CF602FA-47FB-1C42-87F9-B1D80E651C85}"/>
+              </a:ext>
+            </a:extLst>
+          </p:cNvPr>
+          <p:cNvSpPr>
+            <a:spLocks noGrp="1"/>
+          </p:cNvSpPr>
+          <p:nvPr>
+            <p:ph type="sldNum" sz="quarter" idx="12"/>
+          </p:nvPr>
+        </p:nvSpPr>
+        <p:spPr/>
+        <p:txBody>
+          <a:bodyPr/>
+          <a:lstStyle/>
+          <a:p>
+            <a:fld id="{C554A706-D19D-4C79-97F9-BC489483F7EF}" type="slidenum">
+              <a:rPr lang="en-GB" smtClean="0"/>
+              <a:t>44</a:t>
+            </a:fld>
+            <a:endParaRPr lang="en-GB" dirty="0"/>
+          </a:p>
+        </p:txBody>
+      </p:sp>
+      <p:sp>
+        <p:nvSpPr>
+          <p:cNvPr id="3" name="Title 2">
+            <a:extLst>
+              <a:ext uri="{FF2B5EF4-FFF2-40B4-BE49-F238E27FC236}">
+                <a16:creationId xmlns:a16="http://schemas.microsoft.com/office/drawing/2014/main" id="{5C8F3E15-B13C-694D-8D0F-CC5DF81C9E0E}"/>
+              </a:ext>
+            </a:extLst>
+          </p:cNvPr>
+          <p:cNvSpPr>
+            <a:spLocks noGrp="1"/>
+          </p:cNvSpPr>
+          <p:nvPr>
+            <p:ph type="title"/>
+          </p:nvPr>
+        </p:nvSpPr>
+        <p:spPr>
+          <a:xfrm>
+            <a:off x="223838" y="118733"/>
+            <a:ext cx="6629400" cy="349618"/>
+          </a:xfrm>
+        </p:spPr>
+        <p:txBody>
+          <a:bodyPr/>
+          <a:lstStyle/>
+          <a:p>
+            <a:r>
+              <a:rPr lang="en-US" dirty="0"/>
+              <a:t>*43*</a:t>
+            </a:r>
+          </a:p>
+        </p:txBody>
+      </p:sp>
+      <p:sp>
+        <p:nvSpPr>
+          <p:cNvPr id="4" name="TextBox 3">
+            <a:extLst>
+              <a:ext uri="{FF2B5EF4-FFF2-40B4-BE49-F238E27FC236}">
+                <a16:creationId xmlns:a16="http://schemas.microsoft.com/office/drawing/2014/main" id="{C73B122E-5230-6243-A035-151EDB99E12E}"/>
+              </a:ext>
+            </a:extLst>
+          </p:cNvPr>
+          <p:cNvSpPr txBox="1"/>
+          <p:nvPr/>
+        </p:nvSpPr>
+        <p:spPr>
+          <a:xfrm>
+            <a:off x="223837" y="447345"/>
+            <a:ext cx="6892069" cy="328612"/>
+          </a:xfrm>
+          <a:prstGeom prst="rect">
+            <a:avLst/>
+          </a:prstGeom>
+          <a:noFill/>
+        </p:spPr>
+        <p:txBody>
+          <a:bodyPr wrap="square" lIns="0" tIns="0" rIns="0" bIns="0" rtlCol="0">
+            <a:noAutofit/>
+          </a:bodyPr>
+          <a:lstStyle/>
+          <a:p>
+            <a:r>
+              <a:rPr lang="en-GB" sz="1400" i="1" dirty="0">
+                <a:latin typeface="JLR Emeric SemiBold" panose="02000503040000020004" pitchFamily="2" charset="0"/>
+              </a:rPr>
+              <a:t>State Information</a:t>
+            </a:r>
+          </a:p>
+        </p:txBody>
+      </p:sp>
+    </p:spTree>
+    <p:extLst>
+      <p:ext uri="{BB962C8B-B14F-4D97-AF65-F5344CB8AC3E}">
+        <p14:creationId xmlns:p14="http://schemas.microsoft.com/office/powerpoint/2010/main" val="2217940854"/>
+      </p:ext>
+    </p:extLst>
+  </p:cSld>
+  <p:clrMapOvr>
+    <a:masterClrMapping/>
+  </p:clrMapOvr>
+</p:sld>
+</file>
+
+<file path=ppt/slides/slide45.xml><?xml version="1.0" encoding="utf-8"?>
+<p:sld xmlns:a="http://schemas.openxmlformats.org/drawingml/2006/main" xmlns:r="http://schemas.openxmlformats.org/officeDocument/2006/relationships" xmlns:p="http://schemas.openxmlformats.org/presentationml/2006/main">
+  <p:cSld>
+    <p:spTree>
+      <p:nvGrpSpPr>
+        <p:cNvPr id="1" name=""/>
+        <p:cNvGrpSpPr/>
+        <p:nvPr/>
+      </p:nvGrpSpPr>
+      <p:grpSpPr>
+        <a:xfrm>
+          <a:off x="0" y="0"/>
+          <a:ext cx="0" cy="0"/>
+          <a:chOff x="0" y="0"/>
+          <a:chExt cx="0" cy="0"/>
+        </a:xfrm>
+      </p:grpSpPr>
+      <p:sp>
+        <p:nvSpPr>
+          <p:cNvPr id="2" name="Slide Number Placeholder 1">
+            <a:extLst>
+              <a:ext uri="{FF2B5EF4-FFF2-40B4-BE49-F238E27FC236}">
+                <a16:creationId xmlns:a16="http://schemas.microsoft.com/office/drawing/2014/main" id="{4CF602FA-47FB-1C42-87F9-B1D80E651C85}"/>
+              </a:ext>
+            </a:extLst>
+          </p:cNvPr>
+          <p:cNvSpPr>
+            <a:spLocks noGrp="1"/>
+          </p:cNvSpPr>
+          <p:nvPr>
+            <p:ph type="sldNum" sz="quarter" idx="12"/>
+          </p:nvPr>
+        </p:nvSpPr>
+        <p:spPr/>
+        <p:txBody>
+          <a:bodyPr/>
+          <a:lstStyle/>
+          <a:p>
+            <a:fld id="{C554A706-D19D-4C79-97F9-BC489483F7EF}" type="slidenum">
+              <a:rPr lang="en-GB" smtClean="0"/>
+              <a:t>45</a:t>
+            </a:fld>
+            <a:endParaRPr lang="en-GB" dirty="0"/>
+          </a:p>
+        </p:txBody>
+      </p:sp>
+      <p:sp>
+        <p:nvSpPr>
+          <p:cNvPr id="3" name="Title 2">
+            <a:extLst>
+              <a:ext uri="{FF2B5EF4-FFF2-40B4-BE49-F238E27FC236}">
+                <a16:creationId xmlns:a16="http://schemas.microsoft.com/office/drawing/2014/main" id="{5C8F3E15-B13C-694D-8D0F-CC5DF81C9E0E}"/>
+              </a:ext>
+            </a:extLst>
+          </p:cNvPr>
+          <p:cNvSpPr>
+            <a:spLocks noGrp="1"/>
+          </p:cNvSpPr>
+          <p:nvPr>
+            <p:ph type="title"/>
+          </p:nvPr>
+        </p:nvSpPr>
+        <p:spPr>
+          <a:xfrm>
+            <a:off x="223838" y="118733"/>
+            <a:ext cx="6629400" cy="349618"/>
+          </a:xfrm>
+        </p:spPr>
+        <p:txBody>
+          <a:bodyPr/>
+          <a:lstStyle/>
+          <a:p>
+            <a:r>
+              <a:rPr lang="en-US" dirty="0"/>
+              <a:t>*44*</a:t>
+            </a:r>
+          </a:p>
+        </p:txBody>
+      </p:sp>
+      <p:sp>
+        <p:nvSpPr>
+          <p:cNvPr id="4" name="TextBox 3">
+            <a:extLst>
+              <a:ext uri="{FF2B5EF4-FFF2-40B4-BE49-F238E27FC236}">
+                <a16:creationId xmlns:a16="http://schemas.microsoft.com/office/drawing/2014/main" id="{C73B122E-5230-6243-A035-151EDB99E12E}"/>
+              </a:ext>
+            </a:extLst>
+          </p:cNvPr>
+          <p:cNvSpPr txBox="1"/>
+          <p:nvPr/>
+        </p:nvSpPr>
+        <p:spPr>
+          <a:xfrm>
+            <a:off x="223837" y="447345"/>
+            <a:ext cx="6892069" cy="328612"/>
+          </a:xfrm>
+          <a:prstGeom prst="rect">
+            <a:avLst/>
+          </a:prstGeom>
+          <a:noFill/>
+        </p:spPr>
+        <p:txBody>
+          <a:bodyPr wrap="square" lIns="0" tIns="0" rIns="0" bIns="0" rtlCol="0">
+            <a:noAutofit/>
+          </a:bodyPr>
+          <a:lstStyle/>
+          <a:p>
+            <a:r>
+              <a:rPr lang="en-GB" sz="1400" i="1" dirty="0">
+                <a:latin typeface="JLR Emeric SemiBold" panose="02000503040000020004" pitchFamily="2" charset="0"/>
+              </a:rPr>
+              <a:t>State Information</a:t>
+            </a:r>
+          </a:p>
+        </p:txBody>
+      </p:sp>
+    </p:spTree>
+    <p:extLst>
+      <p:ext uri="{BB962C8B-B14F-4D97-AF65-F5344CB8AC3E}">
+        <p14:creationId xmlns:p14="http://schemas.microsoft.com/office/powerpoint/2010/main" val="3384286774"/>
+      </p:ext>
+    </p:extLst>
+  </p:cSld>
+  <p:clrMapOvr>
+    <a:masterClrMapping/>
+  </p:clrMapOvr>
+</p:sld>
+</file>
+
+<file path=ppt/slides/slide46.xml><?xml version="1.0" encoding="utf-8"?>
+<p:sld xmlns:a="http://schemas.openxmlformats.org/drawingml/2006/main" xmlns:r="http://schemas.openxmlformats.org/officeDocument/2006/relationships" xmlns:p="http://schemas.openxmlformats.org/presentationml/2006/main">
+  <p:cSld>
+    <p:spTree>
+      <p:nvGrpSpPr>
+        <p:cNvPr id="1" name=""/>
+        <p:cNvGrpSpPr/>
+        <p:nvPr/>
+      </p:nvGrpSpPr>
+      <p:grpSpPr>
+        <a:xfrm>
+          <a:off x="0" y="0"/>
+          <a:ext cx="0" cy="0"/>
+          <a:chOff x="0" y="0"/>
+          <a:chExt cx="0" cy="0"/>
+        </a:xfrm>
+      </p:grpSpPr>
+      <p:sp>
+        <p:nvSpPr>
+          <p:cNvPr id="2" name="Slide Number Placeholder 1">
+            <a:extLst>
+              <a:ext uri="{FF2B5EF4-FFF2-40B4-BE49-F238E27FC236}">
+                <a16:creationId xmlns:a16="http://schemas.microsoft.com/office/drawing/2014/main" id="{4CF602FA-47FB-1C42-87F9-B1D80E651C85}"/>
+              </a:ext>
+            </a:extLst>
+          </p:cNvPr>
+          <p:cNvSpPr>
+            <a:spLocks noGrp="1"/>
+          </p:cNvSpPr>
+          <p:nvPr>
+            <p:ph type="sldNum" sz="quarter" idx="12"/>
+          </p:nvPr>
+        </p:nvSpPr>
+        <p:spPr/>
+        <p:txBody>
+          <a:bodyPr/>
+          <a:lstStyle/>
+          <a:p>
+            <a:fld id="{C554A706-D19D-4C79-97F9-BC489483F7EF}" type="slidenum">
+              <a:rPr lang="en-GB" smtClean="0"/>
+              <a:t>46</a:t>
+            </a:fld>
+            <a:endParaRPr lang="en-GB" dirty="0"/>
+          </a:p>
+        </p:txBody>
+      </p:sp>
+      <p:sp>
+        <p:nvSpPr>
+          <p:cNvPr id="3" name="Title 2">
+            <a:extLst>
+              <a:ext uri="{FF2B5EF4-FFF2-40B4-BE49-F238E27FC236}">
+                <a16:creationId xmlns:a16="http://schemas.microsoft.com/office/drawing/2014/main" id="{5C8F3E15-B13C-694D-8D0F-CC5DF81C9E0E}"/>
+              </a:ext>
+            </a:extLst>
+          </p:cNvPr>
+          <p:cNvSpPr>
+            <a:spLocks noGrp="1"/>
+          </p:cNvSpPr>
+          <p:nvPr>
+            <p:ph type="title"/>
+          </p:nvPr>
+        </p:nvSpPr>
+        <p:spPr>
+          <a:xfrm>
+            <a:off x="223838" y="118733"/>
+            <a:ext cx="6629400" cy="349618"/>
+          </a:xfrm>
+        </p:spPr>
+        <p:txBody>
+          <a:bodyPr/>
+          <a:lstStyle/>
+          <a:p>
+            <a:r>
+              <a:rPr lang="en-US" dirty="0"/>
+              <a:t>*45*</a:t>
+            </a:r>
+          </a:p>
+        </p:txBody>
+      </p:sp>
+      <p:sp>
+        <p:nvSpPr>
+          <p:cNvPr id="4" name="TextBox 3">
+            <a:extLst>
+              <a:ext uri="{FF2B5EF4-FFF2-40B4-BE49-F238E27FC236}">
+                <a16:creationId xmlns:a16="http://schemas.microsoft.com/office/drawing/2014/main" id="{C73B122E-5230-6243-A035-151EDB99E12E}"/>
+              </a:ext>
+            </a:extLst>
+          </p:cNvPr>
+          <p:cNvSpPr txBox="1"/>
+          <p:nvPr/>
+        </p:nvSpPr>
+        <p:spPr>
+          <a:xfrm>
+            <a:off x="223837" y="447345"/>
+            <a:ext cx="6892069" cy="328612"/>
+          </a:xfrm>
+          <a:prstGeom prst="rect">
+            <a:avLst/>
+          </a:prstGeom>
+          <a:noFill/>
+        </p:spPr>
+        <p:txBody>
+          <a:bodyPr wrap="square" lIns="0" tIns="0" rIns="0" bIns="0" rtlCol="0">
+            <a:noAutofit/>
+          </a:bodyPr>
+          <a:lstStyle/>
+          <a:p>
+            <a:r>
+              <a:rPr lang="en-GB" sz="1400" i="1" dirty="0">
+                <a:latin typeface="JLR Emeric SemiBold" panose="02000503040000020004" pitchFamily="2" charset="0"/>
+              </a:rPr>
+              <a:t>State Information</a:t>
+            </a:r>
+          </a:p>
+        </p:txBody>
+      </p:sp>
+    </p:spTree>
+    <p:extLst>
+      <p:ext uri="{BB962C8B-B14F-4D97-AF65-F5344CB8AC3E}">
+        <p14:creationId xmlns:p14="http://schemas.microsoft.com/office/powerpoint/2010/main" val="3042549291"/>
+      </p:ext>
+    </p:extLst>
+  </p:cSld>
+  <p:clrMapOvr>
+    <a:masterClrMapping/>
+  </p:clrMapOvr>
+</p:sld>
+</file>
+
+<file path=ppt/slides/slide47.xml><?xml version="1.0" encoding="utf-8"?>
+<p:sld xmlns:a="http://schemas.openxmlformats.org/drawingml/2006/main" xmlns:r="http://schemas.openxmlformats.org/officeDocument/2006/relationships" xmlns:p="http://schemas.openxmlformats.org/presentationml/2006/main">
+  <p:cSld>
+    <p:spTree>
+      <p:nvGrpSpPr>
+        <p:cNvPr id="1" name=""/>
+        <p:cNvGrpSpPr/>
+        <p:nvPr/>
+      </p:nvGrpSpPr>
+      <p:grpSpPr>
+        <a:xfrm>
+          <a:off x="0" y="0"/>
+          <a:ext cx="0" cy="0"/>
+          <a:chOff x="0" y="0"/>
+          <a:chExt cx="0" cy="0"/>
+        </a:xfrm>
+      </p:grpSpPr>
+      <p:sp>
+        <p:nvSpPr>
+          <p:cNvPr id="2" name="Slide Number Placeholder 1">
+            <a:extLst>
+              <a:ext uri="{FF2B5EF4-FFF2-40B4-BE49-F238E27FC236}">
+                <a16:creationId xmlns:a16="http://schemas.microsoft.com/office/drawing/2014/main" id="{4CF602FA-47FB-1C42-87F9-B1D80E651C85}"/>
+              </a:ext>
+            </a:extLst>
+          </p:cNvPr>
+          <p:cNvSpPr>
+            <a:spLocks noGrp="1"/>
+          </p:cNvSpPr>
+          <p:nvPr>
+            <p:ph type="sldNum" sz="quarter" idx="12"/>
+          </p:nvPr>
+        </p:nvSpPr>
+        <p:spPr/>
+        <p:txBody>
+          <a:bodyPr/>
+          <a:lstStyle/>
+          <a:p>
+            <a:fld id="{C554A706-D19D-4C79-97F9-BC489483F7EF}" type="slidenum">
+              <a:rPr lang="en-GB" smtClean="0"/>
+              <a:t>47</a:t>
+            </a:fld>
+            <a:endParaRPr lang="en-GB" dirty="0"/>
+          </a:p>
+        </p:txBody>
+      </p:sp>
+      <p:sp>
+        <p:nvSpPr>
+          <p:cNvPr id="3" name="Title 2">
+            <a:extLst>
+              <a:ext uri="{FF2B5EF4-FFF2-40B4-BE49-F238E27FC236}">
+                <a16:creationId xmlns:a16="http://schemas.microsoft.com/office/drawing/2014/main" id="{5C8F3E15-B13C-694D-8D0F-CC5DF81C9E0E}"/>
+              </a:ext>
+            </a:extLst>
+          </p:cNvPr>
+          <p:cNvSpPr>
+            <a:spLocks noGrp="1"/>
+          </p:cNvSpPr>
+          <p:nvPr>
+            <p:ph type="title"/>
+          </p:nvPr>
+        </p:nvSpPr>
+        <p:spPr>
+          <a:xfrm>
+            <a:off x="223838" y="118733"/>
+            <a:ext cx="6629400" cy="349618"/>
+          </a:xfrm>
+        </p:spPr>
+        <p:txBody>
+          <a:bodyPr/>
+          <a:lstStyle/>
+          <a:p>
+            <a:r>
+              <a:rPr lang="en-US" dirty="0"/>
+              <a:t>*46*</a:t>
+            </a:r>
+          </a:p>
+        </p:txBody>
+      </p:sp>
+      <p:sp>
+        <p:nvSpPr>
+          <p:cNvPr id="4" name="TextBox 3">
+            <a:extLst>
+              <a:ext uri="{FF2B5EF4-FFF2-40B4-BE49-F238E27FC236}">
+                <a16:creationId xmlns:a16="http://schemas.microsoft.com/office/drawing/2014/main" id="{C73B122E-5230-6243-A035-151EDB99E12E}"/>
+              </a:ext>
+            </a:extLst>
+          </p:cNvPr>
+          <p:cNvSpPr txBox="1"/>
+          <p:nvPr/>
+        </p:nvSpPr>
+        <p:spPr>
+          <a:xfrm>
+            <a:off x="223837" y="447345"/>
+            <a:ext cx="6892069" cy="328612"/>
+          </a:xfrm>
+          <a:prstGeom prst="rect">
+            <a:avLst/>
+          </a:prstGeom>
+          <a:noFill/>
+        </p:spPr>
+        <p:txBody>
+          <a:bodyPr wrap="square" lIns="0" tIns="0" rIns="0" bIns="0" rtlCol="0">
+            <a:noAutofit/>
+          </a:bodyPr>
+          <a:lstStyle/>
+          <a:p>
+            <a:r>
+              <a:rPr lang="en-GB" sz="1400" i="1" dirty="0">
+                <a:latin typeface="JLR Emeric SemiBold" panose="02000503040000020004" pitchFamily="2" charset="0"/>
+              </a:rPr>
+              <a:t>State Information</a:t>
+            </a:r>
+          </a:p>
+        </p:txBody>
+      </p:sp>
+    </p:spTree>
+    <p:extLst>
+      <p:ext uri="{BB962C8B-B14F-4D97-AF65-F5344CB8AC3E}">
+        <p14:creationId xmlns:p14="http://schemas.microsoft.com/office/powerpoint/2010/main" val="3245599572"/>
+      </p:ext>
+    </p:extLst>
+  </p:cSld>
+  <p:clrMapOvr>
+    <a:masterClrMapping/>
+  </p:clrMapOvr>
+</p:sld>
+</file>
+
+<file path=ppt/slides/slide48.xml><?xml version="1.0" encoding="utf-8"?>
+<p:sld xmlns:a="http://schemas.openxmlformats.org/drawingml/2006/main" xmlns:r="http://schemas.openxmlformats.org/officeDocument/2006/relationships" xmlns:p="http://schemas.openxmlformats.org/presentationml/2006/main">
+  <p:cSld>
+    <p:spTree>
+      <p:nvGrpSpPr>
+        <p:cNvPr id="1" name=""/>
+        <p:cNvGrpSpPr/>
+        <p:nvPr/>
+      </p:nvGrpSpPr>
+      <p:grpSpPr>
+        <a:xfrm>
+          <a:off x="0" y="0"/>
+          <a:ext cx="0" cy="0"/>
+          <a:chOff x="0" y="0"/>
+          <a:chExt cx="0" cy="0"/>
+        </a:xfrm>
+      </p:grpSpPr>
+      <p:sp>
+        <p:nvSpPr>
+          <p:cNvPr id="2" name="Slide Number Placeholder 1">
+            <a:extLst>
+              <a:ext uri="{FF2B5EF4-FFF2-40B4-BE49-F238E27FC236}">
+                <a16:creationId xmlns:a16="http://schemas.microsoft.com/office/drawing/2014/main" id="{4CF602FA-47FB-1C42-87F9-B1D80E651C85}"/>
+              </a:ext>
+            </a:extLst>
+          </p:cNvPr>
+          <p:cNvSpPr>
+            <a:spLocks noGrp="1"/>
+          </p:cNvSpPr>
+          <p:nvPr>
+            <p:ph type="sldNum" sz="quarter" idx="12"/>
+          </p:nvPr>
+        </p:nvSpPr>
+        <p:spPr/>
+        <p:txBody>
+          <a:bodyPr/>
+          <a:lstStyle/>
+          <a:p>
+            <a:fld id="{C554A706-D19D-4C79-97F9-BC489483F7EF}" type="slidenum">
+              <a:rPr lang="en-GB" smtClean="0"/>
+              <a:t>48</a:t>
+            </a:fld>
+            <a:endParaRPr lang="en-GB" dirty="0"/>
+          </a:p>
+        </p:txBody>
+      </p:sp>
+      <p:sp>
+        <p:nvSpPr>
+          <p:cNvPr id="3" name="Title 2">
+            <a:extLst>
+              <a:ext uri="{FF2B5EF4-FFF2-40B4-BE49-F238E27FC236}">
+                <a16:creationId xmlns:a16="http://schemas.microsoft.com/office/drawing/2014/main" id="{5C8F3E15-B13C-694D-8D0F-CC5DF81C9E0E}"/>
+              </a:ext>
+            </a:extLst>
+          </p:cNvPr>
+          <p:cNvSpPr>
+            <a:spLocks noGrp="1"/>
+          </p:cNvSpPr>
+          <p:nvPr>
+            <p:ph type="title"/>
+          </p:nvPr>
+        </p:nvSpPr>
+        <p:spPr>
+          <a:xfrm>
+            <a:off x="223838" y="118733"/>
+            <a:ext cx="6629400" cy="349618"/>
+          </a:xfrm>
+        </p:spPr>
+        <p:txBody>
+          <a:bodyPr/>
+          <a:lstStyle/>
+          <a:p>
+            <a:r>
+              <a:rPr lang="en-US" dirty="0"/>
+              <a:t>*47*</a:t>
+            </a:r>
+          </a:p>
+        </p:txBody>
+      </p:sp>
+      <p:sp>
+        <p:nvSpPr>
+          <p:cNvPr id="4" name="TextBox 3">
+            <a:extLst>
+              <a:ext uri="{FF2B5EF4-FFF2-40B4-BE49-F238E27FC236}">
+                <a16:creationId xmlns:a16="http://schemas.microsoft.com/office/drawing/2014/main" id="{C73B122E-5230-6243-A035-151EDB99E12E}"/>
+              </a:ext>
+            </a:extLst>
+          </p:cNvPr>
+          <p:cNvSpPr txBox="1"/>
+          <p:nvPr/>
+        </p:nvSpPr>
+        <p:spPr>
+          <a:xfrm>
+            <a:off x="223837" y="447345"/>
+            <a:ext cx="6892069" cy="328612"/>
+          </a:xfrm>
+          <a:prstGeom prst="rect">
+            <a:avLst/>
+          </a:prstGeom>
+          <a:noFill/>
+        </p:spPr>
+        <p:txBody>
+          <a:bodyPr wrap="square" lIns="0" tIns="0" rIns="0" bIns="0" rtlCol="0">
+            <a:noAutofit/>
+          </a:bodyPr>
+          <a:lstStyle/>
+          <a:p>
+            <a:r>
+              <a:rPr lang="en-GB" sz="1400" i="1" dirty="0">
+                <a:latin typeface="JLR Emeric SemiBold" panose="02000503040000020004" pitchFamily="2" charset="0"/>
+              </a:rPr>
+              <a:t>State Information</a:t>
+            </a:r>
+          </a:p>
+        </p:txBody>
+      </p:sp>
+    </p:spTree>
+    <p:extLst>
+      <p:ext uri="{BB962C8B-B14F-4D97-AF65-F5344CB8AC3E}">
+        <p14:creationId xmlns:p14="http://schemas.microsoft.com/office/powerpoint/2010/main" val="2647983497"/>
+      </p:ext>
+    </p:extLst>
+  </p:cSld>
+  <p:clrMapOvr>
+    <a:masterClrMapping/>
+  </p:clrMapOvr>
+</p:sld>
+</file>
+
+<file path=ppt/slides/slide49.xml><?xml version="1.0" encoding="utf-8"?>
+<p:sld xmlns:a="http://schemas.openxmlformats.org/drawingml/2006/main" xmlns:r="http://schemas.openxmlformats.org/officeDocument/2006/relationships" xmlns:p="http://schemas.openxmlformats.org/presentationml/2006/main">
+  <p:cSld>
+    <p:spTree>
+      <p:nvGrpSpPr>
+        <p:cNvPr id="1" name=""/>
+        <p:cNvGrpSpPr/>
+        <p:nvPr/>
+      </p:nvGrpSpPr>
+      <p:grpSpPr>
+        <a:xfrm>
+          <a:off x="0" y="0"/>
+          <a:ext cx="0" cy="0"/>
+          <a:chOff x="0" y="0"/>
+          <a:chExt cx="0" cy="0"/>
+        </a:xfrm>
+      </p:grpSpPr>
+      <p:sp>
+        <p:nvSpPr>
+          <p:cNvPr id="2" name="Slide Number Placeholder 1">
+            <a:extLst>
+              <a:ext uri="{FF2B5EF4-FFF2-40B4-BE49-F238E27FC236}">
+                <a16:creationId xmlns:a16="http://schemas.microsoft.com/office/drawing/2014/main" id="{4CF602FA-47FB-1C42-87F9-B1D80E651C85}"/>
+              </a:ext>
+            </a:extLst>
+          </p:cNvPr>
+          <p:cNvSpPr>
+            <a:spLocks noGrp="1"/>
+          </p:cNvSpPr>
+          <p:nvPr>
+            <p:ph type="sldNum" sz="quarter" idx="12"/>
+          </p:nvPr>
+        </p:nvSpPr>
+        <p:spPr/>
+        <p:txBody>
+          <a:bodyPr/>
+          <a:lstStyle/>
+          <a:p>
+            <a:fld id="{C554A706-D19D-4C79-97F9-BC489483F7EF}" type="slidenum">
+              <a:rPr lang="en-GB" smtClean="0"/>
+              <a:t>49</a:t>
+            </a:fld>
+            <a:endParaRPr lang="en-GB" dirty="0"/>
+          </a:p>
+        </p:txBody>
+      </p:sp>
+      <p:sp>
+        <p:nvSpPr>
+          <p:cNvPr id="3" name="Title 2">
+            <a:extLst>
+              <a:ext uri="{FF2B5EF4-FFF2-40B4-BE49-F238E27FC236}">
+                <a16:creationId xmlns:a16="http://schemas.microsoft.com/office/drawing/2014/main" id="{5C8F3E15-B13C-694D-8D0F-CC5DF81C9E0E}"/>
+              </a:ext>
+            </a:extLst>
+          </p:cNvPr>
+          <p:cNvSpPr>
+            <a:spLocks noGrp="1"/>
+          </p:cNvSpPr>
+          <p:nvPr>
+            <p:ph type="title"/>
+          </p:nvPr>
+        </p:nvSpPr>
+        <p:spPr>
+          <a:xfrm>
+            <a:off x="223838" y="118733"/>
+            <a:ext cx="6629400" cy="349618"/>
+          </a:xfrm>
+        </p:spPr>
+        <p:txBody>
+          <a:bodyPr/>
+          <a:lstStyle/>
+          <a:p>
+            <a:r>
+              <a:rPr lang="en-US" dirty="0"/>
+              <a:t>*48*</a:t>
+            </a:r>
+          </a:p>
+        </p:txBody>
+      </p:sp>
+      <p:sp>
+        <p:nvSpPr>
+          <p:cNvPr id="4" name="TextBox 3">
+            <a:extLst>
+              <a:ext uri="{FF2B5EF4-FFF2-40B4-BE49-F238E27FC236}">
+                <a16:creationId xmlns:a16="http://schemas.microsoft.com/office/drawing/2014/main" id="{C73B122E-5230-6243-A035-151EDB99E12E}"/>
+              </a:ext>
+            </a:extLst>
+          </p:cNvPr>
+          <p:cNvSpPr txBox="1"/>
+          <p:nvPr/>
+        </p:nvSpPr>
+        <p:spPr>
+          <a:xfrm>
+            <a:off x="223837" y="447345"/>
+            <a:ext cx="6892069" cy="328612"/>
+          </a:xfrm>
+          <a:prstGeom prst="rect">
+            <a:avLst/>
+          </a:prstGeom>
+          <a:noFill/>
+        </p:spPr>
+        <p:txBody>
+          <a:bodyPr wrap="square" lIns="0" tIns="0" rIns="0" bIns="0" rtlCol="0">
+            <a:noAutofit/>
+          </a:bodyPr>
+          <a:lstStyle/>
+          <a:p>
+            <a:r>
+              <a:rPr lang="en-GB" sz="1400" i="1" dirty="0">
+                <a:latin typeface="JLR Emeric SemiBold" panose="02000503040000020004" pitchFamily="2" charset="0"/>
+              </a:rPr>
+              <a:t>State Information</a:t>
+            </a:r>
+          </a:p>
+        </p:txBody>
+      </p:sp>
+    </p:spTree>
+    <p:extLst>
+      <p:ext uri="{BB962C8B-B14F-4D97-AF65-F5344CB8AC3E}">
+        <p14:creationId xmlns:p14="http://schemas.microsoft.com/office/powerpoint/2010/main" val="477008326"/>
       </p:ext>
     </p:extLst>
   </p:cSld>
@@ -6715,7 +9906,7 @@
           <a:p>
             <a:r>
               <a:rPr lang="en-US" dirty="0"/>
-              <a:t>5537 - State 42 | VT-07 On-Board Emissions</a:t>
+              <a:t>*4*</a:t>
             </a:r>
           </a:p>
         </p:txBody>
@@ -6757,178 +9948,228 @@
           </a:p>
         </p:txBody>
       </p:sp>
-      <p:pic>
-        <p:nvPicPr>
-          <p:cNvPr id="5" name="Picture 4" descr="image.png"/>
-          <p:cNvPicPr>
-            <a:picLocks noChangeAspect="1"/>
-          </p:cNvPicPr>
-          <p:nvPr/>
-        </p:nvPicPr>
-        <p:blipFill>
-          <a:blip r:embed="rId2"/>
-          <a:stretch>
-            <a:fillRect/>
-          </a:stretch>
-        </p:blipFill>
-        <p:spPr>
-          <a:xfrm>
-            <a:off x="12700" y="889000"/>
-            <a:ext cx="2959100" cy="2235200"/>
-          </a:xfrm>
-          <a:prstGeom prst="rect">
-            <a:avLst/>
-          </a:prstGeom>
-        </p:spPr>
-      </p:pic>
-      <p:pic>
-        <p:nvPicPr>
-          <p:cNvPr id="6" name="Picture 5" descr="image.png"/>
-          <p:cNvPicPr>
-            <a:picLocks noChangeAspect="1"/>
-          </p:cNvPicPr>
-          <p:nvPr/>
-        </p:nvPicPr>
-        <p:blipFill>
-          <a:blip r:embed="rId3"/>
-          <a:stretch>
-            <a:fillRect/>
-          </a:stretch>
-        </p:blipFill>
-        <p:spPr>
-          <a:xfrm>
-            <a:off x="3035300" y="889000"/>
-            <a:ext cx="2959100" cy="2235200"/>
-          </a:xfrm>
-          <a:prstGeom prst="rect">
-            <a:avLst/>
-          </a:prstGeom>
-        </p:spPr>
-      </p:pic>
-      <p:pic>
-        <p:nvPicPr>
-          <p:cNvPr id="7" name="Picture 6" descr="image.png"/>
-          <p:cNvPicPr>
-            <a:picLocks noChangeAspect="1"/>
-          </p:cNvPicPr>
-          <p:nvPr/>
-        </p:nvPicPr>
-        <p:blipFill>
-          <a:blip r:embed="rId4"/>
-          <a:stretch>
-            <a:fillRect/>
-          </a:stretch>
-        </p:blipFill>
-        <p:spPr>
-          <a:xfrm>
-            <a:off x="6057900" y="889000"/>
-            <a:ext cx="2959100" cy="2235200"/>
-          </a:xfrm>
-          <a:prstGeom prst="rect">
-            <a:avLst/>
-          </a:prstGeom>
-        </p:spPr>
-      </p:pic>
-      <p:pic>
-        <p:nvPicPr>
-          <p:cNvPr id="8" name="Picture 7" descr="image.png"/>
-          <p:cNvPicPr>
-            <a:picLocks noChangeAspect="1"/>
-          </p:cNvPicPr>
-          <p:nvPr/>
-        </p:nvPicPr>
-        <p:blipFill>
-          <a:blip r:embed="rId5"/>
-          <a:stretch>
-            <a:fillRect/>
-          </a:stretch>
-        </p:blipFill>
-        <p:spPr>
-          <a:xfrm>
-            <a:off x="12700" y="3492500"/>
-            <a:ext cx="2222500" cy="1651000"/>
-          </a:xfrm>
-          <a:prstGeom prst="rect">
-            <a:avLst/>
-          </a:prstGeom>
-        </p:spPr>
-      </p:pic>
-      <p:pic>
-        <p:nvPicPr>
-          <p:cNvPr id="9" name="Picture 8" descr="image.png"/>
-          <p:cNvPicPr>
-            <a:picLocks noChangeAspect="1"/>
-          </p:cNvPicPr>
-          <p:nvPr/>
-        </p:nvPicPr>
-        <p:blipFill>
-          <a:blip r:embed="rId6"/>
-          <a:stretch>
-            <a:fillRect/>
-          </a:stretch>
-        </p:blipFill>
-        <p:spPr>
-          <a:xfrm>
-            <a:off x="2286000" y="3492500"/>
-            <a:ext cx="2222500" cy="1651000"/>
-          </a:xfrm>
-          <a:prstGeom prst="rect">
-            <a:avLst/>
-          </a:prstGeom>
-        </p:spPr>
-      </p:pic>
-      <p:pic>
-        <p:nvPicPr>
-          <p:cNvPr id="10" name="Picture 9" descr="image.png"/>
-          <p:cNvPicPr>
-            <a:picLocks noChangeAspect="1"/>
-          </p:cNvPicPr>
-          <p:nvPr/>
-        </p:nvPicPr>
-        <p:blipFill>
-          <a:blip r:embed="rId7"/>
-          <a:stretch>
-            <a:fillRect/>
-          </a:stretch>
-        </p:blipFill>
-        <p:spPr>
-          <a:xfrm>
-            <a:off x="4572000" y="3492500"/>
-            <a:ext cx="2222500" cy="1651000"/>
-          </a:xfrm>
-          <a:prstGeom prst="rect">
-            <a:avLst/>
-          </a:prstGeom>
-        </p:spPr>
-      </p:pic>
-      <p:pic>
-        <p:nvPicPr>
-          <p:cNvPr id="11" name="Picture 10" descr="image.png"/>
-          <p:cNvPicPr>
-            <a:picLocks noChangeAspect="1"/>
-          </p:cNvPicPr>
-          <p:nvPr/>
-        </p:nvPicPr>
-        <p:blipFill>
-          <a:blip r:embed="rId8"/>
-          <a:stretch>
-            <a:fillRect/>
-          </a:stretch>
-        </p:blipFill>
-        <p:spPr>
-          <a:xfrm>
-            <a:off x="6858000" y="3492500"/>
-            <a:ext cx="2222500" cy="1651000"/>
-          </a:xfrm>
-          <a:prstGeom prst="rect">
-            <a:avLst/>
-          </a:prstGeom>
-        </p:spPr>
-      </p:pic>
     </p:spTree>
     <p:extLst>
       <p:ext uri="{BB962C8B-B14F-4D97-AF65-F5344CB8AC3E}">
         <p14:creationId xmlns:p14="http://schemas.microsoft.com/office/powerpoint/2010/main" val="1392034966"/>
+      </p:ext>
+    </p:extLst>
+  </p:cSld>
+  <p:clrMapOvr>
+    <a:masterClrMapping/>
+  </p:clrMapOvr>
+</p:sld>
+</file>
+
+<file path=ppt/slides/slide50.xml><?xml version="1.0" encoding="utf-8"?>
+<p:sld xmlns:a="http://schemas.openxmlformats.org/drawingml/2006/main" xmlns:r="http://schemas.openxmlformats.org/officeDocument/2006/relationships" xmlns:p="http://schemas.openxmlformats.org/presentationml/2006/main">
+  <p:cSld>
+    <p:spTree>
+      <p:nvGrpSpPr>
+        <p:cNvPr id="1" name=""/>
+        <p:cNvGrpSpPr/>
+        <p:nvPr/>
+      </p:nvGrpSpPr>
+      <p:grpSpPr>
+        <a:xfrm>
+          <a:off x="0" y="0"/>
+          <a:ext cx="0" cy="0"/>
+          <a:chOff x="0" y="0"/>
+          <a:chExt cx="0" cy="0"/>
+        </a:xfrm>
+      </p:grpSpPr>
+      <p:sp>
+        <p:nvSpPr>
+          <p:cNvPr id="2" name="Slide Number Placeholder 1">
+            <a:extLst>
+              <a:ext uri="{FF2B5EF4-FFF2-40B4-BE49-F238E27FC236}">
+                <a16:creationId xmlns:a16="http://schemas.microsoft.com/office/drawing/2014/main" id="{4CF602FA-47FB-1C42-87F9-B1D80E651C85}"/>
+              </a:ext>
+            </a:extLst>
+          </p:cNvPr>
+          <p:cNvSpPr>
+            <a:spLocks noGrp="1"/>
+          </p:cNvSpPr>
+          <p:nvPr>
+            <p:ph type="sldNum" sz="quarter" idx="12"/>
+          </p:nvPr>
+        </p:nvSpPr>
+        <p:spPr/>
+        <p:txBody>
+          <a:bodyPr/>
+          <a:lstStyle/>
+          <a:p>
+            <a:fld id="{C554A706-D19D-4C79-97F9-BC489483F7EF}" type="slidenum">
+              <a:rPr lang="en-GB" smtClean="0"/>
+              <a:t>50</a:t>
+            </a:fld>
+            <a:endParaRPr lang="en-GB" dirty="0"/>
+          </a:p>
+        </p:txBody>
+      </p:sp>
+      <p:sp>
+        <p:nvSpPr>
+          <p:cNvPr id="3" name="Title 2">
+            <a:extLst>
+              <a:ext uri="{FF2B5EF4-FFF2-40B4-BE49-F238E27FC236}">
+                <a16:creationId xmlns:a16="http://schemas.microsoft.com/office/drawing/2014/main" id="{5C8F3E15-B13C-694D-8D0F-CC5DF81C9E0E}"/>
+              </a:ext>
+            </a:extLst>
+          </p:cNvPr>
+          <p:cNvSpPr>
+            <a:spLocks noGrp="1"/>
+          </p:cNvSpPr>
+          <p:nvPr>
+            <p:ph type="title"/>
+          </p:nvPr>
+        </p:nvSpPr>
+        <p:spPr>
+          <a:xfrm>
+            <a:off x="223838" y="118733"/>
+            <a:ext cx="6629400" cy="349618"/>
+          </a:xfrm>
+        </p:spPr>
+        <p:txBody>
+          <a:bodyPr/>
+          <a:lstStyle/>
+          <a:p>
+            <a:r>
+              <a:rPr lang="en-US" dirty="0"/>
+              <a:t>*49*</a:t>
+            </a:r>
+          </a:p>
+        </p:txBody>
+      </p:sp>
+      <p:sp>
+        <p:nvSpPr>
+          <p:cNvPr id="4" name="TextBox 3">
+            <a:extLst>
+              <a:ext uri="{FF2B5EF4-FFF2-40B4-BE49-F238E27FC236}">
+                <a16:creationId xmlns:a16="http://schemas.microsoft.com/office/drawing/2014/main" id="{C73B122E-5230-6243-A035-151EDB99E12E}"/>
+              </a:ext>
+            </a:extLst>
+          </p:cNvPr>
+          <p:cNvSpPr txBox="1"/>
+          <p:nvPr/>
+        </p:nvSpPr>
+        <p:spPr>
+          <a:xfrm>
+            <a:off x="223837" y="447345"/>
+            <a:ext cx="6892069" cy="328612"/>
+          </a:xfrm>
+          <a:prstGeom prst="rect">
+            <a:avLst/>
+          </a:prstGeom>
+          <a:noFill/>
+        </p:spPr>
+        <p:txBody>
+          <a:bodyPr wrap="square" lIns="0" tIns="0" rIns="0" bIns="0" rtlCol="0">
+            <a:noAutofit/>
+          </a:bodyPr>
+          <a:lstStyle/>
+          <a:p>
+            <a:r>
+              <a:rPr lang="en-GB" sz="1400" i="1" dirty="0">
+                <a:latin typeface="JLR Emeric SemiBold" panose="02000503040000020004" pitchFamily="2" charset="0"/>
+              </a:rPr>
+              <a:t>State Information</a:t>
+            </a:r>
+          </a:p>
+        </p:txBody>
+      </p:sp>
+    </p:spTree>
+    <p:extLst>
+      <p:ext uri="{BB962C8B-B14F-4D97-AF65-F5344CB8AC3E}">
+        <p14:creationId xmlns:p14="http://schemas.microsoft.com/office/powerpoint/2010/main" val="2551264646"/>
+      </p:ext>
+    </p:extLst>
+  </p:cSld>
+  <p:clrMapOvr>
+    <a:masterClrMapping/>
+  </p:clrMapOvr>
+</p:sld>
+</file>
+
+<file path=ppt/slides/slide51.xml><?xml version="1.0" encoding="utf-8"?>
+<p:sld xmlns:a="http://schemas.openxmlformats.org/drawingml/2006/main" xmlns:r="http://schemas.openxmlformats.org/officeDocument/2006/relationships" xmlns:p="http://schemas.openxmlformats.org/presentationml/2006/main">
+  <p:cSld>
+    <p:spTree>
+      <p:nvGrpSpPr>
+        <p:cNvPr id="1" name=""/>
+        <p:cNvGrpSpPr/>
+        <p:nvPr/>
+      </p:nvGrpSpPr>
+      <p:grpSpPr>
+        <a:xfrm>
+          <a:off x="0" y="0"/>
+          <a:ext cx="0" cy="0"/>
+          <a:chOff x="0" y="0"/>
+          <a:chExt cx="0" cy="0"/>
+        </a:xfrm>
+      </p:grpSpPr>
+      <p:sp>
+        <p:nvSpPr>
+          <p:cNvPr id="2" name="Slide Number Placeholder 1">
+            <a:extLst>
+              <a:ext uri="{FF2B5EF4-FFF2-40B4-BE49-F238E27FC236}">
+                <a16:creationId xmlns:a16="http://schemas.microsoft.com/office/drawing/2014/main" id="{4CF602FA-47FB-1C42-87F9-B1D80E651C85}"/>
+              </a:ext>
+            </a:extLst>
+          </p:cNvPr>
+          <p:cNvSpPr>
+            <a:spLocks noGrp="1"/>
+          </p:cNvSpPr>
+          <p:nvPr>
+            <p:ph type="sldNum" sz="quarter" idx="12"/>
+          </p:nvPr>
+        </p:nvSpPr>
+        <p:spPr/>
+        <p:txBody>
+          <a:bodyPr/>
+          <a:lstStyle/>
+          <a:p>
+            <a:fld id="{C554A706-D19D-4C79-97F9-BC489483F7EF}" type="slidenum">
+              <a:rPr lang="en-GB" smtClean="0"/>
+              <a:t>51</a:t>
+            </a:fld>
+            <a:endParaRPr lang="en-GB" dirty="0"/>
+          </a:p>
+        </p:txBody>
+      </p:sp>
+      <p:sp>
+        <p:nvSpPr>
+          <p:cNvPr id="3" name="Title 2">
+            <a:extLst>
+              <a:ext uri="{FF2B5EF4-FFF2-40B4-BE49-F238E27FC236}">
+                <a16:creationId xmlns:a16="http://schemas.microsoft.com/office/drawing/2014/main" id="{5C8F3E15-B13C-694D-8D0F-CC5DF81C9E0E}"/>
+              </a:ext>
+            </a:extLst>
+          </p:cNvPr>
+          <p:cNvSpPr>
+            <a:spLocks noGrp="1"/>
+          </p:cNvSpPr>
+          <p:nvPr>
+            <p:ph type="title"/>
+          </p:nvPr>
+        </p:nvSpPr>
+        <p:spPr>
+          <a:xfrm>
+            <a:off x="223838" y="118733"/>
+            <a:ext cx="6629400" cy="349618"/>
+          </a:xfrm>
+        </p:spPr>
+        <p:txBody>
+          <a:bodyPr/>
+          <a:lstStyle/>
+          <a:p>
+            <a:endParaRPr lang="en-US" dirty="0"/>
+          </a:p>
+        </p:txBody>
+      </p:sp>
+    </p:spTree>
+    <p:extLst>
+      <p:ext uri="{BB962C8B-B14F-4D97-AF65-F5344CB8AC3E}">
+        <p14:creationId xmlns:p14="http://schemas.microsoft.com/office/powerpoint/2010/main" val="747518252"/>
       </p:ext>
     </p:extLst>
   </p:cSld>
@@ -7012,7 +10253,7 @@
           <a:p>
             <a:r>
               <a:rPr lang="en-US" dirty="0"/>
-              <a:t>5537 - State 43 | VT-07 On-Board Emissions</a:t>
+              <a:t>*5*</a:t>
             </a:r>
           </a:p>
         </p:txBody>
@@ -7054,174 +10295,6 @@
           </a:p>
         </p:txBody>
       </p:sp>
-      <p:pic>
-        <p:nvPicPr>
-          <p:cNvPr id="5" name="Picture 4" descr="image.png"/>
-          <p:cNvPicPr>
-            <a:picLocks noChangeAspect="1"/>
-          </p:cNvPicPr>
-          <p:nvPr/>
-        </p:nvPicPr>
-        <p:blipFill>
-          <a:blip r:embed="rId2"/>
-          <a:stretch>
-            <a:fillRect/>
-          </a:stretch>
-        </p:blipFill>
-        <p:spPr>
-          <a:xfrm>
-            <a:off x="12700" y="889000"/>
-            <a:ext cx="2959100" cy="2235200"/>
-          </a:xfrm>
-          <a:prstGeom prst="rect">
-            <a:avLst/>
-          </a:prstGeom>
-        </p:spPr>
-      </p:pic>
-      <p:pic>
-        <p:nvPicPr>
-          <p:cNvPr id="6" name="Picture 5" descr="image.png"/>
-          <p:cNvPicPr>
-            <a:picLocks noChangeAspect="1"/>
-          </p:cNvPicPr>
-          <p:nvPr/>
-        </p:nvPicPr>
-        <p:blipFill>
-          <a:blip r:embed="rId3"/>
-          <a:stretch>
-            <a:fillRect/>
-          </a:stretch>
-        </p:blipFill>
-        <p:spPr>
-          <a:xfrm>
-            <a:off x="3035300" y="889000"/>
-            <a:ext cx="2959100" cy="2235200"/>
-          </a:xfrm>
-          <a:prstGeom prst="rect">
-            <a:avLst/>
-          </a:prstGeom>
-        </p:spPr>
-      </p:pic>
-      <p:pic>
-        <p:nvPicPr>
-          <p:cNvPr id="7" name="Picture 6" descr="image.png"/>
-          <p:cNvPicPr>
-            <a:picLocks noChangeAspect="1"/>
-          </p:cNvPicPr>
-          <p:nvPr/>
-        </p:nvPicPr>
-        <p:blipFill>
-          <a:blip r:embed="rId4"/>
-          <a:stretch>
-            <a:fillRect/>
-          </a:stretch>
-        </p:blipFill>
-        <p:spPr>
-          <a:xfrm>
-            <a:off x="6057900" y="889000"/>
-            <a:ext cx="2959100" cy="2235200"/>
-          </a:xfrm>
-          <a:prstGeom prst="rect">
-            <a:avLst/>
-          </a:prstGeom>
-        </p:spPr>
-      </p:pic>
-      <p:pic>
-        <p:nvPicPr>
-          <p:cNvPr id="8" name="Picture 7" descr="image.png"/>
-          <p:cNvPicPr>
-            <a:picLocks noChangeAspect="1"/>
-          </p:cNvPicPr>
-          <p:nvPr/>
-        </p:nvPicPr>
-        <p:blipFill>
-          <a:blip r:embed="rId5"/>
-          <a:stretch>
-            <a:fillRect/>
-          </a:stretch>
-        </p:blipFill>
-        <p:spPr>
-          <a:xfrm>
-            <a:off x="12700" y="3492500"/>
-            <a:ext cx="2222500" cy="1651000"/>
-          </a:xfrm>
-          <a:prstGeom prst="rect">
-            <a:avLst/>
-          </a:prstGeom>
-        </p:spPr>
-      </p:pic>
-      <p:pic>
-        <p:nvPicPr>
-          <p:cNvPr id="9" name="Picture 8" descr="image.png"/>
-          <p:cNvPicPr>
-            <a:picLocks noChangeAspect="1"/>
-          </p:cNvPicPr>
-          <p:nvPr/>
-        </p:nvPicPr>
-        <p:blipFill>
-          <a:blip r:embed="rId6"/>
-          <a:stretch>
-            <a:fillRect/>
-          </a:stretch>
-        </p:blipFill>
-        <p:spPr>
-          <a:xfrm>
-            <a:off x="2286000" y="3492500"/>
-            <a:ext cx="2222500" cy="1651000"/>
-          </a:xfrm>
-          <a:prstGeom prst="rect">
-            <a:avLst/>
-          </a:prstGeom>
-        </p:spPr>
-      </p:pic>
-      <p:pic>
-        <p:nvPicPr>
-          <p:cNvPr id="10" name="Picture 9" descr="image.png"/>
-          <p:cNvPicPr>
-            <a:picLocks noChangeAspect="1"/>
-          </p:cNvPicPr>
-          <p:nvPr/>
-        </p:nvPicPr>
-        <p:blipFill>
-          <a:blip r:embed="rId7"/>
-          <a:stretch>
-            <a:fillRect/>
-          </a:stretch>
-        </p:blipFill>
-        <p:spPr>
-          <a:xfrm>
-            <a:off x="4572000" y="3492500"/>
-            <a:ext cx="2222500" cy="1651000"/>
-          </a:xfrm>
-          <a:prstGeom prst="rect">
-            <a:avLst/>
-          </a:prstGeom>
-        </p:spPr>
-      </p:pic>
-      <p:pic>
-        <p:nvPicPr>
-          <p:cNvPr id="11" name="Picture 10" descr="image.png"/>
-          <p:cNvPicPr>
-            <a:picLocks noChangeAspect="1"/>
-          </p:cNvPicPr>
-          <p:nvPr/>
-        </p:nvPicPr>
-        <p:blipFill>
-          <a:blip r:embed="rId8"/>
-          <a:stretch>
-            <a:fillRect/>
-          </a:stretch>
-        </p:blipFill>
-        <p:spPr>
-          <a:xfrm>
-            <a:off x="6858000" y="3492500"/>
-            <a:ext cx="2222500" cy="1651000"/>
-          </a:xfrm>
-          <a:prstGeom prst="rect">
-            <a:avLst/>
-          </a:prstGeom>
-        </p:spPr>
-      </p:pic>
     </p:spTree>
     <p:extLst>
       <p:ext uri="{BB962C8B-B14F-4D97-AF65-F5344CB8AC3E}">
@@ -7309,7 +10382,7 @@
           <a:p>
             <a:r>
               <a:rPr lang="en-US" dirty="0"/>
-              <a:t>5537 - State 41 | VT-07 On-Board Emissions</a:t>
+              <a:t>*6*</a:t>
             </a:r>
           </a:p>
         </p:txBody>
@@ -7351,174 +10424,6 @@
           </a:p>
         </p:txBody>
       </p:sp>
-      <p:pic>
-        <p:nvPicPr>
-          <p:cNvPr id="5" name="Picture 4" descr="image.png"/>
-          <p:cNvPicPr>
-            <a:picLocks noChangeAspect="1"/>
-          </p:cNvPicPr>
-          <p:nvPr/>
-        </p:nvPicPr>
-        <p:blipFill>
-          <a:blip r:embed="rId2"/>
-          <a:stretch>
-            <a:fillRect/>
-          </a:stretch>
-        </p:blipFill>
-        <p:spPr>
-          <a:xfrm>
-            <a:off x="12700" y="889000"/>
-            <a:ext cx="2959100" cy="2235200"/>
-          </a:xfrm>
-          <a:prstGeom prst="rect">
-            <a:avLst/>
-          </a:prstGeom>
-        </p:spPr>
-      </p:pic>
-      <p:pic>
-        <p:nvPicPr>
-          <p:cNvPr id="6" name="Picture 5" descr="image.png"/>
-          <p:cNvPicPr>
-            <a:picLocks noChangeAspect="1"/>
-          </p:cNvPicPr>
-          <p:nvPr/>
-        </p:nvPicPr>
-        <p:blipFill>
-          <a:blip r:embed="rId3"/>
-          <a:stretch>
-            <a:fillRect/>
-          </a:stretch>
-        </p:blipFill>
-        <p:spPr>
-          <a:xfrm>
-            <a:off x="3035300" y="889000"/>
-            <a:ext cx="2959100" cy="2235200"/>
-          </a:xfrm>
-          <a:prstGeom prst="rect">
-            <a:avLst/>
-          </a:prstGeom>
-        </p:spPr>
-      </p:pic>
-      <p:pic>
-        <p:nvPicPr>
-          <p:cNvPr id="7" name="Picture 6" descr="image.png"/>
-          <p:cNvPicPr>
-            <a:picLocks noChangeAspect="1"/>
-          </p:cNvPicPr>
-          <p:nvPr/>
-        </p:nvPicPr>
-        <p:blipFill>
-          <a:blip r:embed="rId4"/>
-          <a:stretch>
-            <a:fillRect/>
-          </a:stretch>
-        </p:blipFill>
-        <p:spPr>
-          <a:xfrm>
-            <a:off x="6057900" y="889000"/>
-            <a:ext cx="2959100" cy="2235200"/>
-          </a:xfrm>
-          <a:prstGeom prst="rect">
-            <a:avLst/>
-          </a:prstGeom>
-        </p:spPr>
-      </p:pic>
-      <p:pic>
-        <p:nvPicPr>
-          <p:cNvPr id="8" name="Picture 7" descr="image.png"/>
-          <p:cNvPicPr>
-            <a:picLocks noChangeAspect="1"/>
-          </p:cNvPicPr>
-          <p:nvPr/>
-        </p:nvPicPr>
-        <p:blipFill>
-          <a:blip r:embed="rId5"/>
-          <a:stretch>
-            <a:fillRect/>
-          </a:stretch>
-        </p:blipFill>
-        <p:spPr>
-          <a:xfrm>
-            <a:off x="12700" y="3492500"/>
-            <a:ext cx="2222500" cy="1651000"/>
-          </a:xfrm>
-          <a:prstGeom prst="rect">
-            <a:avLst/>
-          </a:prstGeom>
-        </p:spPr>
-      </p:pic>
-      <p:pic>
-        <p:nvPicPr>
-          <p:cNvPr id="9" name="Picture 8" descr="image.png"/>
-          <p:cNvPicPr>
-            <a:picLocks noChangeAspect="1"/>
-          </p:cNvPicPr>
-          <p:nvPr/>
-        </p:nvPicPr>
-        <p:blipFill>
-          <a:blip r:embed="rId6"/>
-          <a:stretch>
-            <a:fillRect/>
-          </a:stretch>
-        </p:blipFill>
-        <p:spPr>
-          <a:xfrm>
-            <a:off x="2286000" y="3492500"/>
-            <a:ext cx="2222500" cy="1651000"/>
-          </a:xfrm>
-          <a:prstGeom prst="rect">
-            <a:avLst/>
-          </a:prstGeom>
-        </p:spPr>
-      </p:pic>
-      <p:pic>
-        <p:nvPicPr>
-          <p:cNvPr id="10" name="Picture 9" descr="image.png"/>
-          <p:cNvPicPr>
-            <a:picLocks noChangeAspect="1"/>
-          </p:cNvPicPr>
-          <p:nvPr/>
-        </p:nvPicPr>
-        <p:blipFill>
-          <a:blip r:embed="rId7"/>
-          <a:stretch>
-            <a:fillRect/>
-          </a:stretch>
-        </p:blipFill>
-        <p:spPr>
-          <a:xfrm>
-            <a:off x="4572000" y="3492500"/>
-            <a:ext cx="2222500" cy="1651000"/>
-          </a:xfrm>
-          <a:prstGeom prst="rect">
-            <a:avLst/>
-          </a:prstGeom>
-        </p:spPr>
-      </p:pic>
-      <p:pic>
-        <p:nvPicPr>
-          <p:cNvPr id="11" name="Picture 10" descr="image.png"/>
-          <p:cNvPicPr>
-            <a:picLocks noChangeAspect="1"/>
-          </p:cNvPicPr>
-          <p:nvPr/>
-        </p:nvPicPr>
-        <p:blipFill>
-          <a:blip r:embed="rId8"/>
-          <a:stretch>
-            <a:fillRect/>
-          </a:stretch>
-        </p:blipFill>
-        <p:spPr>
-          <a:xfrm>
-            <a:off x="6858000" y="3492500"/>
-            <a:ext cx="2222500" cy="1651000"/>
-          </a:xfrm>
-          <a:prstGeom prst="rect">
-            <a:avLst/>
-          </a:prstGeom>
-        </p:spPr>
-      </p:pic>
     </p:spTree>
     <p:extLst>
       <p:ext uri="{BB962C8B-B14F-4D97-AF65-F5344CB8AC3E}">
@@ -7606,7 +10511,7 @@
           <a:p>
             <a:r>
               <a:rPr lang="en-US" dirty="0"/>
-              <a:t>5537 - State 40 | VT-07 On-Board Emissions</a:t>
+              <a:t>*7*</a:t>
             </a:r>
           </a:p>
         </p:txBody>
@@ -7648,174 +10553,6 @@
           </a:p>
         </p:txBody>
       </p:sp>
-      <p:pic>
-        <p:nvPicPr>
-          <p:cNvPr id="5" name="Picture 4" descr="image.png"/>
-          <p:cNvPicPr>
-            <a:picLocks noChangeAspect="1"/>
-          </p:cNvPicPr>
-          <p:nvPr/>
-        </p:nvPicPr>
-        <p:blipFill>
-          <a:blip r:embed="rId2"/>
-          <a:stretch>
-            <a:fillRect/>
-          </a:stretch>
-        </p:blipFill>
-        <p:spPr>
-          <a:xfrm>
-            <a:off x="12700" y="889000"/>
-            <a:ext cx="2959100" cy="2235200"/>
-          </a:xfrm>
-          <a:prstGeom prst="rect">
-            <a:avLst/>
-          </a:prstGeom>
-        </p:spPr>
-      </p:pic>
-      <p:pic>
-        <p:nvPicPr>
-          <p:cNvPr id="6" name="Picture 5" descr="image.png"/>
-          <p:cNvPicPr>
-            <a:picLocks noChangeAspect="1"/>
-          </p:cNvPicPr>
-          <p:nvPr/>
-        </p:nvPicPr>
-        <p:blipFill>
-          <a:blip r:embed="rId3"/>
-          <a:stretch>
-            <a:fillRect/>
-          </a:stretch>
-        </p:blipFill>
-        <p:spPr>
-          <a:xfrm>
-            <a:off x="3035300" y="889000"/>
-            <a:ext cx="2959100" cy="2235200"/>
-          </a:xfrm>
-          <a:prstGeom prst="rect">
-            <a:avLst/>
-          </a:prstGeom>
-        </p:spPr>
-      </p:pic>
-      <p:pic>
-        <p:nvPicPr>
-          <p:cNvPr id="7" name="Picture 6" descr="image.png"/>
-          <p:cNvPicPr>
-            <a:picLocks noChangeAspect="1"/>
-          </p:cNvPicPr>
-          <p:nvPr/>
-        </p:nvPicPr>
-        <p:blipFill>
-          <a:blip r:embed="rId4"/>
-          <a:stretch>
-            <a:fillRect/>
-          </a:stretch>
-        </p:blipFill>
-        <p:spPr>
-          <a:xfrm>
-            <a:off x="6057900" y="889000"/>
-            <a:ext cx="2959100" cy="2235200"/>
-          </a:xfrm>
-          <a:prstGeom prst="rect">
-            <a:avLst/>
-          </a:prstGeom>
-        </p:spPr>
-      </p:pic>
-      <p:pic>
-        <p:nvPicPr>
-          <p:cNvPr id="8" name="Picture 7" descr="image.png"/>
-          <p:cNvPicPr>
-            <a:picLocks noChangeAspect="1"/>
-          </p:cNvPicPr>
-          <p:nvPr/>
-        </p:nvPicPr>
-        <p:blipFill>
-          <a:blip r:embed="rId5"/>
-          <a:stretch>
-            <a:fillRect/>
-          </a:stretch>
-        </p:blipFill>
-        <p:spPr>
-          <a:xfrm>
-            <a:off x="12700" y="3492500"/>
-            <a:ext cx="2222500" cy="1651000"/>
-          </a:xfrm>
-          <a:prstGeom prst="rect">
-            <a:avLst/>
-          </a:prstGeom>
-        </p:spPr>
-      </p:pic>
-      <p:pic>
-        <p:nvPicPr>
-          <p:cNvPr id="9" name="Picture 8" descr="image.png"/>
-          <p:cNvPicPr>
-            <a:picLocks noChangeAspect="1"/>
-          </p:cNvPicPr>
-          <p:nvPr/>
-        </p:nvPicPr>
-        <p:blipFill>
-          <a:blip r:embed="rId6"/>
-          <a:stretch>
-            <a:fillRect/>
-          </a:stretch>
-        </p:blipFill>
-        <p:spPr>
-          <a:xfrm>
-            <a:off x="2286000" y="3492500"/>
-            <a:ext cx="2222500" cy="1651000"/>
-          </a:xfrm>
-          <a:prstGeom prst="rect">
-            <a:avLst/>
-          </a:prstGeom>
-        </p:spPr>
-      </p:pic>
-      <p:pic>
-        <p:nvPicPr>
-          <p:cNvPr id="10" name="Picture 9" descr="image.png"/>
-          <p:cNvPicPr>
-            <a:picLocks noChangeAspect="1"/>
-          </p:cNvPicPr>
-          <p:nvPr/>
-        </p:nvPicPr>
-        <p:blipFill>
-          <a:blip r:embed="rId7"/>
-          <a:stretch>
-            <a:fillRect/>
-          </a:stretch>
-        </p:blipFill>
-        <p:spPr>
-          <a:xfrm>
-            <a:off x="4572000" y="3492500"/>
-            <a:ext cx="2222500" cy="1651000"/>
-          </a:xfrm>
-          <a:prstGeom prst="rect">
-            <a:avLst/>
-          </a:prstGeom>
-        </p:spPr>
-      </p:pic>
-      <p:pic>
-        <p:nvPicPr>
-          <p:cNvPr id="11" name="Picture 10" descr="image.png"/>
-          <p:cNvPicPr>
-            <a:picLocks noChangeAspect="1"/>
-          </p:cNvPicPr>
-          <p:nvPr/>
-        </p:nvPicPr>
-        <p:blipFill>
-          <a:blip r:embed="rId8"/>
-          <a:stretch>
-            <a:fillRect/>
-          </a:stretch>
-        </p:blipFill>
-        <p:spPr>
-          <a:xfrm>
-            <a:off x="6858000" y="3492500"/>
-            <a:ext cx="2222500" cy="1651000"/>
-          </a:xfrm>
-          <a:prstGeom prst="rect">
-            <a:avLst/>
-          </a:prstGeom>
-        </p:spPr>
-      </p:pic>
     </p:spTree>
     <p:extLst>
       <p:ext uri="{BB962C8B-B14F-4D97-AF65-F5344CB8AC3E}">

--- a/newDeck.pptx
+++ b/newDeck.pptx
@@ -4139,7 +4139,7 @@
           <a:p>
             <a:r>
               <a:rPr lang="en-US" sz="1600" dirty="0"/>
-              <a:t>5564 - State 26 - 20 SOC | VT-12 Conducted Emissions (Three Phase)</a:t>
+              <a:t>5537 - State 33 Front H Field | VT-15 Magnetic Fields</a:t>
             </a:r>
           </a:p>
         </p:txBody>
@@ -4221,7 +4221,7 @@
         </p:blipFill>
         <p:spPr>
           <a:xfrm>
-            <a:off x="2819400" y="825500"/>
+            <a:off x="3035300" y="825500"/>
             <a:ext cx="2806700" cy="2120900"/>
           </a:xfrm>
           <a:prstGeom prst="rect">
@@ -4245,7 +4245,7 @@
         </p:blipFill>
         <p:spPr>
           <a:xfrm>
-            <a:off x="12700" y="3048000"/>
+            <a:off x="6057900" y="825500"/>
             <a:ext cx="2806700" cy="2120900"/>
           </a:xfrm>
           <a:prstGeom prst="rect">
@@ -4269,7 +4269,55 @@
         </p:blipFill>
         <p:spPr>
           <a:xfrm>
-            <a:off x="2819400" y="3048000"/>
+            <a:off x="12700" y="2984500"/>
+            <a:ext cx="2806700" cy="2120900"/>
+          </a:xfrm>
+          <a:prstGeom prst="rect">
+            <a:avLst/>
+          </a:prstGeom>
+        </p:spPr>
+      </p:pic>
+      <p:pic>
+        <p:nvPicPr>
+          <p:cNvPr id="9" name="Picture 8" descr="image.png"/>
+          <p:cNvPicPr>
+            <a:picLocks noChangeAspect="1"/>
+          </p:cNvPicPr>
+          <p:nvPr/>
+        </p:nvPicPr>
+        <p:blipFill>
+          <a:blip r:embed="rId6"/>
+          <a:stretch>
+            <a:fillRect/>
+          </a:stretch>
+        </p:blipFill>
+        <p:spPr>
+          <a:xfrm>
+            <a:off x="3035300" y="2984500"/>
+            <a:ext cx="2806700" cy="2120900"/>
+          </a:xfrm>
+          <a:prstGeom prst="rect">
+            <a:avLst/>
+          </a:prstGeom>
+        </p:spPr>
+      </p:pic>
+      <p:pic>
+        <p:nvPicPr>
+          <p:cNvPr id="10" name="Picture 9" descr="image.png"/>
+          <p:cNvPicPr>
+            <a:picLocks noChangeAspect="1"/>
+          </p:cNvPicPr>
+          <p:nvPr/>
+        </p:nvPicPr>
+        <p:blipFill>
+          <a:blip r:embed="rId7"/>
+          <a:stretch>
+            <a:fillRect/>
+          </a:stretch>
+        </p:blipFill>
+        <p:spPr>
+          <a:xfrm>
+            <a:off x="6057900" y="2984500"/>
             <a:ext cx="2806700" cy="2120900"/>
           </a:xfrm>
           <a:prstGeom prst="rect">
@@ -5649,7 +5697,7 @@
           <a:p>
             <a:r>
               <a:rPr lang="en-US" sz="1600" dirty="0"/>
-              <a:t>*1*</a:t>
+              <a:t>5537 - State 31 LHS H Field | VT-15 Magnetic Fields</a:t>
             </a:r>
           </a:p>
         </p:txBody>
@@ -5691,6 +5739,150 @@
           </a:p>
         </p:txBody>
       </p:sp>
+      <p:pic>
+        <p:nvPicPr>
+          <p:cNvPr id="5" name="Picture 4" descr="image.png"/>
+          <p:cNvPicPr>
+            <a:picLocks noChangeAspect="1"/>
+          </p:cNvPicPr>
+          <p:nvPr/>
+        </p:nvPicPr>
+        <p:blipFill>
+          <a:blip r:embed="rId2"/>
+          <a:stretch>
+            <a:fillRect/>
+          </a:stretch>
+        </p:blipFill>
+        <p:spPr>
+          <a:xfrm>
+            <a:off x="12700" y="825500"/>
+            <a:ext cx="2806700" cy="2120900"/>
+          </a:xfrm>
+          <a:prstGeom prst="rect">
+            <a:avLst/>
+          </a:prstGeom>
+        </p:spPr>
+      </p:pic>
+      <p:pic>
+        <p:nvPicPr>
+          <p:cNvPr id="6" name="Picture 5" descr="image.png"/>
+          <p:cNvPicPr>
+            <a:picLocks noChangeAspect="1"/>
+          </p:cNvPicPr>
+          <p:nvPr/>
+        </p:nvPicPr>
+        <p:blipFill>
+          <a:blip r:embed="rId3"/>
+          <a:stretch>
+            <a:fillRect/>
+          </a:stretch>
+        </p:blipFill>
+        <p:spPr>
+          <a:xfrm>
+            <a:off x="3035300" y="825500"/>
+            <a:ext cx="2806700" cy="2120900"/>
+          </a:xfrm>
+          <a:prstGeom prst="rect">
+            <a:avLst/>
+          </a:prstGeom>
+        </p:spPr>
+      </p:pic>
+      <p:pic>
+        <p:nvPicPr>
+          <p:cNvPr id="7" name="Picture 6" descr="image.png"/>
+          <p:cNvPicPr>
+            <a:picLocks noChangeAspect="1"/>
+          </p:cNvPicPr>
+          <p:nvPr/>
+        </p:nvPicPr>
+        <p:blipFill>
+          <a:blip r:embed="rId4"/>
+          <a:stretch>
+            <a:fillRect/>
+          </a:stretch>
+        </p:blipFill>
+        <p:spPr>
+          <a:xfrm>
+            <a:off x="6057900" y="825500"/>
+            <a:ext cx="2806700" cy="2120900"/>
+          </a:xfrm>
+          <a:prstGeom prst="rect">
+            <a:avLst/>
+          </a:prstGeom>
+        </p:spPr>
+      </p:pic>
+      <p:pic>
+        <p:nvPicPr>
+          <p:cNvPr id="8" name="Picture 7" descr="image.png"/>
+          <p:cNvPicPr>
+            <a:picLocks noChangeAspect="1"/>
+          </p:cNvPicPr>
+          <p:nvPr/>
+        </p:nvPicPr>
+        <p:blipFill>
+          <a:blip r:embed="rId5"/>
+          <a:stretch>
+            <a:fillRect/>
+          </a:stretch>
+        </p:blipFill>
+        <p:spPr>
+          <a:xfrm>
+            <a:off x="12700" y="2984500"/>
+            <a:ext cx="2806700" cy="2120900"/>
+          </a:xfrm>
+          <a:prstGeom prst="rect">
+            <a:avLst/>
+          </a:prstGeom>
+        </p:spPr>
+      </p:pic>
+      <p:pic>
+        <p:nvPicPr>
+          <p:cNvPr id="9" name="Picture 8" descr="image.png"/>
+          <p:cNvPicPr>
+            <a:picLocks noChangeAspect="1"/>
+          </p:cNvPicPr>
+          <p:nvPr/>
+        </p:nvPicPr>
+        <p:blipFill>
+          <a:blip r:embed="rId6"/>
+          <a:stretch>
+            <a:fillRect/>
+          </a:stretch>
+        </p:blipFill>
+        <p:spPr>
+          <a:xfrm>
+            <a:off x="3035300" y="2984500"/>
+            <a:ext cx="2806700" cy="2120900"/>
+          </a:xfrm>
+          <a:prstGeom prst="rect">
+            <a:avLst/>
+          </a:prstGeom>
+        </p:spPr>
+      </p:pic>
+      <p:pic>
+        <p:nvPicPr>
+          <p:cNvPr id="10" name="Picture 9" descr="image.png"/>
+          <p:cNvPicPr>
+            <a:picLocks noChangeAspect="1"/>
+          </p:cNvPicPr>
+          <p:nvPr/>
+        </p:nvPicPr>
+        <p:blipFill>
+          <a:blip r:embed="rId7"/>
+          <a:stretch>
+            <a:fillRect/>
+          </a:stretch>
+        </p:blipFill>
+        <p:spPr>
+          <a:xfrm>
+            <a:off x="6057900" y="2984500"/>
+            <a:ext cx="2806700" cy="2120900"/>
+          </a:xfrm>
+          <a:prstGeom prst="rect">
+            <a:avLst/>
+          </a:prstGeom>
+        </p:spPr>
+      </p:pic>
     </p:spTree>
     <p:extLst>
       <p:ext uri="{BB962C8B-B14F-4D97-AF65-F5344CB8AC3E}">
@@ -7068,7 +7260,7 @@
           <a:p>
             <a:r>
               <a:rPr lang="en-US" sz="1600" dirty="0"/>
-              <a:t>*2*</a:t>
+              <a:t>5537 - State 30 RHS H Field | VT-15 Magnetic Fields</a:t>
             </a:r>
           </a:p>
         </p:txBody>
@@ -7110,6 +7302,150 @@
           </a:p>
         </p:txBody>
       </p:sp>
+      <p:pic>
+        <p:nvPicPr>
+          <p:cNvPr id="5" name="Picture 4" descr="image.png"/>
+          <p:cNvPicPr>
+            <a:picLocks noChangeAspect="1"/>
+          </p:cNvPicPr>
+          <p:nvPr/>
+        </p:nvPicPr>
+        <p:blipFill>
+          <a:blip r:embed="rId2"/>
+          <a:stretch>
+            <a:fillRect/>
+          </a:stretch>
+        </p:blipFill>
+        <p:spPr>
+          <a:xfrm>
+            <a:off x="12700" y="825500"/>
+            <a:ext cx="2806700" cy="2120900"/>
+          </a:xfrm>
+          <a:prstGeom prst="rect">
+            <a:avLst/>
+          </a:prstGeom>
+        </p:spPr>
+      </p:pic>
+      <p:pic>
+        <p:nvPicPr>
+          <p:cNvPr id="6" name="Picture 5" descr="image.png"/>
+          <p:cNvPicPr>
+            <a:picLocks noChangeAspect="1"/>
+          </p:cNvPicPr>
+          <p:nvPr/>
+        </p:nvPicPr>
+        <p:blipFill>
+          <a:blip r:embed="rId3"/>
+          <a:stretch>
+            <a:fillRect/>
+          </a:stretch>
+        </p:blipFill>
+        <p:spPr>
+          <a:xfrm>
+            <a:off x="3035300" y="825500"/>
+            <a:ext cx="2806700" cy="2120900"/>
+          </a:xfrm>
+          <a:prstGeom prst="rect">
+            <a:avLst/>
+          </a:prstGeom>
+        </p:spPr>
+      </p:pic>
+      <p:pic>
+        <p:nvPicPr>
+          <p:cNvPr id="7" name="Picture 6" descr="image.png"/>
+          <p:cNvPicPr>
+            <a:picLocks noChangeAspect="1"/>
+          </p:cNvPicPr>
+          <p:nvPr/>
+        </p:nvPicPr>
+        <p:blipFill>
+          <a:blip r:embed="rId4"/>
+          <a:stretch>
+            <a:fillRect/>
+          </a:stretch>
+        </p:blipFill>
+        <p:spPr>
+          <a:xfrm>
+            <a:off x="6057900" y="825500"/>
+            <a:ext cx="2806700" cy="2120900"/>
+          </a:xfrm>
+          <a:prstGeom prst="rect">
+            <a:avLst/>
+          </a:prstGeom>
+        </p:spPr>
+      </p:pic>
+      <p:pic>
+        <p:nvPicPr>
+          <p:cNvPr id="8" name="Picture 7" descr="image.png"/>
+          <p:cNvPicPr>
+            <a:picLocks noChangeAspect="1"/>
+          </p:cNvPicPr>
+          <p:nvPr/>
+        </p:nvPicPr>
+        <p:blipFill>
+          <a:blip r:embed="rId5"/>
+          <a:stretch>
+            <a:fillRect/>
+          </a:stretch>
+        </p:blipFill>
+        <p:spPr>
+          <a:xfrm>
+            <a:off x="12700" y="2984500"/>
+            <a:ext cx="2806700" cy="2120900"/>
+          </a:xfrm>
+          <a:prstGeom prst="rect">
+            <a:avLst/>
+          </a:prstGeom>
+        </p:spPr>
+      </p:pic>
+      <p:pic>
+        <p:nvPicPr>
+          <p:cNvPr id="9" name="Picture 8" descr="image.png"/>
+          <p:cNvPicPr>
+            <a:picLocks noChangeAspect="1"/>
+          </p:cNvPicPr>
+          <p:nvPr/>
+        </p:nvPicPr>
+        <p:blipFill>
+          <a:blip r:embed="rId6"/>
+          <a:stretch>
+            <a:fillRect/>
+          </a:stretch>
+        </p:blipFill>
+        <p:spPr>
+          <a:xfrm>
+            <a:off x="3035300" y="2984500"/>
+            <a:ext cx="2806700" cy="2120900"/>
+          </a:xfrm>
+          <a:prstGeom prst="rect">
+            <a:avLst/>
+          </a:prstGeom>
+        </p:spPr>
+      </p:pic>
+      <p:pic>
+        <p:nvPicPr>
+          <p:cNvPr id="10" name="Picture 9" descr="image.png"/>
+          <p:cNvPicPr>
+            <a:picLocks noChangeAspect="1"/>
+          </p:cNvPicPr>
+          <p:nvPr/>
+        </p:nvPicPr>
+        <p:blipFill>
+          <a:blip r:embed="rId7"/>
+          <a:stretch>
+            <a:fillRect/>
+          </a:stretch>
+        </p:blipFill>
+        <p:spPr>
+          <a:xfrm>
+            <a:off x="6057900" y="2984500"/>
+            <a:ext cx="2806700" cy="2120900"/>
+          </a:xfrm>
+          <a:prstGeom prst="rect">
+            <a:avLst/>
+          </a:prstGeom>
+        </p:spPr>
+      </p:pic>
     </p:spTree>
     <p:extLst>
       <p:ext uri="{BB962C8B-B14F-4D97-AF65-F5344CB8AC3E}">

--- a/newDeck.pptx
+++ b/newDeck.pptx
@@ -4139,7 +4139,7 @@
           <a:p>
             <a:r>
               <a:rPr lang="en-US" sz="1600" dirty="0"/>
-              <a:t>5537 - State 33 Front H Field | VT-15 Magnetic Fields</a:t>
+              <a:t>5582 - State 5 FLNB | VT-01 Off-Board Emissions (3m)</a:t>
             </a:r>
           </a:p>
         </p:txBody>
@@ -4197,8 +4197,8 @@
         </p:blipFill>
         <p:spPr>
           <a:xfrm>
-            <a:off x="12700" y="825500"/>
-            <a:ext cx="2806700" cy="2120900"/>
+            <a:off x="12700" y="1079500"/>
+            <a:ext cx="4546600" cy="3429000"/>
           </a:xfrm>
           <a:prstGeom prst="rect">
             <a:avLst/>
@@ -4221,104 +4221,8 @@
         </p:blipFill>
         <p:spPr>
           <a:xfrm>
-            <a:off x="3035300" y="825500"/>
-            <a:ext cx="2806700" cy="2120900"/>
-          </a:xfrm>
-          <a:prstGeom prst="rect">
-            <a:avLst/>
-          </a:prstGeom>
-        </p:spPr>
-      </p:pic>
-      <p:pic>
-        <p:nvPicPr>
-          <p:cNvPr id="7" name="Picture 6" descr="image.png"/>
-          <p:cNvPicPr>
-            <a:picLocks noChangeAspect="1"/>
-          </p:cNvPicPr>
-          <p:nvPr/>
-        </p:nvPicPr>
-        <p:blipFill>
-          <a:blip r:embed="rId4"/>
-          <a:stretch>
-            <a:fillRect/>
-          </a:stretch>
-        </p:blipFill>
-        <p:spPr>
-          <a:xfrm>
-            <a:off x="6057900" y="825500"/>
-            <a:ext cx="2806700" cy="2120900"/>
-          </a:xfrm>
-          <a:prstGeom prst="rect">
-            <a:avLst/>
-          </a:prstGeom>
-        </p:spPr>
-      </p:pic>
-      <p:pic>
-        <p:nvPicPr>
-          <p:cNvPr id="8" name="Picture 7" descr="image.png"/>
-          <p:cNvPicPr>
-            <a:picLocks noChangeAspect="1"/>
-          </p:cNvPicPr>
-          <p:nvPr/>
-        </p:nvPicPr>
-        <p:blipFill>
-          <a:blip r:embed="rId5"/>
-          <a:stretch>
-            <a:fillRect/>
-          </a:stretch>
-        </p:blipFill>
-        <p:spPr>
-          <a:xfrm>
-            <a:off x="12700" y="2984500"/>
-            <a:ext cx="2806700" cy="2120900"/>
-          </a:xfrm>
-          <a:prstGeom prst="rect">
-            <a:avLst/>
-          </a:prstGeom>
-        </p:spPr>
-      </p:pic>
-      <p:pic>
-        <p:nvPicPr>
-          <p:cNvPr id="9" name="Picture 8" descr="image.png"/>
-          <p:cNvPicPr>
-            <a:picLocks noChangeAspect="1"/>
-          </p:cNvPicPr>
-          <p:nvPr/>
-        </p:nvPicPr>
-        <p:blipFill>
-          <a:blip r:embed="rId6"/>
-          <a:stretch>
-            <a:fillRect/>
-          </a:stretch>
-        </p:blipFill>
-        <p:spPr>
-          <a:xfrm>
-            <a:off x="3035300" y="2984500"/>
-            <a:ext cx="2806700" cy="2120900"/>
-          </a:xfrm>
-          <a:prstGeom prst="rect">
-            <a:avLst/>
-          </a:prstGeom>
-        </p:spPr>
-      </p:pic>
-      <p:pic>
-        <p:nvPicPr>
-          <p:cNvPr id="10" name="Picture 9" descr="image.png"/>
-          <p:cNvPicPr>
-            <a:picLocks noChangeAspect="1"/>
-          </p:cNvPicPr>
-          <p:nvPr/>
-        </p:nvPicPr>
-        <p:blipFill>
-          <a:blip r:embed="rId7"/>
-          <a:stretch>
-            <a:fillRect/>
-          </a:stretch>
-        </p:blipFill>
-        <p:spPr>
-          <a:xfrm>
-            <a:off x="6057900" y="2984500"/>
-            <a:ext cx="2806700" cy="2120900"/>
+            <a:off x="4572000" y="1079500"/>
+            <a:ext cx="4546600" cy="3429000"/>
           </a:xfrm>
           <a:prstGeom prst="rect">
             <a:avLst/>
@@ -5697,7 +5601,7 @@
           <a:p>
             <a:r>
               <a:rPr lang="en-US" sz="1600" dirty="0"/>
-              <a:t>5537 - State 31 LHS H Field | VT-15 Magnetic Fields</a:t>
+              <a:t>5582 - State 3 RRBB | VT-01 Off-Board Emissions (3m)</a:t>
             </a:r>
           </a:p>
         </p:txBody>
@@ -5755,8 +5659,8 @@
         </p:blipFill>
         <p:spPr>
           <a:xfrm>
-            <a:off x="12700" y="825500"/>
-            <a:ext cx="2806700" cy="2120900"/>
+            <a:off x="12700" y="1079500"/>
+            <a:ext cx="4546600" cy="3429000"/>
           </a:xfrm>
           <a:prstGeom prst="rect">
             <a:avLst/>
@@ -5779,104 +5683,8 @@
         </p:blipFill>
         <p:spPr>
           <a:xfrm>
-            <a:off x="3035300" y="825500"/>
-            <a:ext cx="2806700" cy="2120900"/>
-          </a:xfrm>
-          <a:prstGeom prst="rect">
-            <a:avLst/>
-          </a:prstGeom>
-        </p:spPr>
-      </p:pic>
-      <p:pic>
-        <p:nvPicPr>
-          <p:cNvPr id="7" name="Picture 6" descr="image.png"/>
-          <p:cNvPicPr>
-            <a:picLocks noChangeAspect="1"/>
-          </p:cNvPicPr>
-          <p:nvPr/>
-        </p:nvPicPr>
-        <p:blipFill>
-          <a:blip r:embed="rId4"/>
-          <a:stretch>
-            <a:fillRect/>
-          </a:stretch>
-        </p:blipFill>
-        <p:spPr>
-          <a:xfrm>
-            <a:off x="6057900" y="825500"/>
-            <a:ext cx="2806700" cy="2120900"/>
-          </a:xfrm>
-          <a:prstGeom prst="rect">
-            <a:avLst/>
-          </a:prstGeom>
-        </p:spPr>
-      </p:pic>
-      <p:pic>
-        <p:nvPicPr>
-          <p:cNvPr id="8" name="Picture 7" descr="image.png"/>
-          <p:cNvPicPr>
-            <a:picLocks noChangeAspect="1"/>
-          </p:cNvPicPr>
-          <p:nvPr/>
-        </p:nvPicPr>
-        <p:blipFill>
-          <a:blip r:embed="rId5"/>
-          <a:stretch>
-            <a:fillRect/>
-          </a:stretch>
-        </p:blipFill>
-        <p:spPr>
-          <a:xfrm>
-            <a:off x="12700" y="2984500"/>
-            <a:ext cx="2806700" cy="2120900"/>
-          </a:xfrm>
-          <a:prstGeom prst="rect">
-            <a:avLst/>
-          </a:prstGeom>
-        </p:spPr>
-      </p:pic>
-      <p:pic>
-        <p:nvPicPr>
-          <p:cNvPr id="9" name="Picture 8" descr="image.png"/>
-          <p:cNvPicPr>
-            <a:picLocks noChangeAspect="1"/>
-          </p:cNvPicPr>
-          <p:nvPr/>
-        </p:nvPicPr>
-        <p:blipFill>
-          <a:blip r:embed="rId6"/>
-          <a:stretch>
-            <a:fillRect/>
-          </a:stretch>
-        </p:blipFill>
-        <p:spPr>
-          <a:xfrm>
-            <a:off x="3035300" y="2984500"/>
-            <a:ext cx="2806700" cy="2120900"/>
-          </a:xfrm>
-          <a:prstGeom prst="rect">
-            <a:avLst/>
-          </a:prstGeom>
-        </p:spPr>
-      </p:pic>
-      <p:pic>
-        <p:nvPicPr>
-          <p:cNvPr id="10" name="Picture 9" descr="image.png"/>
-          <p:cNvPicPr>
-            <a:picLocks noChangeAspect="1"/>
-          </p:cNvPicPr>
-          <p:nvPr/>
-        </p:nvPicPr>
-        <p:blipFill>
-          <a:blip r:embed="rId7"/>
-          <a:stretch>
-            <a:fillRect/>
-          </a:stretch>
-        </p:blipFill>
-        <p:spPr>
-          <a:xfrm>
-            <a:off x="6057900" y="2984500"/>
-            <a:ext cx="2806700" cy="2120900"/>
+            <a:off x="4572000" y="1079500"/>
+            <a:ext cx="4546600" cy="3429000"/>
           </a:xfrm>
           <a:prstGeom prst="rect">
             <a:avLst/>
@@ -7260,7 +7068,7 @@
           <a:p>
             <a:r>
               <a:rPr lang="en-US" sz="1600" dirty="0"/>
-              <a:t>5537 - State 30 RHS H Field | VT-15 Magnetic Fields</a:t>
+              <a:t>5582 - State 2 FRBB | VT-01 Off-Board Emissions (3m)</a:t>
             </a:r>
           </a:p>
         </p:txBody>
@@ -7318,8 +7126,8 @@
         </p:blipFill>
         <p:spPr>
           <a:xfrm>
-            <a:off x="12700" y="825500"/>
-            <a:ext cx="2806700" cy="2120900"/>
+            <a:off x="12700" y="1079500"/>
+            <a:ext cx="4546600" cy="3429000"/>
           </a:xfrm>
           <a:prstGeom prst="rect">
             <a:avLst/>
@@ -7342,104 +7150,8 @@
         </p:blipFill>
         <p:spPr>
           <a:xfrm>
-            <a:off x="3035300" y="825500"/>
-            <a:ext cx="2806700" cy="2120900"/>
-          </a:xfrm>
-          <a:prstGeom prst="rect">
-            <a:avLst/>
-          </a:prstGeom>
-        </p:spPr>
-      </p:pic>
-      <p:pic>
-        <p:nvPicPr>
-          <p:cNvPr id="7" name="Picture 6" descr="image.png"/>
-          <p:cNvPicPr>
-            <a:picLocks noChangeAspect="1"/>
-          </p:cNvPicPr>
-          <p:nvPr/>
-        </p:nvPicPr>
-        <p:blipFill>
-          <a:blip r:embed="rId4"/>
-          <a:stretch>
-            <a:fillRect/>
-          </a:stretch>
-        </p:blipFill>
-        <p:spPr>
-          <a:xfrm>
-            <a:off x="6057900" y="825500"/>
-            <a:ext cx="2806700" cy="2120900"/>
-          </a:xfrm>
-          <a:prstGeom prst="rect">
-            <a:avLst/>
-          </a:prstGeom>
-        </p:spPr>
-      </p:pic>
-      <p:pic>
-        <p:nvPicPr>
-          <p:cNvPr id="8" name="Picture 7" descr="image.png"/>
-          <p:cNvPicPr>
-            <a:picLocks noChangeAspect="1"/>
-          </p:cNvPicPr>
-          <p:nvPr/>
-        </p:nvPicPr>
-        <p:blipFill>
-          <a:blip r:embed="rId5"/>
-          <a:stretch>
-            <a:fillRect/>
-          </a:stretch>
-        </p:blipFill>
-        <p:spPr>
-          <a:xfrm>
-            <a:off x="12700" y="2984500"/>
-            <a:ext cx="2806700" cy="2120900"/>
-          </a:xfrm>
-          <a:prstGeom prst="rect">
-            <a:avLst/>
-          </a:prstGeom>
-        </p:spPr>
-      </p:pic>
-      <p:pic>
-        <p:nvPicPr>
-          <p:cNvPr id="9" name="Picture 8" descr="image.png"/>
-          <p:cNvPicPr>
-            <a:picLocks noChangeAspect="1"/>
-          </p:cNvPicPr>
-          <p:nvPr/>
-        </p:nvPicPr>
-        <p:blipFill>
-          <a:blip r:embed="rId6"/>
-          <a:stretch>
-            <a:fillRect/>
-          </a:stretch>
-        </p:blipFill>
-        <p:spPr>
-          <a:xfrm>
-            <a:off x="3035300" y="2984500"/>
-            <a:ext cx="2806700" cy="2120900"/>
-          </a:xfrm>
-          <a:prstGeom prst="rect">
-            <a:avLst/>
-          </a:prstGeom>
-        </p:spPr>
-      </p:pic>
-      <p:pic>
-        <p:nvPicPr>
-          <p:cNvPr id="10" name="Picture 9" descr="image.png"/>
-          <p:cNvPicPr>
-            <a:picLocks noChangeAspect="1"/>
-          </p:cNvPicPr>
-          <p:nvPr/>
-        </p:nvPicPr>
-        <p:blipFill>
-          <a:blip r:embed="rId7"/>
-          <a:stretch>
-            <a:fillRect/>
-          </a:stretch>
-        </p:blipFill>
-        <p:spPr>
-          <a:xfrm>
-            <a:off x="6057900" y="2984500"/>
-            <a:ext cx="2806700" cy="2120900"/>
+            <a:off x="4572000" y="1079500"/>
+            <a:ext cx="4546600" cy="3429000"/>
           </a:xfrm>
           <a:prstGeom prst="rect">
             <a:avLst/>
@@ -8823,7 +8535,7 @@
           <a:p>
             <a:r>
               <a:rPr lang="en-US" dirty="0"/>
-              <a:t>*3*</a:t>
+              <a:t>5582 - State 4 RRNB | VT-01 Off-Board Emissions (3m)</a:t>
             </a:r>
           </a:p>
         </p:txBody>
@@ -8865,6 +8577,54 @@
           </a:p>
         </p:txBody>
       </p:sp>
+      <p:pic>
+        <p:nvPicPr>
+          <p:cNvPr id="5" name="Picture 4" descr="image.png"/>
+          <p:cNvPicPr>
+            <a:picLocks noChangeAspect="1"/>
+          </p:cNvPicPr>
+          <p:nvPr/>
+        </p:nvPicPr>
+        <p:blipFill>
+          <a:blip r:embed="rId2"/>
+          <a:stretch>
+            <a:fillRect/>
+          </a:stretch>
+        </p:blipFill>
+        <p:spPr>
+          <a:xfrm>
+            <a:off x="12700" y="1079500"/>
+            <a:ext cx="4546600" cy="3429000"/>
+          </a:xfrm>
+          <a:prstGeom prst="rect">
+            <a:avLst/>
+          </a:prstGeom>
+        </p:spPr>
+      </p:pic>
+      <p:pic>
+        <p:nvPicPr>
+          <p:cNvPr id="6" name="Picture 5" descr="image.png"/>
+          <p:cNvPicPr>
+            <a:picLocks noChangeAspect="1"/>
+          </p:cNvPicPr>
+          <p:nvPr/>
+        </p:nvPicPr>
+        <p:blipFill>
+          <a:blip r:embed="rId3"/>
+          <a:stretch>
+            <a:fillRect/>
+          </a:stretch>
+        </p:blipFill>
+        <p:spPr>
+          <a:xfrm>
+            <a:off x="4572000" y="1079500"/>
+            <a:ext cx="4546600" cy="3429000"/>
+          </a:xfrm>
+          <a:prstGeom prst="rect">
+            <a:avLst/>
+          </a:prstGeom>
+        </p:spPr>
+      </p:pic>
     </p:spTree>
     <p:extLst>
       <p:ext uri="{BB962C8B-B14F-4D97-AF65-F5344CB8AC3E}">
@@ -10242,7 +10002,7 @@
           <a:p>
             <a:r>
               <a:rPr lang="en-US" dirty="0"/>
-              <a:t>*4*</a:t>
+              <a:t>5582 - State 6 FLBB | VT-01 Off-Board Emissions (3m)</a:t>
             </a:r>
           </a:p>
         </p:txBody>
@@ -10284,6 +10044,54 @@
           </a:p>
         </p:txBody>
       </p:sp>
+      <p:pic>
+        <p:nvPicPr>
+          <p:cNvPr id="5" name="Picture 4" descr="image.png"/>
+          <p:cNvPicPr>
+            <a:picLocks noChangeAspect="1"/>
+          </p:cNvPicPr>
+          <p:nvPr/>
+        </p:nvPicPr>
+        <p:blipFill>
+          <a:blip r:embed="rId2"/>
+          <a:stretch>
+            <a:fillRect/>
+          </a:stretch>
+        </p:blipFill>
+        <p:spPr>
+          <a:xfrm>
+            <a:off x="12700" y="1079500"/>
+            <a:ext cx="4546600" cy="3429000"/>
+          </a:xfrm>
+          <a:prstGeom prst="rect">
+            <a:avLst/>
+          </a:prstGeom>
+        </p:spPr>
+      </p:pic>
+      <p:pic>
+        <p:nvPicPr>
+          <p:cNvPr id="6" name="Picture 5" descr="image.png"/>
+          <p:cNvPicPr>
+            <a:picLocks noChangeAspect="1"/>
+          </p:cNvPicPr>
+          <p:nvPr/>
+        </p:nvPicPr>
+        <p:blipFill>
+          <a:blip r:embed="rId3"/>
+          <a:stretch>
+            <a:fillRect/>
+          </a:stretch>
+        </p:blipFill>
+        <p:spPr>
+          <a:xfrm>
+            <a:off x="4572000" y="1079500"/>
+            <a:ext cx="4546600" cy="3429000"/>
+          </a:xfrm>
+          <a:prstGeom prst="rect">
+            <a:avLst/>
+          </a:prstGeom>
+        </p:spPr>
+      </p:pic>
     </p:spTree>
     <p:extLst>
       <p:ext uri="{BB962C8B-B14F-4D97-AF65-F5344CB8AC3E}">
@@ -10589,7 +10397,7 @@
           <a:p>
             <a:r>
               <a:rPr lang="en-US" dirty="0"/>
-              <a:t>*5*</a:t>
+              <a:t>5582 - State 1 FRNB | VT-01 Off-Board Emissions (3m)</a:t>
             </a:r>
           </a:p>
         </p:txBody>
@@ -10631,6 +10439,54 @@
           </a:p>
         </p:txBody>
       </p:sp>
+      <p:pic>
+        <p:nvPicPr>
+          <p:cNvPr id="5" name="Picture 4" descr="image.png"/>
+          <p:cNvPicPr>
+            <a:picLocks noChangeAspect="1"/>
+          </p:cNvPicPr>
+          <p:nvPr/>
+        </p:nvPicPr>
+        <p:blipFill>
+          <a:blip r:embed="rId2"/>
+          <a:stretch>
+            <a:fillRect/>
+          </a:stretch>
+        </p:blipFill>
+        <p:spPr>
+          <a:xfrm>
+            <a:off x="12700" y="1079500"/>
+            <a:ext cx="4546600" cy="3429000"/>
+          </a:xfrm>
+          <a:prstGeom prst="rect">
+            <a:avLst/>
+          </a:prstGeom>
+        </p:spPr>
+      </p:pic>
+      <p:pic>
+        <p:nvPicPr>
+          <p:cNvPr id="6" name="Picture 5" descr="image.png"/>
+          <p:cNvPicPr>
+            <a:picLocks noChangeAspect="1"/>
+          </p:cNvPicPr>
+          <p:nvPr/>
+        </p:nvPicPr>
+        <p:blipFill>
+          <a:blip r:embed="rId3"/>
+          <a:stretch>
+            <a:fillRect/>
+          </a:stretch>
+        </p:blipFill>
+        <p:spPr>
+          <a:xfrm>
+            <a:off x="4572000" y="1079500"/>
+            <a:ext cx="4546600" cy="3429000"/>
+          </a:xfrm>
+          <a:prstGeom prst="rect">
+            <a:avLst/>
+          </a:prstGeom>
+        </p:spPr>
+      </p:pic>
     </p:spTree>
     <p:extLst>
       <p:ext uri="{BB962C8B-B14F-4D97-AF65-F5344CB8AC3E}">
@@ -10718,7 +10574,7 @@
           <a:p>
             <a:r>
               <a:rPr lang="en-US" dirty="0"/>
-              <a:t>*6*</a:t>
+              <a:t>5582 - State 9 | VT-07 On-Board Emissions</a:t>
             </a:r>
           </a:p>
         </p:txBody>
@@ -10760,6 +10616,174 @@
           </a:p>
         </p:txBody>
       </p:sp>
+      <p:pic>
+        <p:nvPicPr>
+          <p:cNvPr id="5" name="Picture 4" descr="image.png"/>
+          <p:cNvPicPr>
+            <a:picLocks noChangeAspect="1"/>
+          </p:cNvPicPr>
+          <p:nvPr/>
+        </p:nvPicPr>
+        <p:blipFill>
+          <a:blip r:embed="rId2"/>
+          <a:stretch>
+            <a:fillRect/>
+          </a:stretch>
+        </p:blipFill>
+        <p:spPr>
+          <a:xfrm>
+            <a:off x="12700" y="889000"/>
+            <a:ext cx="2959100" cy="2235200"/>
+          </a:xfrm>
+          <a:prstGeom prst="rect">
+            <a:avLst/>
+          </a:prstGeom>
+        </p:spPr>
+      </p:pic>
+      <p:pic>
+        <p:nvPicPr>
+          <p:cNvPr id="6" name="Picture 5" descr="image.png"/>
+          <p:cNvPicPr>
+            <a:picLocks noChangeAspect="1"/>
+          </p:cNvPicPr>
+          <p:nvPr/>
+        </p:nvPicPr>
+        <p:blipFill>
+          <a:blip r:embed="rId3"/>
+          <a:stretch>
+            <a:fillRect/>
+          </a:stretch>
+        </p:blipFill>
+        <p:spPr>
+          <a:xfrm>
+            <a:off x="3035300" y="889000"/>
+            <a:ext cx="2959100" cy="2235200"/>
+          </a:xfrm>
+          <a:prstGeom prst="rect">
+            <a:avLst/>
+          </a:prstGeom>
+        </p:spPr>
+      </p:pic>
+      <p:pic>
+        <p:nvPicPr>
+          <p:cNvPr id="7" name="Picture 6" descr="image.png"/>
+          <p:cNvPicPr>
+            <a:picLocks noChangeAspect="1"/>
+          </p:cNvPicPr>
+          <p:nvPr/>
+        </p:nvPicPr>
+        <p:blipFill>
+          <a:blip r:embed="rId4"/>
+          <a:stretch>
+            <a:fillRect/>
+          </a:stretch>
+        </p:blipFill>
+        <p:spPr>
+          <a:xfrm>
+            <a:off x="6057900" y="889000"/>
+            <a:ext cx="2959100" cy="2235200"/>
+          </a:xfrm>
+          <a:prstGeom prst="rect">
+            <a:avLst/>
+          </a:prstGeom>
+        </p:spPr>
+      </p:pic>
+      <p:pic>
+        <p:nvPicPr>
+          <p:cNvPr id="8" name="Picture 7" descr="image.png"/>
+          <p:cNvPicPr>
+            <a:picLocks noChangeAspect="1"/>
+          </p:cNvPicPr>
+          <p:nvPr/>
+        </p:nvPicPr>
+        <p:blipFill>
+          <a:blip r:embed="rId5"/>
+          <a:stretch>
+            <a:fillRect/>
+          </a:stretch>
+        </p:blipFill>
+        <p:spPr>
+          <a:xfrm>
+            <a:off x="12700" y="3492500"/>
+            <a:ext cx="2222500" cy="1651000"/>
+          </a:xfrm>
+          <a:prstGeom prst="rect">
+            <a:avLst/>
+          </a:prstGeom>
+        </p:spPr>
+      </p:pic>
+      <p:pic>
+        <p:nvPicPr>
+          <p:cNvPr id="9" name="Picture 8" descr="image.png"/>
+          <p:cNvPicPr>
+            <a:picLocks noChangeAspect="1"/>
+          </p:cNvPicPr>
+          <p:nvPr/>
+        </p:nvPicPr>
+        <p:blipFill>
+          <a:blip r:embed="rId6"/>
+          <a:stretch>
+            <a:fillRect/>
+          </a:stretch>
+        </p:blipFill>
+        <p:spPr>
+          <a:xfrm>
+            <a:off x="2286000" y="3492500"/>
+            <a:ext cx="2222500" cy="1651000"/>
+          </a:xfrm>
+          <a:prstGeom prst="rect">
+            <a:avLst/>
+          </a:prstGeom>
+        </p:spPr>
+      </p:pic>
+      <p:pic>
+        <p:nvPicPr>
+          <p:cNvPr id="10" name="Picture 9" descr="image.png"/>
+          <p:cNvPicPr>
+            <a:picLocks noChangeAspect="1"/>
+          </p:cNvPicPr>
+          <p:nvPr/>
+        </p:nvPicPr>
+        <p:blipFill>
+          <a:blip r:embed="rId7"/>
+          <a:stretch>
+            <a:fillRect/>
+          </a:stretch>
+        </p:blipFill>
+        <p:spPr>
+          <a:xfrm>
+            <a:off x="4572000" y="3492500"/>
+            <a:ext cx="2222500" cy="1651000"/>
+          </a:xfrm>
+          <a:prstGeom prst="rect">
+            <a:avLst/>
+          </a:prstGeom>
+        </p:spPr>
+      </p:pic>
+      <p:pic>
+        <p:nvPicPr>
+          <p:cNvPr id="11" name="Picture 10" descr="image.png"/>
+          <p:cNvPicPr>
+            <a:picLocks noChangeAspect="1"/>
+          </p:cNvPicPr>
+          <p:nvPr/>
+        </p:nvPicPr>
+        <p:blipFill>
+          <a:blip r:embed="rId8"/>
+          <a:stretch>
+            <a:fillRect/>
+          </a:stretch>
+        </p:blipFill>
+        <p:spPr>
+          <a:xfrm>
+            <a:off x="6858000" y="3492500"/>
+            <a:ext cx="2222500" cy="1651000"/>
+          </a:xfrm>
+          <a:prstGeom prst="rect">
+            <a:avLst/>
+          </a:prstGeom>
+        </p:spPr>
+      </p:pic>
     </p:spTree>
     <p:extLst>
       <p:ext uri="{BB962C8B-B14F-4D97-AF65-F5344CB8AC3E}">
@@ -10847,7 +10871,7 @@
           <a:p>
             <a:r>
               <a:rPr lang="en-US" dirty="0"/>
-              <a:t>*7*</a:t>
+              <a:t>5582 - State 10 | VT-07 On-Board Emissions</a:t>
             </a:r>
           </a:p>
         </p:txBody>
@@ -10889,6 +10913,174 @@
           </a:p>
         </p:txBody>
       </p:sp>
+      <p:pic>
+        <p:nvPicPr>
+          <p:cNvPr id="5" name="Picture 4" descr="image.png"/>
+          <p:cNvPicPr>
+            <a:picLocks noChangeAspect="1"/>
+          </p:cNvPicPr>
+          <p:nvPr/>
+        </p:nvPicPr>
+        <p:blipFill>
+          <a:blip r:embed="rId2"/>
+          <a:stretch>
+            <a:fillRect/>
+          </a:stretch>
+        </p:blipFill>
+        <p:spPr>
+          <a:xfrm>
+            <a:off x="12700" y="889000"/>
+            <a:ext cx="2959100" cy="2235200"/>
+          </a:xfrm>
+          <a:prstGeom prst="rect">
+            <a:avLst/>
+          </a:prstGeom>
+        </p:spPr>
+      </p:pic>
+      <p:pic>
+        <p:nvPicPr>
+          <p:cNvPr id="6" name="Picture 5" descr="image.png"/>
+          <p:cNvPicPr>
+            <a:picLocks noChangeAspect="1"/>
+          </p:cNvPicPr>
+          <p:nvPr/>
+        </p:nvPicPr>
+        <p:blipFill>
+          <a:blip r:embed="rId3"/>
+          <a:stretch>
+            <a:fillRect/>
+          </a:stretch>
+        </p:blipFill>
+        <p:spPr>
+          <a:xfrm>
+            <a:off x="3035300" y="889000"/>
+            <a:ext cx="2959100" cy="2235200"/>
+          </a:xfrm>
+          <a:prstGeom prst="rect">
+            <a:avLst/>
+          </a:prstGeom>
+        </p:spPr>
+      </p:pic>
+      <p:pic>
+        <p:nvPicPr>
+          <p:cNvPr id="7" name="Picture 6" descr="image.png"/>
+          <p:cNvPicPr>
+            <a:picLocks noChangeAspect="1"/>
+          </p:cNvPicPr>
+          <p:nvPr/>
+        </p:nvPicPr>
+        <p:blipFill>
+          <a:blip r:embed="rId4"/>
+          <a:stretch>
+            <a:fillRect/>
+          </a:stretch>
+        </p:blipFill>
+        <p:spPr>
+          <a:xfrm>
+            <a:off x="6057900" y="889000"/>
+            <a:ext cx="2959100" cy="2235200"/>
+          </a:xfrm>
+          <a:prstGeom prst="rect">
+            <a:avLst/>
+          </a:prstGeom>
+        </p:spPr>
+      </p:pic>
+      <p:pic>
+        <p:nvPicPr>
+          <p:cNvPr id="8" name="Picture 7" descr="image.png"/>
+          <p:cNvPicPr>
+            <a:picLocks noChangeAspect="1"/>
+          </p:cNvPicPr>
+          <p:nvPr/>
+        </p:nvPicPr>
+        <p:blipFill>
+          <a:blip r:embed="rId5"/>
+          <a:stretch>
+            <a:fillRect/>
+          </a:stretch>
+        </p:blipFill>
+        <p:spPr>
+          <a:xfrm>
+            <a:off x="12700" y="3492500"/>
+            <a:ext cx="2222500" cy="1651000"/>
+          </a:xfrm>
+          <a:prstGeom prst="rect">
+            <a:avLst/>
+          </a:prstGeom>
+        </p:spPr>
+      </p:pic>
+      <p:pic>
+        <p:nvPicPr>
+          <p:cNvPr id="9" name="Picture 8" descr="image.png"/>
+          <p:cNvPicPr>
+            <a:picLocks noChangeAspect="1"/>
+          </p:cNvPicPr>
+          <p:nvPr/>
+        </p:nvPicPr>
+        <p:blipFill>
+          <a:blip r:embed="rId6"/>
+          <a:stretch>
+            <a:fillRect/>
+          </a:stretch>
+        </p:blipFill>
+        <p:spPr>
+          <a:xfrm>
+            <a:off x="2286000" y="3492500"/>
+            <a:ext cx="2222500" cy="1651000"/>
+          </a:xfrm>
+          <a:prstGeom prst="rect">
+            <a:avLst/>
+          </a:prstGeom>
+        </p:spPr>
+      </p:pic>
+      <p:pic>
+        <p:nvPicPr>
+          <p:cNvPr id="10" name="Picture 9" descr="image.png"/>
+          <p:cNvPicPr>
+            <a:picLocks noChangeAspect="1"/>
+          </p:cNvPicPr>
+          <p:nvPr/>
+        </p:nvPicPr>
+        <p:blipFill>
+          <a:blip r:embed="rId7"/>
+          <a:stretch>
+            <a:fillRect/>
+          </a:stretch>
+        </p:blipFill>
+        <p:spPr>
+          <a:xfrm>
+            <a:off x="4572000" y="3492500"/>
+            <a:ext cx="2222500" cy="1651000"/>
+          </a:xfrm>
+          <a:prstGeom prst="rect">
+            <a:avLst/>
+          </a:prstGeom>
+        </p:spPr>
+      </p:pic>
+      <p:pic>
+        <p:nvPicPr>
+          <p:cNvPr id="11" name="Picture 10" descr="image.png"/>
+          <p:cNvPicPr>
+            <a:picLocks noChangeAspect="1"/>
+          </p:cNvPicPr>
+          <p:nvPr/>
+        </p:nvPicPr>
+        <p:blipFill>
+          <a:blip r:embed="rId8"/>
+          <a:stretch>
+            <a:fillRect/>
+          </a:stretch>
+        </p:blipFill>
+        <p:spPr>
+          <a:xfrm>
+            <a:off x="6858000" y="3492500"/>
+            <a:ext cx="2222500" cy="1651000"/>
+          </a:xfrm>
+          <a:prstGeom prst="rect">
+            <a:avLst/>
+          </a:prstGeom>
+        </p:spPr>
+      </p:pic>
     </p:spTree>
     <p:extLst>
       <p:ext uri="{BB962C8B-B14F-4D97-AF65-F5344CB8AC3E}">
@@ -10976,7 +11168,7 @@
           <a:p>
             <a:r>
               <a:rPr lang="en-US" dirty="0"/>
-              <a:t>*8*</a:t>
+              <a:t>5582 - State 11 | VT-07 On-Board Emissions</a:t>
             </a:r>
           </a:p>
         </p:txBody>
@@ -11018,6 +11210,174 @@
           </a:p>
         </p:txBody>
       </p:sp>
+      <p:pic>
+        <p:nvPicPr>
+          <p:cNvPr id="5" name="Picture 4" descr="image.png"/>
+          <p:cNvPicPr>
+            <a:picLocks noChangeAspect="1"/>
+          </p:cNvPicPr>
+          <p:nvPr/>
+        </p:nvPicPr>
+        <p:blipFill>
+          <a:blip r:embed="rId2"/>
+          <a:stretch>
+            <a:fillRect/>
+          </a:stretch>
+        </p:blipFill>
+        <p:spPr>
+          <a:xfrm>
+            <a:off x="12700" y="889000"/>
+            <a:ext cx="2959100" cy="2235200"/>
+          </a:xfrm>
+          <a:prstGeom prst="rect">
+            <a:avLst/>
+          </a:prstGeom>
+        </p:spPr>
+      </p:pic>
+      <p:pic>
+        <p:nvPicPr>
+          <p:cNvPr id="6" name="Picture 5" descr="image.png"/>
+          <p:cNvPicPr>
+            <a:picLocks noChangeAspect="1"/>
+          </p:cNvPicPr>
+          <p:nvPr/>
+        </p:nvPicPr>
+        <p:blipFill>
+          <a:blip r:embed="rId3"/>
+          <a:stretch>
+            <a:fillRect/>
+          </a:stretch>
+        </p:blipFill>
+        <p:spPr>
+          <a:xfrm>
+            <a:off x="3035300" y="889000"/>
+            <a:ext cx="2959100" cy="2235200"/>
+          </a:xfrm>
+          <a:prstGeom prst="rect">
+            <a:avLst/>
+          </a:prstGeom>
+        </p:spPr>
+      </p:pic>
+      <p:pic>
+        <p:nvPicPr>
+          <p:cNvPr id="7" name="Picture 6" descr="image.png"/>
+          <p:cNvPicPr>
+            <a:picLocks noChangeAspect="1"/>
+          </p:cNvPicPr>
+          <p:nvPr/>
+        </p:nvPicPr>
+        <p:blipFill>
+          <a:blip r:embed="rId4"/>
+          <a:stretch>
+            <a:fillRect/>
+          </a:stretch>
+        </p:blipFill>
+        <p:spPr>
+          <a:xfrm>
+            <a:off x="6057900" y="889000"/>
+            <a:ext cx="2959100" cy="2235200"/>
+          </a:xfrm>
+          <a:prstGeom prst="rect">
+            <a:avLst/>
+          </a:prstGeom>
+        </p:spPr>
+      </p:pic>
+      <p:pic>
+        <p:nvPicPr>
+          <p:cNvPr id="8" name="Picture 7" descr="image.png"/>
+          <p:cNvPicPr>
+            <a:picLocks noChangeAspect="1"/>
+          </p:cNvPicPr>
+          <p:nvPr/>
+        </p:nvPicPr>
+        <p:blipFill>
+          <a:blip r:embed="rId5"/>
+          <a:stretch>
+            <a:fillRect/>
+          </a:stretch>
+        </p:blipFill>
+        <p:spPr>
+          <a:xfrm>
+            <a:off x="12700" y="3492500"/>
+            <a:ext cx="2222500" cy="1651000"/>
+          </a:xfrm>
+          <a:prstGeom prst="rect">
+            <a:avLst/>
+          </a:prstGeom>
+        </p:spPr>
+      </p:pic>
+      <p:pic>
+        <p:nvPicPr>
+          <p:cNvPr id="9" name="Picture 8" descr="image.png"/>
+          <p:cNvPicPr>
+            <a:picLocks noChangeAspect="1"/>
+          </p:cNvPicPr>
+          <p:nvPr/>
+        </p:nvPicPr>
+        <p:blipFill>
+          <a:blip r:embed="rId6"/>
+          <a:stretch>
+            <a:fillRect/>
+          </a:stretch>
+        </p:blipFill>
+        <p:spPr>
+          <a:xfrm>
+            <a:off x="2286000" y="3492500"/>
+            <a:ext cx="2222500" cy="1651000"/>
+          </a:xfrm>
+          <a:prstGeom prst="rect">
+            <a:avLst/>
+          </a:prstGeom>
+        </p:spPr>
+      </p:pic>
+      <p:pic>
+        <p:nvPicPr>
+          <p:cNvPr id="10" name="Picture 9" descr="image.png"/>
+          <p:cNvPicPr>
+            <a:picLocks noChangeAspect="1"/>
+          </p:cNvPicPr>
+          <p:nvPr/>
+        </p:nvPicPr>
+        <p:blipFill>
+          <a:blip r:embed="rId7"/>
+          <a:stretch>
+            <a:fillRect/>
+          </a:stretch>
+        </p:blipFill>
+        <p:spPr>
+          <a:xfrm>
+            <a:off x="4572000" y="3492500"/>
+            <a:ext cx="2222500" cy="1651000"/>
+          </a:xfrm>
+          <a:prstGeom prst="rect">
+            <a:avLst/>
+          </a:prstGeom>
+        </p:spPr>
+      </p:pic>
+      <p:pic>
+        <p:nvPicPr>
+          <p:cNvPr id="11" name="Picture 10" descr="image.png"/>
+          <p:cNvPicPr>
+            <a:picLocks noChangeAspect="1"/>
+          </p:cNvPicPr>
+          <p:nvPr/>
+        </p:nvPicPr>
+        <p:blipFill>
+          <a:blip r:embed="rId8"/>
+          <a:stretch>
+            <a:fillRect/>
+          </a:stretch>
+        </p:blipFill>
+        <p:spPr>
+          <a:xfrm>
+            <a:off x="6858000" y="3492500"/>
+            <a:ext cx="2222500" cy="1651000"/>
+          </a:xfrm>
+          <a:prstGeom prst="rect">
+            <a:avLst/>
+          </a:prstGeom>
+        </p:spPr>
+      </p:pic>
     </p:spTree>
     <p:extLst>
       <p:ext uri="{BB962C8B-B14F-4D97-AF65-F5344CB8AC3E}">

--- a/newDeck.pptx
+++ b/newDeck.pptx
@@ -4139,7 +4139,7 @@
           <a:p>
             <a:r>
               <a:rPr lang="en-US" sz="1600" dirty="0"/>
-              <a:t>5582 - State 5 FLNB | VT-01 Off-Board Emissions (3m)</a:t>
+              <a:t>5537_-_State_4_-_RLNB | VT-01 Off-Board Emissions (3m)</a:t>
             </a:r>
           </a:p>
         </p:txBody>
@@ -5601,7 +5601,7 @@
           <a:p>
             <a:r>
               <a:rPr lang="en-US" sz="1600" dirty="0"/>
-              <a:t>5582 - State 3 RRBB | VT-01 Off-Board Emissions (3m)</a:t>
+              <a:t>5537_-_State_5_-_RLBB | VT-01 Off-Board Emissions (3m)</a:t>
             </a:r>
           </a:p>
         </p:txBody>
@@ -7068,7 +7068,7 @@
           <a:p>
             <a:r>
               <a:rPr lang="en-US" sz="1600" dirty="0"/>
-              <a:t>5582 - State 2 FRBB | VT-01 Off-Board Emissions (3m)</a:t>
+              <a:t>5537_-_State_6_-_FLBB | VT-01 Off-Board Emissions (3m)</a:t>
             </a:r>
           </a:p>
         </p:txBody>
@@ -8535,7 +8535,7 @@
           <a:p>
             <a:r>
               <a:rPr lang="en-US" dirty="0"/>
-              <a:t>5582 - State 4 RRNB | VT-01 Off-Board Emissions (3m)</a:t>
+              <a:t>5537_-_State_7_-_RRBB | VT-01 Off-Board Emissions (3m)</a:t>
             </a:r>
           </a:p>
         </p:txBody>
@@ -10002,7 +10002,7 @@
           <a:p>
             <a:r>
               <a:rPr lang="en-US" dirty="0"/>
-              <a:t>5582 - State 6 FLBB | VT-01 Off-Board Emissions (3m)</a:t>
+              <a:t>5537_-_State_28_-_CE | VT-12 Conducted Emissions (Single Phase)</a:t>
             </a:r>
           </a:p>
         </p:txBody>
@@ -10397,7 +10397,7 @@
           <a:p>
             <a:r>
               <a:rPr lang="en-US" dirty="0"/>
-              <a:t>5582 - State 1 FRNB | VT-01 Off-Board Emissions (3m)</a:t>
+              <a:t>5537_-_State_29_-_CE | VT-12 Conducted Emissions (Single Phase)</a:t>
             </a:r>
           </a:p>
         </p:txBody>
@@ -10574,7 +10574,7 @@
           <a:p>
             <a:r>
               <a:rPr lang="en-US" dirty="0"/>
-              <a:t>5582 - State 9 | VT-07 On-Board Emissions</a:t>
+              <a:t>5537_-_State_35_Rear_E_Field | VT-15 Electric Fields</a:t>
             </a:r>
           </a:p>
         </p:txBody>
@@ -10632,7 +10632,7 @@
         </p:blipFill>
         <p:spPr>
           <a:xfrm>
-            <a:off x="12700" y="889000"/>
+            <a:off x="12700" y="1079500"/>
             <a:ext cx="2959100" cy="2235200"/>
           </a:xfrm>
           <a:prstGeom prst="rect">
@@ -10656,7 +10656,7 @@
         </p:blipFill>
         <p:spPr>
           <a:xfrm>
-            <a:off x="3035300" y="889000"/>
+            <a:off x="3035300" y="1079500"/>
             <a:ext cx="2959100" cy="2235200"/>
           </a:xfrm>
           <a:prstGeom prst="rect">
@@ -10680,104 +10680,8 @@
         </p:blipFill>
         <p:spPr>
           <a:xfrm>
-            <a:off x="6057900" y="889000"/>
+            <a:off x="6057900" y="1079500"/>
             <a:ext cx="2959100" cy="2235200"/>
-          </a:xfrm>
-          <a:prstGeom prst="rect">
-            <a:avLst/>
-          </a:prstGeom>
-        </p:spPr>
-      </p:pic>
-      <p:pic>
-        <p:nvPicPr>
-          <p:cNvPr id="8" name="Picture 7" descr="image.png"/>
-          <p:cNvPicPr>
-            <a:picLocks noChangeAspect="1"/>
-          </p:cNvPicPr>
-          <p:nvPr/>
-        </p:nvPicPr>
-        <p:blipFill>
-          <a:blip r:embed="rId5"/>
-          <a:stretch>
-            <a:fillRect/>
-          </a:stretch>
-        </p:blipFill>
-        <p:spPr>
-          <a:xfrm>
-            <a:off x="12700" y="3492500"/>
-            <a:ext cx="2222500" cy="1651000"/>
-          </a:xfrm>
-          <a:prstGeom prst="rect">
-            <a:avLst/>
-          </a:prstGeom>
-        </p:spPr>
-      </p:pic>
-      <p:pic>
-        <p:nvPicPr>
-          <p:cNvPr id="9" name="Picture 8" descr="image.png"/>
-          <p:cNvPicPr>
-            <a:picLocks noChangeAspect="1"/>
-          </p:cNvPicPr>
-          <p:nvPr/>
-        </p:nvPicPr>
-        <p:blipFill>
-          <a:blip r:embed="rId6"/>
-          <a:stretch>
-            <a:fillRect/>
-          </a:stretch>
-        </p:blipFill>
-        <p:spPr>
-          <a:xfrm>
-            <a:off x="2286000" y="3492500"/>
-            <a:ext cx="2222500" cy="1651000"/>
-          </a:xfrm>
-          <a:prstGeom prst="rect">
-            <a:avLst/>
-          </a:prstGeom>
-        </p:spPr>
-      </p:pic>
-      <p:pic>
-        <p:nvPicPr>
-          <p:cNvPr id="10" name="Picture 9" descr="image.png"/>
-          <p:cNvPicPr>
-            <a:picLocks noChangeAspect="1"/>
-          </p:cNvPicPr>
-          <p:nvPr/>
-        </p:nvPicPr>
-        <p:blipFill>
-          <a:blip r:embed="rId7"/>
-          <a:stretch>
-            <a:fillRect/>
-          </a:stretch>
-        </p:blipFill>
-        <p:spPr>
-          <a:xfrm>
-            <a:off x="4572000" y="3492500"/>
-            <a:ext cx="2222500" cy="1651000"/>
-          </a:xfrm>
-          <a:prstGeom prst="rect">
-            <a:avLst/>
-          </a:prstGeom>
-        </p:spPr>
-      </p:pic>
-      <p:pic>
-        <p:nvPicPr>
-          <p:cNvPr id="11" name="Picture 10" descr="image.png"/>
-          <p:cNvPicPr>
-            <a:picLocks noChangeAspect="1"/>
-          </p:cNvPicPr>
-          <p:nvPr/>
-        </p:nvPicPr>
-        <p:blipFill>
-          <a:blip r:embed="rId8"/>
-          <a:stretch>
-            <a:fillRect/>
-          </a:stretch>
-        </p:blipFill>
-        <p:spPr>
-          <a:xfrm>
-            <a:off x="6858000" y="3492500"/>
-            <a:ext cx="2222500" cy="1651000"/>
           </a:xfrm>
           <a:prstGeom prst="rect">
             <a:avLst/>
@@ -10871,7 +10775,7 @@
           <a:p>
             <a:r>
               <a:rPr lang="en-US" dirty="0"/>
-              <a:t>5582 - State 10 | VT-07 On-Board Emissions</a:t>
+              <a:t>5537_-_State_37_LHS_E_Field | VT-15 Electric Fields</a:t>
             </a:r>
           </a:p>
         </p:txBody>
@@ -10929,7 +10833,7 @@
         </p:blipFill>
         <p:spPr>
           <a:xfrm>
-            <a:off x="12700" y="889000"/>
+            <a:off x="12700" y="1079500"/>
             <a:ext cx="2959100" cy="2235200"/>
           </a:xfrm>
           <a:prstGeom prst="rect">
@@ -10953,7 +10857,7 @@
         </p:blipFill>
         <p:spPr>
           <a:xfrm>
-            <a:off x="3035300" y="889000"/>
+            <a:off x="3035300" y="1079500"/>
             <a:ext cx="2959100" cy="2235200"/>
           </a:xfrm>
           <a:prstGeom prst="rect">
@@ -10977,104 +10881,8 @@
         </p:blipFill>
         <p:spPr>
           <a:xfrm>
-            <a:off x="6057900" y="889000"/>
+            <a:off x="6057900" y="1079500"/>
             <a:ext cx="2959100" cy="2235200"/>
-          </a:xfrm>
-          <a:prstGeom prst="rect">
-            <a:avLst/>
-          </a:prstGeom>
-        </p:spPr>
-      </p:pic>
-      <p:pic>
-        <p:nvPicPr>
-          <p:cNvPr id="8" name="Picture 7" descr="image.png"/>
-          <p:cNvPicPr>
-            <a:picLocks noChangeAspect="1"/>
-          </p:cNvPicPr>
-          <p:nvPr/>
-        </p:nvPicPr>
-        <p:blipFill>
-          <a:blip r:embed="rId5"/>
-          <a:stretch>
-            <a:fillRect/>
-          </a:stretch>
-        </p:blipFill>
-        <p:spPr>
-          <a:xfrm>
-            <a:off x="12700" y="3492500"/>
-            <a:ext cx="2222500" cy="1651000"/>
-          </a:xfrm>
-          <a:prstGeom prst="rect">
-            <a:avLst/>
-          </a:prstGeom>
-        </p:spPr>
-      </p:pic>
-      <p:pic>
-        <p:nvPicPr>
-          <p:cNvPr id="9" name="Picture 8" descr="image.png"/>
-          <p:cNvPicPr>
-            <a:picLocks noChangeAspect="1"/>
-          </p:cNvPicPr>
-          <p:nvPr/>
-        </p:nvPicPr>
-        <p:blipFill>
-          <a:blip r:embed="rId6"/>
-          <a:stretch>
-            <a:fillRect/>
-          </a:stretch>
-        </p:blipFill>
-        <p:spPr>
-          <a:xfrm>
-            <a:off x="2286000" y="3492500"/>
-            <a:ext cx="2222500" cy="1651000"/>
-          </a:xfrm>
-          <a:prstGeom prst="rect">
-            <a:avLst/>
-          </a:prstGeom>
-        </p:spPr>
-      </p:pic>
-      <p:pic>
-        <p:nvPicPr>
-          <p:cNvPr id="10" name="Picture 9" descr="image.png"/>
-          <p:cNvPicPr>
-            <a:picLocks noChangeAspect="1"/>
-          </p:cNvPicPr>
-          <p:nvPr/>
-        </p:nvPicPr>
-        <p:blipFill>
-          <a:blip r:embed="rId7"/>
-          <a:stretch>
-            <a:fillRect/>
-          </a:stretch>
-        </p:blipFill>
-        <p:spPr>
-          <a:xfrm>
-            <a:off x="4572000" y="3492500"/>
-            <a:ext cx="2222500" cy="1651000"/>
-          </a:xfrm>
-          <a:prstGeom prst="rect">
-            <a:avLst/>
-          </a:prstGeom>
-        </p:spPr>
-      </p:pic>
-      <p:pic>
-        <p:nvPicPr>
-          <p:cNvPr id="11" name="Picture 10" descr="image.png"/>
-          <p:cNvPicPr>
-            <a:picLocks noChangeAspect="1"/>
-          </p:cNvPicPr>
-          <p:nvPr/>
-        </p:nvPicPr>
-        <p:blipFill>
-          <a:blip r:embed="rId8"/>
-          <a:stretch>
-            <a:fillRect/>
-          </a:stretch>
-        </p:blipFill>
-        <p:spPr>
-          <a:xfrm>
-            <a:off x="6858000" y="3492500"/>
-            <a:ext cx="2222500" cy="1651000"/>
           </a:xfrm>
           <a:prstGeom prst="rect">
             <a:avLst/>
@@ -11168,7 +10976,7 @@
           <a:p>
             <a:r>
               <a:rPr lang="en-US" dirty="0"/>
-              <a:t>5582 - State 11 | VT-07 On-Board Emissions</a:t>
+              <a:t>5537_-_State_32_Rear_H_Field | VT-15 Magnetic Fields</a:t>
             </a:r>
           </a:p>
         </p:txBody>
@@ -11226,8 +11034,8 @@
         </p:blipFill>
         <p:spPr>
           <a:xfrm>
-            <a:off x="12700" y="889000"/>
-            <a:ext cx="2959100" cy="2235200"/>
+            <a:off x="12700" y="825500"/>
+            <a:ext cx="2806700" cy="2120900"/>
           </a:xfrm>
           <a:prstGeom prst="rect">
             <a:avLst/>
@@ -11250,8 +11058,8 @@
         </p:blipFill>
         <p:spPr>
           <a:xfrm>
-            <a:off x="3035300" y="889000"/>
-            <a:ext cx="2959100" cy="2235200"/>
+            <a:off x="3035300" y="825500"/>
+            <a:ext cx="2806700" cy="2120900"/>
           </a:xfrm>
           <a:prstGeom prst="rect">
             <a:avLst/>
@@ -11274,8 +11082,8 @@
         </p:blipFill>
         <p:spPr>
           <a:xfrm>
-            <a:off x="6057900" y="889000"/>
-            <a:ext cx="2959100" cy="2235200"/>
+            <a:off x="6057900" y="825500"/>
+            <a:ext cx="2806700" cy="2120900"/>
           </a:xfrm>
           <a:prstGeom prst="rect">
             <a:avLst/>
@@ -11298,8 +11106,8 @@
         </p:blipFill>
         <p:spPr>
           <a:xfrm>
-            <a:off x="12700" y="3492500"/>
-            <a:ext cx="2222500" cy="1651000"/>
+            <a:off x="12700" y="2984500"/>
+            <a:ext cx="2806700" cy="2120900"/>
           </a:xfrm>
           <a:prstGeom prst="rect">
             <a:avLst/>
@@ -11322,8 +11130,8 @@
         </p:blipFill>
         <p:spPr>
           <a:xfrm>
-            <a:off x="2286000" y="3492500"/>
-            <a:ext cx="2222500" cy="1651000"/>
+            <a:off x="3035300" y="2984500"/>
+            <a:ext cx="2806700" cy="2120900"/>
           </a:xfrm>
           <a:prstGeom prst="rect">
             <a:avLst/>
@@ -11346,32 +11154,8 @@
         </p:blipFill>
         <p:spPr>
           <a:xfrm>
-            <a:off x="4572000" y="3492500"/>
-            <a:ext cx="2222500" cy="1651000"/>
-          </a:xfrm>
-          <a:prstGeom prst="rect">
-            <a:avLst/>
-          </a:prstGeom>
-        </p:spPr>
-      </p:pic>
-      <p:pic>
-        <p:nvPicPr>
-          <p:cNvPr id="11" name="Picture 10" descr="image.png"/>
-          <p:cNvPicPr>
-            <a:picLocks noChangeAspect="1"/>
-          </p:cNvPicPr>
-          <p:nvPr/>
-        </p:nvPicPr>
-        <p:blipFill>
-          <a:blip r:embed="rId8"/>
-          <a:stretch>
-            <a:fillRect/>
-          </a:stretch>
-        </p:blipFill>
-        <p:spPr>
-          <a:xfrm>
-            <a:off x="6858000" y="3492500"/>
-            <a:ext cx="2222500" cy="1651000"/>
+            <a:off x="6057900" y="2984500"/>
+            <a:ext cx="2806700" cy="2120900"/>
           </a:xfrm>
           <a:prstGeom prst="rect">
             <a:avLst/>

--- a/newDeck.pptx
+++ b/newDeck.pptx
@@ -4139,7 +4139,7 @@
           <a:p>
             <a:r>
               <a:rPr lang="en-US" sz="1600" dirty="0"/>
-              <a:t>5537_-_State_4_-_RLNB | VT-01 Off-Board Emissions (3m)</a:t>
+              <a:t>*0*</a:t>
             </a:r>
           </a:p>
         </p:txBody>
@@ -4181,54 +4181,6 @@
           </a:p>
         </p:txBody>
       </p:sp>
-      <p:pic>
-        <p:nvPicPr>
-          <p:cNvPr id="5" name="Picture 4" descr="image.png"/>
-          <p:cNvPicPr>
-            <a:picLocks noChangeAspect="1"/>
-          </p:cNvPicPr>
-          <p:nvPr/>
-        </p:nvPicPr>
-        <p:blipFill>
-          <a:blip r:embed="rId2"/>
-          <a:stretch>
-            <a:fillRect/>
-          </a:stretch>
-        </p:blipFill>
-        <p:spPr>
-          <a:xfrm>
-            <a:off x="12700" y="1079500"/>
-            <a:ext cx="4546600" cy="3429000"/>
-          </a:xfrm>
-          <a:prstGeom prst="rect">
-            <a:avLst/>
-          </a:prstGeom>
-        </p:spPr>
-      </p:pic>
-      <p:pic>
-        <p:nvPicPr>
-          <p:cNvPr id="6" name="Picture 5" descr="image.png"/>
-          <p:cNvPicPr>
-            <a:picLocks noChangeAspect="1"/>
-          </p:cNvPicPr>
-          <p:nvPr/>
-        </p:nvPicPr>
-        <p:blipFill>
-          <a:blip r:embed="rId3"/>
-          <a:stretch>
-            <a:fillRect/>
-          </a:stretch>
-        </p:blipFill>
-        <p:spPr>
-          <a:xfrm>
-            <a:off x="4572000" y="1079500"/>
-            <a:ext cx="4546600" cy="3429000"/>
-          </a:xfrm>
-          <a:prstGeom prst="rect">
-            <a:avLst/>
-          </a:prstGeom>
-        </p:spPr>
-      </p:pic>
     </p:spTree>
     <p:extLst>
       <p:ext uri="{BB962C8B-B14F-4D97-AF65-F5344CB8AC3E}">
@@ -5601,7 +5553,7 @@
           <a:p>
             <a:r>
               <a:rPr lang="en-US" sz="1600" dirty="0"/>
-              <a:t>5537_-_State_5_-_RLBB | VT-01 Off-Board Emissions (3m)</a:t>
+              <a:t>*1*</a:t>
             </a:r>
           </a:p>
         </p:txBody>
@@ -5643,54 +5595,6 @@
           </a:p>
         </p:txBody>
       </p:sp>
-      <p:pic>
-        <p:nvPicPr>
-          <p:cNvPr id="5" name="Picture 4" descr="image.png"/>
-          <p:cNvPicPr>
-            <a:picLocks noChangeAspect="1"/>
-          </p:cNvPicPr>
-          <p:nvPr/>
-        </p:nvPicPr>
-        <p:blipFill>
-          <a:blip r:embed="rId2"/>
-          <a:stretch>
-            <a:fillRect/>
-          </a:stretch>
-        </p:blipFill>
-        <p:spPr>
-          <a:xfrm>
-            <a:off x="12700" y="1079500"/>
-            <a:ext cx="4546600" cy="3429000"/>
-          </a:xfrm>
-          <a:prstGeom prst="rect">
-            <a:avLst/>
-          </a:prstGeom>
-        </p:spPr>
-      </p:pic>
-      <p:pic>
-        <p:nvPicPr>
-          <p:cNvPr id="6" name="Picture 5" descr="image.png"/>
-          <p:cNvPicPr>
-            <a:picLocks noChangeAspect="1"/>
-          </p:cNvPicPr>
-          <p:nvPr/>
-        </p:nvPicPr>
-        <p:blipFill>
-          <a:blip r:embed="rId3"/>
-          <a:stretch>
-            <a:fillRect/>
-          </a:stretch>
-        </p:blipFill>
-        <p:spPr>
-          <a:xfrm>
-            <a:off x="4572000" y="1079500"/>
-            <a:ext cx="4546600" cy="3429000"/>
-          </a:xfrm>
-          <a:prstGeom prst="rect">
-            <a:avLst/>
-          </a:prstGeom>
-        </p:spPr>
-      </p:pic>
     </p:spTree>
     <p:extLst>
       <p:ext uri="{BB962C8B-B14F-4D97-AF65-F5344CB8AC3E}">
@@ -7068,7 +6972,7 @@
           <a:p>
             <a:r>
               <a:rPr lang="en-US" sz="1600" dirty="0"/>
-              <a:t>5537_-_State_6_-_FLBB | VT-01 Off-Board Emissions (3m)</a:t>
+              <a:t>*2*</a:t>
             </a:r>
           </a:p>
         </p:txBody>
@@ -7110,54 +7014,6 @@
           </a:p>
         </p:txBody>
       </p:sp>
-      <p:pic>
-        <p:nvPicPr>
-          <p:cNvPr id="5" name="Picture 4" descr="image.png"/>
-          <p:cNvPicPr>
-            <a:picLocks noChangeAspect="1"/>
-          </p:cNvPicPr>
-          <p:nvPr/>
-        </p:nvPicPr>
-        <p:blipFill>
-          <a:blip r:embed="rId2"/>
-          <a:stretch>
-            <a:fillRect/>
-          </a:stretch>
-        </p:blipFill>
-        <p:spPr>
-          <a:xfrm>
-            <a:off x="12700" y="1079500"/>
-            <a:ext cx="4546600" cy="3429000"/>
-          </a:xfrm>
-          <a:prstGeom prst="rect">
-            <a:avLst/>
-          </a:prstGeom>
-        </p:spPr>
-      </p:pic>
-      <p:pic>
-        <p:nvPicPr>
-          <p:cNvPr id="6" name="Picture 5" descr="image.png"/>
-          <p:cNvPicPr>
-            <a:picLocks noChangeAspect="1"/>
-          </p:cNvPicPr>
-          <p:nvPr/>
-        </p:nvPicPr>
-        <p:blipFill>
-          <a:blip r:embed="rId3"/>
-          <a:stretch>
-            <a:fillRect/>
-          </a:stretch>
-        </p:blipFill>
-        <p:spPr>
-          <a:xfrm>
-            <a:off x="4572000" y="1079500"/>
-            <a:ext cx="4546600" cy="3429000"/>
-          </a:xfrm>
-          <a:prstGeom prst="rect">
-            <a:avLst/>
-          </a:prstGeom>
-        </p:spPr>
-      </p:pic>
     </p:spTree>
     <p:extLst>
       <p:ext uri="{BB962C8B-B14F-4D97-AF65-F5344CB8AC3E}">
@@ -8535,7 +8391,7 @@
           <a:p>
             <a:r>
               <a:rPr lang="en-US" dirty="0"/>
-              <a:t>5537_-_State_7_-_RRBB | VT-01 Off-Board Emissions (3m)</a:t>
+              <a:t>*3*</a:t>
             </a:r>
           </a:p>
         </p:txBody>
@@ -8577,54 +8433,6 @@
           </a:p>
         </p:txBody>
       </p:sp>
-      <p:pic>
-        <p:nvPicPr>
-          <p:cNvPr id="5" name="Picture 4" descr="image.png"/>
-          <p:cNvPicPr>
-            <a:picLocks noChangeAspect="1"/>
-          </p:cNvPicPr>
-          <p:nvPr/>
-        </p:nvPicPr>
-        <p:blipFill>
-          <a:blip r:embed="rId2"/>
-          <a:stretch>
-            <a:fillRect/>
-          </a:stretch>
-        </p:blipFill>
-        <p:spPr>
-          <a:xfrm>
-            <a:off x="12700" y="1079500"/>
-            <a:ext cx="4546600" cy="3429000"/>
-          </a:xfrm>
-          <a:prstGeom prst="rect">
-            <a:avLst/>
-          </a:prstGeom>
-        </p:spPr>
-      </p:pic>
-      <p:pic>
-        <p:nvPicPr>
-          <p:cNvPr id="6" name="Picture 5" descr="image.png"/>
-          <p:cNvPicPr>
-            <a:picLocks noChangeAspect="1"/>
-          </p:cNvPicPr>
-          <p:nvPr/>
-        </p:nvPicPr>
-        <p:blipFill>
-          <a:blip r:embed="rId3"/>
-          <a:stretch>
-            <a:fillRect/>
-          </a:stretch>
-        </p:blipFill>
-        <p:spPr>
-          <a:xfrm>
-            <a:off x="4572000" y="1079500"/>
-            <a:ext cx="4546600" cy="3429000"/>
-          </a:xfrm>
-          <a:prstGeom prst="rect">
-            <a:avLst/>
-          </a:prstGeom>
-        </p:spPr>
-      </p:pic>
     </p:spTree>
     <p:extLst>
       <p:ext uri="{BB962C8B-B14F-4D97-AF65-F5344CB8AC3E}">
@@ -10002,7 +9810,7 @@
           <a:p>
             <a:r>
               <a:rPr lang="en-US" dirty="0"/>
-              <a:t>5537_-_State_28_-_CE | VT-12 Conducted Emissions (Single Phase)</a:t>
+              <a:t>*4*</a:t>
             </a:r>
           </a:p>
         </p:txBody>
@@ -10044,54 +9852,6 @@
           </a:p>
         </p:txBody>
       </p:sp>
-      <p:pic>
-        <p:nvPicPr>
-          <p:cNvPr id="5" name="Picture 4" descr="image.png"/>
-          <p:cNvPicPr>
-            <a:picLocks noChangeAspect="1"/>
-          </p:cNvPicPr>
-          <p:nvPr/>
-        </p:nvPicPr>
-        <p:blipFill>
-          <a:blip r:embed="rId2"/>
-          <a:stretch>
-            <a:fillRect/>
-          </a:stretch>
-        </p:blipFill>
-        <p:spPr>
-          <a:xfrm>
-            <a:off x="12700" y="1079500"/>
-            <a:ext cx="4546600" cy="3429000"/>
-          </a:xfrm>
-          <a:prstGeom prst="rect">
-            <a:avLst/>
-          </a:prstGeom>
-        </p:spPr>
-      </p:pic>
-      <p:pic>
-        <p:nvPicPr>
-          <p:cNvPr id="6" name="Picture 5" descr="image.png"/>
-          <p:cNvPicPr>
-            <a:picLocks noChangeAspect="1"/>
-          </p:cNvPicPr>
-          <p:nvPr/>
-        </p:nvPicPr>
-        <p:blipFill>
-          <a:blip r:embed="rId3"/>
-          <a:stretch>
-            <a:fillRect/>
-          </a:stretch>
-        </p:blipFill>
-        <p:spPr>
-          <a:xfrm>
-            <a:off x="4572000" y="1079500"/>
-            <a:ext cx="4546600" cy="3429000"/>
-          </a:xfrm>
-          <a:prstGeom prst="rect">
-            <a:avLst/>
-          </a:prstGeom>
-        </p:spPr>
-      </p:pic>
     </p:spTree>
     <p:extLst>
       <p:ext uri="{BB962C8B-B14F-4D97-AF65-F5344CB8AC3E}">
@@ -10397,7 +10157,7 @@
           <a:p>
             <a:r>
               <a:rPr lang="en-US" dirty="0"/>
-              <a:t>5537_-_State_29_-_CE | VT-12 Conducted Emissions (Single Phase)</a:t>
+              <a:t>*5*</a:t>
             </a:r>
           </a:p>
         </p:txBody>
@@ -10439,54 +10199,6 @@
           </a:p>
         </p:txBody>
       </p:sp>
-      <p:pic>
-        <p:nvPicPr>
-          <p:cNvPr id="5" name="Picture 4" descr="image.png"/>
-          <p:cNvPicPr>
-            <a:picLocks noChangeAspect="1"/>
-          </p:cNvPicPr>
-          <p:nvPr/>
-        </p:nvPicPr>
-        <p:blipFill>
-          <a:blip r:embed="rId2"/>
-          <a:stretch>
-            <a:fillRect/>
-          </a:stretch>
-        </p:blipFill>
-        <p:spPr>
-          <a:xfrm>
-            <a:off x="12700" y="1079500"/>
-            <a:ext cx="4546600" cy="3429000"/>
-          </a:xfrm>
-          <a:prstGeom prst="rect">
-            <a:avLst/>
-          </a:prstGeom>
-        </p:spPr>
-      </p:pic>
-      <p:pic>
-        <p:nvPicPr>
-          <p:cNvPr id="6" name="Picture 5" descr="image.png"/>
-          <p:cNvPicPr>
-            <a:picLocks noChangeAspect="1"/>
-          </p:cNvPicPr>
-          <p:nvPr/>
-        </p:nvPicPr>
-        <p:blipFill>
-          <a:blip r:embed="rId3"/>
-          <a:stretch>
-            <a:fillRect/>
-          </a:stretch>
-        </p:blipFill>
-        <p:spPr>
-          <a:xfrm>
-            <a:off x="4572000" y="1079500"/>
-            <a:ext cx="4546600" cy="3429000"/>
-          </a:xfrm>
-          <a:prstGeom prst="rect">
-            <a:avLst/>
-          </a:prstGeom>
-        </p:spPr>
-      </p:pic>
     </p:spTree>
     <p:extLst>
       <p:ext uri="{BB962C8B-B14F-4D97-AF65-F5344CB8AC3E}">
@@ -10574,7 +10286,7 @@
           <a:p>
             <a:r>
               <a:rPr lang="en-US" dirty="0"/>
-              <a:t>5537_-_State_35_Rear_E_Field | VT-15 Electric Fields</a:t>
+              <a:t>*6*</a:t>
             </a:r>
           </a:p>
         </p:txBody>
@@ -10616,78 +10328,6 @@
           </a:p>
         </p:txBody>
       </p:sp>
-      <p:pic>
-        <p:nvPicPr>
-          <p:cNvPr id="5" name="Picture 4" descr="image.png"/>
-          <p:cNvPicPr>
-            <a:picLocks noChangeAspect="1"/>
-          </p:cNvPicPr>
-          <p:nvPr/>
-        </p:nvPicPr>
-        <p:blipFill>
-          <a:blip r:embed="rId2"/>
-          <a:stretch>
-            <a:fillRect/>
-          </a:stretch>
-        </p:blipFill>
-        <p:spPr>
-          <a:xfrm>
-            <a:off x="12700" y="1079500"/>
-            <a:ext cx="2959100" cy="2235200"/>
-          </a:xfrm>
-          <a:prstGeom prst="rect">
-            <a:avLst/>
-          </a:prstGeom>
-        </p:spPr>
-      </p:pic>
-      <p:pic>
-        <p:nvPicPr>
-          <p:cNvPr id="6" name="Picture 5" descr="image.png"/>
-          <p:cNvPicPr>
-            <a:picLocks noChangeAspect="1"/>
-          </p:cNvPicPr>
-          <p:nvPr/>
-        </p:nvPicPr>
-        <p:blipFill>
-          <a:blip r:embed="rId3"/>
-          <a:stretch>
-            <a:fillRect/>
-          </a:stretch>
-        </p:blipFill>
-        <p:spPr>
-          <a:xfrm>
-            <a:off x="3035300" y="1079500"/>
-            <a:ext cx="2959100" cy="2235200"/>
-          </a:xfrm>
-          <a:prstGeom prst="rect">
-            <a:avLst/>
-          </a:prstGeom>
-        </p:spPr>
-      </p:pic>
-      <p:pic>
-        <p:nvPicPr>
-          <p:cNvPr id="7" name="Picture 6" descr="image.png"/>
-          <p:cNvPicPr>
-            <a:picLocks noChangeAspect="1"/>
-          </p:cNvPicPr>
-          <p:nvPr/>
-        </p:nvPicPr>
-        <p:blipFill>
-          <a:blip r:embed="rId4"/>
-          <a:stretch>
-            <a:fillRect/>
-          </a:stretch>
-        </p:blipFill>
-        <p:spPr>
-          <a:xfrm>
-            <a:off x="6057900" y="1079500"/>
-            <a:ext cx="2959100" cy="2235200"/>
-          </a:xfrm>
-          <a:prstGeom prst="rect">
-            <a:avLst/>
-          </a:prstGeom>
-        </p:spPr>
-      </p:pic>
     </p:spTree>
     <p:extLst>
       <p:ext uri="{BB962C8B-B14F-4D97-AF65-F5344CB8AC3E}">
@@ -10775,7 +10415,7 @@
           <a:p>
             <a:r>
               <a:rPr lang="en-US" dirty="0"/>
-              <a:t>5537_-_State_37_LHS_E_Field | VT-15 Electric Fields</a:t>
+              <a:t>*7*</a:t>
             </a:r>
           </a:p>
         </p:txBody>
@@ -10817,78 +10457,6 @@
           </a:p>
         </p:txBody>
       </p:sp>
-      <p:pic>
-        <p:nvPicPr>
-          <p:cNvPr id="5" name="Picture 4" descr="image.png"/>
-          <p:cNvPicPr>
-            <a:picLocks noChangeAspect="1"/>
-          </p:cNvPicPr>
-          <p:nvPr/>
-        </p:nvPicPr>
-        <p:blipFill>
-          <a:blip r:embed="rId2"/>
-          <a:stretch>
-            <a:fillRect/>
-          </a:stretch>
-        </p:blipFill>
-        <p:spPr>
-          <a:xfrm>
-            <a:off x="12700" y="1079500"/>
-            <a:ext cx="2959100" cy="2235200"/>
-          </a:xfrm>
-          <a:prstGeom prst="rect">
-            <a:avLst/>
-          </a:prstGeom>
-        </p:spPr>
-      </p:pic>
-      <p:pic>
-        <p:nvPicPr>
-          <p:cNvPr id="6" name="Picture 5" descr="image.png"/>
-          <p:cNvPicPr>
-            <a:picLocks noChangeAspect="1"/>
-          </p:cNvPicPr>
-          <p:nvPr/>
-        </p:nvPicPr>
-        <p:blipFill>
-          <a:blip r:embed="rId3"/>
-          <a:stretch>
-            <a:fillRect/>
-          </a:stretch>
-        </p:blipFill>
-        <p:spPr>
-          <a:xfrm>
-            <a:off x="3035300" y="1079500"/>
-            <a:ext cx="2959100" cy="2235200"/>
-          </a:xfrm>
-          <a:prstGeom prst="rect">
-            <a:avLst/>
-          </a:prstGeom>
-        </p:spPr>
-      </p:pic>
-      <p:pic>
-        <p:nvPicPr>
-          <p:cNvPr id="7" name="Picture 6" descr="image.png"/>
-          <p:cNvPicPr>
-            <a:picLocks noChangeAspect="1"/>
-          </p:cNvPicPr>
-          <p:nvPr/>
-        </p:nvPicPr>
-        <p:blipFill>
-          <a:blip r:embed="rId4"/>
-          <a:stretch>
-            <a:fillRect/>
-          </a:stretch>
-        </p:blipFill>
-        <p:spPr>
-          <a:xfrm>
-            <a:off x="6057900" y="1079500"/>
-            <a:ext cx="2959100" cy="2235200"/>
-          </a:xfrm>
-          <a:prstGeom prst="rect">
-            <a:avLst/>
-          </a:prstGeom>
-        </p:spPr>
-      </p:pic>
     </p:spTree>
     <p:extLst>
       <p:ext uri="{BB962C8B-B14F-4D97-AF65-F5344CB8AC3E}">
@@ -10976,7 +10544,7 @@
           <a:p>
             <a:r>
               <a:rPr lang="en-US" dirty="0"/>
-              <a:t>5537_-_State_32_Rear_H_Field | VT-15 Magnetic Fields</a:t>
+              <a:t>*8*</a:t>
             </a:r>
           </a:p>
         </p:txBody>
@@ -11018,150 +10586,6 @@
           </a:p>
         </p:txBody>
       </p:sp>
-      <p:pic>
-        <p:nvPicPr>
-          <p:cNvPr id="5" name="Picture 4" descr="image.png"/>
-          <p:cNvPicPr>
-            <a:picLocks noChangeAspect="1"/>
-          </p:cNvPicPr>
-          <p:nvPr/>
-        </p:nvPicPr>
-        <p:blipFill>
-          <a:blip r:embed="rId2"/>
-          <a:stretch>
-            <a:fillRect/>
-          </a:stretch>
-        </p:blipFill>
-        <p:spPr>
-          <a:xfrm>
-            <a:off x="12700" y="825500"/>
-            <a:ext cx="2806700" cy="2120900"/>
-          </a:xfrm>
-          <a:prstGeom prst="rect">
-            <a:avLst/>
-          </a:prstGeom>
-        </p:spPr>
-      </p:pic>
-      <p:pic>
-        <p:nvPicPr>
-          <p:cNvPr id="6" name="Picture 5" descr="image.png"/>
-          <p:cNvPicPr>
-            <a:picLocks noChangeAspect="1"/>
-          </p:cNvPicPr>
-          <p:nvPr/>
-        </p:nvPicPr>
-        <p:blipFill>
-          <a:blip r:embed="rId3"/>
-          <a:stretch>
-            <a:fillRect/>
-          </a:stretch>
-        </p:blipFill>
-        <p:spPr>
-          <a:xfrm>
-            <a:off x="3035300" y="825500"/>
-            <a:ext cx="2806700" cy="2120900"/>
-          </a:xfrm>
-          <a:prstGeom prst="rect">
-            <a:avLst/>
-          </a:prstGeom>
-        </p:spPr>
-      </p:pic>
-      <p:pic>
-        <p:nvPicPr>
-          <p:cNvPr id="7" name="Picture 6" descr="image.png"/>
-          <p:cNvPicPr>
-            <a:picLocks noChangeAspect="1"/>
-          </p:cNvPicPr>
-          <p:nvPr/>
-        </p:nvPicPr>
-        <p:blipFill>
-          <a:blip r:embed="rId4"/>
-          <a:stretch>
-            <a:fillRect/>
-          </a:stretch>
-        </p:blipFill>
-        <p:spPr>
-          <a:xfrm>
-            <a:off x="6057900" y="825500"/>
-            <a:ext cx="2806700" cy="2120900"/>
-          </a:xfrm>
-          <a:prstGeom prst="rect">
-            <a:avLst/>
-          </a:prstGeom>
-        </p:spPr>
-      </p:pic>
-      <p:pic>
-        <p:nvPicPr>
-          <p:cNvPr id="8" name="Picture 7" descr="image.png"/>
-          <p:cNvPicPr>
-            <a:picLocks noChangeAspect="1"/>
-          </p:cNvPicPr>
-          <p:nvPr/>
-        </p:nvPicPr>
-        <p:blipFill>
-          <a:blip r:embed="rId5"/>
-          <a:stretch>
-            <a:fillRect/>
-          </a:stretch>
-        </p:blipFill>
-        <p:spPr>
-          <a:xfrm>
-            <a:off x="12700" y="2984500"/>
-            <a:ext cx="2806700" cy="2120900"/>
-          </a:xfrm>
-          <a:prstGeom prst="rect">
-            <a:avLst/>
-          </a:prstGeom>
-        </p:spPr>
-      </p:pic>
-      <p:pic>
-        <p:nvPicPr>
-          <p:cNvPr id="9" name="Picture 8" descr="image.png"/>
-          <p:cNvPicPr>
-            <a:picLocks noChangeAspect="1"/>
-          </p:cNvPicPr>
-          <p:nvPr/>
-        </p:nvPicPr>
-        <p:blipFill>
-          <a:blip r:embed="rId6"/>
-          <a:stretch>
-            <a:fillRect/>
-          </a:stretch>
-        </p:blipFill>
-        <p:spPr>
-          <a:xfrm>
-            <a:off x="3035300" y="2984500"/>
-            <a:ext cx="2806700" cy="2120900"/>
-          </a:xfrm>
-          <a:prstGeom prst="rect">
-            <a:avLst/>
-          </a:prstGeom>
-        </p:spPr>
-      </p:pic>
-      <p:pic>
-        <p:nvPicPr>
-          <p:cNvPr id="10" name="Picture 9" descr="image.png"/>
-          <p:cNvPicPr>
-            <a:picLocks noChangeAspect="1"/>
-          </p:cNvPicPr>
-          <p:nvPr/>
-        </p:nvPicPr>
-        <p:blipFill>
-          <a:blip r:embed="rId7"/>
-          <a:stretch>
-            <a:fillRect/>
-          </a:stretch>
-        </p:blipFill>
-        <p:spPr>
-          <a:xfrm>
-            <a:off x="6057900" y="2984500"/>
-            <a:ext cx="2806700" cy="2120900"/>
-          </a:xfrm>
-          <a:prstGeom prst="rect">
-            <a:avLst/>
-          </a:prstGeom>
-        </p:spPr>
-      </p:pic>
     </p:spTree>
     <p:extLst>
       <p:ext uri="{BB962C8B-B14F-4D97-AF65-F5344CB8AC3E}">

--- a/newDeck.pptx
+++ b/newDeck.pptx
@@ -4139,7 +4139,7 @@
           <a:p>
             <a:r>
               <a:rPr lang="en-US" sz="1600" dirty="0"/>
-              <a:t>*0*</a:t>
+              <a:t>5537_-_State_4_-_RLNB | VT-01 Off-Board Emissions (3m)</a:t>
             </a:r>
           </a:p>
         </p:txBody>
@@ -4181,6 +4181,342 @@
           </a:p>
         </p:txBody>
       </p:sp>
+      <p:pic>
+        <p:nvPicPr>
+          <p:cNvPr id="5" name="Picture 4" descr="image.png"/>
+          <p:cNvPicPr>
+            <a:picLocks noChangeAspect="1"/>
+          </p:cNvPicPr>
+          <p:nvPr/>
+        </p:nvPicPr>
+        <p:blipFill>
+          <a:blip r:embed="rId2"/>
+          <a:stretch>
+            <a:fillRect/>
+          </a:stretch>
+        </p:blipFill>
+        <p:spPr>
+          <a:xfrm>
+            <a:off x="12700" y="1079500"/>
+            <a:ext cx="4546600" cy="3429000"/>
+          </a:xfrm>
+          <a:prstGeom prst="rect">
+            <a:avLst/>
+          </a:prstGeom>
+        </p:spPr>
+      </p:pic>
+      <p:pic>
+        <p:nvPicPr>
+          <p:cNvPr id="6" name="Picture 5" descr="image.png"/>
+          <p:cNvPicPr>
+            <a:picLocks noChangeAspect="1"/>
+          </p:cNvPicPr>
+          <p:nvPr/>
+        </p:nvPicPr>
+        <p:blipFill>
+          <a:blip r:embed="rId3"/>
+          <a:stretch>
+            <a:fillRect/>
+          </a:stretch>
+        </p:blipFill>
+        <p:spPr>
+          <a:xfrm>
+            <a:off x="4572000" y="1079500"/>
+            <a:ext cx="4546600" cy="3429000"/>
+          </a:xfrm>
+          <a:prstGeom prst="rect">
+            <a:avLst/>
+          </a:prstGeom>
+        </p:spPr>
+      </p:pic>
+      <p:pic>
+        <p:nvPicPr>
+          <p:cNvPr id="7" name="Picture 6" descr="image.png"/>
+          <p:cNvPicPr>
+            <a:picLocks noChangeAspect="1"/>
+          </p:cNvPicPr>
+          <p:nvPr/>
+        </p:nvPicPr>
+        <p:blipFill>
+          <a:blip r:embed="rId2"/>
+          <a:stretch>
+            <a:fillRect/>
+          </a:stretch>
+        </p:blipFill>
+        <p:spPr>
+          <a:xfrm>
+            <a:off x="12700" y="1079500"/>
+            <a:ext cx="4546600" cy="3429000"/>
+          </a:xfrm>
+          <a:prstGeom prst="rect">
+            <a:avLst/>
+          </a:prstGeom>
+        </p:spPr>
+      </p:pic>
+      <p:pic>
+        <p:nvPicPr>
+          <p:cNvPr id="8" name="Picture 7" descr="image.png"/>
+          <p:cNvPicPr>
+            <a:picLocks noChangeAspect="1"/>
+          </p:cNvPicPr>
+          <p:nvPr/>
+        </p:nvPicPr>
+        <p:blipFill>
+          <a:blip r:embed="rId3"/>
+          <a:stretch>
+            <a:fillRect/>
+          </a:stretch>
+        </p:blipFill>
+        <p:spPr>
+          <a:xfrm>
+            <a:off x="4572000" y="1079500"/>
+            <a:ext cx="4546600" cy="3429000"/>
+          </a:xfrm>
+          <a:prstGeom prst="rect">
+            <a:avLst/>
+          </a:prstGeom>
+        </p:spPr>
+      </p:pic>
+      <p:pic>
+        <p:nvPicPr>
+          <p:cNvPr id="9" name="Picture 8" descr="image.png"/>
+          <p:cNvPicPr>
+            <a:picLocks noChangeAspect="1"/>
+          </p:cNvPicPr>
+          <p:nvPr/>
+        </p:nvPicPr>
+        <p:blipFill>
+          <a:blip r:embed="rId2"/>
+          <a:stretch>
+            <a:fillRect/>
+          </a:stretch>
+        </p:blipFill>
+        <p:spPr>
+          <a:xfrm>
+            <a:off x="12700" y="1079500"/>
+            <a:ext cx="4546600" cy="3429000"/>
+          </a:xfrm>
+          <a:prstGeom prst="rect">
+            <a:avLst/>
+          </a:prstGeom>
+        </p:spPr>
+      </p:pic>
+      <p:pic>
+        <p:nvPicPr>
+          <p:cNvPr id="10" name="Picture 9" descr="image.png"/>
+          <p:cNvPicPr>
+            <a:picLocks noChangeAspect="1"/>
+          </p:cNvPicPr>
+          <p:nvPr/>
+        </p:nvPicPr>
+        <p:blipFill>
+          <a:blip r:embed="rId3"/>
+          <a:stretch>
+            <a:fillRect/>
+          </a:stretch>
+        </p:blipFill>
+        <p:spPr>
+          <a:xfrm>
+            <a:off x="4572000" y="1079500"/>
+            <a:ext cx="4546600" cy="3429000"/>
+          </a:xfrm>
+          <a:prstGeom prst="rect">
+            <a:avLst/>
+          </a:prstGeom>
+        </p:spPr>
+      </p:pic>
+      <p:pic>
+        <p:nvPicPr>
+          <p:cNvPr id="11" name="Picture 10" descr="image.png"/>
+          <p:cNvPicPr>
+            <a:picLocks noChangeAspect="1"/>
+          </p:cNvPicPr>
+          <p:nvPr/>
+        </p:nvPicPr>
+        <p:blipFill>
+          <a:blip r:embed="rId2"/>
+          <a:stretch>
+            <a:fillRect/>
+          </a:stretch>
+        </p:blipFill>
+        <p:spPr>
+          <a:xfrm>
+            <a:off x="12700" y="1079500"/>
+            <a:ext cx="4546600" cy="3429000"/>
+          </a:xfrm>
+          <a:prstGeom prst="rect">
+            <a:avLst/>
+          </a:prstGeom>
+        </p:spPr>
+      </p:pic>
+      <p:pic>
+        <p:nvPicPr>
+          <p:cNvPr id="12" name="Picture 11" descr="image.png"/>
+          <p:cNvPicPr>
+            <a:picLocks noChangeAspect="1"/>
+          </p:cNvPicPr>
+          <p:nvPr/>
+        </p:nvPicPr>
+        <p:blipFill>
+          <a:blip r:embed="rId3"/>
+          <a:stretch>
+            <a:fillRect/>
+          </a:stretch>
+        </p:blipFill>
+        <p:spPr>
+          <a:xfrm>
+            <a:off x="4572000" y="1079500"/>
+            <a:ext cx="4546600" cy="3429000"/>
+          </a:xfrm>
+          <a:prstGeom prst="rect">
+            <a:avLst/>
+          </a:prstGeom>
+        </p:spPr>
+      </p:pic>
+      <p:pic>
+        <p:nvPicPr>
+          <p:cNvPr id="13" name="Picture 12" descr="image.png"/>
+          <p:cNvPicPr>
+            <a:picLocks noChangeAspect="1"/>
+          </p:cNvPicPr>
+          <p:nvPr/>
+        </p:nvPicPr>
+        <p:blipFill>
+          <a:blip r:embed="rId2"/>
+          <a:stretch>
+            <a:fillRect/>
+          </a:stretch>
+        </p:blipFill>
+        <p:spPr>
+          <a:xfrm>
+            <a:off x="12700" y="1079500"/>
+            <a:ext cx="4546600" cy="3429000"/>
+          </a:xfrm>
+          <a:prstGeom prst="rect">
+            <a:avLst/>
+          </a:prstGeom>
+        </p:spPr>
+      </p:pic>
+      <p:pic>
+        <p:nvPicPr>
+          <p:cNvPr id="14" name="Picture 13" descr="image.png"/>
+          <p:cNvPicPr>
+            <a:picLocks noChangeAspect="1"/>
+          </p:cNvPicPr>
+          <p:nvPr/>
+        </p:nvPicPr>
+        <p:blipFill>
+          <a:blip r:embed="rId3"/>
+          <a:stretch>
+            <a:fillRect/>
+          </a:stretch>
+        </p:blipFill>
+        <p:spPr>
+          <a:xfrm>
+            <a:off x="4572000" y="1079500"/>
+            <a:ext cx="4546600" cy="3429000"/>
+          </a:xfrm>
+          <a:prstGeom prst="rect">
+            <a:avLst/>
+          </a:prstGeom>
+        </p:spPr>
+      </p:pic>
+      <p:pic>
+        <p:nvPicPr>
+          <p:cNvPr id="15" name="Picture 14" descr="image.png"/>
+          <p:cNvPicPr>
+            <a:picLocks noChangeAspect="1"/>
+          </p:cNvPicPr>
+          <p:nvPr/>
+        </p:nvPicPr>
+        <p:blipFill>
+          <a:blip r:embed="rId2"/>
+          <a:stretch>
+            <a:fillRect/>
+          </a:stretch>
+        </p:blipFill>
+        <p:spPr>
+          <a:xfrm>
+            <a:off x="12700" y="1079500"/>
+            <a:ext cx="4546600" cy="3429000"/>
+          </a:xfrm>
+          <a:prstGeom prst="rect">
+            <a:avLst/>
+          </a:prstGeom>
+        </p:spPr>
+      </p:pic>
+      <p:pic>
+        <p:nvPicPr>
+          <p:cNvPr id="16" name="Picture 15" descr="image.png"/>
+          <p:cNvPicPr>
+            <a:picLocks noChangeAspect="1"/>
+          </p:cNvPicPr>
+          <p:nvPr/>
+        </p:nvPicPr>
+        <p:blipFill>
+          <a:blip r:embed="rId3"/>
+          <a:stretch>
+            <a:fillRect/>
+          </a:stretch>
+        </p:blipFill>
+        <p:spPr>
+          <a:xfrm>
+            <a:off x="4572000" y="1079500"/>
+            <a:ext cx="4546600" cy="3429000"/>
+          </a:xfrm>
+          <a:prstGeom prst="rect">
+            <a:avLst/>
+          </a:prstGeom>
+        </p:spPr>
+      </p:pic>
+      <p:pic>
+        <p:nvPicPr>
+          <p:cNvPr id="17" name="Picture 16" descr="image.png"/>
+          <p:cNvPicPr>
+            <a:picLocks noChangeAspect="1"/>
+          </p:cNvPicPr>
+          <p:nvPr/>
+        </p:nvPicPr>
+        <p:blipFill>
+          <a:blip r:embed="rId2"/>
+          <a:stretch>
+            <a:fillRect/>
+          </a:stretch>
+        </p:blipFill>
+        <p:spPr>
+          <a:xfrm>
+            <a:off x="12700" y="1079500"/>
+            <a:ext cx="4546600" cy="3429000"/>
+          </a:xfrm>
+          <a:prstGeom prst="rect">
+            <a:avLst/>
+          </a:prstGeom>
+        </p:spPr>
+      </p:pic>
+      <p:pic>
+        <p:nvPicPr>
+          <p:cNvPr id="18" name="Picture 17" descr="image.png"/>
+          <p:cNvPicPr>
+            <a:picLocks noChangeAspect="1"/>
+          </p:cNvPicPr>
+          <p:nvPr/>
+        </p:nvPicPr>
+        <p:blipFill>
+          <a:blip r:embed="rId3"/>
+          <a:stretch>
+            <a:fillRect/>
+          </a:stretch>
+        </p:blipFill>
+        <p:spPr>
+          <a:xfrm>
+            <a:off x="4572000" y="1079500"/>
+            <a:ext cx="4546600" cy="3429000"/>
+          </a:xfrm>
+          <a:prstGeom prst="rect">
+            <a:avLst/>
+          </a:prstGeom>
+        </p:spPr>
+      </p:pic>
     </p:spTree>
     <p:extLst>
       <p:ext uri="{BB962C8B-B14F-4D97-AF65-F5344CB8AC3E}">
@@ -5553,7 +5889,7 @@
           <a:p>
             <a:r>
               <a:rPr lang="en-US" sz="1600" dirty="0"/>
-              <a:t>*1*</a:t>
+              <a:t>5537_-_State_5_-_RLBB | VT-01 Off-Board Emissions (3m)</a:t>
             </a:r>
           </a:p>
         </p:txBody>
@@ -5595,6 +5931,342 @@
           </a:p>
         </p:txBody>
       </p:sp>
+      <p:pic>
+        <p:nvPicPr>
+          <p:cNvPr id="5" name="Picture 4" descr="image.png"/>
+          <p:cNvPicPr>
+            <a:picLocks noChangeAspect="1"/>
+          </p:cNvPicPr>
+          <p:nvPr/>
+        </p:nvPicPr>
+        <p:blipFill>
+          <a:blip r:embed="rId2"/>
+          <a:stretch>
+            <a:fillRect/>
+          </a:stretch>
+        </p:blipFill>
+        <p:spPr>
+          <a:xfrm>
+            <a:off x="12700" y="1079500"/>
+            <a:ext cx="4546600" cy="3429000"/>
+          </a:xfrm>
+          <a:prstGeom prst="rect">
+            <a:avLst/>
+          </a:prstGeom>
+        </p:spPr>
+      </p:pic>
+      <p:pic>
+        <p:nvPicPr>
+          <p:cNvPr id="6" name="Picture 5" descr="image.png"/>
+          <p:cNvPicPr>
+            <a:picLocks noChangeAspect="1"/>
+          </p:cNvPicPr>
+          <p:nvPr/>
+        </p:nvPicPr>
+        <p:blipFill>
+          <a:blip r:embed="rId3"/>
+          <a:stretch>
+            <a:fillRect/>
+          </a:stretch>
+        </p:blipFill>
+        <p:spPr>
+          <a:xfrm>
+            <a:off x="4572000" y="1079500"/>
+            <a:ext cx="4546600" cy="3429000"/>
+          </a:xfrm>
+          <a:prstGeom prst="rect">
+            <a:avLst/>
+          </a:prstGeom>
+        </p:spPr>
+      </p:pic>
+      <p:pic>
+        <p:nvPicPr>
+          <p:cNvPr id="7" name="Picture 6" descr="image.png"/>
+          <p:cNvPicPr>
+            <a:picLocks noChangeAspect="1"/>
+          </p:cNvPicPr>
+          <p:nvPr/>
+        </p:nvPicPr>
+        <p:blipFill>
+          <a:blip r:embed="rId2"/>
+          <a:stretch>
+            <a:fillRect/>
+          </a:stretch>
+        </p:blipFill>
+        <p:spPr>
+          <a:xfrm>
+            <a:off x="12700" y="1079500"/>
+            <a:ext cx="4546600" cy="3429000"/>
+          </a:xfrm>
+          <a:prstGeom prst="rect">
+            <a:avLst/>
+          </a:prstGeom>
+        </p:spPr>
+      </p:pic>
+      <p:pic>
+        <p:nvPicPr>
+          <p:cNvPr id="8" name="Picture 7" descr="image.png"/>
+          <p:cNvPicPr>
+            <a:picLocks noChangeAspect="1"/>
+          </p:cNvPicPr>
+          <p:nvPr/>
+        </p:nvPicPr>
+        <p:blipFill>
+          <a:blip r:embed="rId3"/>
+          <a:stretch>
+            <a:fillRect/>
+          </a:stretch>
+        </p:blipFill>
+        <p:spPr>
+          <a:xfrm>
+            <a:off x="4572000" y="1079500"/>
+            <a:ext cx="4546600" cy="3429000"/>
+          </a:xfrm>
+          <a:prstGeom prst="rect">
+            <a:avLst/>
+          </a:prstGeom>
+        </p:spPr>
+      </p:pic>
+      <p:pic>
+        <p:nvPicPr>
+          <p:cNvPr id="9" name="Picture 8" descr="image.png"/>
+          <p:cNvPicPr>
+            <a:picLocks noChangeAspect="1"/>
+          </p:cNvPicPr>
+          <p:nvPr/>
+        </p:nvPicPr>
+        <p:blipFill>
+          <a:blip r:embed="rId2"/>
+          <a:stretch>
+            <a:fillRect/>
+          </a:stretch>
+        </p:blipFill>
+        <p:spPr>
+          <a:xfrm>
+            <a:off x="12700" y="1079500"/>
+            <a:ext cx="4546600" cy="3429000"/>
+          </a:xfrm>
+          <a:prstGeom prst="rect">
+            <a:avLst/>
+          </a:prstGeom>
+        </p:spPr>
+      </p:pic>
+      <p:pic>
+        <p:nvPicPr>
+          <p:cNvPr id="10" name="Picture 9" descr="image.png"/>
+          <p:cNvPicPr>
+            <a:picLocks noChangeAspect="1"/>
+          </p:cNvPicPr>
+          <p:nvPr/>
+        </p:nvPicPr>
+        <p:blipFill>
+          <a:blip r:embed="rId3"/>
+          <a:stretch>
+            <a:fillRect/>
+          </a:stretch>
+        </p:blipFill>
+        <p:spPr>
+          <a:xfrm>
+            <a:off x="4572000" y="1079500"/>
+            <a:ext cx="4546600" cy="3429000"/>
+          </a:xfrm>
+          <a:prstGeom prst="rect">
+            <a:avLst/>
+          </a:prstGeom>
+        </p:spPr>
+      </p:pic>
+      <p:pic>
+        <p:nvPicPr>
+          <p:cNvPr id="11" name="Picture 10" descr="image.png"/>
+          <p:cNvPicPr>
+            <a:picLocks noChangeAspect="1"/>
+          </p:cNvPicPr>
+          <p:nvPr/>
+        </p:nvPicPr>
+        <p:blipFill>
+          <a:blip r:embed="rId2"/>
+          <a:stretch>
+            <a:fillRect/>
+          </a:stretch>
+        </p:blipFill>
+        <p:spPr>
+          <a:xfrm>
+            <a:off x="12700" y="1079500"/>
+            <a:ext cx="4546600" cy="3429000"/>
+          </a:xfrm>
+          <a:prstGeom prst="rect">
+            <a:avLst/>
+          </a:prstGeom>
+        </p:spPr>
+      </p:pic>
+      <p:pic>
+        <p:nvPicPr>
+          <p:cNvPr id="12" name="Picture 11" descr="image.png"/>
+          <p:cNvPicPr>
+            <a:picLocks noChangeAspect="1"/>
+          </p:cNvPicPr>
+          <p:nvPr/>
+        </p:nvPicPr>
+        <p:blipFill>
+          <a:blip r:embed="rId3"/>
+          <a:stretch>
+            <a:fillRect/>
+          </a:stretch>
+        </p:blipFill>
+        <p:spPr>
+          <a:xfrm>
+            <a:off x="4572000" y="1079500"/>
+            <a:ext cx="4546600" cy="3429000"/>
+          </a:xfrm>
+          <a:prstGeom prst="rect">
+            <a:avLst/>
+          </a:prstGeom>
+        </p:spPr>
+      </p:pic>
+      <p:pic>
+        <p:nvPicPr>
+          <p:cNvPr id="13" name="Picture 12" descr="image.png"/>
+          <p:cNvPicPr>
+            <a:picLocks noChangeAspect="1"/>
+          </p:cNvPicPr>
+          <p:nvPr/>
+        </p:nvPicPr>
+        <p:blipFill>
+          <a:blip r:embed="rId2"/>
+          <a:stretch>
+            <a:fillRect/>
+          </a:stretch>
+        </p:blipFill>
+        <p:spPr>
+          <a:xfrm>
+            <a:off x="12700" y="1079500"/>
+            <a:ext cx="4546600" cy="3429000"/>
+          </a:xfrm>
+          <a:prstGeom prst="rect">
+            <a:avLst/>
+          </a:prstGeom>
+        </p:spPr>
+      </p:pic>
+      <p:pic>
+        <p:nvPicPr>
+          <p:cNvPr id="14" name="Picture 13" descr="image.png"/>
+          <p:cNvPicPr>
+            <a:picLocks noChangeAspect="1"/>
+          </p:cNvPicPr>
+          <p:nvPr/>
+        </p:nvPicPr>
+        <p:blipFill>
+          <a:blip r:embed="rId3"/>
+          <a:stretch>
+            <a:fillRect/>
+          </a:stretch>
+        </p:blipFill>
+        <p:spPr>
+          <a:xfrm>
+            <a:off x="4572000" y="1079500"/>
+            <a:ext cx="4546600" cy="3429000"/>
+          </a:xfrm>
+          <a:prstGeom prst="rect">
+            <a:avLst/>
+          </a:prstGeom>
+        </p:spPr>
+      </p:pic>
+      <p:pic>
+        <p:nvPicPr>
+          <p:cNvPr id="15" name="Picture 14" descr="image.png"/>
+          <p:cNvPicPr>
+            <a:picLocks noChangeAspect="1"/>
+          </p:cNvPicPr>
+          <p:nvPr/>
+        </p:nvPicPr>
+        <p:blipFill>
+          <a:blip r:embed="rId2"/>
+          <a:stretch>
+            <a:fillRect/>
+          </a:stretch>
+        </p:blipFill>
+        <p:spPr>
+          <a:xfrm>
+            <a:off x="12700" y="1079500"/>
+            <a:ext cx="4546600" cy="3429000"/>
+          </a:xfrm>
+          <a:prstGeom prst="rect">
+            <a:avLst/>
+          </a:prstGeom>
+        </p:spPr>
+      </p:pic>
+      <p:pic>
+        <p:nvPicPr>
+          <p:cNvPr id="16" name="Picture 15" descr="image.png"/>
+          <p:cNvPicPr>
+            <a:picLocks noChangeAspect="1"/>
+          </p:cNvPicPr>
+          <p:nvPr/>
+        </p:nvPicPr>
+        <p:blipFill>
+          <a:blip r:embed="rId3"/>
+          <a:stretch>
+            <a:fillRect/>
+          </a:stretch>
+        </p:blipFill>
+        <p:spPr>
+          <a:xfrm>
+            <a:off x="4572000" y="1079500"/>
+            <a:ext cx="4546600" cy="3429000"/>
+          </a:xfrm>
+          <a:prstGeom prst="rect">
+            <a:avLst/>
+          </a:prstGeom>
+        </p:spPr>
+      </p:pic>
+      <p:pic>
+        <p:nvPicPr>
+          <p:cNvPr id="17" name="Picture 16" descr="image.png"/>
+          <p:cNvPicPr>
+            <a:picLocks noChangeAspect="1"/>
+          </p:cNvPicPr>
+          <p:nvPr/>
+        </p:nvPicPr>
+        <p:blipFill>
+          <a:blip r:embed="rId2"/>
+          <a:stretch>
+            <a:fillRect/>
+          </a:stretch>
+        </p:blipFill>
+        <p:spPr>
+          <a:xfrm>
+            <a:off x="12700" y="1079500"/>
+            <a:ext cx="4546600" cy="3429000"/>
+          </a:xfrm>
+          <a:prstGeom prst="rect">
+            <a:avLst/>
+          </a:prstGeom>
+        </p:spPr>
+      </p:pic>
+      <p:pic>
+        <p:nvPicPr>
+          <p:cNvPr id="18" name="Picture 17" descr="image.png"/>
+          <p:cNvPicPr>
+            <a:picLocks noChangeAspect="1"/>
+          </p:cNvPicPr>
+          <p:nvPr/>
+        </p:nvPicPr>
+        <p:blipFill>
+          <a:blip r:embed="rId3"/>
+          <a:stretch>
+            <a:fillRect/>
+          </a:stretch>
+        </p:blipFill>
+        <p:spPr>
+          <a:xfrm>
+            <a:off x="4572000" y="1079500"/>
+            <a:ext cx="4546600" cy="3429000"/>
+          </a:xfrm>
+          <a:prstGeom prst="rect">
+            <a:avLst/>
+          </a:prstGeom>
+        </p:spPr>
+      </p:pic>
     </p:spTree>
     <p:extLst>
       <p:ext uri="{BB962C8B-B14F-4D97-AF65-F5344CB8AC3E}">
@@ -6972,7 +7644,7 @@
           <a:p>
             <a:r>
               <a:rPr lang="en-US" sz="1600" dirty="0"/>
-              <a:t>*2*</a:t>
+              <a:t>5537_-_State_6_-_FLBB | VT-01 Off-Board Emissions (3m)</a:t>
             </a:r>
           </a:p>
         </p:txBody>
@@ -7014,6 +7686,342 @@
           </a:p>
         </p:txBody>
       </p:sp>
+      <p:pic>
+        <p:nvPicPr>
+          <p:cNvPr id="5" name="Picture 4" descr="image.png"/>
+          <p:cNvPicPr>
+            <a:picLocks noChangeAspect="1"/>
+          </p:cNvPicPr>
+          <p:nvPr/>
+        </p:nvPicPr>
+        <p:blipFill>
+          <a:blip r:embed="rId2"/>
+          <a:stretch>
+            <a:fillRect/>
+          </a:stretch>
+        </p:blipFill>
+        <p:spPr>
+          <a:xfrm>
+            <a:off x="12700" y="1079500"/>
+            <a:ext cx="4546600" cy="3429000"/>
+          </a:xfrm>
+          <a:prstGeom prst="rect">
+            <a:avLst/>
+          </a:prstGeom>
+        </p:spPr>
+      </p:pic>
+      <p:pic>
+        <p:nvPicPr>
+          <p:cNvPr id="6" name="Picture 5" descr="image.png"/>
+          <p:cNvPicPr>
+            <a:picLocks noChangeAspect="1"/>
+          </p:cNvPicPr>
+          <p:nvPr/>
+        </p:nvPicPr>
+        <p:blipFill>
+          <a:blip r:embed="rId3"/>
+          <a:stretch>
+            <a:fillRect/>
+          </a:stretch>
+        </p:blipFill>
+        <p:spPr>
+          <a:xfrm>
+            <a:off x="4572000" y="1079500"/>
+            <a:ext cx="4546600" cy="3429000"/>
+          </a:xfrm>
+          <a:prstGeom prst="rect">
+            <a:avLst/>
+          </a:prstGeom>
+        </p:spPr>
+      </p:pic>
+      <p:pic>
+        <p:nvPicPr>
+          <p:cNvPr id="7" name="Picture 6" descr="image.png"/>
+          <p:cNvPicPr>
+            <a:picLocks noChangeAspect="1"/>
+          </p:cNvPicPr>
+          <p:nvPr/>
+        </p:nvPicPr>
+        <p:blipFill>
+          <a:blip r:embed="rId2"/>
+          <a:stretch>
+            <a:fillRect/>
+          </a:stretch>
+        </p:blipFill>
+        <p:spPr>
+          <a:xfrm>
+            <a:off x="12700" y="1079500"/>
+            <a:ext cx="4546600" cy="3429000"/>
+          </a:xfrm>
+          <a:prstGeom prst="rect">
+            <a:avLst/>
+          </a:prstGeom>
+        </p:spPr>
+      </p:pic>
+      <p:pic>
+        <p:nvPicPr>
+          <p:cNvPr id="8" name="Picture 7" descr="image.png"/>
+          <p:cNvPicPr>
+            <a:picLocks noChangeAspect="1"/>
+          </p:cNvPicPr>
+          <p:nvPr/>
+        </p:nvPicPr>
+        <p:blipFill>
+          <a:blip r:embed="rId3"/>
+          <a:stretch>
+            <a:fillRect/>
+          </a:stretch>
+        </p:blipFill>
+        <p:spPr>
+          <a:xfrm>
+            <a:off x="4572000" y="1079500"/>
+            <a:ext cx="4546600" cy="3429000"/>
+          </a:xfrm>
+          <a:prstGeom prst="rect">
+            <a:avLst/>
+          </a:prstGeom>
+        </p:spPr>
+      </p:pic>
+      <p:pic>
+        <p:nvPicPr>
+          <p:cNvPr id="9" name="Picture 8" descr="image.png"/>
+          <p:cNvPicPr>
+            <a:picLocks noChangeAspect="1"/>
+          </p:cNvPicPr>
+          <p:nvPr/>
+        </p:nvPicPr>
+        <p:blipFill>
+          <a:blip r:embed="rId2"/>
+          <a:stretch>
+            <a:fillRect/>
+          </a:stretch>
+        </p:blipFill>
+        <p:spPr>
+          <a:xfrm>
+            <a:off x="12700" y="1079500"/>
+            <a:ext cx="4546600" cy="3429000"/>
+          </a:xfrm>
+          <a:prstGeom prst="rect">
+            <a:avLst/>
+          </a:prstGeom>
+        </p:spPr>
+      </p:pic>
+      <p:pic>
+        <p:nvPicPr>
+          <p:cNvPr id="10" name="Picture 9" descr="image.png"/>
+          <p:cNvPicPr>
+            <a:picLocks noChangeAspect="1"/>
+          </p:cNvPicPr>
+          <p:nvPr/>
+        </p:nvPicPr>
+        <p:blipFill>
+          <a:blip r:embed="rId3"/>
+          <a:stretch>
+            <a:fillRect/>
+          </a:stretch>
+        </p:blipFill>
+        <p:spPr>
+          <a:xfrm>
+            <a:off x="4572000" y="1079500"/>
+            <a:ext cx="4546600" cy="3429000"/>
+          </a:xfrm>
+          <a:prstGeom prst="rect">
+            <a:avLst/>
+          </a:prstGeom>
+        </p:spPr>
+      </p:pic>
+      <p:pic>
+        <p:nvPicPr>
+          <p:cNvPr id="11" name="Picture 10" descr="image.png"/>
+          <p:cNvPicPr>
+            <a:picLocks noChangeAspect="1"/>
+          </p:cNvPicPr>
+          <p:nvPr/>
+        </p:nvPicPr>
+        <p:blipFill>
+          <a:blip r:embed="rId2"/>
+          <a:stretch>
+            <a:fillRect/>
+          </a:stretch>
+        </p:blipFill>
+        <p:spPr>
+          <a:xfrm>
+            <a:off x="12700" y="1079500"/>
+            <a:ext cx="4546600" cy="3429000"/>
+          </a:xfrm>
+          <a:prstGeom prst="rect">
+            <a:avLst/>
+          </a:prstGeom>
+        </p:spPr>
+      </p:pic>
+      <p:pic>
+        <p:nvPicPr>
+          <p:cNvPr id="12" name="Picture 11" descr="image.png"/>
+          <p:cNvPicPr>
+            <a:picLocks noChangeAspect="1"/>
+          </p:cNvPicPr>
+          <p:nvPr/>
+        </p:nvPicPr>
+        <p:blipFill>
+          <a:blip r:embed="rId3"/>
+          <a:stretch>
+            <a:fillRect/>
+          </a:stretch>
+        </p:blipFill>
+        <p:spPr>
+          <a:xfrm>
+            <a:off x="4572000" y="1079500"/>
+            <a:ext cx="4546600" cy="3429000"/>
+          </a:xfrm>
+          <a:prstGeom prst="rect">
+            <a:avLst/>
+          </a:prstGeom>
+        </p:spPr>
+      </p:pic>
+      <p:pic>
+        <p:nvPicPr>
+          <p:cNvPr id="13" name="Picture 12" descr="image.png"/>
+          <p:cNvPicPr>
+            <a:picLocks noChangeAspect="1"/>
+          </p:cNvPicPr>
+          <p:nvPr/>
+        </p:nvPicPr>
+        <p:blipFill>
+          <a:blip r:embed="rId2"/>
+          <a:stretch>
+            <a:fillRect/>
+          </a:stretch>
+        </p:blipFill>
+        <p:spPr>
+          <a:xfrm>
+            <a:off x="12700" y="1079500"/>
+            <a:ext cx="4546600" cy="3429000"/>
+          </a:xfrm>
+          <a:prstGeom prst="rect">
+            <a:avLst/>
+          </a:prstGeom>
+        </p:spPr>
+      </p:pic>
+      <p:pic>
+        <p:nvPicPr>
+          <p:cNvPr id="14" name="Picture 13" descr="image.png"/>
+          <p:cNvPicPr>
+            <a:picLocks noChangeAspect="1"/>
+          </p:cNvPicPr>
+          <p:nvPr/>
+        </p:nvPicPr>
+        <p:blipFill>
+          <a:blip r:embed="rId3"/>
+          <a:stretch>
+            <a:fillRect/>
+          </a:stretch>
+        </p:blipFill>
+        <p:spPr>
+          <a:xfrm>
+            <a:off x="4572000" y="1079500"/>
+            <a:ext cx="4546600" cy="3429000"/>
+          </a:xfrm>
+          <a:prstGeom prst="rect">
+            <a:avLst/>
+          </a:prstGeom>
+        </p:spPr>
+      </p:pic>
+      <p:pic>
+        <p:nvPicPr>
+          <p:cNvPr id="15" name="Picture 14" descr="image.png"/>
+          <p:cNvPicPr>
+            <a:picLocks noChangeAspect="1"/>
+          </p:cNvPicPr>
+          <p:nvPr/>
+        </p:nvPicPr>
+        <p:blipFill>
+          <a:blip r:embed="rId2"/>
+          <a:stretch>
+            <a:fillRect/>
+          </a:stretch>
+        </p:blipFill>
+        <p:spPr>
+          <a:xfrm>
+            <a:off x="12700" y="1079500"/>
+            <a:ext cx="4546600" cy="3429000"/>
+          </a:xfrm>
+          <a:prstGeom prst="rect">
+            <a:avLst/>
+          </a:prstGeom>
+        </p:spPr>
+      </p:pic>
+      <p:pic>
+        <p:nvPicPr>
+          <p:cNvPr id="16" name="Picture 15" descr="image.png"/>
+          <p:cNvPicPr>
+            <a:picLocks noChangeAspect="1"/>
+          </p:cNvPicPr>
+          <p:nvPr/>
+        </p:nvPicPr>
+        <p:blipFill>
+          <a:blip r:embed="rId3"/>
+          <a:stretch>
+            <a:fillRect/>
+          </a:stretch>
+        </p:blipFill>
+        <p:spPr>
+          <a:xfrm>
+            <a:off x="4572000" y="1079500"/>
+            <a:ext cx="4546600" cy="3429000"/>
+          </a:xfrm>
+          <a:prstGeom prst="rect">
+            <a:avLst/>
+          </a:prstGeom>
+        </p:spPr>
+      </p:pic>
+      <p:pic>
+        <p:nvPicPr>
+          <p:cNvPr id="17" name="Picture 16" descr="image.png"/>
+          <p:cNvPicPr>
+            <a:picLocks noChangeAspect="1"/>
+          </p:cNvPicPr>
+          <p:nvPr/>
+        </p:nvPicPr>
+        <p:blipFill>
+          <a:blip r:embed="rId2"/>
+          <a:stretch>
+            <a:fillRect/>
+          </a:stretch>
+        </p:blipFill>
+        <p:spPr>
+          <a:xfrm>
+            <a:off x="12700" y="1079500"/>
+            <a:ext cx="4546600" cy="3429000"/>
+          </a:xfrm>
+          <a:prstGeom prst="rect">
+            <a:avLst/>
+          </a:prstGeom>
+        </p:spPr>
+      </p:pic>
+      <p:pic>
+        <p:nvPicPr>
+          <p:cNvPr id="18" name="Picture 17" descr="image.png"/>
+          <p:cNvPicPr>
+            <a:picLocks noChangeAspect="1"/>
+          </p:cNvPicPr>
+          <p:nvPr/>
+        </p:nvPicPr>
+        <p:blipFill>
+          <a:blip r:embed="rId3"/>
+          <a:stretch>
+            <a:fillRect/>
+          </a:stretch>
+        </p:blipFill>
+        <p:spPr>
+          <a:xfrm>
+            <a:off x="4572000" y="1079500"/>
+            <a:ext cx="4546600" cy="3429000"/>
+          </a:xfrm>
+          <a:prstGeom prst="rect">
+            <a:avLst/>
+          </a:prstGeom>
+        </p:spPr>
+      </p:pic>
     </p:spTree>
     <p:extLst>
       <p:ext uri="{BB962C8B-B14F-4D97-AF65-F5344CB8AC3E}">
@@ -8391,7 +9399,7 @@
           <a:p>
             <a:r>
               <a:rPr lang="en-US" dirty="0"/>
-              <a:t>*3*</a:t>
+              <a:t>5537_-_State_7_-_RRBB | VT-01 Off-Board Emissions (3m)</a:t>
             </a:r>
           </a:p>
         </p:txBody>
@@ -8433,6 +9441,342 @@
           </a:p>
         </p:txBody>
       </p:sp>
+      <p:pic>
+        <p:nvPicPr>
+          <p:cNvPr id="5" name="Picture 4" descr="image.png"/>
+          <p:cNvPicPr>
+            <a:picLocks noChangeAspect="1"/>
+          </p:cNvPicPr>
+          <p:nvPr/>
+        </p:nvPicPr>
+        <p:blipFill>
+          <a:blip r:embed="rId2"/>
+          <a:stretch>
+            <a:fillRect/>
+          </a:stretch>
+        </p:blipFill>
+        <p:spPr>
+          <a:xfrm>
+            <a:off x="12700" y="1079500"/>
+            <a:ext cx="4546600" cy="3429000"/>
+          </a:xfrm>
+          <a:prstGeom prst="rect">
+            <a:avLst/>
+          </a:prstGeom>
+        </p:spPr>
+      </p:pic>
+      <p:pic>
+        <p:nvPicPr>
+          <p:cNvPr id="6" name="Picture 5" descr="image.png"/>
+          <p:cNvPicPr>
+            <a:picLocks noChangeAspect="1"/>
+          </p:cNvPicPr>
+          <p:nvPr/>
+        </p:nvPicPr>
+        <p:blipFill>
+          <a:blip r:embed="rId3"/>
+          <a:stretch>
+            <a:fillRect/>
+          </a:stretch>
+        </p:blipFill>
+        <p:spPr>
+          <a:xfrm>
+            <a:off x="4572000" y="1079500"/>
+            <a:ext cx="4546600" cy="3429000"/>
+          </a:xfrm>
+          <a:prstGeom prst="rect">
+            <a:avLst/>
+          </a:prstGeom>
+        </p:spPr>
+      </p:pic>
+      <p:pic>
+        <p:nvPicPr>
+          <p:cNvPr id="7" name="Picture 6" descr="image.png"/>
+          <p:cNvPicPr>
+            <a:picLocks noChangeAspect="1"/>
+          </p:cNvPicPr>
+          <p:nvPr/>
+        </p:nvPicPr>
+        <p:blipFill>
+          <a:blip r:embed="rId2"/>
+          <a:stretch>
+            <a:fillRect/>
+          </a:stretch>
+        </p:blipFill>
+        <p:spPr>
+          <a:xfrm>
+            <a:off x="12700" y="1079500"/>
+            <a:ext cx="4546600" cy="3429000"/>
+          </a:xfrm>
+          <a:prstGeom prst="rect">
+            <a:avLst/>
+          </a:prstGeom>
+        </p:spPr>
+      </p:pic>
+      <p:pic>
+        <p:nvPicPr>
+          <p:cNvPr id="8" name="Picture 7" descr="image.png"/>
+          <p:cNvPicPr>
+            <a:picLocks noChangeAspect="1"/>
+          </p:cNvPicPr>
+          <p:nvPr/>
+        </p:nvPicPr>
+        <p:blipFill>
+          <a:blip r:embed="rId3"/>
+          <a:stretch>
+            <a:fillRect/>
+          </a:stretch>
+        </p:blipFill>
+        <p:spPr>
+          <a:xfrm>
+            <a:off x="4572000" y="1079500"/>
+            <a:ext cx="4546600" cy="3429000"/>
+          </a:xfrm>
+          <a:prstGeom prst="rect">
+            <a:avLst/>
+          </a:prstGeom>
+        </p:spPr>
+      </p:pic>
+      <p:pic>
+        <p:nvPicPr>
+          <p:cNvPr id="9" name="Picture 8" descr="image.png"/>
+          <p:cNvPicPr>
+            <a:picLocks noChangeAspect="1"/>
+          </p:cNvPicPr>
+          <p:nvPr/>
+        </p:nvPicPr>
+        <p:blipFill>
+          <a:blip r:embed="rId2"/>
+          <a:stretch>
+            <a:fillRect/>
+          </a:stretch>
+        </p:blipFill>
+        <p:spPr>
+          <a:xfrm>
+            <a:off x="12700" y="1079500"/>
+            <a:ext cx="4546600" cy="3429000"/>
+          </a:xfrm>
+          <a:prstGeom prst="rect">
+            <a:avLst/>
+          </a:prstGeom>
+        </p:spPr>
+      </p:pic>
+      <p:pic>
+        <p:nvPicPr>
+          <p:cNvPr id="10" name="Picture 9" descr="image.png"/>
+          <p:cNvPicPr>
+            <a:picLocks noChangeAspect="1"/>
+          </p:cNvPicPr>
+          <p:nvPr/>
+        </p:nvPicPr>
+        <p:blipFill>
+          <a:blip r:embed="rId3"/>
+          <a:stretch>
+            <a:fillRect/>
+          </a:stretch>
+        </p:blipFill>
+        <p:spPr>
+          <a:xfrm>
+            <a:off x="4572000" y="1079500"/>
+            <a:ext cx="4546600" cy="3429000"/>
+          </a:xfrm>
+          <a:prstGeom prst="rect">
+            <a:avLst/>
+          </a:prstGeom>
+        </p:spPr>
+      </p:pic>
+      <p:pic>
+        <p:nvPicPr>
+          <p:cNvPr id="11" name="Picture 10" descr="image.png"/>
+          <p:cNvPicPr>
+            <a:picLocks noChangeAspect="1"/>
+          </p:cNvPicPr>
+          <p:nvPr/>
+        </p:nvPicPr>
+        <p:blipFill>
+          <a:blip r:embed="rId2"/>
+          <a:stretch>
+            <a:fillRect/>
+          </a:stretch>
+        </p:blipFill>
+        <p:spPr>
+          <a:xfrm>
+            <a:off x="12700" y="1079500"/>
+            <a:ext cx="4546600" cy="3429000"/>
+          </a:xfrm>
+          <a:prstGeom prst="rect">
+            <a:avLst/>
+          </a:prstGeom>
+        </p:spPr>
+      </p:pic>
+      <p:pic>
+        <p:nvPicPr>
+          <p:cNvPr id="12" name="Picture 11" descr="image.png"/>
+          <p:cNvPicPr>
+            <a:picLocks noChangeAspect="1"/>
+          </p:cNvPicPr>
+          <p:nvPr/>
+        </p:nvPicPr>
+        <p:blipFill>
+          <a:blip r:embed="rId3"/>
+          <a:stretch>
+            <a:fillRect/>
+          </a:stretch>
+        </p:blipFill>
+        <p:spPr>
+          <a:xfrm>
+            <a:off x="4572000" y="1079500"/>
+            <a:ext cx="4546600" cy="3429000"/>
+          </a:xfrm>
+          <a:prstGeom prst="rect">
+            <a:avLst/>
+          </a:prstGeom>
+        </p:spPr>
+      </p:pic>
+      <p:pic>
+        <p:nvPicPr>
+          <p:cNvPr id="13" name="Picture 12" descr="image.png"/>
+          <p:cNvPicPr>
+            <a:picLocks noChangeAspect="1"/>
+          </p:cNvPicPr>
+          <p:nvPr/>
+        </p:nvPicPr>
+        <p:blipFill>
+          <a:blip r:embed="rId2"/>
+          <a:stretch>
+            <a:fillRect/>
+          </a:stretch>
+        </p:blipFill>
+        <p:spPr>
+          <a:xfrm>
+            <a:off x="12700" y="1079500"/>
+            <a:ext cx="4546600" cy="3429000"/>
+          </a:xfrm>
+          <a:prstGeom prst="rect">
+            <a:avLst/>
+          </a:prstGeom>
+        </p:spPr>
+      </p:pic>
+      <p:pic>
+        <p:nvPicPr>
+          <p:cNvPr id="14" name="Picture 13" descr="image.png"/>
+          <p:cNvPicPr>
+            <a:picLocks noChangeAspect="1"/>
+          </p:cNvPicPr>
+          <p:nvPr/>
+        </p:nvPicPr>
+        <p:blipFill>
+          <a:blip r:embed="rId3"/>
+          <a:stretch>
+            <a:fillRect/>
+          </a:stretch>
+        </p:blipFill>
+        <p:spPr>
+          <a:xfrm>
+            <a:off x="4572000" y="1079500"/>
+            <a:ext cx="4546600" cy="3429000"/>
+          </a:xfrm>
+          <a:prstGeom prst="rect">
+            <a:avLst/>
+          </a:prstGeom>
+        </p:spPr>
+      </p:pic>
+      <p:pic>
+        <p:nvPicPr>
+          <p:cNvPr id="15" name="Picture 14" descr="image.png"/>
+          <p:cNvPicPr>
+            <a:picLocks noChangeAspect="1"/>
+          </p:cNvPicPr>
+          <p:nvPr/>
+        </p:nvPicPr>
+        <p:blipFill>
+          <a:blip r:embed="rId2"/>
+          <a:stretch>
+            <a:fillRect/>
+          </a:stretch>
+        </p:blipFill>
+        <p:spPr>
+          <a:xfrm>
+            <a:off x="12700" y="1079500"/>
+            <a:ext cx="4546600" cy="3429000"/>
+          </a:xfrm>
+          <a:prstGeom prst="rect">
+            <a:avLst/>
+          </a:prstGeom>
+        </p:spPr>
+      </p:pic>
+      <p:pic>
+        <p:nvPicPr>
+          <p:cNvPr id="16" name="Picture 15" descr="image.png"/>
+          <p:cNvPicPr>
+            <a:picLocks noChangeAspect="1"/>
+          </p:cNvPicPr>
+          <p:nvPr/>
+        </p:nvPicPr>
+        <p:blipFill>
+          <a:blip r:embed="rId3"/>
+          <a:stretch>
+            <a:fillRect/>
+          </a:stretch>
+        </p:blipFill>
+        <p:spPr>
+          <a:xfrm>
+            <a:off x="4572000" y="1079500"/>
+            <a:ext cx="4546600" cy="3429000"/>
+          </a:xfrm>
+          <a:prstGeom prst="rect">
+            <a:avLst/>
+          </a:prstGeom>
+        </p:spPr>
+      </p:pic>
+      <p:pic>
+        <p:nvPicPr>
+          <p:cNvPr id="17" name="Picture 16" descr="image.png"/>
+          <p:cNvPicPr>
+            <a:picLocks noChangeAspect="1"/>
+          </p:cNvPicPr>
+          <p:nvPr/>
+        </p:nvPicPr>
+        <p:blipFill>
+          <a:blip r:embed="rId2"/>
+          <a:stretch>
+            <a:fillRect/>
+          </a:stretch>
+        </p:blipFill>
+        <p:spPr>
+          <a:xfrm>
+            <a:off x="12700" y="1079500"/>
+            <a:ext cx="4546600" cy="3429000"/>
+          </a:xfrm>
+          <a:prstGeom prst="rect">
+            <a:avLst/>
+          </a:prstGeom>
+        </p:spPr>
+      </p:pic>
+      <p:pic>
+        <p:nvPicPr>
+          <p:cNvPr id="18" name="Picture 17" descr="image.png"/>
+          <p:cNvPicPr>
+            <a:picLocks noChangeAspect="1"/>
+          </p:cNvPicPr>
+          <p:nvPr/>
+        </p:nvPicPr>
+        <p:blipFill>
+          <a:blip r:embed="rId3"/>
+          <a:stretch>
+            <a:fillRect/>
+          </a:stretch>
+        </p:blipFill>
+        <p:spPr>
+          <a:xfrm>
+            <a:off x="4572000" y="1079500"/>
+            <a:ext cx="4546600" cy="3429000"/>
+          </a:xfrm>
+          <a:prstGeom prst="rect">
+            <a:avLst/>
+          </a:prstGeom>
+        </p:spPr>
+      </p:pic>
     </p:spTree>
     <p:extLst>
       <p:ext uri="{BB962C8B-B14F-4D97-AF65-F5344CB8AC3E}">
@@ -9810,7 +11154,7 @@
           <a:p>
             <a:r>
               <a:rPr lang="en-US" dirty="0"/>
-              <a:t>*4*</a:t>
+              <a:t>5537_-_State_28_-_CE | VT-12 Conducted Emissions (Single Phase)</a:t>
             </a:r>
           </a:p>
         </p:txBody>
@@ -9852,6 +11196,342 @@
           </a:p>
         </p:txBody>
       </p:sp>
+      <p:pic>
+        <p:nvPicPr>
+          <p:cNvPr id="5" name="Picture 4" descr="image.png"/>
+          <p:cNvPicPr>
+            <a:picLocks noChangeAspect="1"/>
+          </p:cNvPicPr>
+          <p:nvPr/>
+        </p:nvPicPr>
+        <p:blipFill>
+          <a:blip r:embed="rId2"/>
+          <a:stretch>
+            <a:fillRect/>
+          </a:stretch>
+        </p:blipFill>
+        <p:spPr>
+          <a:xfrm>
+            <a:off x="12700" y="1079500"/>
+            <a:ext cx="4546600" cy="3429000"/>
+          </a:xfrm>
+          <a:prstGeom prst="rect">
+            <a:avLst/>
+          </a:prstGeom>
+        </p:spPr>
+      </p:pic>
+      <p:pic>
+        <p:nvPicPr>
+          <p:cNvPr id="6" name="Picture 5" descr="image.png"/>
+          <p:cNvPicPr>
+            <a:picLocks noChangeAspect="1"/>
+          </p:cNvPicPr>
+          <p:nvPr/>
+        </p:nvPicPr>
+        <p:blipFill>
+          <a:blip r:embed="rId3"/>
+          <a:stretch>
+            <a:fillRect/>
+          </a:stretch>
+        </p:blipFill>
+        <p:spPr>
+          <a:xfrm>
+            <a:off x="4572000" y="1079500"/>
+            <a:ext cx="4546600" cy="3429000"/>
+          </a:xfrm>
+          <a:prstGeom prst="rect">
+            <a:avLst/>
+          </a:prstGeom>
+        </p:spPr>
+      </p:pic>
+      <p:pic>
+        <p:nvPicPr>
+          <p:cNvPr id="7" name="Picture 6" descr="image.png"/>
+          <p:cNvPicPr>
+            <a:picLocks noChangeAspect="1"/>
+          </p:cNvPicPr>
+          <p:nvPr/>
+        </p:nvPicPr>
+        <p:blipFill>
+          <a:blip r:embed="rId2"/>
+          <a:stretch>
+            <a:fillRect/>
+          </a:stretch>
+        </p:blipFill>
+        <p:spPr>
+          <a:xfrm>
+            <a:off x="12700" y="1079500"/>
+            <a:ext cx="4546600" cy="3429000"/>
+          </a:xfrm>
+          <a:prstGeom prst="rect">
+            <a:avLst/>
+          </a:prstGeom>
+        </p:spPr>
+      </p:pic>
+      <p:pic>
+        <p:nvPicPr>
+          <p:cNvPr id="8" name="Picture 7" descr="image.png"/>
+          <p:cNvPicPr>
+            <a:picLocks noChangeAspect="1"/>
+          </p:cNvPicPr>
+          <p:nvPr/>
+        </p:nvPicPr>
+        <p:blipFill>
+          <a:blip r:embed="rId3"/>
+          <a:stretch>
+            <a:fillRect/>
+          </a:stretch>
+        </p:blipFill>
+        <p:spPr>
+          <a:xfrm>
+            <a:off x="4572000" y="1079500"/>
+            <a:ext cx="4546600" cy="3429000"/>
+          </a:xfrm>
+          <a:prstGeom prst="rect">
+            <a:avLst/>
+          </a:prstGeom>
+        </p:spPr>
+      </p:pic>
+      <p:pic>
+        <p:nvPicPr>
+          <p:cNvPr id="9" name="Picture 8" descr="image.png"/>
+          <p:cNvPicPr>
+            <a:picLocks noChangeAspect="1"/>
+          </p:cNvPicPr>
+          <p:nvPr/>
+        </p:nvPicPr>
+        <p:blipFill>
+          <a:blip r:embed="rId2"/>
+          <a:stretch>
+            <a:fillRect/>
+          </a:stretch>
+        </p:blipFill>
+        <p:spPr>
+          <a:xfrm>
+            <a:off x="12700" y="1079500"/>
+            <a:ext cx="4546600" cy="3429000"/>
+          </a:xfrm>
+          <a:prstGeom prst="rect">
+            <a:avLst/>
+          </a:prstGeom>
+        </p:spPr>
+      </p:pic>
+      <p:pic>
+        <p:nvPicPr>
+          <p:cNvPr id="10" name="Picture 9" descr="image.png"/>
+          <p:cNvPicPr>
+            <a:picLocks noChangeAspect="1"/>
+          </p:cNvPicPr>
+          <p:nvPr/>
+        </p:nvPicPr>
+        <p:blipFill>
+          <a:blip r:embed="rId3"/>
+          <a:stretch>
+            <a:fillRect/>
+          </a:stretch>
+        </p:blipFill>
+        <p:spPr>
+          <a:xfrm>
+            <a:off x="4572000" y="1079500"/>
+            <a:ext cx="4546600" cy="3429000"/>
+          </a:xfrm>
+          <a:prstGeom prst="rect">
+            <a:avLst/>
+          </a:prstGeom>
+        </p:spPr>
+      </p:pic>
+      <p:pic>
+        <p:nvPicPr>
+          <p:cNvPr id="11" name="Picture 10" descr="image.png"/>
+          <p:cNvPicPr>
+            <a:picLocks noChangeAspect="1"/>
+          </p:cNvPicPr>
+          <p:nvPr/>
+        </p:nvPicPr>
+        <p:blipFill>
+          <a:blip r:embed="rId2"/>
+          <a:stretch>
+            <a:fillRect/>
+          </a:stretch>
+        </p:blipFill>
+        <p:spPr>
+          <a:xfrm>
+            <a:off x="12700" y="1079500"/>
+            <a:ext cx="4546600" cy="3429000"/>
+          </a:xfrm>
+          <a:prstGeom prst="rect">
+            <a:avLst/>
+          </a:prstGeom>
+        </p:spPr>
+      </p:pic>
+      <p:pic>
+        <p:nvPicPr>
+          <p:cNvPr id="12" name="Picture 11" descr="image.png"/>
+          <p:cNvPicPr>
+            <a:picLocks noChangeAspect="1"/>
+          </p:cNvPicPr>
+          <p:nvPr/>
+        </p:nvPicPr>
+        <p:blipFill>
+          <a:blip r:embed="rId3"/>
+          <a:stretch>
+            <a:fillRect/>
+          </a:stretch>
+        </p:blipFill>
+        <p:spPr>
+          <a:xfrm>
+            <a:off x="4572000" y="1079500"/>
+            <a:ext cx="4546600" cy="3429000"/>
+          </a:xfrm>
+          <a:prstGeom prst="rect">
+            <a:avLst/>
+          </a:prstGeom>
+        </p:spPr>
+      </p:pic>
+      <p:pic>
+        <p:nvPicPr>
+          <p:cNvPr id="13" name="Picture 12" descr="image.png"/>
+          <p:cNvPicPr>
+            <a:picLocks noChangeAspect="1"/>
+          </p:cNvPicPr>
+          <p:nvPr/>
+        </p:nvPicPr>
+        <p:blipFill>
+          <a:blip r:embed="rId2"/>
+          <a:stretch>
+            <a:fillRect/>
+          </a:stretch>
+        </p:blipFill>
+        <p:spPr>
+          <a:xfrm>
+            <a:off x="12700" y="1079500"/>
+            <a:ext cx="4546600" cy="3429000"/>
+          </a:xfrm>
+          <a:prstGeom prst="rect">
+            <a:avLst/>
+          </a:prstGeom>
+        </p:spPr>
+      </p:pic>
+      <p:pic>
+        <p:nvPicPr>
+          <p:cNvPr id="14" name="Picture 13" descr="image.png"/>
+          <p:cNvPicPr>
+            <a:picLocks noChangeAspect="1"/>
+          </p:cNvPicPr>
+          <p:nvPr/>
+        </p:nvPicPr>
+        <p:blipFill>
+          <a:blip r:embed="rId3"/>
+          <a:stretch>
+            <a:fillRect/>
+          </a:stretch>
+        </p:blipFill>
+        <p:spPr>
+          <a:xfrm>
+            <a:off x="4572000" y="1079500"/>
+            <a:ext cx="4546600" cy="3429000"/>
+          </a:xfrm>
+          <a:prstGeom prst="rect">
+            <a:avLst/>
+          </a:prstGeom>
+        </p:spPr>
+      </p:pic>
+      <p:pic>
+        <p:nvPicPr>
+          <p:cNvPr id="15" name="Picture 14" descr="image.png"/>
+          <p:cNvPicPr>
+            <a:picLocks noChangeAspect="1"/>
+          </p:cNvPicPr>
+          <p:nvPr/>
+        </p:nvPicPr>
+        <p:blipFill>
+          <a:blip r:embed="rId2"/>
+          <a:stretch>
+            <a:fillRect/>
+          </a:stretch>
+        </p:blipFill>
+        <p:spPr>
+          <a:xfrm>
+            <a:off x="12700" y="1079500"/>
+            <a:ext cx="4546600" cy="3429000"/>
+          </a:xfrm>
+          <a:prstGeom prst="rect">
+            <a:avLst/>
+          </a:prstGeom>
+        </p:spPr>
+      </p:pic>
+      <p:pic>
+        <p:nvPicPr>
+          <p:cNvPr id="16" name="Picture 15" descr="image.png"/>
+          <p:cNvPicPr>
+            <a:picLocks noChangeAspect="1"/>
+          </p:cNvPicPr>
+          <p:nvPr/>
+        </p:nvPicPr>
+        <p:blipFill>
+          <a:blip r:embed="rId3"/>
+          <a:stretch>
+            <a:fillRect/>
+          </a:stretch>
+        </p:blipFill>
+        <p:spPr>
+          <a:xfrm>
+            <a:off x="4572000" y="1079500"/>
+            <a:ext cx="4546600" cy="3429000"/>
+          </a:xfrm>
+          <a:prstGeom prst="rect">
+            <a:avLst/>
+          </a:prstGeom>
+        </p:spPr>
+      </p:pic>
+      <p:pic>
+        <p:nvPicPr>
+          <p:cNvPr id="17" name="Picture 16" descr="image.png"/>
+          <p:cNvPicPr>
+            <a:picLocks noChangeAspect="1"/>
+          </p:cNvPicPr>
+          <p:nvPr/>
+        </p:nvPicPr>
+        <p:blipFill>
+          <a:blip r:embed="rId2"/>
+          <a:stretch>
+            <a:fillRect/>
+          </a:stretch>
+        </p:blipFill>
+        <p:spPr>
+          <a:xfrm>
+            <a:off x="12700" y="1079500"/>
+            <a:ext cx="4546600" cy="3429000"/>
+          </a:xfrm>
+          <a:prstGeom prst="rect">
+            <a:avLst/>
+          </a:prstGeom>
+        </p:spPr>
+      </p:pic>
+      <p:pic>
+        <p:nvPicPr>
+          <p:cNvPr id="18" name="Picture 17" descr="image.png"/>
+          <p:cNvPicPr>
+            <a:picLocks noChangeAspect="1"/>
+          </p:cNvPicPr>
+          <p:nvPr/>
+        </p:nvPicPr>
+        <p:blipFill>
+          <a:blip r:embed="rId3"/>
+          <a:stretch>
+            <a:fillRect/>
+          </a:stretch>
+        </p:blipFill>
+        <p:spPr>
+          <a:xfrm>
+            <a:off x="4572000" y="1079500"/>
+            <a:ext cx="4546600" cy="3429000"/>
+          </a:xfrm>
+          <a:prstGeom prst="rect">
+            <a:avLst/>
+          </a:prstGeom>
+        </p:spPr>
+      </p:pic>
     </p:spTree>
     <p:extLst>
       <p:ext uri="{BB962C8B-B14F-4D97-AF65-F5344CB8AC3E}">
@@ -10157,7 +11837,7 @@
           <a:p>
             <a:r>
               <a:rPr lang="en-US" dirty="0"/>
-              <a:t>*5*</a:t>
+              <a:t>5537_-_State_29_-_CE | VT-12 Conducted Emissions (Single Phase)</a:t>
             </a:r>
           </a:p>
         </p:txBody>
@@ -10199,6 +11879,342 @@
           </a:p>
         </p:txBody>
       </p:sp>
+      <p:pic>
+        <p:nvPicPr>
+          <p:cNvPr id="5" name="Picture 4" descr="image.png"/>
+          <p:cNvPicPr>
+            <a:picLocks noChangeAspect="1"/>
+          </p:cNvPicPr>
+          <p:nvPr/>
+        </p:nvPicPr>
+        <p:blipFill>
+          <a:blip r:embed="rId2"/>
+          <a:stretch>
+            <a:fillRect/>
+          </a:stretch>
+        </p:blipFill>
+        <p:spPr>
+          <a:xfrm>
+            <a:off x="12700" y="1079500"/>
+            <a:ext cx="4546600" cy="3429000"/>
+          </a:xfrm>
+          <a:prstGeom prst="rect">
+            <a:avLst/>
+          </a:prstGeom>
+        </p:spPr>
+      </p:pic>
+      <p:pic>
+        <p:nvPicPr>
+          <p:cNvPr id="6" name="Picture 5" descr="image.png"/>
+          <p:cNvPicPr>
+            <a:picLocks noChangeAspect="1"/>
+          </p:cNvPicPr>
+          <p:nvPr/>
+        </p:nvPicPr>
+        <p:blipFill>
+          <a:blip r:embed="rId3"/>
+          <a:stretch>
+            <a:fillRect/>
+          </a:stretch>
+        </p:blipFill>
+        <p:spPr>
+          <a:xfrm>
+            <a:off x="4572000" y="1079500"/>
+            <a:ext cx="4546600" cy="3429000"/>
+          </a:xfrm>
+          <a:prstGeom prst="rect">
+            <a:avLst/>
+          </a:prstGeom>
+        </p:spPr>
+      </p:pic>
+      <p:pic>
+        <p:nvPicPr>
+          <p:cNvPr id="7" name="Picture 6" descr="image.png"/>
+          <p:cNvPicPr>
+            <a:picLocks noChangeAspect="1"/>
+          </p:cNvPicPr>
+          <p:nvPr/>
+        </p:nvPicPr>
+        <p:blipFill>
+          <a:blip r:embed="rId2"/>
+          <a:stretch>
+            <a:fillRect/>
+          </a:stretch>
+        </p:blipFill>
+        <p:spPr>
+          <a:xfrm>
+            <a:off x="12700" y="1079500"/>
+            <a:ext cx="4546600" cy="3429000"/>
+          </a:xfrm>
+          <a:prstGeom prst="rect">
+            <a:avLst/>
+          </a:prstGeom>
+        </p:spPr>
+      </p:pic>
+      <p:pic>
+        <p:nvPicPr>
+          <p:cNvPr id="8" name="Picture 7" descr="image.png"/>
+          <p:cNvPicPr>
+            <a:picLocks noChangeAspect="1"/>
+          </p:cNvPicPr>
+          <p:nvPr/>
+        </p:nvPicPr>
+        <p:blipFill>
+          <a:blip r:embed="rId3"/>
+          <a:stretch>
+            <a:fillRect/>
+          </a:stretch>
+        </p:blipFill>
+        <p:spPr>
+          <a:xfrm>
+            <a:off x="4572000" y="1079500"/>
+            <a:ext cx="4546600" cy="3429000"/>
+          </a:xfrm>
+          <a:prstGeom prst="rect">
+            <a:avLst/>
+          </a:prstGeom>
+        </p:spPr>
+      </p:pic>
+      <p:pic>
+        <p:nvPicPr>
+          <p:cNvPr id="9" name="Picture 8" descr="image.png"/>
+          <p:cNvPicPr>
+            <a:picLocks noChangeAspect="1"/>
+          </p:cNvPicPr>
+          <p:nvPr/>
+        </p:nvPicPr>
+        <p:blipFill>
+          <a:blip r:embed="rId2"/>
+          <a:stretch>
+            <a:fillRect/>
+          </a:stretch>
+        </p:blipFill>
+        <p:spPr>
+          <a:xfrm>
+            <a:off x="12700" y="1079500"/>
+            <a:ext cx="4546600" cy="3429000"/>
+          </a:xfrm>
+          <a:prstGeom prst="rect">
+            <a:avLst/>
+          </a:prstGeom>
+        </p:spPr>
+      </p:pic>
+      <p:pic>
+        <p:nvPicPr>
+          <p:cNvPr id="10" name="Picture 9" descr="image.png"/>
+          <p:cNvPicPr>
+            <a:picLocks noChangeAspect="1"/>
+          </p:cNvPicPr>
+          <p:nvPr/>
+        </p:nvPicPr>
+        <p:blipFill>
+          <a:blip r:embed="rId3"/>
+          <a:stretch>
+            <a:fillRect/>
+          </a:stretch>
+        </p:blipFill>
+        <p:spPr>
+          <a:xfrm>
+            <a:off x="4572000" y="1079500"/>
+            <a:ext cx="4546600" cy="3429000"/>
+          </a:xfrm>
+          <a:prstGeom prst="rect">
+            <a:avLst/>
+          </a:prstGeom>
+        </p:spPr>
+      </p:pic>
+      <p:pic>
+        <p:nvPicPr>
+          <p:cNvPr id="11" name="Picture 10" descr="image.png"/>
+          <p:cNvPicPr>
+            <a:picLocks noChangeAspect="1"/>
+          </p:cNvPicPr>
+          <p:nvPr/>
+        </p:nvPicPr>
+        <p:blipFill>
+          <a:blip r:embed="rId2"/>
+          <a:stretch>
+            <a:fillRect/>
+          </a:stretch>
+        </p:blipFill>
+        <p:spPr>
+          <a:xfrm>
+            <a:off x="12700" y="1079500"/>
+            <a:ext cx="4546600" cy="3429000"/>
+          </a:xfrm>
+          <a:prstGeom prst="rect">
+            <a:avLst/>
+          </a:prstGeom>
+        </p:spPr>
+      </p:pic>
+      <p:pic>
+        <p:nvPicPr>
+          <p:cNvPr id="12" name="Picture 11" descr="image.png"/>
+          <p:cNvPicPr>
+            <a:picLocks noChangeAspect="1"/>
+          </p:cNvPicPr>
+          <p:nvPr/>
+        </p:nvPicPr>
+        <p:blipFill>
+          <a:blip r:embed="rId3"/>
+          <a:stretch>
+            <a:fillRect/>
+          </a:stretch>
+        </p:blipFill>
+        <p:spPr>
+          <a:xfrm>
+            <a:off x="4572000" y="1079500"/>
+            <a:ext cx="4546600" cy="3429000"/>
+          </a:xfrm>
+          <a:prstGeom prst="rect">
+            <a:avLst/>
+          </a:prstGeom>
+        </p:spPr>
+      </p:pic>
+      <p:pic>
+        <p:nvPicPr>
+          <p:cNvPr id="13" name="Picture 12" descr="image.png"/>
+          <p:cNvPicPr>
+            <a:picLocks noChangeAspect="1"/>
+          </p:cNvPicPr>
+          <p:nvPr/>
+        </p:nvPicPr>
+        <p:blipFill>
+          <a:blip r:embed="rId2"/>
+          <a:stretch>
+            <a:fillRect/>
+          </a:stretch>
+        </p:blipFill>
+        <p:spPr>
+          <a:xfrm>
+            <a:off x="12700" y="1079500"/>
+            <a:ext cx="4546600" cy="3429000"/>
+          </a:xfrm>
+          <a:prstGeom prst="rect">
+            <a:avLst/>
+          </a:prstGeom>
+        </p:spPr>
+      </p:pic>
+      <p:pic>
+        <p:nvPicPr>
+          <p:cNvPr id="14" name="Picture 13" descr="image.png"/>
+          <p:cNvPicPr>
+            <a:picLocks noChangeAspect="1"/>
+          </p:cNvPicPr>
+          <p:nvPr/>
+        </p:nvPicPr>
+        <p:blipFill>
+          <a:blip r:embed="rId3"/>
+          <a:stretch>
+            <a:fillRect/>
+          </a:stretch>
+        </p:blipFill>
+        <p:spPr>
+          <a:xfrm>
+            <a:off x="4572000" y="1079500"/>
+            <a:ext cx="4546600" cy="3429000"/>
+          </a:xfrm>
+          <a:prstGeom prst="rect">
+            <a:avLst/>
+          </a:prstGeom>
+        </p:spPr>
+      </p:pic>
+      <p:pic>
+        <p:nvPicPr>
+          <p:cNvPr id="15" name="Picture 14" descr="image.png"/>
+          <p:cNvPicPr>
+            <a:picLocks noChangeAspect="1"/>
+          </p:cNvPicPr>
+          <p:nvPr/>
+        </p:nvPicPr>
+        <p:blipFill>
+          <a:blip r:embed="rId2"/>
+          <a:stretch>
+            <a:fillRect/>
+          </a:stretch>
+        </p:blipFill>
+        <p:spPr>
+          <a:xfrm>
+            <a:off x="12700" y="1079500"/>
+            <a:ext cx="4546600" cy="3429000"/>
+          </a:xfrm>
+          <a:prstGeom prst="rect">
+            <a:avLst/>
+          </a:prstGeom>
+        </p:spPr>
+      </p:pic>
+      <p:pic>
+        <p:nvPicPr>
+          <p:cNvPr id="16" name="Picture 15" descr="image.png"/>
+          <p:cNvPicPr>
+            <a:picLocks noChangeAspect="1"/>
+          </p:cNvPicPr>
+          <p:nvPr/>
+        </p:nvPicPr>
+        <p:blipFill>
+          <a:blip r:embed="rId3"/>
+          <a:stretch>
+            <a:fillRect/>
+          </a:stretch>
+        </p:blipFill>
+        <p:spPr>
+          <a:xfrm>
+            <a:off x="4572000" y="1079500"/>
+            <a:ext cx="4546600" cy="3429000"/>
+          </a:xfrm>
+          <a:prstGeom prst="rect">
+            <a:avLst/>
+          </a:prstGeom>
+        </p:spPr>
+      </p:pic>
+      <p:pic>
+        <p:nvPicPr>
+          <p:cNvPr id="17" name="Picture 16" descr="image.png"/>
+          <p:cNvPicPr>
+            <a:picLocks noChangeAspect="1"/>
+          </p:cNvPicPr>
+          <p:nvPr/>
+        </p:nvPicPr>
+        <p:blipFill>
+          <a:blip r:embed="rId2"/>
+          <a:stretch>
+            <a:fillRect/>
+          </a:stretch>
+        </p:blipFill>
+        <p:spPr>
+          <a:xfrm>
+            <a:off x="12700" y="1079500"/>
+            <a:ext cx="4546600" cy="3429000"/>
+          </a:xfrm>
+          <a:prstGeom prst="rect">
+            <a:avLst/>
+          </a:prstGeom>
+        </p:spPr>
+      </p:pic>
+      <p:pic>
+        <p:nvPicPr>
+          <p:cNvPr id="18" name="Picture 17" descr="image.png"/>
+          <p:cNvPicPr>
+            <a:picLocks noChangeAspect="1"/>
+          </p:cNvPicPr>
+          <p:nvPr/>
+        </p:nvPicPr>
+        <p:blipFill>
+          <a:blip r:embed="rId3"/>
+          <a:stretch>
+            <a:fillRect/>
+          </a:stretch>
+        </p:blipFill>
+        <p:spPr>
+          <a:xfrm>
+            <a:off x="4572000" y="1079500"/>
+            <a:ext cx="4546600" cy="3429000"/>
+          </a:xfrm>
+          <a:prstGeom prst="rect">
+            <a:avLst/>
+          </a:prstGeom>
+        </p:spPr>
+      </p:pic>
     </p:spTree>
     <p:extLst>
       <p:ext uri="{BB962C8B-B14F-4D97-AF65-F5344CB8AC3E}">
@@ -10286,7 +12302,7 @@
           <a:p>
             <a:r>
               <a:rPr lang="en-US" dirty="0"/>
-              <a:t>*6*</a:t>
+              <a:t>5537_-_State_35_Rear_E_Field | VT-15 Electric Fields</a:t>
             </a:r>
           </a:p>
         </p:txBody>
@@ -10328,6 +12344,510 @@
           </a:p>
         </p:txBody>
       </p:sp>
+      <p:pic>
+        <p:nvPicPr>
+          <p:cNvPr id="5" name="Picture 4" descr="image.png"/>
+          <p:cNvPicPr>
+            <a:picLocks noChangeAspect="1"/>
+          </p:cNvPicPr>
+          <p:nvPr/>
+        </p:nvPicPr>
+        <p:blipFill>
+          <a:blip r:embed="rId2"/>
+          <a:stretch>
+            <a:fillRect/>
+          </a:stretch>
+        </p:blipFill>
+        <p:spPr>
+          <a:xfrm>
+            <a:off x="12700" y="1079500"/>
+            <a:ext cx="2959100" cy="2235200"/>
+          </a:xfrm>
+          <a:prstGeom prst="rect">
+            <a:avLst/>
+          </a:prstGeom>
+        </p:spPr>
+      </p:pic>
+      <p:pic>
+        <p:nvPicPr>
+          <p:cNvPr id="6" name="Picture 5" descr="image.png"/>
+          <p:cNvPicPr>
+            <a:picLocks noChangeAspect="1"/>
+          </p:cNvPicPr>
+          <p:nvPr/>
+        </p:nvPicPr>
+        <p:blipFill>
+          <a:blip r:embed="rId3"/>
+          <a:stretch>
+            <a:fillRect/>
+          </a:stretch>
+        </p:blipFill>
+        <p:spPr>
+          <a:xfrm>
+            <a:off x="3035300" y="1079500"/>
+            <a:ext cx="2959100" cy="2235200"/>
+          </a:xfrm>
+          <a:prstGeom prst="rect">
+            <a:avLst/>
+          </a:prstGeom>
+        </p:spPr>
+      </p:pic>
+      <p:pic>
+        <p:nvPicPr>
+          <p:cNvPr id="7" name="Picture 6" descr="image.png"/>
+          <p:cNvPicPr>
+            <a:picLocks noChangeAspect="1"/>
+          </p:cNvPicPr>
+          <p:nvPr/>
+        </p:nvPicPr>
+        <p:blipFill>
+          <a:blip r:embed="rId4"/>
+          <a:stretch>
+            <a:fillRect/>
+          </a:stretch>
+        </p:blipFill>
+        <p:spPr>
+          <a:xfrm>
+            <a:off x="6057900" y="1079500"/>
+            <a:ext cx="2959100" cy="2235200"/>
+          </a:xfrm>
+          <a:prstGeom prst="rect">
+            <a:avLst/>
+          </a:prstGeom>
+        </p:spPr>
+      </p:pic>
+      <p:pic>
+        <p:nvPicPr>
+          <p:cNvPr id="8" name="Picture 7" descr="image.png"/>
+          <p:cNvPicPr>
+            <a:picLocks noChangeAspect="1"/>
+          </p:cNvPicPr>
+          <p:nvPr/>
+        </p:nvPicPr>
+        <p:blipFill>
+          <a:blip r:embed="rId2"/>
+          <a:stretch>
+            <a:fillRect/>
+          </a:stretch>
+        </p:blipFill>
+        <p:spPr>
+          <a:xfrm>
+            <a:off x="12700" y="1079500"/>
+            <a:ext cx="2959100" cy="2235200"/>
+          </a:xfrm>
+          <a:prstGeom prst="rect">
+            <a:avLst/>
+          </a:prstGeom>
+        </p:spPr>
+      </p:pic>
+      <p:pic>
+        <p:nvPicPr>
+          <p:cNvPr id="9" name="Picture 8" descr="image.png"/>
+          <p:cNvPicPr>
+            <a:picLocks noChangeAspect="1"/>
+          </p:cNvPicPr>
+          <p:nvPr/>
+        </p:nvPicPr>
+        <p:blipFill>
+          <a:blip r:embed="rId3"/>
+          <a:stretch>
+            <a:fillRect/>
+          </a:stretch>
+        </p:blipFill>
+        <p:spPr>
+          <a:xfrm>
+            <a:off x="3035300" y="1079500"/>
+            <a:ext cx="2959100" cy="2235200"/>
+          </a:xfrm>
+          <a:prstGeom prst="rect">
+            <a:avLst/>
+          </a:prstGeom>
+        </p:spPr>
+      </p:pic>
+      <p:pic>
+        <p:nvPicPr>
+          <p:cNvPr id="10" name="Picture 9" descr="image.png"/>
+          <p:cNvPicPr>
+            <a:picLocks noChangeAspect="1"/>
+          </p:cNvPicPr>
+          <p:nvPr/>
+        </p:nvPicPr>
+        <p:blipFill>
+          <a:blip r:embed="rId4"/>
+          <a:stretch>
+            <a:fillRect/>
+          </a:stretch>
+        </p:blipFill>
+        <p:spPr>
+          <a:xfrm>
+            <a:off x="6057900" y="1079500"/>
+            <a:ext cx="2959100" cy="2235200"/>
+          </a:xfrm>
+          <a:prstGeom prst="rect">
+            <a:avLst/>
+          </a:prstGeom>
+        </p:spPr>
+      </p:pic>
+      <p:pic>
+        <p:nvPicPr>
+          <p:cNvPr id="11" name="Picture 10" descr="image.png"/>
+          <p:cNvPicPr>
+            <a:picLocks noChangeAspect="1"/>
+          </p:cNvPicPr>
+          <p:nvPr/>
+        </p:nvPicPr>
+        <p:blipFill>
+          <a:blip r:embed="rId2"/>
+          <a:stretch>
+            <a:fillRect/>
+          </a:stretch>
+        </p:blipFill>
+        <p:spPr>
+          <a:xfrm>
+            <a:off x="12700" y="1079500"/>
+            <a:ext cx="2959100" cy="2235200"/>
+          </a:xfrm>
+          <a:prstGeom prst="rect">
+            <a:avLst/>
+          </a:prstGeom>
+        </p:spPr>
+      </p:pic>
+      <p:pic>
+        <p:nvPicPr>
+          <p:cNvPr id="12" name="Picture 11" descr="image.png"/>
+          <p:cNvPicPr>
+            <a:picLocks noChangeAspect="1"/>
+          </p:cNvPicPr>
+          <p:nvPr/>
+        </p:nvPicPr>
+        <p:blipFill>
+          <a:blip r:embed="rId3"/>
+          <a:stretch>
+            <a:fillRect/>
+          </a:stretch>
+        </p:blipFill>
+        <p:spPr>
+          <a:xfrm>
+            <a:off x="3035300" y="1079500"/>
+            <a:ext cx="2959100" cy="2235200"/>
+          </a:xfrm>
+          <a:prstGeom prst="rect">
+            <a:avLst/>
+          </a:prstGeom>
+        </p:spPr>
+      </p:pic>
+      <p:pic>
+        <p:nvPicPr>
+          <p:cNvPr id="13" name="Picture 12" descr="image.png"/>
+          <p:cNvPicPr>
+            <a:picLocks noChangeAspect="1"/>
+          </p:cNvPicPr>
+          <p:nvPr/>
+        </p:nvPicPr>
+        <p:blipFill>
+          <a:blip r:embed="rId4"/>
+          <a:stretch>
+            <a:fillRect/>
+          </a:stretch>
+        </p:blipFill>
+        <p:spPr>
+          <a:xfrm>
+            <a:off x="6057900" y="1079500"/>
+            <a:ext cx="2959100" cy="2235200"/>
+          </a:xfrm>
+          <a:prstGeom prst="rect">
+            <a:avLst/>
+          </a:prstGeom>
+        </p:spPr>
+      </p:pic>
+      <p:pic>
+        <p:nvPicPr>
+          <p:cNvPr id="14" name="Picture 13" descr="image.png"/>
+          <p:cNvPicPr>
+            <a:picLocks noChangeAspect="1"/>
+          </p:cNvPicPr>
+          <p:nvPr/>
+        </p:nvPicPr>
+        <p:blipFill>
+          <a:blip r:embed="rId2"/>
+          <a:stretch>
+            <a:fillRect/>
+          </a:stretch>
+        </p:blipFill>
+        <p:spPr>
+          <a:xfrm>
+            <a:off x="12700" y="1079500"/>
+            <a:ext cx="2959100" cy="2235200"/>
+          </a:xfrm>
+          <a:prstGeom prst="rect">
+            <a:avLst/>
+          </a:prstGeom>
+        </p:spPr>
+      </p:pic>
+      <p:pic>
+        <p:nvPicPr>
+          <p:cNvPr id="15" name="Picture 14" descr="image.png"/>
+          <p:cNvPicPr>
+            <a:picLocks noChangeAspect="1"/>
+          </p:cNvPicPr>
+          <p:nvPr/>
+        </p:nvPicPr>
+        <p:blipFill>
+          <a:blip r:embed="rId3"/>
+          <a:stretch>
+            <a:fillRect/>
+          </a:stretch>
+        </p:blipFill>
+        <p:spPr>
+          <a:xfrm>
+            <a:off x="3035300" y="1079500"/>
+            <a:ext cx="2959100" cy="2235200"/>
+          </a:xfrm>
+          <a:prstGeom prst="rect">
+            <a:avLst/>
+          </a:prstGeom>
+        </p:spPr>
+      </p:pic>
+      <p:pic>
+        <p:nvPicPr>
+          <p:cNvPr id="16" name="Picture 15" descr="image.png"/>
+          <p:cNvPicPr>
+            <a:picLocks noChangeAspect="1"/>
+          </p:cNvPicPr>
+          <p:nvPr/>
+        </p:nvPicPr>
+        <p:blipFill>
+          <a:blip r:embed="rId4"/>
+          <a:stretch>
+            <a:fillRect/>
+          </a:stretch>
+        </p:blipFill>
+        <p:spPr>
+          <a:xfrm>
+            <a:off x="6057900" y="1079500"/>
+            <a:ext cx="2959100" cy="2235200"/>
+          </a:xfrm>
+          <a:prstGeom prst="rect">
+            <a:avLst/>
+          </a:prstGeom>
+        </p:spPr>
+      </p:pic>
+      <p:pic>
+        <p:nvPicPr>
+          <p:cNvPr id="17" name="Picture 16" descr="image.png"/>
+          <p:cNvPicPr>
+            <a:picLocks noChangeAspect="1"/>
+          </p:cNvPicPr>
+          <p:nvPr/>
+        </p:nvPicPr>
+        <p:blipFill>
+          <a:blip r:embed="rId2"/>
+          <a:stretch>
+            <a:fillRect/>
+          </a:stretch>
+        </p:blipFill>
+        <p:spPr>
+          <a:xfrm>
+            <a:off x="12700" y="1079500"/>
+            <a:ext cx="2959100" cy="2235200"/>
+          </a:xfrm>
+          <a:prstGeom prst="rect">
+            <a:avLst/>
+          </a:prstGeom>
+        </p:spPr>
+      </p:pic>
+      <p:pic>
+        <p:nvPicPr>
+          <p:cNvPr id="18" name="Picture 17" descr="image.png"/>
+          <p:cNvPicPr>
+            <a:picLocks noChangeAspect="1"/>
+          </p:cNvPicPr>
+          <p:nvPr/>
+        </p:nvPicPr>
+        <p:blipFill>
+          <a:blip r:embed="rId3"/>
+          <a:stretch>
+            <a:fillRect/>
+          </a:stretch>
+        </p:blipFill>
+        <p:spPr>
+          <a:xfrm>
+            <a:off x="3035300" y="1079500"/>
+            <a:ext cx="2959100" cy="2235200"/>
+          </a:xfrm>
+          <a:prstGeom prst="rect">
+            <a:avLst/>
+          </a:prstGeom>
+        </p:spPr>
+      </p:pic>
+      <p:pic>
+        <p:nvPicPr>
+          <p:cNvPr id="19" name="Picture 18" descr="image.png"/>
+          <p:cNvPicPr>
+            <a:picLocks noChangeAspect="1"/>
+          </p:cNvPicPr>
+          <p:nvPr/>
+        </p:nvPicPr>
+        <p:blipFill>
+          <a:blip r:embed="rId4"/>
+          <a:stretch>
+            <a:fillRect/>
+          </a:stretch>
+        </p:blipFill>
+        <p:spPr>
+          <a:xfrm>
+            <a:off x="6057900" y="1079500"/>
+            <a:ext cx="2959100" cy="2235200"/>
+          </a:xfrm>
+          <a:prstGeom prst="rect">
+            <a:avLst/>
+          </a:prstGeom>
+        </p:spPr>
+      </p:pic>
+      <p:pic>
+        <p:nvPicPr>
+          <p:cNvPr id="20" name="Picture 19" descr="image.png"/>
+          <p:cNvPicPr>
+            <a:picLocks noChangeAspect="1"/>
+          </p:cNvPicPr>
+          <p:nvPr/>
+        </p:nvPicPr>
+        <p:blipFill>
+          <a:blip r:embed="rId2"/>
+          <a:stretch>
+            <a:fillRect/>
+          </a:stretch>
+        </p:blipFill>
+        <p:spPr>
+          <a:xfrm>
+            <a:off x="12700" y="1079500"/>
+            <a:ext cx="2959100" cy="2235200"/>
+          </a:xfrm>
+          <a:prstGeom prst="rect">
+            <a:avLst/>
+          </a:prstGeom>
+        </p:spPr>
+      </p:pic>
+      <p:pic>
+        <p:nvPicPr>
+          <p:cNvPr id="21" name="Picture 20" descr="image.png"/>
+          <p:cNvPicPr>
+            <a:picLocks noChangeAspect="1"/>
+          </p:cNvPicPr>
+          <p:nvPr/>
+        </p:nvPicPr>
+        <p:blipFill>
+          <a:blip r:embed="rId3"/>
+          <a:stretch>
+            <a:fillRect/>
+          </a:stretch>
+        </p:blipFill>
+        <p:spPr>
+          <a:xfrm>
+            <a:off x="3035300" y="1079500"/>
+            <a:ext cx="2959100" cy="2235200"/>
+          </a:xfrm>
+          <a:prstGeom prst="rect">
+            <a:avLst/>
+          </a:prstGeom>
+        </p:spPr>
+      </p:pic>
+      <p:pic>
+        <p:nvPicPr>
+          <p:cNvPr id="22" name="Picture 21" descr="image.png"/>
+          <p:cNvPicPr>
+            <a:picLocks noChangeAspect="1"/>
+          </p:cNvPicPr>
+          <p:nvPr/>
+        </p:nvPicPr>
+        <p:blipFill>
+          <a:blip r:embed="rId4"/>
+          <a:stretch>
+            <a:fillRect/>
+          </a:stretch>
+        </p:blipFill>
+        <p:spPr>
+          <a:xfrm>
+            <a:off x="6057900" y="1079500"/>
+            <a:ext cx="2959100" cy="2235200"/>
+          </a:xfrm>
+          <a:prstGeom prst="rect">
+            <a:avLst/>
+          </a:prstGeom>
+        </p:spPr>
+      </p:pic>
+      <p:pic>
+        <p:nvPicPr>
+          <p:cNvPr id="23" name="Picture 22" descr="image.png"/>
+          <p:cNvPicPr>
+            <a:picLocks noChangeAspect="1"/>
+          </p:cNvPicPr>
+          <p:nvPr/>
+        </p:nvPicPr>
+        <p:blipFill>
+          <a:blip r:embed="rId2"/>
+          <a:stretch>
+            <a:fillRect/>
+          </a:stretch>
+        </p:blipFill>
+        <p:spPr>
+          <a:xfrm>
+            <a:off x="12700" y="1079500"/>
+            <a:ext cx="2959100" cy="2235200"/>
+          </a:xfrm>
+          <a:prstGeom prst="rect">
+            <a:avLst/>
+          </a:prstGeom>
+        </p:spPr>
+      </p:pic>
+      <p:pic>
+        <p:nvPicPr>
+          <p:cNvPr id="24" name="Picture 23" descr="image.png"/>
+          <p:cNvPicPr>
+            <a:picLocks noChangeAspect="1"/>
+          </p:cNvPicPr>
+          <p:nvPr/>
+        </p:nvPicPr>
+        <p:blipFill>
+          <a:blip r:embed="rId3"/>
+          <a:stretch>
+            <a:fillRect/>
+          </a:stretch>
+        </p:blipFill>
+        <p:spPr>
+          <a:xfrm>
+            <a:off x="3035300" y="1079500"/>
+            <a:ext cx="2959100" cy="2235200"/>
+          </a:xfrm>
+          <a:prstGeom prst="rect">
+            <a:avLst/>
+          </a:prstGeom>
+        </p:spPr>
+      </p:pic>
+      <p:pic>
+        <p:nvPicPr>
+          <p:cNvPr id="25" name="Picture 24" descr="image.png"/>
+          <p:cNvPicPr>
+            <a:picLocks noChangeAspect="1"/>
+          </p:cNvPicPr>
+          <p:nvPr/>
+        </p:nvPicPr>
+        <p:blipFill>
+          <a:blip r:embed="rId4"/>
+          <a:stretch>
+            <a:fillRect/>
+          </a:stretch>
+        </p:blipFill>
+        <p:spPr>
+          <a:xfrm>
+            <a:off x="6057900" y="1079500"/>
+            <a:ext cx="2959100" cy="2235200"/>
+          </a:xfrm>
+          <a:prstGeom prst="rect">
+            <a:avLst/>
+          </a:prstGeom>
+        </p:spPr>
+      </p:pic>
     </p:spTree>
     <p:extLst>
       <p:ext uri="{BB962C8B-B14F-4D97-AF65-F5344CB8AC3E}">
@@ -10415,7 +12935,7 @@
           <a:p>
             <a:r>
               <a:rPr lang="en-US" dirty="0"/>
-              <a:t>*7*</a:t>
+              <a:t>5537_-_State_37_LHS_E_Field | VT-15 Electric Fields</a:t>
             </a:r>
           </a:p>
         </p:txBody>
@@ -10457,6 +12977,510 @@
           </a:p>
         </p:txBody>
       </p:sp>
+      <p:pic>
+        <p:nvPicPr>
+          <p:cNvPr id="5" name="Picture 4" descr="image.png"/>
+          <p:cNvPicPr>
+            <a:picLocks noChangeAspect="1"/>
+          </p:cNvPicPr>
+          <p:nvPr/>
+        </p:nvPicPr>
+        <p:blipFill>
+          <a:blip r:embed="rId2"/>
+          <a:stretch>
+            <a:fillRect/>
+          </a:stretch>
+        </p:blipFill>
+        <p:spPr>
+          <a:xfrm>
+            <a:off x="12700" y="1079500"/>
+            <a:ext cx="2959100" cy="2235200"/>
+          </a:xfrm>
+          <a:prstGeom prst="rect">
+            <a:avLst/>
+          </a:prstGeom>
+        </p:spPr>
+      </p:pic>
+      <p:pic>
+        <p:nvPicPr>
+          <p:cNvPr id="6" name="Picture 5" descr="image.png"/>
+          <p:cNvPicPr>
+            <a:picLocks noChangeAspect="1"/>
+          </p:cNvPicPr>
+          <p:nvPr/>
+        </p:nvPicPr>
+        <p:blipFill>
+          <a:blip r:embed="rId3"/>
+          <a:stretch>
+            <a:fillRect/>
+          </a:stretch>
+        </p:blipFill>
+        <p:spPr>
+          <a:xfrm>
+            <a:off x="3035300" y="1079500"/>
+            <a:ext cx="2959100" cy="2235200"/>
+          </a:xfrm>
+          <a:prstGeom prst="rect">
+            <a:avLst/>
+          </a:prstGeom>
+        </p:spPr>
+      </p:pic>
+      <p:pic>
+        <p:nvPicPr>
+          <p:cNvPr id="7" name="Picture 6" descr="image.png"/>
+          <p:cNvPicPr>
+            <a:picLocks noChangeAspect="1"/>
+          </p:cNvPicPr>
+          <p:nvPr/>
+        </p:nvPicPr>
+        <p:blipFill>
+          <a:blip r:embed="rId4"/>
+          <a:stretch>
+            <a:fillRect/>
+          </a:stretch>
+        </p:blipFill>
+        <p:spPr>
+          <a:xfrm>
+            <a:off x="6057900" y="1079500"/>
+            <a:ext cx="2959100" cy="2235200"/>
+          </a:xfrm>
+          <a:prstGeom prst="rect">
+            <a:avLst/>
+          </a:prstGeom>
+        </p:spPr>
+      </p:pic>
+      <p:pic>
+        <p:nvPicPr>
+          <p:cNvPr id="8" name="Picture 7" descr="image.png"/>
+          <p:cNvPicPr>
+            <a:picLocks noChangeAspect="1"/>
+          </p:cNvPicPr>
+          <p:nvPr/>
+        </p:nvPicPr>
+        <p:blipFill>
+          <a:blip r:embed="rId2"/>
+          <a:stretch>
+            <a:fillRect/>
+          </a:stretch>
+        </p:blipFill>
+        <p:spPr>
+          <a:xfrm>
+            <a:off x="12700" y="1079500"/>
+            <a:ext cx="2959100" cy="2235200"/>
+          </a:xfrm>
+          <a:prstGeom prst="rect">
+            <a:avLst/>
+          </a:prstGeom>
+        </p:spPr>
+      </p:pic>
+      <p:pic>
+        <p:nvPicPr>
+          <p:cNvPr id="9" name="Picture 8" descr="image.png"/>
+          <p:cNvPicPr>
+            <a:picLocks noChangeAspect="1"/>
+          </p:cNvPicPr>
+          <p:nvPr/>
+        </p:nvPicPr>
+        <p:blipFill>
+          <a:blip r:embed="rId3"/>
+          <a:stretch>
+            <a:fillRect/>
+          </a:stretch>
+        </p:blipFill>
+        <p:spPr>
+          <a:xfrm>
+            <a:off x="3035300" y="1079500"/>
+            <a:ext cx="2959100" cy="2235200"/>
+          </a:xfrm>
+          <a:prstGeom prst="rect">
+            <a:avLst/>
+          </a:prstGeom>
+        </p:spPr>
+      </p:pic>
+      <p:pic>
+        <p:nvPicPr>
+          <p:cNvPr id="10" name="Picture 9" descr="image.png"/>
+          <p:cNvPicPr>
+            <a:picLocks noChangeAspect="1"/>
+          </p:cNvPicPr>
+          <p:nvPr/>
+        </p:nvPicPr>
+        <p:blipFill>
+          <a:blip r:embed="rId4"/>
+          <a:stretch>
+            <a:fillRect/>
+          </a:stretch>
+        </p:blipFill>
+        <p:spPr>
+          <a:xfrm>
+            <a:off x="6057900" y="1079500"/>
+            <a:ext cx="2959100" cy="2235200"/>
+          </a:xfrm>
+          <a:prstGeom prst="rect">
+            <a:avLst/>
+          </a:prstGeom>
+        </p:spPr>
+      </p:pic>
+      <p:pic>
+        <p:nvPicPr>
+          <p:cNvPr id="11" name="Picture 10" descr="image.png"/>
+          <p:cNvPicPr>
+            <a:picLocks noChangeAspect="1"/>
+          </p:cNvPicPr>
+          <p:nvPr/>
+        </p:nvPicPr>
+        <p:blipFill>
+          <a:blip r:embed="rId2"/>
+          <a:stretch>
+            <a:fillRect/>
+          </a:stretch>
+        </p:blipFill>
+        <p:spPr>
+          <a:xfrm>
+            <a:off x="12700" y="1079500"/>
+            <a:ext cx="2959100" cy="2235200"/>
+          </a:xfrm>
+          <a:prstGeom prst="rect">
+            <a:avLst/>
+          </a:prstGeom>
+        </p:spPr>
+      </p:pic>
+      <p:pic>
+        <p:nvPicPr>
+          <p:cNvPr id="12" name="Picture 11" descr="image.png"/>
+          <p:cNvPicPr>
+            <a:picLocks noChangeAspect="1"/>
+          </p:cNvPicPr>
+          <p:nvPr/>
+        </p:nvPicPr>
+        <p:blipFill>
+          <a:blip r:embed="rId3"/>
+          <a:stretch>
+            <a:fillRect/>
+          </a:stretch>
+        </p:blipFill>
+        <p:spPr>
+          <a:xfrm>
+            <a:off x="3035300" y="1079500"/>
+            <a:ext cx="2959100" cy="2235200"/>
+          </a:xfrm>
+          <a:prstGeom prst="rect">
+            <a:avLst/>
+          </a:prstGeom>
+        </p:spPr>
+      </p:pic>
+      <p:pic>
+        <p:nvPicPr>
+          <p:cNvPr id="13" name="Picture 12" descr="image.png"/>
+          <p:cNvPicPr>
+            <a:picLocks noChangeAspect="1"/>
+          </p:cNvPicPr>
+          <p:nvPr/>
+        </p:nvPicPr>
+        <p:blipFill>
+          <a:blip r:embed="rId4"/>
+          <a:stretch>
+            <a:fillRect/>
+          </a:stretch>
+        </p:blipFill>
+        <p:spPr>
+          <a:xfrm>
+            <a:off x="6057900" y="1079500"/>
+            <a:ext cx="2959100" cy="2235200"/>
+          </a:xfrm>
+          <a:prstGeom prst="rect">
+            <a:avLst/>
+          </a:prstGeom>
+        </p:spPr>
+      </p:pic>
+      <p:pic>
+        <p:nvPicPr>
+          <p:cNvPr id="14" name="Picture 13" descr="image.png"/>
+          <p:cNvPicPr>
+            <a:picLocks noChangeAspect="1"/>
+          </p:cNvPicPr>
+          <p:nvPr/>
+        </p:nvPicPr>
+        <p:blipFill>
+          <a:blip r:embed="rId2"/>
+          <a:stretch>
+            <a:fillRect/>
+          </a:stretch>
+        </p:blipFill>
+        <p:spPr>
+          <a:xfrm>
+            <a:off x="12700" y="1079500"/>
+            <a:ext cx="2959100" cy="2235200"/>
+          </a:xfrm>
+          <a:prstGeom prst="rect">
+            <a:avLst/>
+          </a:prstGeom>
+        </p:spPr>
+      </p:pic>
+      <p:pic>
+        <p:nvPicPr>
+          <p:cNvPr id="15" name="Picture 14" descr="image.png"/>
+          <p:cNvPicPr>
+            <a:picLocks noChangeAspect="1"/>
+          </p:cNvPicPr>
+          <p:nvPr/>
+        </p:nvPicPr>
+        <p:blipFill>
+          <a:blip r:embed="rId3"/>
+          <a:stretch>
+            <a:fillRect/>
+          </a:stretch>
+        </p:blipFill>
+        <p:spPr>
+          <a:xfrm>
+            <a:off x="3035300" y="1079500"/>
+            <a:ext cx="2959100" cy="2235200"/>
+          </a:xfrm>
+          <a:prstGeom prst="rect">
+            <a:avLst/>
+          </a:prstGeom>
+        </p:spPr>
+      </p:pic>
+      <p:pic>
+        <p:nvPicPr>
+          <p:cNvPr id="16" name="Picture 15" descr="image.png"/>
+          <p:cNvPicPr>
+            <a:picLocks noChangeAspect="1"/>
+          </p:cNvPicPr>
+          <p:nvPr/>
+        </p:nvPicPr>
+        <p:blipFill>
+          <a:blip r:embed="rId4"/>
+          <a:stretch>
+            <a:fillRect/>
+          </a:stretch>
+        </p:blipFill>
+        <p:spPr>
+          <a:xfrm>
+            <a:off x="6057900" y="1079500"/>
+            <a:ext cx="2959100" cy="2235200"/>
+          </a:xfrm>
+          <a:prstGeom prst="rect">
+            <a:avLst/>
+          </a:prstGeom>
+        </p:spPr>
+      </p:pic>
+      <p:pic>
+        <p:nvPicPr>
+          <p:cNvPr id="17" name="Picture 16" descr="image.png"/>
+          <p:cNvPicPr>
+            <a:picLocks noChangeAspect="1"/>
+          </p:cNvPicPr>
+          <p:nvPr/>
+        </p:nvPicPr>
+        <p:blipFill>
+          <a:blip r:embed="rId2"/>
+          <a:stretch>
+            <a:fillRect/>
+          </a:stretch>
+        </p:blipFill>
+        <p:spPr>
+          <a:xfrm>
+            <a:off x="12700" y="1079500"/>
+            <a:ext cx="2959100" cy="2235200"/>
+          </a:xfrm>
+          <a:prstGeom prst="rect">
+            <a:avLst/>
+          </a:prstGeom>
+        </p:spPr>
+      </p:pic>
+      <p:pic>
+        <p:nvPicPr>
+          <p:cNvPr id="18" name="Picture 17" descr="image.png"/>
+          <p:cNvPicPr>
+            <a:picLocks noChangeAspect="1"/>
+          </p:cNvPicPr>
+          <p:nvPr/>
+        </p:nvPicPr>
+        <p:blipFill>
+          <a:blip r:embed="rId3"/>
+          <a:stretch>
+            <a:fillRect/>
+          </a:stretch>
+        </p:blipFill>
+        <p:spPr>
+          <a:xfrm>
+            <a:off x="3035300" y="1079500"/>
+            <a:ext cx="2959100" cy="2235200"/>
+          </a:xfrm>
+          <a:prstGeom prst="rect">
+            <a:avLst/>
+          </a:prstGeom>
+        </p:spPr>
+      </p:pic>
+      <p:pic>
+        <p:nvPicPr>
+          <p:cNvPr id="19" name="Picture 18" descr="image.png"/>
+          <p:cNvPicPr>
+            <a:picLocks noChangeAspect="1"/>
+          </p:cNvPicPr>
+          <p:nvPr/>
+        </p:nvPicPr>
+        <p:blipFill>
+          <a:blip r:embed="rId4"/>
+          <a:stretch>
+            <a:fillRect/>
+          </a:stretch>
+        </p:blipFill>
+        <p:spPr>
+          <a:xfrm>
+            <a:off x="6057900" y="1079500"/>
+            <a:ext cx="2959100" cy="2235200"/>
+          </a:xfrm>
+          <a:prstGeom prst="rect">
+            <a:avLst/>
+          </a:prstGeom>
+        </p:spPr>
+      </p:pic>
+      <p:pic>
+        <p:nvPicPr>
+          <p:cNvPr id="20" name="Picture 19" descr="image.png"/>
+          <p:cNvPicPr>
+            <a:picLocks noChangeAspect="1"/>
+          </p:cNvPicPr>
+          <p:nvPr/>
+        </p:nvPicPr>
+        <p:blipFill>
+          <a:blip r:embed="rId2"/>
+          <a:stretch>
+            <a:fillRect/>
+          </a:stretch>
+        </p:blipFill>
+        <p:spPr>
+          <a:xfrm>
+            <a:off x="12700" y="1079500"/>
+            <a:ext cx="2959100" cy="2235200"/>
+          </a:xfrm>
+          <a:prstGeom prst="rect">
+            <a:avLst/>
+          </a:prstGeom>
+        </p:spPr>
+      </p:pic>
+      <p:pic>
+        <p:nvPicPr>
+          <p:cNvPr id="21" name="Picture 20" descr="image.png"/>
+          <p:cNvPicPr>
+            <a:picLocks noChangeAspect="1"/>
+          </p:cNvPicPr>
+          <p:nvPr/>
+        </p:nvPicPr>
+        <p:blipFill>
+          <a:blip r:embed="rId3"/>
+          <a:stretch>
+            <a:fillRect/>
+          </a:stretch>
+        </p:blipFill>
+        <p:spPr>
+          <a:xfrm>
+            <a:off x="3035300" y="1079500"/>
+            <a:ext cx="2959100" cy="2235200"/>
+          </a:xfrm>
+          <a:prstGeom prst="rect">
+            <a:avLst/>
+          </a:prstGeom>
+        </p:spPr>
+      </p:pic>
+      <p:pic>
+        <p:nvPicPr>
+          <p:cNvPr id="22" name="Picture 21" descr="image.png"/>
+          <p:cNvPicPr>
+            <a:picLocks noChangeAspect="1"/>
+          </p:cNvPicPr>
+          <p:nvPr/>
+        </p:nvPicPr>
+        <p:blipFill>
+          <a:blip r:embed="rId4"/>
+          <a:stretch>
+            <a:fillRect/>
+          </a:stretch>
+        </p:blipFill>
+        <p:spPr>
+          <a:xfrm>
+            <a:off x="6057900" y="1079500"/>
+            <a:ext cx="2959100" cy="2235200"/>
+          </a:xfrm>
+          <a:prstGeom prst="rect">
+            <a:avLst/>
+          </a:prstGeom>
+        </p:spPr>
+      </p:pic>
+      <p:pic>
+        <p:nvPicPr>
+          <p:cNvPr id="23" name="Picture 22" descr="image.png"/>
+          <p:cNvPicPr>
+            <a:picLocks noChangeAspect="1"/>
+          </p:cNvPicPr>
+          <p:nvPr/>
+        </p:nvPicPr>
+        <p:blipFill>
+          <a:blip r:embed="rId2"/>
+          <a:stretch>
+            <a:fillRect/>
+          </a:stretch>
+        </p:blipFill>
+        <p:spPr>
+          <a:xfrm>
+            <a:off x="12700" y="1079500"/>
+            <a:ext cx="2959100" cy="2235200"/>
+          </a:xfrm>
+          <a:prstGeom prst="rect">
+            <a:avLst/>
+          </a:prstGeom>
+        </p:spPr>
+      </p:pic>
+      <p:pic>
+        <p:nvPicPr>
+          <p:cNvPr id="24" name="Picture 23" descr="image.png"/>
+          <p:cNvPicPr>
+            <a:picLocks noChangeAspect="1"/>
+          </p:cNvPicPr>
+          <p:nvPr/>
+        </p:nvPicPr>
+        <p:blipFill>
+          <a:blip r:embed="rId3"/>
+          <a:stretch>
+            <a:fillRect/>
+          </a:stretch>
+        </p:blipFill>
+        <p:spPr>
+          <a:xfrm>
+            <a:off x="3035300" y="1079500"/>
+            <a:ext cx="2959100" cy="2235200"/>
+          </a:xfrm>
+          <a:prstGeom prst="rect">
+            <a:avLst/>
+          </a:prstGeom>
+        </p:spPr>
+      </p:pic>
+      <p:pic>
+        <p:nvPicPr>
+          <p:cNvPr id="25" name="Picture 24" descr="image.png"/>
+          <p:cNvPicPr>
+            <a:picLocks noChangeAspect="1"/>
+          </p:cNvPicPr>
+          <p:nvPr/>
+        </p:nvPicPr>
+        <p:blipFill>
+          <a:blip r:embed="rId4"/>
+          <a:stretch>
+            <a:fillRect/>
+          </a:stretch>
+        </p:blipFill>
+        <p:spPr>
+          <a:xfrm>
+            <a:off x="6057900" y="1079500"/>
+            <a:ext cx="2959100" cy="2235200"/>
+          </a:xfrm>
+          <a:prstGeom prst="rect">
+            <a:avLst/>
+          </a:prstGeom>
+        </p:spPr>
+      </p:pic>
     </p:spTree>
     <p:extLst>
       <p:ext uri="{BB962C8B-B14F-4D97-AF65-F5344CB8AC3E}">
@@ -10544,7 +13568,7 @@
           <a:p>
             <a:r>
               <a:rPr lang="en-US" dirty="0"/>
-              <a:t>*8*</a:t>
+              <a:t>5537_-_State_32_Rear_H_Field | VT-15 Magnetic Fields</a:t>
             </a:r>
           </a:p>
         </p:txBody>
@@ -10586,6 +13610,1014 @@
           </a:p>
         </p:txBody>
       </p:sp>
+      <p:pic>
+        <p:nvPicPr>
+          <p:cNvPr id="5" name="Picture 4" descr="image.png"/>
+          <p:cNvPicPr>
+            <a:picLocks noChangeAspect="1"/>
+          </p:cNvPicPr>
+          <p:nvPr/>
+        </p:nvPicPr>
+        <p:blipFill>
+          <a:blip r:embed="rId2"/>
+          <a:stretch>
+            <a:fillRect/>
+          </a:stretch>
+        </p:blipFill>
+        <p:spPr>
+          <a:xfrm>
+            <a:off x="12700" y="825500"/>
+            <a:ext cx="2806700" cy="2120900"/>
+          </a:xfrm>
+          <a:prstGeom prst="rect">
+            <a:avLst/>
+          </a:prstGeom>
+        </p:spPr>
+      </p:pic>
+      <p:pic>
+        <p:nvPicPr>
+          <p:cNvPr id="6" name="Picture 5" descr="image.png"/>
+          <p:cNvPicPr>
+            <a:picLocks noChangeAspect="1"/>
+          </p:cNvPicPr>
+          <p:nvPr/>
+        </p:nvPicPr>
+        <p:blipFill>
+          <a:blip r:embed="rId3"/>
+          <a:stretch>
+            <a:fillRect/>
+          </a:stretch>
+        </p:blipFill>
+        <p:spPr>
+          <a:xfrm>
+            <a:off x="3035300" y="825500"/>
+            <a:ext cx="2806700" cy="2120900"/>
+          </a:xfrm>
+          <a:prstGeom prst="rect">
+            <a:avLst/>
+          </a:prstGeom>
+        </p:spPr>
+      </p:pic>
+      <p:pic>
+        <p:nvPicPr>
+          <p:cNvPr id="7" name="Picture 6" descr="image.png"/>
+          <p:cNvPicPr>
+            <a:picLocks noChangeAspect="1"/>
+          </p:cNvPicPr>
+          <p:nvPr/>
+        </p:nvPicPr>
+        <p:blipFill>
+          <a:blip r:embed="rId4"/>
+          <a:stretch>
+            <a:fillRect/>
+          </a:stretch>
+        </p:blipFill>
+        <p:spPr>
+          <a:xfrm>
+            <a:off x="6057900" y="825500"/>
+            <a:ext cx="2806700" cy="2120900"/>
+          </a:xfrm>
+          <a:prstGeom prst="rect">
+            <a:avLst/>
+          </a:prstGeom>
+        </p:spPr>
+      </p:pic>
+      <p:pic>
+        <p:nvPicPr>
+          <p:cNvPr id="8" name="Picture 7" descr="image.png"/>
+          <p:cNvPicPr>
+            <a:picLocks noChangeAspect="1"/>
+          </p:cNvPicPr>
+          <p:nvPr/>
+        </p:nvPicPr>
+        <p:blipFill>
+          <a:blip r:embed="rId5"/>
+          <a:stretch>
+            <a:fillRect/>
+          </a:stretch>
+        </p:blipFill>
+        <p:spPr>
+          <a:xfrm>
+            <a:off x="12700" y="2984500"/>
+            <a:ext cx="2806700" cy="2120900"/>
+          </a:xfrm>
+          <a:prstGeom prst="rect">
+            <a:avLst/>
+          </a:prstGeom>
+        </p:spPr>
+      </p:pic>
+      <p:pic>
+        <p:nvPicPr>
+          <p:cNvPr id="9" name="Picture 8" descr="image.png"/>
+          <p:cNvPicPr>
+            <a:picLocks noChangeAspect="1"/>
+          </p:cNvPicPr>
+          <p:nvPr/>
+        </p:nvPicPr>
+        <p:blipFill>
+          <a:blip r:embed="rId6"/>
+          <a:stretch>
+            <a:fillRect/>
+          </a:stretch>
+        </p:blipFill>
+        <p:spPr>
+          <a:xfrm>
+            <a:off x="3035300" y="2984500"/>
+            <a:ext cx="2806700" cy="2120900"/>
+          </a:xfrm>
+          <a:prstGeom prst="rect">
+            <a:avLst/>
+          </a:prstGeom>
+        </p:spPr>
+      </p:pic>
+      <p:pic>
+        <p:nvPicPr>
+          <p:cNvPr id="10" name="Picture 9" descr="image.png"/>
+          <p:cNvPicPr>
+            <a:picLocks noChangeAspect="1"/>
+          </p:cNvPicPr>
+          <p:nvPr/>
+        </p:nvPicPr>
+        <p:blipFill>
+          <a:blip r:embed="rId7"/>
+          <a:stretch>
+            <a:fillRect/>
+          </a:stretch>
+        </p:blipFill>
+        <p:spPr>
+          <a:xfrm>
+            <a:off x="6057900" y="2984500"/>
+            <a:ext cx="2806700" cy="2120900"/>
+          </a:xfrm>
+          <a:prstGeom prst="rect">
+            <a:avLst/>
+          </a:prstGeom>
+        </p:spPr>
+      </p:pic>
+      <p:pic>
+        <p:nvPicPr>
+          <p:cNvPr id="11" name="Picture 10" descr="image.png"/>
+          <p:cNvPicPr>
+            <a:picLocks noChangeAspect="1"/>
+          </p:cNvPicPr>
+          <p:nvPr/>
+        </p:nvPicPr>
+        <p:blipFill>
+          <a:blip r:embed="rId2"/>
+          <a:stretch>
+            <a:fillRect/>
+          </a:stretch>
+        </p:blipFill>
+        <p:spPr>
+          <a:xfrm>
+            <a:off x="12700" y="825500"/>
+            <a:ext cx="2806700" cy="2120900"/>
+          </a:xfrm>
+          <a:prstGeom prst="rect">
+            <a:avLst/>
+          </a:prstGeom>
+        </p:spPr>
+      </p:pic>
+      <p:pic>
+        <p:nvPicPr>
+          <p:cNvPr id="12" name="Picture 11" descr="image.png"/>
+          <p:cNvPicPr>
+            <a:picLocks noChangeAspect="1"/>
+          </p:cNvPicPr>
+          <p:nvPr/>
+        </p:nvPicPr>
+        <p:blipFill>
+          <a:blip r:embed="rId3"/>
+          <a:stretch>
+            <a:fillRect/>
+          </a:stretch>
+        </p:blipFill>
+        <p:spPr>
+          <a:xfrm>
+            <a:off x="3035300" y="825500"/>
+            <a:ext cx="2806700" cy="2120900"/>
+          </a:xfrm>
+          <a:prstGeom prst="rect">
+            <a:avLst/>
+          </a:prstGeom>
+        </p:spPr>
+      </p:pic>
+      <p:pic>
+        <p:nvPicPr>
+          <p:cNvPr id="13" name="Picture 12" descr="image.png"/>
+          <p:cNvPicPr>
+            <a:picLocks noChangeAspect="1"/>
+          </p:cNvPicPr>
+          <p:nvPr/>
+        </p:nvPicPr>
+        <p:blipFill>
+          <a:blip r:embed="rId4"/>
+          <a:stretch>
+            <a:fillRect/>
+          </a:stretch>
+        </p:blipFill>
+        <p:spPr>
+          <a:xfrm>
+            <a:off x="6057900" y="825500"/>
+            <a:ext cx="2806700" cy="2120900"/>
+          </a:xfrm>
+          <a:prstGeom prst="rect">
+            <a:avLst/>
+          </a:prstGeom>
+        </p:spPr>
+      </p:pic>
+      <p:pic>
+        <p:nvPicPr>
+          <p:cNvPr id="14" name="Picture 13" descr="image.png"/>
+          <p:cNvPicPr>
+            <a:picLocks noChangeAspect="1"/>
+          </p:cNvPicPr>
+          <p:nvPr/>
+        </p:nvPicPr>
+        <p:blipFill>
+          <a:blip r:embed="rId5"/>
+          <a:stretch>
+            <a:fillRect/>
+          </a:stretch>
+        </p:blipFill>
+        <p:spPr>
+          <a:xfrm>
+            <a:off x="12700" y="2984500"/>
+            <a:ext cx="2806700" cy="2120900"/>
+          </a:xfrm>
+          <a:prstGeom prst="rect">
+            <a:avLst/>
+          </a:prstGeom>
+        </p:spPr>
+      </p:pic>
+      <p:pic>
+        <p:nvPicPr>
+          <p:cNvPr id="15" name="Picture 14" descr="image.png"/>
+          <p:cNvPicPr>
+            <a:picLocks noChangeAspect="1"/>
+          </p:cNvPicPr>
+          <p:nvPr/>
+        </p:nvPicPr>
+        <p:blipFill>
+          <a:blip r:embed="rId6"/>
+          <a:stretch>
+            <a:fillRect/>
+          </a:stretch>
+        </p:blipFill>
+        <p:spPr>
+          <a:xfrm>
+            <a:off x="3035300" y="2984500"/>
+            <a:ext cx="2806700" cy="2120900"/>
+          </a:xfrm>
+          <a:prstGeom prst="rect">
+            <a:avLst/>
+          </a:prstGeom>
+        </p:spPr>
+      </p:pic>
+      <p:pic>
+        <p:nvPicPr>
+          <p:cNvPr id="16" name="Picture 15" descr="image.png"/>
+          <p:cNvPicPr>
+            <a:picLocks noChangeAspect="1"/>
+          </p:cNvPicPr>
+          <p:nvPr/>
+        </p:nvPicPr>
+        <p:blipFill>
+          <a:blip r:embed="rId7"/>
+          <a:stretch>
+            <a:fillRect/>
+          </a:stretch>
+        </p:blipFill>
+        <p:spPr>
+          <a:xfrm>
+            <a:off x="6057900" y="2984500"/>
+            <a:ext cx="2806700" cy="2120900"/>
+          </a:xfrm>
+          <a:prstGeom prst="rect">
+            <a:avLst/>
+          </a:prstGeom>
+        </p:spPr>
+      </p:pic>
+      <p:pic>
+        <p:nvPicPr>
+          <p:cNvPr id="17" name="Picture 16" descr="image.png"/>
+          <p:cNvPicPr>
+            <a:picLocks noChangeAspect="1"/>
+          </p:cNvPicPr>
+          <p:nvPr/>
+        </p:nvPicPr>
+        <p:blipFill>
+          <a:blip r:embed="rId2"/>
+          <a:stretch>
+            <a:fillRect/>
+          </a:stretch>
+        </p:blipFill>
+        <p:spPr>
+          <a:xfrm>
+            <a:off x="12700" y="825500"/>
+            <a:ext cx="2806700" cy="2120900"/>
+          </a:xfrm>
+          <a:prstGeom prst="rect">
+            <a:avLst/>
+          </a:prstGeom>
+        </p:spPr>
+      </p:pic>
+      <p:pic>
+        <p:nvPicPr>
+          <p:cNvPr id="18" name="Picture 17" descr="image.png"/>
+          <p:cNvPicPr>
+            <a:picLocks noChangeAspect="1"/>
+          </p:cNvPicPr>
+          <p:nvPr/>
+        </p:nvPicPr>
+        <p:blipFill>
+          <a:blip r:embed="rId3"/>
+          <a:stretch>
+            <a:fillRect/>
+          </a:stretch>
+        </p:blipFill>
+        <p:spPr>
+          <a:xfrm>
+            <a:off x="3035300" y="825500"/>
+            <a:ext cx="2806700" cy="2120900"/>
+          </a:xfrm>
+          <a:prstGeom prst="rect">
+            <a:avLst/>
+          </a:prstGeom>
+        </p:spPr>
+      </p:pic>
+      <p:pic>
+        <p:nvPicPr>
+          <p:cNvPr id="19" name="Picture 18" descr="image.png"/>
+          <p:cNvPicPr>
+            <a:picLocks noChangeAspect="1"/>
+          </p:cNvPicPr>
+          <p:nvPr/>
+        </p:nvPicPr>
+        <p:blipFill>
+          <a:blip r:embed="rId4"/>
+          <a:stretch>
+            <a:fillRect/>
+          </a:stretch>
+        </p:blipFill>
+        <p:spPr>
+          <a:xfrm>
+            <a:off x="6057900" y="825500"/>
+            <a:ext cx="2806700" cy="2120900"/>
+          </a:xfrm>
+          <a:prstGeom prst="rect">
+            <a:avLst/>
+          </a:prstGeom>
+        </p:spPr>
+      </p:pic>
+      <p:pic>
+        <p:nvPicPr>
+          <p:cNvPr id="20" name="Picture 19" descr="image.png"/>
+          <p:cNvPicPr>
+            <a:picLocks noChangeAspect="1"/>
+          </p:cNvPicPr>
+          <p:nvPr/>
+        </p:nvPicPr>
+        <p:blipFill>
+          <a:blip r:embed="rId5"/>
+          <a:stretch>
+            <a:fillRect/>
+          </a:stretch>
+        </p:blipFill>
+        <p:spPr>
+          <a:xfrm>
+            <a:off x="12700" y="2984500"/>
+            <a:ext cx="2806700" cy="2120900"/>
+          </a:xfrm>
+          <a:prstGeom prst="rect">
+            <a:avLst/>
+          </a:prstGeom>
+        </p:spPr>
+      </p:pic>
+      <p:pic>
+        <p:nvPicPr>
+          <p:cNvPr id="21" name="Picture 20" descr="image.png"/>
+          <p:cNvPicPr>
+            <a:picLocks noChangeAspect="1"/>
+          </p:cNvPicPr>
+          <p:nvPr/>
+        </p:nvPicPr>
+        <p:blipFill>
+          <a:blip r:embed="rId6"/>
+          <a:stretch>
+            <a:fillRect/>
+          </a:stretch>
+        </p:blipFill>
+        <p:spPr>
+          <a:xfrm>
+            <a:off x="3035300" y="2984500"/>
+            <a:ext cx="2806700" cy="2120900"/>
+          </a:xfrm>
+          <a:prstGeom prst="rect">
+            <a:avLst/>
+          </a:prstGeom>
+        </p:spPr>
+      </p:pic>
+      <p:pic>
+        <p:nvPicPr>
+          <p:cNvPr id="22" name="Picture 21" descr="image.png"/>
+          <p:cNvPicPr>
+            <a:picLocks noChangeAspect="1"/>
+          </p:cNvPicPr>
+          <p:nvPr/>
+        </p:nvPicPr>
+        <p:blipFill>
+          <a:blip r:embed="rId7"/>
+          <a:stretch>
+            <a:fillRect/>
+          </a:stretch>
+        </p:blipFill>
+        <p:spPr>
+          <a:xfrm>
+            <a:off x="6057900" y="2984500"/>
+            <a:ext cx="2806700" cy="2120900"/>
+          </a:xfrm>
+          <a:prstGeom prst="rect">
+            <a:avLst/>
+          </a:prstGeom>
+        </p:spPr>
+      </p:pic>
+      <p:pic>
+        <p:nvPicPr>
+          <p:cNvPr id="23" name="Picture 22" descr="image.png"/>
+          <p:cNvPicPr>
+            <a:picLocks noChangeAspect="1"/>
+          </p:cNvPicPr>
+          <p:nvPr/>
+        </p:nvPicPr>
+        <p:blipFill>
+          <a:blip r:embed="rId2"/>
+          <a:stretch>
+            <a:fillRect/>
+          </a:stretch>
+        </p:blipFill>
+        <p:spPr>
+          <a:xfrm>
+            <a:off x="12700" y="825500"/>
+            <a:ext cx="2806700" cy="2120900"/>
+          </a:xfrm>
+          <a:prstGeom prst="rect">
+            <a:avLst/>
+          </a:prstGeom>
+        </p:spPr>
+      </p:pic>
+      <p:pic>
+        <p:nvPicPr>
+          <p:cNvPr id="24" name="Picture 23" descr="image.png"/>
+          <p:cNvPicPr>
+            <a:picLocks noChangeAspect="1"/>
+          </p:cNvPicPr>
+          <p:nvPr/>
+        </p:nvPicPr>
+        <p:blipFill>
+          <a:blip r:embed="rId3"/>
+          <a:stretch>
+            <a:fillRect/>
+          </a:stretch>
+        </p:blipFill>
+        <p:spPr>
+          <a:xfrm>
+            <a:off x="3035300" y="825500"/>
+            <a:ext cx="2806700" cy="2120900"/>
+          </a:xfrm>
+          <a:prstGeom prst="rect">
+            <a:avLst/>
+          </a:prstGeom>
+        </p:spPr>
+      </p:pic>
+      <p:pic>
+        <p:nvPicPr>
+          <p:cNvPr id="25" name="Picture 24" descr="image.png"/>
+          <p:cNvPicPr>
+            <a:picLocks noChangeAspect="1"/>
+          </p:cNvPicPr>
+          <p:nvPr/>
+        </p:nvPicPr>
+        <p:blipFill>
+          <a:blip r:embed="rId4"/>
+          <a:stretch>
+            <a:fillRect/>
+          </a:stretch>
+        </p:blipFill>
+        <p:spPr>
+          <a:xfrm>
+            <a:off x="6057900" y="825500"/>
+            <a:ext cx="2806700" cy="2120900"/>
+          </a:xfrm>
+          <a:prstGeom prst="rect">
+            <a:avLst/>
+          </a:prstGeom>
+        </p:spPr>
+      </p:pic>
+      <p:pic>
+        <p:nvPicPr>
+          <p:cNvPr id="26" name="Picture 25" descr="image.png"/>
+          <p:cNvPicPr>
+            <a:picLocks noChangeAspect="1"/>
+          </p:cNvPicPr>
+          <p:nvPr/>
+        </p:nvPicPr>
+        <p:blipFill>
+          <a:blip r:embed="rId5"/>
+          <a:stretch>
+            <a:fillRect/>
+          </a:stretch>
+        </p:blipFill>
+        <p:spPr>
+          <a:xfrm>
+            <a:off x="12700" y="2984500"/>
+            <a:ext cx="2806700" cy="2120900"/>
+          </a:xfrm>
+          <a:prstGeom prst="rect">
+            <a:avLst/>
+          </a:prstGeom>
+        </p:spPr>
+      </p:pic>
+      <p:pic>
+        <p:nvPicPr>
+          <p:cNvPr id="27" name="Picture 26" descr="image.png"/>
+          <p:cNvPicPr>
+            <a:picLocks noChangeAspect="1"/>
+          </p:cNvPicPr>
+          <p:nvPr/>
+        </p:nvPicPr>
+        <p:blipFill>
+          <a:blip r:embed="rId6"/>
+          <a:stretch>
+            <a:fillRect/>
+          </a:stretch>
+        </p:blipFill>
+        <p:spPr>
+          <a:xfrm>
+            <a:off x="3035300" y="2984500"/>
+            <a:ext cx="2806700" cy="2120900"/>
+          </a:xfrm>
+          <a:prstGeom prst="rect">
+            <a:avLst/>
+          </a:prstGeom>
+        </p:spPr>
+      </p:pic>
+      <p:pic>
+        <p:nvPicPr>
+          <p:cNvPr id="28" name="Picture 27" descr="image.png"/>
+          <p:cNvPicPr>
+            <a:picLocks noChangeAspect="1"/>
+          </p:cNvPicPr>
+          <p:nvPr/>
+        </p:nvPicPr>
+        <p:blipFill>
+          <a:blip r:embed="rId7"/>
+          <a:stretch>
+            <a:fillRect/>
+          </a:stretch>
+        </p:blipFill>
+        <p:spPr>
+          <a:xfrm>
+            <a:off x="6057900" y="2984500"/>
+            <a:ext cx="2806700" cy="2120900"/>
+          </a:xfrm>
+          <a:prstGeom prst="rect">
+            <a:avLst/>
+          </a:prstGeom>
+        </p:spPr>
+      </p:pic>
+      <p:pic>
+        <p:nvPicPr>
+          <p:cNvPr id="29" name="Picture 28" descr="image.png"/>
+          <p:cNvPicPr>
+            <a:picLocks noChangeAspect="1"/>
+          </p:cNvPicPr>
+          <p:nvPr/>
+        </p:nvPicPr>
+        <p:blipFill>
+          <a:blip r:embed="rId2"/>
+          <a:stretch>
+            <a:fillRect/>
+          </a:stretch>
+        </p:blipFill>
+        <p:spPr>
+          <a:xfrm>
+            <a:off x="12700" y="825500"/>
+            <a:ext cx="2806700" cy="2120900"/>
+          </a:xfrm>
+          <a:prstGeom prst="rect">
+            <a:avLst/>
+          </a:prstGeom>
+        </p:spPr>
+      </p:pic>
+      <p:pic>
+        <p:nvPicPr>
+          <p:cNvPr id="30" name="Picture 29" descr="image.png"/>
+          <p:cNvPicPr>
+            <a:picLocks noChangeAspect="1"/>
+          </p:cNvPicPr>
+          <p:nvPr/>
+        </p:nvPicPr>
+        <p:blipFill>
+          <a:blip r:embed="rId3"/>
+          <a:stretch>
+            <a:fillRect/>
+          </a:stretch>
+        </p:blipFill>
+        <p:spPr>
+          <a:xfrm>
+            <a:off x="3035300" y="825500"/>
+            <a:ext cx="2806700" cy="2120900"/>
+          </a:xfrm>
+          <a:prstGeom prst="rect">
+            <a:avLst/>
+          </a:prstGeom>
+        </p:spPr>
+      </p:pic>
+      <p:pic>
+        <p:nvPicPr>
+          <p:cNvPr id="31" name="Picture 30" descr="image.png"/>
+          <p:cNvPicPr>
+            <a:picLocks noChangeAspect="1"/>
+          </p:cNvPicPr>
+          <p:nvPr/>
+        </p:nvPicPr>
+        <p:blipFill>
+          <a:blip r:embed="rId4"/>
+          <a:stretch>
+            <a:fillRect/>
+          </a:stretch>
+        </p:blipFill>
+        <p:spPr>
+          <a:xfrm>
+            <a:off x="6057900" y="825500"/>
+            <a:ext cx="2806700" cy="2120900"/>
+          </a:xfrm>
+          <a:prstGeom prst="rect">
+            <a:avLst/>
+          </a:prstGeom>
+        </p:spPr>
+      </p:pic>
+      <p:pic>
+        <p:nvPicPr>
+          <p:cNvPr id="32" name="Picture 31" descr="image.png"/>
+          <p:cNvPicPr>
+            <a:picLocks noChangeAspect="1"/>
+          </p:cNvPicPr>
+          <p:nvPr/>
+        </p:nvPicPr>
+        <p:blipFill>
+          <a:blip r:embed="rId5"/>
+          <a:stretch>
+            <a:fillRect/>
+          </a:stretch>
+        </p:blipFill>
+        <p:spPr>
+          <a:xfrm>
+            <a:off x="12700" y="2984500"/>
+            <a:ext cx="2806700" cy="2120900"/>
+          </a:xfrm>
+          <a:prstGeom prst="rect">
+            <a:avLst/>
+          </a:prstGeom>
+        </p:spPr>
+      </p:pic>
+      <p:pic>
+        <p:nvPicPr>
+          <p:cNvPr id="33" name="Picture 32" descr="image.png"/>
+          <p:cNvPicPr>
+            <a:picLocks noChangeAspect="1"/>
+          </p:cNvPicPr>
+          <p:nvPr/>
+        </p:nvPicPr>
+        <p:blipFill>
+          <a:blip r:embed="rId6"/>
+          <a:stretch>
+            <a:fillRect/>
+          </a:stretch>
+        </p:blipFill>
+        <p:spPr>
+          <a:xfrm>
+            <a:off x="3035300" y="2984500"/>
+            <a:ext cx="2806700" cy="2120900"/>
+          </a:xfrm>
+          <a:prstGeom prst="rect">
+            <a:avLst/>
+          </a:prstGeom>
+        </p:spPr>
+      </p:pic>
+      <p:pic>
+        <p:nvPicPr>
+          <p:cNvPr id="34" name="Picture 33" descr="image.png"/>
+          <p:cNvPicPr>
+            <a:picLocks noChangeAspect="1"/>
+          </p:cNvPicPr>
+          <p:nvPr/>
+        </p:nvPicPr>
+        <p:blipFill>
+          <a:blip r:embed="rId7"/>
+          <a:stretch>
+            <a:fillRect/>
+          </a:stretch>
+        </p:blipFill>
+        <p:spPr>
+          <a:xfrm>
+            <a:off x="6057900" y="2984500"/>
+            <a:ext cx="2806700" cy="2120900"/>
+          </a:xfrm>
+          <a:prstGeom prst="rect">
+            <a:avLst/>
+          </a:prstGeom>
+        </p:spPr>
+      </p:pic>
+      <p:pic>
+        <p:nvPicPr>
+          <p:cNvPr id="35" name="Picture 34" descr="image.png"/>
+          <p:cNvPicPr>
+            <a:picLocks noChangeAspect="1"/>
+          </p:cNvPicPr>
+          <p:nvPr/>
+        </p:nvPicPr>
+        <p:blipFill>
+          <a:blip r:embed="rId2"/>
+          <a:stretch>
+            <a:fillRect/>
+          </a:stretch>
+        </p:blipFill>
+        <p:spPr>
+          <a:xfrm>
+            <a:off x="12700" y="825500"/>
+            <a:ext cx="2806700" cy="2120900"/>
+          </a:xfrm>
+          <a:prstGeom prst="rect">
+            <a:avLst/>
+          </a:prstGeom>
+        </p:spPr>
+      </p:pic>
+      <p:pic>
+        <p:nvPicPr>
+          <p:cNvPr id="36" name="Picture 35" descr="image.png"/>
+          <p:cNvPicPr>
+            <a:picLocks noChangeAspect="1"/>
+          </p:cNvPicPr>
+          <p:nvPr/>
+        </p:nvPicPr>
+        <p:blipFill>
+          <a:blip r:embed="rId3"/>
+          <a:stretch>
+            <a:fillRect/>
+          </a:stretch>
+        </p:blipFill>
+        <p:spPr>
+          <a:xfrm>
+            <a:off x="3035300" y="825500"/>
+            <a:ext cx="2806700" cy="2120900"/>
+          </a:xfrm>
+          <a:prstGeom prst="rect">
+            <a:avLst/>
+          </a:prstGeom>
+        </p:spPr>
+      </p:pic>
+      <p:pic>
+        <p:nvPicPr>
+          <p:cNvPr id="37" name="Picture 36" descr="image.png"/>
+          <p:cNvPicPr>
+            <a:picLocks noChangeAspect="1"/>
+          </p:cNvPicPr>
+          <p:nvPr/>
+        </p:nvPicPr>
+        <p:blipFill>
+          <a:blip r:embed="rId4"/>
+          <a:stretch>
+            <a:fillRect/>
+          </a:stretch>
+        </p:blipFill>
+        <p:spPr>
+          <a:xfrm>
+            <a:off x="6057900" y="825500"/>
+            <a:ext cx="2806700" cy="2120900"/>
+          </a:xfrm>
+          <a:prstGeom prst="rect">
+            <a:avLst/>
+          </a:prstGeom>
+        </p:spPr>
+      </p:pic>
+      <p:pic>
+        <p:nvPicPr>
+          <p:cNvPr id="38" name="Picture 37" descr="image.png"/>
+          <p:cNvPicPr>
+            <a:picLocks noChangeAspect="1"/>
+          </p:cNvPicPr>
+          <p:nvPr/>
+        </p:nvPicPr>
+        <p:blipFill>
+          <a:blip r:embed="rId5"/>
+          <a:stretch>
+            <a:fillRect/>
+          </a:stretch>
+        </p:blipFill>
+        <p:spPr>
+          <a:xfrm>
+            <a:off x="12700" y="2984500"/>
+            <a:ext cx="2806700" cy="2120900"/>
+          </a:xfrm>
+          <a:prstGeom prst="rect">
+            <a:avLst/>
+          </a:prstGeom>
+        </p:spPr>
+      </p:pic>
+      <p:pic>
+        <p:nvPicPr>
+          <p:cNvPr id="39" name="Picture 38" descr="image.png"/>
+          <p:cNvPicPr>
+            <a:picLocks noChangeAspect="1"/>
+          </p:cNvPicPr>
+          <p:nvPr/>
+        </p:nvPicPr>
+        <p:blipFill>
+          <a:blip r:embed="rId6"/>
+          <a:stretch>
+            <a:fillRect/>
+          </a:stretch>
+        </p:blipFill>
+        <p:spPr>
+          <a:xfrm>
+            <a:off x="3035300" y="2984500"/>
+            <a:ext cx="2806700" cy="2120900"/>
+          </a:xfrm>
+          <a:prstGeom prst="rect">
+            <a:avLst/>
+          </a:prstGeom>
+        </p:spPr>
+      </p:pic>
+      <p:pic>
+        <p:nvPicPr>
+          <p:cNvPr id="40" name="Picture 39" descr="image.png"/>
+          <p:cNvPicPr>
+            <a:picLocks noChangeAspect="1"/>
+          </p:cNvPicPr>
+          <p:nvPr/>
+        </p:nvPicPr>
+        <p:blipFill>
+          <a:blip r:embed="rId7"/>
+          <a:stretch>
+            <a:fillRect/>
+          </a:stretch>
+        </p:blipFill>
+        <p:spPr>
+          <a:xfrm>
+            <a:off x="6057900" y="2984500"/>
+            <a:ext cx="2806700" cy="2120900"/>
+          </a:xfrm>
+          <a:prstGeom prst="rect">
+            <a:avLst/>
+          </a:prstGeom>
+        </p:spPr>
+      </p:pic>
+      <p:pic>
+        <p:nvPicPr>
+          <p:cNvPr id="41" name="Picture 40" descr="image.png"/>
+          <p:cNvPicPr>
+            <a:picLocks noChangeAspect="1"/>
+          </p:cNvPicPr>
+          <p:nvPr/>
+        </p:nvPicPr>
+        <p:blipFill>
+          <a:blip r:embed="rId2"/>
+          <a:stretch>
+            <a:fillRect/>
+          </a:stretch>
+        </p:blipFill>
+        <p:spPr>
+          <a:xfrm>
+            <a:off x="12700" y="825500"/>
+            <a:ext cx="2806700" cy="2120900"/>
+          </a:xfrm>
+          <a:prstGeom prst="rect">
+            <a:avLst/>
+          </a:prstGeom>
+        </p:spPr>
+      </p:pic>
+      <p:pic>
+        <p:nvPicPr>
+          <p:cNvPr id="42" name="Picture 41" descr="image.png"/>
+          <p:cNvPicPr>
+            <a:picLocks noChangeAspect="1"/>
+          </p:cNvPicPr>
+          <p:nvPr/>
+        </p:nvPicPr>
+        <p:blipFill>
+          <a:blip r:embed="rId3"/>
+          <a:stretch>
+            <a:fillRect/>
+          </a:stretch>
+        </p:blipFill>
+        <p:spPr>
+          <a:xfrm>
+            <a:off x="3035300" y="825500"/>
+            <a:ext cx="2806700" cy="2120900"/>
+          </a:xfrm>
+          <a:prstGeom prst="rect">
+            <a:avLst/>
+          </a:prstGeom>
+        </p:spPr>
+      </p:pic>
+      <p:pic>
+        <p:nvPicPr>
+          <p:cNvPr id="43" name="Picture 42" descr="image.png"/>
+          <p:cNvPicPr>
+            <a:picLocks noChangeAspect="1"/>
+          </p:cNvPicPr>
+          <p:nvPr/>
+        </p:nvPicPr>
+        <p:blipFill>
+          <a:blip r:embed="rId4"/>
+          <a:stretch>
+            <a:fillRect/>
+          </a:stretch>
+        </p:blipFill>
+        <p:spPr>
+          <a:xfrm>
+            <a:off x="6057900" y="825500"/>
+            <a:ext cx="2806700" cy="2120900"/>
+          </a:xfrm>
+          <a:prstGeom prst="rect">
+            <a:avLst/>
+          </a:prstGeom>
+        </p:spPr>
+      </p:pic>
+      <p:pic>
+        <p:nvPicPr>
+          <p:cNvPr id="44" name="Picture 43" descr="image.png"/>
+          <p:cNvPicPr>
+            <a:picLocks noChangeAspect="1"/>
+          </p:cNvPicPr>
+          <p:nvPr/>
+        </p:nvPicPr>
+        <p:blipFill>
+          <a:blip r:embed="rId5"/>
+          <a:stretch>
+            <a:fillRect/>
+          </a:stretch>
+        </p:blipFill>
+        <p:spPr>
+          <a:xfrm>
+            <a:off x="12700" y="2984500"/>
+            <a:ext cx="2806700" cy="2120900"/>
+          </a:xfrm>
+          <a:prstGeom prst="rect">
+            <a:avLst/>
+          </a:prstGeom>
+        </p:spPr>
+      </p:pic>
+      <p:pic>
+        <p:nvPicPr>
+          <p:cNvPr id="45" name="Picture 44" descr="image.png"/>
+          <p:cNvPicPr>
+            <a:picLocks noChangeAspect="1"/>
+          </p:cNvPicPr>
+          <p:nvPr/>
+        </p:nvPicPr>
+        <p:blipFill>
+          <a:blip r:embed="rId6"/>
+          <a:stretch>
+            <a:fillRect/>
+          </a:stretch>
+        </p:blipFill>
+        <p:spPr>
+          <a:xfrm>
+            <a:off x="3035300" y="2984500"/>
+            <a:ext cx="2806700" cy="2120900"/>
+          </a:xfrm>
+          <a:prstGeom prst="rect">
+            <a:avLst/>
+          </a:prstGeom>
+        </p:spPr>
+      </p:pic>
+      <p:pic>
+        <p:nvPicPr>
+          <p:cNvPr id="46" name="Picture 45" descr="image.png"/>
+          <p:cNvPicPr>
+            <a:picLocks noChangeAspect="1"/>
+          </p:cNvPicPr>
+          <p:nvPr/>
+        </p:nvPicPr>
+        <p:blipFill>
+          <a:blip r:embed="rId7"/>
+          <a:stretch>
+            <a:fillRect/>
+          </a:stretch>
+        </p:blipFill>
+        <p:spPr>
+          <a:xfrm>
+            <a:off x="6057900" y="2984500"/>
+            <a:ext cx="2806700" cy="2120900"/>
+          </a:xfrm>
+          <a:prstGeom prst="rect">
+            <a:avLst/>
+          </a:prstGeom>
+        </p:spPr>
+      </p:pic>
     </p:spTree>
     <p:extLst>
       <p:ext uri="{BB962C8B-B14F-4D97-AF65-F5344CB8AC3E}">

--- a/newDeck.pptx
+++ b/newDeck.pptx
@@ -4139,7 +4139,7 @@
           <a:p>
             <a:r>
               <a:rPr lang="en-US" sz="1600" dirty="0"/>
-              <a:t>5537_-_State_4_-_RLNB | VT-01 Off-Board Emissions (3m)</a:t>
+              <a:t>5537_-_State_4_-_RLNB - Copy | VT-01 Off-Board Emissions (3m)</a:t>
             </a:r>
           </a:p>
         </p:txBody>
@@ -4208,294 +4208,6 @@
       <p:pic>
         <p:nvPicPr>
           <p:cNvPr id="6" name="Picture 5" descr="image.png"/>
-          <p:cNvPicPr>
-            <a:picLocks noChangeAspect="1"/>
-          </p:cNvPicPr>
-          <p:nvPr/>
-        </p:nvPicPr>
-        <p:blipFill>
-          <a:blip r:embed="rId3"/>
-          <a:stretch>
-            <a:fillRect/>
-          </a:stretch>
-        </p:blipFill>
-        <p:spPr>
-          <a:xfrm>
-            <a:off x="4572000" y="1079500"/>
-            <a:ext cx="4546600" cy="3429000"/>
-          </a:xfrm>
-          <a:prstGeom prst="rect">
-            <a:avLst/>
-          </a:prstGeom>
-        </p:spPr>
-      </p:pic>
-      <p:pic>
-        <p:nvPicPr>
-          <p:cNvPr id="7" name="Picture 6" descr="image.png"/>
-          <p:cNvPicPr>
-            <a:picLocks noChangeAspect="1"/>
-          </p:cNvPicPr>
-          <p:nvPr/>
-        </p:nvPicPr>
-        <p:blipFill>
-          <a:blip r:embed="rId2"/>
-          <a:stretch>
-            <a:fillRect/>
-          </a:stretch>
-        </p:blipFill>
-        <p:spPr>
-          <a:xfrm>
-            <a:off x="12700" y="1079500"/>
-            <a:ext cx="4546600" cy="3429000"/>
-          </a:xfrm>
-          <a:prstGeom prst="rect">
-            <a:avLst/>
-          </a:prstGeom>
-        </p:spPr>
-      </p:pic>
-      <p:pic>
-        <p:nvPicPr>
-          <p:cNvPr id="8" name="Picture 7" descr="image.png"/>
-          <p:cNvPicPr>
-            <a:picLocks noChangeAspect="1"/>
-          </p:cNvPicPr>
-          <p:nvPr/>
-        </p:nvPicPr>
-        <p:blipFill>
-          <a:blip r:embed="rId3"/>
-          <a:stretch>
-            <a:fillRect/>
-          </a:stretch>
-        </p:blipFill>
-        <p:spPr>
-          <a:xfrm>
-            <a:off x="4572000" y="1079500"/>
-            <a:ext cx="4546600" cy="3429000"/>
-          </a:xfrm>
-          <a:prstGeom prst="rect">
-            <a:avLst/>
-          </a:prstGeom>
-        </p:spPr>
-      </p:pic>
-      <p:pic>
-        <p:nvPicPr>
-          <p:cNvPr id="9" name="Picture 8" descr="image.png"/>
-          <p:cNvPicPr>
-            <a:picLocks noChangeAspect="1"/>
-          </p:cNvPicPr>
-          <p:nvPr/>
-        </p:nvPicPr>
-        <p:blipFill>
-          <a:blip r:embed="rId2"/>
-          <a:stretch>
-            <a:fillRect/>
-          </a:stretch>
-        </p:blipFill>
-        <p:spPr>
-          <a:xfrm>
-            <a:off x="12700" y="1079500"/>
-            <a:ext cx="4546600" cy="3429000"/>
-          </a:xfrm>
-          <a:prstGeom prst="rect">
-            <a:avLst/>
-          </a:prstGeom>
-        </p:spPr>
-      </p:pic>
-      <p:pic>
-        <p:nvPicPr>
-          <p:cNvPr id="10" name="Picture 9" descr="image.png"/>
-          <p:cNvPicPr>
-            <a:picLocks noChangeAspect="1"/>
-          </p:cNvPicPr>
-          <p:nvPr/>
-        </p:nvPicPr>
-        <p:blipFill>
-          <a:blip r:embed="rId3"/>
-          <a:stretch>
-            <a:fillRect/>
-          </a:stretch>
-        </p:blipFill>
-        <p:spPr>
-          <a:xfrm>
-            <a:off x="4572000" y="1079500"/>
-            <a:ext cx="4546600" cy="3429000"/>
-          </a:xfrm>
-          <a:prstGeom prst="rect">
-            <a:avLst/>
-          </a:prstGeom>
-        </p:spPr>
-      </p:pic>
-      <p:pic>
-        <p:nvPicPr>
-          <p:cNvPr id="11" name="Picture 10" descr="image.png"/>
-          <p:cNvPicPr>
-            <a:picLocks noChangeAspect="1"/>
-          </p:cNvPicPr>
-          <p:nvPr/>
-        </p:nvPicPr>
-        <p:blipFill>
-          <a:blip r:embed="rId2"/>
-          <a:stretch>
-            <a:fillRect/>
-          </a:stretch>
-        </p:blipFill>
-        <p:spPr>
-          <a:xfrm>
-            <a:off x="12700" y="1079500"/>
-            <a:ext cx="4546600" cy="3429000"/>
-          </a:xfrm>
-          <a:prstGeom prst="rect">
-            <a:avLst/>
-          </a:prstGeom>
-        </p:spPr>
-      </p:pic>
-      <p:pic>
-        <p:nvPicPr>
-          <p:cNvPr id="12" name="Picture 11" descr="image.png"/>
-          <p:cNvPicPr>
-            <a:picLocks noChangeAspect="1"/>
-          </p:cNvPicPr>
-          <p:nvPr/>
-        </p:nvPicPr>
-        <p:blipFill>
-          <a:blip r:embed="rId3"/>
-          <a:stretch>
-            <a:fillRect/>
-          </a:stretch>
-        </p:blipFill>
-        <p:spPr>
-          <a:xfrm>
-            <a:off x="4572000" y="1079500"/>
-            <a:ext cx="4546600" cy="3429000"/>
-          </a:xfrm>
-          <a:prstGeom prst="rect">
-            <a:avLst/>
-          </a:prstGeom>
-        </p:spPr>
-      </p:pic>
-      <p:pic>
-        <p:nvPicPr>
-          <p:cNvPr id="13" name="Picture 12" descr="image.png"/>
-          <p:cNvPicPr>
-            <a:picLocks noChangeAspect="1"/>
-          </p:cNvPicPr>
-          <p:nvPr/>
-        </p:nvPicPr>
-        <p:blipFill>
-          <a:blip r:embed="rId2"/>
-          <a:stretch>
-            <a:fillRect/>
-          </a:stretch>
-        </p:blipFill>
-        <p:spPr>
-          <a:xfrm>
-            <a:off x="12700" y="1079500"/>
-            <a:ext cx="4546600" cy="3429000"/>
-          </a:xfrm>
-          <a:prstGeom prst="rect">
-            <a:avLst/>
-          </a:prstGeom>
-        </p:spPr>
-      </p:pic>
-      <p:pic>
-        <p:nvPicPr>
-          <p:cNvPr id="14" name="Picture 13" descr="image.png"/>
-          <p:cNvPicPr>
-            <a:picLocks noChangeAspect="1"/>
-          </p:cNvPicPr>
-          <p:nvPr/>
-        </p:nvPicPr>
-        <p:blipFill>
-          <a:blip r:embed="rId3"/>
-          <a:stretch>
-            <a:fillRect/>
-          </a:stretch>
-        </p:blipFill>
-        <p:spPr>
-          <a:xfrm>
-            <a:off x="4572000" y="1079500"/>
-            <a:ext cx="4546600" cy="3429000"/>
-          </a:xfrm>
-          <a:prstGeom prst="rect">
-            <a:avLst/>
-          </a:prstGeom>
-        </p:spPr>
-      </p:pic>
-      <p:pic>
-        <p:nvPicPr>
-          <p:cNvPr id="15" name="Picture 14" descr="image.png"/>
-          <p:cNvPicPr>
-            <a:picLocks noChangeAspect="1"/>
-          </p:cNvPicPr>
-          <p:nvPr/>
-        </p:nvPicPr>
-        <p:blipFill>
-          <a:blip r:embed="rId2"/>
-          <a:stretch>
-            <a:fillRect/>
-          </a:stretch>
-        </p:blipFill>
-        <p:spPr>
-          <a:xfrm>
-            <a:off x="12700" y="1079500"/>
-            <a:ext cx="4546600" cy="3429000"/>
-          </a:xfrm>
-          <a:prstGeom prst="rect">
-            <a:avLst/>
-          </a:prstGeom>
-        </p:spPr>
-      </p:pic>
-      <p:pic>
-        <p:nvPicPr>
-          <p:cNvPr id="16" name="Picture 15" descr="image.png"/>
-          <p:cNvPicPr>
-            <a:picLocks noChangeAspect="1"/>
-          </p:cNvPicPr>
-          <p:nvPr/>
-        </p:nvPicPr>
-        <p:blipFill>
-          <a:blip r:embed="rId3"/>
-          <a:stretch>
-            <a:fillRect/>
-          </a:stretch>
-        </p:blipFill>
-        <p:spPr>
-          <a:xfrm>
-            <a:off x="4572000" y="1079500"/>
-            <a:ext cx="4546600" cy="3429000"/>
-          </a:xfrm>
-          <a:prstGeom prst="rect">
-            <a:avLst/>
-          </a:prstGeom>
-        </p:spPr>
-      </p:pic>
-      <p:pic>
-        <p:nvPicPr>
-          <p:cNvPr id="17" name="Picture 16" descr="image.png"/>
-          <p:cNvPicPr>
-            <a:picLocks noChangeAspect="1"/>
-          </p:cNvPicPr>
-          <p:nvPr/>
-        </p:nvPicPr>
-        <p:blipFill>
-          <a:blip r:embed="rId2"/>
-          <a:stretch>
-            <a:fillRect/>
-          </a:stretch>
-        </p:blipFill>
-        <p:spPr>
-          <a:xfrm>
-            <a:off x="12700" y="1079500"/>
-            <a:ext cx="4546600" cy="3429000"/>
-          </a:xfrm>
-          <a:prstGeom prst="rect">
-            <a:avLst/>
-          </a:prstGeom>
-        </p:spPr>
-      </p:pic>
-      <p:pic>
-        <p:nvPicPr>
-          <p:cNvPr id="18" name="Picture 17" descr="image.png"/>
           <p:cNvPicPr>
             <a:picLocks noChangeAspect="1"/>
           </p:cNvPicPr>
@@ -5889,7 +5601,7 @@
           <a:p>
             <a:r>
               <a:rPr lang="en-US" sz="1600" dirty="0"/>
-              <a:t>5537_-_State_5_-_RLBB | VT-01 Off-Board Emissions (3m)</a:t>
+              <a:t>5537_-_State_4_-_RLNB | VT-01 Off-Board Emissions (3m)</a:t>
             </a:r>
           </a:p>
         </p:txBody>
@@ -5958,294 +5670,6 @@
       <p:pic>
         <p:nvPicPr>
           <p:cNvPr id="6" name="Picture 5" descr="image.png"/>
-          <p:cNvPicPr>
-            <a:picLocks noChangeAspect="1"/>
-          </p:cNvPicPr>
-          <p:nvPr/>
-        </p:nvPicPr>
-        <p:blipFill>
-          <a:blip r:embed="rId3"/>
-          <a:stretch>
-            <a:fillRect/>
-          </a:stretch>
-        </p:blipFill>
-        <p:spPr>
-          <a:xfrm>
-            <a:off x="4572000" y="1079500"/>
-            <a:ext cx="4546600" cy="3429000"/>
-          </a:xfrm>
-          <a:prstGeom prst="rect">
-            <a:avLst/>
-          </a:prstGeom>
-        </p:spPr>
-      </p:pic>
-      <p:pic>
-        <p:nvPicPr>
-          <p:cNvPr id="7" name="Picture 6" descr="image.png"/>
-          <p:cNvPicPr>
-            <a:picLocks noChangeAspect="1"/>
-          </p:cNvPicPr>
-          <p:nvPr/>
-        </p:nvPicPr>
-        <p:blipFill>
-          <a:blip r:embed="rId2"/>
-          <a:stretch>
-            <a:fillRect/>
-          </a:stretch>
-        </p:blipFill>
-        <p:spPr>
-          <a:xfrm>
-            <a:off x="12700" y="1079500"/>
-            <a:ext cx="4546600" cy="3429000"/>
-          </a:xfrm>
-          <a:prstGeom prst="rect">
-            <a:avLst/>
-          </a:prstGeom>
-        </p:spPr>
-      </p:pic>
-      <p:pic>
-        <p:nvPicPr>
-          <p:cNvPr id="8" name="Picture 7" descr="image.png"/>
-          <p:cNvPicPr>
-            <a:picLocks noChangeAspect="1"/>
-          </p:cNvPicPr>
-          <p:nvPr/>
-        </p:nvPicPr>
-        <p:blipFill>
-          <a:blip r:embed="rId3"/>
-          <a:stretch>
-            <a:fillRect/>
-          </a:stretch>
-        </p:blipFill>
-        <p:spPr>
-          <a:xfrm>
-            <a:off x="4572000" y="1079500"/>
-            <a:ext cx="4546600" cy="3429000"/>
-          </a:xfrm>
-          <a:prstGeom prst="rect">
-            <a:avLst/>
-          </a:prstGeom>
-        </p:spPr>
-      </p:pic>
-      <p:pic>
-        <p:nvPicPr>
-          <p:cNvPr id="9" name="Picture 8" descr="image.png"/>
-          <p:cNvPicPr>
-            <a:picLocks noChangeAspect="1"/>
-          </p:cNvPicPr>
-          <p:nvPr/>
-        </p:nvPicPr>
-        <p:blipFill>
-          <a:blip r:embed="rId2"/>
-          <a:stretch>
-            <a:fillRect/>
-          </a:stretch>
-        </p:blipFill>
-        <p:spPr>
-          <a:xfrm>
-            <a:off x="12700" y="1079500"/>
-            <a:ext cx="4546600" cy="3429000"/>
-          </a:xfrm>
-          <a:prstGeom prst="rect">
-            <a:avLst/>
-          </a:prstGeom>
-        </p:spPr>
-      </p:pic>
-      <p:pic>
-        <p:nvPicPr>
-          <p:cNvPr id="10" name="Picture 9" descr="image.png"/>
-          <p:cNvPicPr>
-            <a:picLocks noChangeAspect="1"/>
-          </p:cNvPicPr>
-          <p:nvPr/>
-        </p:nvPicPr>
-        <p:blipFill>
-          <a:blip r:embed="rId3"/>
-          <a:stretch>
-            <a:fillRect/>
-          </a:stretch>
-        </p:blipFill>
-        <p:spPr>
-          <a:xfrm>
-            <a:off x="4572000" y="1079500"/>
-            <a:ext cx="4546600" cy="3429000"/>
-          </a:xfrm>
-          <a:prstGeom prst="rect">
-            <a:avLst/>
-          </a:prstGeom>
-        </p:spPr>
-      </p:pic>
-      <p:pic>
-        <p:nvPicPr>
-          <p:cNvPr id="11" name="Picture 10" descr="image.png"/>
-          <p:cNvPicPr>
-            <a:picLocks noChangeAspect="1"/>
-          </p:cNvPicPr>
-          <p:nvPr/>
-        </p:nvPicPr>
-        <p:blipFill>
-          <a:blip r:embed="rId2"/>
-          <a:stretch>
-            <a:fillRect/>
-          </a:stretch>
-        </p:blipFill>
-        <p:spPr>
-          <a:xfrm>
-            <a:off x="12700" y="1079500"/>
-            <a:ext cx="4546600" cy="3429000"/>
-          </a:xfrm>
-          <a:prstGeom prst="rect">
-            <a:avLst/>
-          </a:prstGeom>
-        </p:spPr>
-      </p:pic>
-      <p:pic>
-        <p:nvPicPr>
-          <p:cNvPr id="12" name="Picture 11" descr="image.png"/>
-          <p:cNvPicPr>
-            <a:picLocks noChangeAspect="1"/>
-          </p:cNvPicPr>
-          <p:nvPr/>
-        </p:nvPicPr>
-        <p:blipFill>
-          <a:blip r:embed="rId3"/>
-          <a:stretch>
-            <a:fillRect/>
-          </a:stretch>
-        </p:blipFill>
-        <p:spPr>
-          <a:xfrm>
-            <a:off x="4572000" y="1079500"/>
-            <a:ext cx="4546600" cy="3429000"/>
-          </a:xfrm>
-          <a:prstGeom prst="rect">
-            <a:avLst/>
-          </a:prstGeom>
-        </p:spPr>
-      </p:pic>
-      <p:pic>
-        <p:nvPicPr>
-          <p:cNvPr id="13" name="Picture 12" descr="image.png"/>
-          <p:cNvPicPr>
-            <a:picLocks noChangeAspect="1"/>
-          </p:cNvPicPr>
-          <p:nvPr/>
-        </p:nvPicPr>
-        <p:blipFill>
-          <a:blip r:embed="rId2"/>
-          <a:stretch>
-            <a:fillRect/>
-          </a:stretch>
-        </p:blipFill>
-        <p:spPr>
-          <a:xfrm>
-            <a:off x="12700" y="1079500"/>
-            <a:ext cx="4546600" cy="3429000"/>
-          </a:xfrm>
-          <a:prstGeom prst="rect">
-            <a:avLst/>
-          </a:prstGeom>
-        </p:spPr>
-      </p:pic>
-      <p:pic>
-        <p:nvPicPr>
-          <p:cNvPr id="14" name="Picture 13" descr="image.png"/>
-          <p:cNvPicPr>
-            <a:picLocks noChangeAspect="1"/>
-          </p:cNvPicPr>
-          <p:nvPr/>
-        </p:nvPicPr>
-        <p:blipFill>
-          <a:blip r:embed="rId3"/>
-          <a:stretch>
-            <a:fillRect/>
-          </a:stretch>
-        </p:blipFill>
-        <p:spPr>
-          <a:xfrm>
-            <a:off x="4572000" y="1079500"/>
-            <a:ext cx="4546600" cy="3429000"/>
-          </a:xfrm>
-          <a:prstGeom prst="rect">
-            <a:avLst/>
-          </a:prstGeom>
-        </p:spPr>
-      </p:pic>
-      <p:pic>
-        <p:nvPicPr>
-          <p:cNvPr id="15" name="Picture 14" descr="image.png"/>
-          <p:cNvPicPr>
-            <a:picLocks noChangeAspect="1"/>
-          </p:cNvPicPr>
-          <p:nvPr/>
-        </p:nvPicPr>
-        <p:blipFill>
-          <a:blip r:embed="rId2"/>
-          <a:stretch>
-            <a:fillRect/>
-          </a:stretch>
-        </p:blipFill>
-        <p:spPr>
-          <a:xfrm>
-            <a:off x="12700" y="1079500"/>
-            <a:ext cx="4546600" cy="3429000"/>
-          </a:xfrm>
-          <a:prstGeom prst="rect">
-            <a:avLst/>
-          </a:prstGeom>
-        </p:spPr>
-      </p:pic>
-      <p:pic>
-        <p:nvPicPr>
-          <p:cNvPr id="16" name="Picture 15" descr="image.png"/>
-          <p:cNvPicPr>
-            <a:picLocks noChangeAspect="1"/>
-          </p:cNvPicPr>
-          <p:nvPr/>
-        </p:nvPicPr>
-        <p:blipFill>
-          <a:blip r:embed="rId3"/>
-          <a:stretch>
-            <a:fillRect/>
-          </a:stretch>
-        </p:blipFill>
-        <p:spPr>
-          <a:xfrm>
-            <a:off x="4572000" y="1079500"/>
-            <a:ext cx="4546600" cy="3429000"/>
-          </a:xfrm>
-          <a:prstGeom prst="rect">
-            <a:avLst/>
-          </a:prstGeom>
-        </p:spPr>
-      </p:pic>
-      <p:pic>
-        <p:nvPicPr>
-          <p:cNvPr id="17" name="Picture 16" descr="image.png"/>
-          <p:cNvPicPr>
-            <a:picLocks noChangeAspect="1"/>
-          </p:cNvPicPr>
-          <p:nvPr/>
-        </p:nvPicPr>
-        <p:blipFill>
-          <a:blip r:embed="rId2"/>
-          <a:stretch>
-            <a:fillRect/>
-          </a:stretch>
-        </p:blipFill>
-        <p:spPr>
-          <a:xfrm>
-            <a:off x="12700" y="1079500"/>
-            <a:ext cx="4546600" cy="3429000"/>
-          </a:xfrm>
-          <a:prstGeom prst="rect">
-            <a:avLst/>
-          </a:prstGeom>
-        </p:spPr>
-      </p:pic>
-      <p:pic>
-        <p:nvPicPr>
-          <p:cNvPr id="18" name="Picture 17" descr="image.png"/>
           <p:cNvPicPr>
             <a:picLocks noChangeAspect="1"/>
           </p:cNvPicPr>
@@ -7644,7 +7068,7 @@
           <a:p>
             <a:r>
               <a:rPr lang="en-US" sz="1600" dirty="0"/>
-              <a:t>5537_-_State_6_-_FLBB | VT-01 Off-Board Emissions (3m)</a:t>
+              <a:t>5537_-_State_5_-_RLBB - Copy | VT-01 Off-Board Emissions (3m)</a:t>
             </a:r>
           </a:p>
         </p:txBody>
@@ -7713,294 +7137,6 @@
       <p:pic>
         <p:nvPicPr>
           <p:cNvPr id="6" name="Picture 5" descr="image.png"/>
-          <p:cNvPicPr>
-            <a:picLocks noChangeAspect="1"/>
-          </p:cNvPicPr>
-          <p:nvPr/>
-        </p:nvPicPr>
-        <p:blipFill>
-          <a:blip r:embed="rId3"/>
-          <a:stretch>
-            <a:fillRect/>
-          </a:stretch>
-        </p:blipFill>
-        <p:spPr>
-          <a:xfrm>
-            <a:off x="4572000" y="1079500"/>
-            <a:ext cx="4546600" cy="3429000"/>
-          </a:xfrm>
-          <a:prstGeom prst="rect">
-            <a:avLst/>
-          </a:prstGeom>
-        </p:spPr>
-      </p:pic>
-      <p:pic>
-        <p:nvPicPr>
-          <p:cNvPr id="7" name="Picture 6" descr="image.png"/>
-          <p:cNvPicPr>
-            <a:picLocks noChangeAspect="1"/>
-          </p:cNvPicPr>
-          <p:nvPr/>
-        </p:nvPicPr>
-        <p:blipFill>
-          <a:blip r:embed="rId2"/>
-          <a:stretch>
-            <a:fillRect/>
-          </a:stretch>
-        </p:blipFill>
-        <p:spPr>
-          <a:xfrm>
-            <a:off x="12700" y="1079500"/>
-            <a:ext cx="4546600" cy="3429000"/>
-          </a:xfrm>
-          <a:prstGeom prst="rect">
-            <a:avLst/>
-          </a:prstGeom>
-        </p:spPr>
-      </p:pic>
-      <p:pic>
-        <p:nvPicPr>
-          <p:cNvPr id="8" name="Picture 7" descr="image.png"/>
-          <p:cNvPicPr>
-            <a:picLocks noChangeAspect="1"/>
-          </p:cNvPicPr>
-          <p:nvPr/>
-        </p:nvPicPr>
-        <p:blipFill>
-          <a:blip r:embed="rId3"/>
-          <a:stretch>
-            <a:fillRect/>
-          </a:stretch>
-        </p:blipFill>
-        <p:spPr>
-          <a:xfrm>
-            <a:off x="4572000" y="1079500"/>
-            <a:ext cx="4546600" cy="3429000"/>
-          </a:xfrm>
-          <a:prstGeom prst="rect">
-            <a:avLst/>
-          </a:prstGeom>
-        </p:spPr>
-      </p:pic>
-      <p:pic>
-        <p:nvPicPr>
-          <p:cNvPr id="9" name="Picture 8" descr="image.png"/>
-          <p:cNvPicPr>
-            <a:picLocks noChangeAspect="1"/>
-          </p:cNvPicPr>
-          <p:nvPr/>
-        </p:nvPicPr>
-        <p:blipFill>
-          <a:blip r:embed="rId2"/>
-          <a:stretch>
-            <a:fillRect/>
-          </a:stretch>
-        </p:blipFill>
-        <p:spPr>
-          <a:xfrm>
-            <a:off x="12700" y="1079500"/>
-            <a:ext cx="4546600" cy="3429000"/>
-          </a:xfrm>
-          <a:prstGeom prst="rect">
-            <a:avLst/>
-          </a:prstGeom>
-        </p:spPr>
-      </p:pic>
-      <p:pic>
-        <p:nvPicPr>
-          <p:cNvPr id="10" name="Picture 9" descr="image.png"/>
-          <p:cNvPicPr>
-            <a:picLocks noChangeAspect="1"/>
-          </p:cNvPicPr>
-          <p:nvPr/>
-        </p:nvPicPr>
-        <p:blipFill>
-          <a:blip r:embed="rId3"/>
-          <a:stretch>
-            <a:fillRect/>
-          </a:stretch>
-        </p:blipFill>
-        <p:spPr>
-          <a:xfrm>
-            <a:off x="4572000" y="1079500"/>
-            <a:ext cx="4546600" cy="3429000"/>
-          </a:xfrm>
-          <a:prstGeom prst="rect">
-            <a:avLst/>
-          </a:prstGeom>
-        </p:spPr>
-      </p:pic>
-      <p:pic>
-        <p:nvPicPr>
-          <p:cNvPr id="11" name="Picture 10" descr="image.png"/>
-          <p:cNvPicPr>
-            <a:picLocks noChangeAspect="1"/>
-          </p:cNvPicPr>
-          <p:nvPr/>
-        </p:nvPicPr>
-        <p:blipFill>
-          <a:blip r:embed="rId2"/>
-          <a:stretch>
-            <a:fillRect/>
-          </a:stretch>
-        </p:blipFill>
-        <p:spPr>
-          <a:xfrm>
-            <a:off x="12700" y="1079500"/>
-            <a:ext cx="4546600" cy="3429000"/>
-          </a:xfrm>
-          <a:prstGeom prst="rect">
-            <a:avLst/>
-          </a:prstGeom>
-        </p:spPr>
-      </p:pic>
-      <p:pic>
-        <p:nvPicPr>
-          <p:cNvPr id="12" name="Picture 11" descr="image.png"/>
-          <p:cNvPicPr>
-            <a:picLocks noChangeAspect="1"/>
-          </p:cNvPicPr>
-          <p:nvPr/>
-        </p:nvPicPr>
-        <p:blipFill>
-          <a:blip r:embed="rId3"/>
-          <a:stretch>
-            <a:fillRect/>
-          </a:stretch>
-        </p:blipFill>
-        <p:spPr>
-          <a:xfrm>
-            <a:off x="4572000" y="1079500"/>
-            <a:ext cx="4546600" cy="3429000"/>
-          </a:xfrm>
-          <a:prstGeom prst="rect">
-            <a:avLst/>
-          </a:prstGeom>
-        </p:spPr>
-      </p:pic>
-      <p:pic>
-        <p:nvPicPr>
-          <p:cNvPr id="13" name="Picture 12" descr="image.png"/>
-          <p:cNvPicPr>
-            <a:picLocks noChangeAspect="1"/>
-          </p:cNvPicPr>
-          <p:nvPr/>
-        </p:nvPicPr>
-        <p:blipFill>
-          <a:blip r:embed="rId2"/>
-          <a:stretch>
-            <a:fillRect/>
-          </a:stretch>
-        </p:blipFill>
-        <p:spPr>
-          <a:xfrm>
-            <a:off x="12700" y="1079500"/>
-            <a:ext cx="4546600" cy="3429000"/>
-          </a:xfrm>
-          <a:prstGeom prst="rect">
-            <a:avLst/>
-          </a:prstGeom>
-        </p:spPr>
-      </p:pic>
-      <p:pic>
-        <p:nvPicPr>
-          <p:cNvPr id="14" name="Picture 13" descr="image.png"/>
-          <p:cNvPicPr>
-            <a:picLocks noChangeAspect="1"/>
-          </p:cNvPicPr>
-          <p:nvPr/>
-        </p:nvPicPr>
-        <p:blipFill>
-          <a:blip r:embed="rId3"/>
-          <a:stretch>
-            <a:fillRect/>
-          </a:stretch>
-        </p:blipFill>
-        <p:spPr>
-          <a:xfrm>
-            <a:off x="4572000" y="1079500"/>
-            <a:ext cx="4546600" cy="3429000"/>
-          </a:xfrm>
-          <a:prstGeom prst="rect">
-            <a:avLst/>
-          </a:prstGeom>
-        </p:spPr>
-      </p:pic>
-      <p:pic>
-        <p:nvPicPr>
-          <p:cNvPr id="15" name="Picture 14" descr="image.png"/>
-          <p:cNvPicPr>
-            <a:picLocks noChangeAspect="1"/>
-          </p:cNvPicPr>
-          <p:nvPr/>
-        </p:nvPicPr>
-        <p:blipFill>
-          <a:blip r:embed="rId2"/>
-          <a:stretch>
-            <a:fillRect/>
-          </a:stretch>
-        </p:blipFill>
-        <p:spPr>
-          <a:xfrm>
-            <a:off x="12700" y="1079500"/>
-            <a:ext cx="4546600" cy="3429000"/>
-          </a:xfrm>
-          <a:prstGeom prst="rect">
-            <a:avLst/>
-          </a:prstGeom>
-        </p:spPr>
-      </p:pic>
-      <p:pic>
-        <p:nvPicPr>
-          <p:cNvPr id="16" name="Picture 15" descr="image.png"/>
-          <p:cNvPicPr>
-            <a:picLocks noChangeAspect="1"/>
-          </p:cNvPicPr>
-          <p:nvPr/>
-        </p:nvPicPr>
-        <p:blipFill>
-          <a:blip r:embed="rId3"/>
-          <a:stretch>
-            <a:fillRect/>
-          </a:stretch>
-        </p:blipFill>
-        <p:spPr>
-          <a:xfrm>
-            <a:off x="4572000" y="1079500"/>
-            <a:ext cx="4546600" cy="3429000"/>
-          </a:xfrm>
-          <a:prstGeom prst="rect">
-            <a:avLst/>
-          </a:prstGeom>
-        </p:spPr>
-      </p:pic>
-      <p:pic>
-        <p:nvPicPr>
-          <p:cNvPr id="17" name="Picture 16" descr="image.png"/>
-          <p:cNvPicPr>
-            <a:picLocks noChangeAspect="1"/>
-          </p:cNvPicPr>
-          <p:nvPr/>
-        </p:nvPicPr>
-        <p:blipFill>
-          <a:blip r:embed="rId2"/>
-          <a:stretch>
-            <a:fillRect/>
-          </a:stretch>
-        </p:blipFill>
-        <p:spPr>
-          <a:xfrm>
-            <a:off x="12700" y="1079500"/>
-            <a:ext cx="4546600" cy="3429000"/>
-          </a:xfrm>
-          <a:prstGeom prst="rect">
-            <a:avLst/>
-          </a:prstGeom>
-        </p:spPr>
-      </p:pic>
-      <p:pic>
-        <p:nvPicPr>
-          <p:cNvPr id="18" name="Picture 17" descr="image.png"/>
           <p:cNvPicPr>
             <a:picLocks noChangeAspect="1"/>
           </p:cNvPicPr>
@@ -9399,7 +8535,7 @@
           <a:p>
             <a:r>
               <a:rPr lang="en-US" dirty="0"/>
-              <a:t>5537_-_State_7_-_RRBB | VT-01 Off-Board Emissions (3m)</a:t>
+              <a:t>5537_-_State_5_-_RLBB | VT-01 Off-Board Emissions (3m)</a:t>
             </a:r>
           </a:p>
         </p:txBody>
@@ -9468,294 +8604,6 @@
       <p:pic>
         <p:nvPicPr>
           <p:cNvPr id="6" name="Picture 5" descr="image.png"/>
-          <p:cNvPicPr>
-            <a:picLocks noChangeAspect="1"/>
-          </p:cNvPicPr>
-          <p:nvPr/>
-        </p:nvPicPr>
-        <p:blipFill>
-          <a:blip r:embed="rId3"/>
-          <a:stretch>
-            <a:fillRect/>
-          </a:stretch>
-        </p:blipFill>
-        <p:spPr>
-          <a:xfrm>
-            <a:off x="4572000" y="1079500"/>
-            <a:ext cx="4546600" cy="3429000"/>
-          </a:xfrm>
-          <a:prstGeom prst="rect">
-            <a:avLst/>
-          </a:prstGeom>
-        </p:spPr>
-      </p:pic>
-      <p:pic>
-        <p:nvPicPr>
-          <p:cNvPr id="7" name="Picture 6" descr="image.png"/>
-          <p:cNvPicPr>
-            <a:picLocks noChangeAspect="1"/>
-          </p:cNvPicPr>
-          <p:nvPr/>
-        </p:nvPicPr>
-        <p:blipFill>
-          <a:blip r:embed="rId2"/>
-          <a:stretch>
-            <a:fillRect/>
-          </a:stretch>
-        </p:blipFill>
-        <p:spPr>
-          <a:xfrm>
-            <a:off x="12700" y="1079500"/>
-            <a:ext cx="4546600" cy="3429000"/>
-          </a:xfrm>
-          <a:prstGeom prst="rect">
-            <a:avLst/>
-          </a:prstGeom>
-        </p:spPr>
-      </p:pic>
-      <p:pic>
-        <p:nvPicPr>
-          <p:cNvPr id="8" name="Picture 7" descr="image.png"/>
-          <p:cNvPicPr>
-            <a:picLocks noChangeAspect="1"/>
-          </p:cNvPicPr>
-          <p:nvPr/>
-        </p:nvPicPr>
-        <p:blipFill>
-          <a:blip r:embed="rId3"/>
-          <a:stretch>
-            <a:fillRect/>
-          </a:stretch>
-        </p:blipFill>
-        <p:spPr>
-          <a:xfrm>
-            <a:off x="4572000" y="1079500"/>
-            <a:ext cx="4546600" cy="3429000"/>
-          </a:xfrm>
-          <a:prstGeom prst="rect">
-            <a:avLst/>
-          </a:prstGeom>
-        </p:spPr>
-      </p:pic>
-      <p:pic>
-        <p:nvPicPr>
-          <p:cNvPr id="9" name="Picture 8" descr="image.png"/>
-          <p:cNvPicPr>
-            <a:picLocks noChangeAspect="1"/>
-          </p:cNvPicPr>
-          <p:nvPr/>
-        </p:nvPicPr>
-        <p:blipFill>
-          <a:blip r:embed="rId2"/>
-          <a:stretch>
-            <a:fillRect/>
-          </a:stretch>
-        </p:blipFill>
-        <p:spPr>
-          <a:xfrm>
-            <a:off x="12700" y="1079500"/>
-            <a:ext cx="4546600" cy="3429000"/>
-          </a:xfrm>
-          <a:prstGeom prst="rect">
-            <a:avLst/>
-          </a:prstGeom>
-        </p:spPr>
-      </p:pic>
-      <p:pic>
-        <p:nvPicPr>
-          <p:cNvPr id="10" name="Picture 9" descr="image.png"/>
-          <p:cNvPicPr>
-            <a:picLocks noChangeAspect="1"/>
-          </p:cNvPicPr>
-          <p:nvPr/>
-        </p:nvPicPr>
-        <p:blipFill>
-          <a:blip r:embed="rId3"/>
-          <a:stretch>
-            <a:fillRect/>
-          </a:stretch>
-        </p:blipFill>
-        <p:spPr>
-          <a:xfrm>
-            <a:off x="4572000" y="1079500"/>
-            <a:ext cx="4546600" cy="3429000"/>
-          </a:xfrm>
-          <a:prstGeom prst="rect">
-            <a:avLst/>
-          </a:prstGeom>
-        </p:spPr>
-      </p:pic>
-      <p:pic>
-        <p:nvPicPr>
-          <p:cNvPr id="11" name="Picture 10" descr="image.png"/>
-          <p:cNvPicPr>
-            <a:picLocks noChangeAspect="1"/>
-          </p:cNvPicPr>
-          <p:nvPr/>
-        </p:nvPicPr>
-        <p:blipFill>
-          <a:blip r:embed="rId2"/>
-          <a:stretch>
-            <a:fillRect/>
-          </a:stretch>
-        </p:blipFill>
-        <p:spPr>
-          <a:xfrm>
-            <a:off x="12700" y="1079500"/>
-            <a:ext cx="4546600" cy="3429000"/>
-          </a:xfrm>
-          <a:prstGeom prst="rect">
-            <a:avLst/>
-          </a:prstGeom>
-        </p:spPr>
-      </p:pic>
-      <p:pic>
-        <p:nvPicPr>
-          <p:cNvPr id="12" name="Picture 11" descr="image.png"/>
-          <p:cNvPicPr>
-            <a:picLocks noChangeAspect="1"/>
-          </p:cNvPicPr>
-          <p:nvPr/>
-        </p:nvPicPr>
-        <p:blipFill>
-          <a:blip r:embed="rId3"/>
-          <a:stretch>
-            <a:fillRect/>
-          </a:stretch>
-        </p:blipFill>
-        <p:spPr>
-          <a:xfrm>
-            <a:off x="4572000" y="1079500"/>
-            <a:ext cx="4546600" cy="3429000"/>
-          </a:xfrm>
-          <a:prstGeom prst="rect">
-            <a:avLst/>
-          </a:prstGeom>
-        </p:spPr>
-      </p:pic>
-      <p:pic>
-        <p:nvPicPr>
-          <p:cNvPr id="13" name="Picture 12" descr="image.png"/>
-          <p:cNvPicPr>
-            <a:picLocks noChangeAspect="1"/>
-          </p:cNvPicPr>
-          <p:nvPr/>
-        </p:nvPicPr>
-        <p:blipFill>
-          <a:blip r:embed="rId2"/>
-          <a:stretch>
-            <a:fillRect/>
-          </a:stretch>
-        </p:blipFill>
-        <p:spPr>
-          <a:xfrm>
-            <a:off x="12700" y="1079500"/>
-            <a:ext cx="4546600" cy="3429000"/>
-          </a:xfrm>
-          <a:prstGeom prst="rect">
-            <a:avLst/>
-          </a:prstGeom>
-        </p:spPr>
-      </p:pic>
-      <p:pic>
-        <p:nvPicPr>
-          <p:cNvPr id="14" name="Picture 13" descr="image.png"/>
-          <p:cNvPicPr>
-            <a:picLocks noChangeAspect="1"/>
-          </p:cNvPicPr>
-          <p:nvPr/>
-        </p:nvPicPr>
-        <p:blipFill>
-          <a:blip r:embed="rId3"/>
-          <a:stretch>
-            <a:fillRect/>
-          </a:stretch>
-        </p:blipFill>
-        <p:spPr>
-          <a:xfrm>
-            <a:off x="4572000" y="1079500"/>
-            <a:ext cx="4546600" cy="3429000"/>
-          </a:xfrm>
-          <a:prstGeom prst="rect">
-            <a:avLst/>
-          </a:prstGeom>
-        </p:spPr>
-      </p:pic>
-      <p:pic>
-        <p:nvPicPr>
-          <p:cNvPr id="15" name="Picture 14" descr="image.png"/>
-          <p:cNvPicPr>
-            <a:picLocks noChangeAspect="1"/>
-          </p:cNvPicPr>
-          <p:nvPr/>
-        </p:nvPicPr>
-        <p:blipFill>
-          <a:blip r:embed="rId2"/>
-          <a:stretch>
-            <a:fillRect/>
-          </a:stretch>
-        </p:blipFill>
-        <p:spPr>
-          <a:xfrm>
-            <a:off x="12700" y="1079500"/>
-            <a:ext cx="4546600" cy="3429000"/>
-          </a:xfrm>
-          <a:prstGeom prst="rect">
-            <a:avLst/>
-          </a:prstGeom>
-        </p:spPr>
-      </p:pic>
-      <p:pic>
-        <p:nvPicPr>
-          <p:cNvPr id="16" name="Picture 15" descr="image.png"/>
-          <p:cNvPicPr>
-            <a:picLocks noChangeAspect="1"/>
-          </p:cNvPicPr>
-          <p:nvPr/>
-        </p:nvPicPr>
-        <p:blipFill>
-          <a:blip r:embed="rId3"/>
-          <a:stretch>
-            <a:fillRect/>
-          </a:stretch>
-        </p:blipFill>
-        <p:spPr>
-          <a:xfrm>
-            <a:off x="4572000" y="1079500"/>
-            <a:ext cx="4546600" cy="3429000"/>
-          </a:xfrm>
-          <a:prstGeom prst="rect">
-            <a:avLst/>
-          </a:prstGeom>
-        </p:spPr>
-      </p:pic>
-      <p:pic>
-        <p:nvPicPr>
-          <p:cNvPr id="17" name="Picture 16" descr="image.png"/>
-          <p:cNvPicPr>
-            <a:picLocks noChangeAspect="1"/>
-          </p:cNvPicPr>
-          <p:nvPr/>
-        </p:nvPicPr>
-        <p:blipFill>
-          <a:blip r:embed="rId2"/>
-          <a:stretch>
-            <a:fillRect/>
-          </a:stretch>
-        </p:blipFill>
-        <p:spPr>
-          <a:xfrm>
-            <a:off x="12700" y="1079500"/>
-            <a:ext cx="4546600" cy="3429000"/>
-          </a:xfrm>
-          <a:prstGeom prst="rect">
-            <a:avLst/>
-          </a:prstGeom>
-        </p:spPr>
-      </p:pic>
-      <p:pic>
-        <p:nvPicPr>
-          <p:cNvPr id="18" name="Picture 17" descr="image.png"/>
           <p:cNvPicPr>
             <a:picLocks noChangeAspect="1"/>
           </p:cNvPicPr>
@@ -11154,7 +10002,7 @@
           <a:p>
             <a:r>
               <a:rPr lang="en-US" dirty="0"/>
-              <a:t>5537_-_State_28_-_CE | VT-12 Conducted Emissions (Single Phase)</a:t>
+              <a:t>5537_-_State_6_-_FLBB - Copy | VT-01 Off-Board Emissions (3m)</a:t>
             </a:r>
           </a:p>
         </p:txBody>
@@ -11223,294 +10071,6 @@
       <p:pic>
         <p:nvPicPr>
           <p:cNvPr id="6" name="Picture 5" descr="image.png"/>
-          <p:cNvPicPr>
-            <a:picLocks noChangeAspect="1"/>
-          </p:cNvPicPr>
-          <p:nvPr/>
-        </p:nvPicPr>
-        <p:blipFill>
-          <a:blip r:embed="rId3"/>
-          <a:stretch>
-            <a:fillRect/>
-          </a:stretch>
-        </p:blipFill>
-        <p:spPr>
-          <a:xfrm>
-            <a:off x="4572000" y="1079500"/>
-            <a:ext cx="4546600" cy="3429000"/>
-          </a:xfrm>
-          <a:prstGeom prst="rect">
-            <a:avLst/>
-          </a:prstGeom>
-        </p:spPr>
-      </p:pic>
-      <p:pic>
-        <p:nvPicPr>
-          <p:cNvPr id="7" name="Picture 6" descr="image.png"/>
-          <p:cNvPicPr>
-            <a:picLocks noChangeAspect="1"/>
-          </p:cNvPicPr>
-          <p:nvPr/>
-        </p:nvPicPr>
-        <p:blipFill>
-          <a:blip r:embed="rId2"/>
-          <a:stretch>
-            <a:fillRect/>
-          </a:stretch>
-        </p:blipFill>
-        <p:spPr>
-          <a:xfrm>
-            <a:off x="12700" y="1079500"/>
-            <a:ext cx="4546600" cy="3429000"/>
-          </a:xfrm>
-          <a:prstGeom prst="rect">
-            <a:avLst/>
-          </a:prstGeom>
-        </p:spPr>
-      </p:pic>
-      <p:pic>
-        <p:nvPicPr>
-          <p:cNvPr id="8" name="Picture 7" descr="image.png"/>
-          <p:cNvPicPr>
-            <a:picLocks noChangeAspect="1"/>
-          </p:cNvPicPr>
-          <p:nvPr/>
-        </p:nvPicPr>
-        <p:blipFill>
-          <a:blip r:embed="rId3"/>
-          <a:stretch>
-            <a:fillRect/>
-          </a:stretch>
-        </p:blipFill>
-        <p:spPr>
-          <a:xfrm>
-            <a:off x="4572000" y="1079500"/>
-            <a:ext cx="4546600" cy="3429000"/>
-          </a:xfrm>
-          <a:prstGeom prst="rect">
-            <a:avLst/>
-          </a:prstGeom>
-        </p:spPr>
-      </p:pic>
-      <p:pic>
-        <p:nvPicPr>
-          <p:cNvPr id="9" name="Picture 8" descr="image.png"/>
-          <p:cNvPicPr>
-            <a:picLocks noChangeAspect="1"/>
-          </p:cNvPicPr>
-          <p:nvPr/>
-        </p:nvPicPr>
-        <p:blipFill>
-          <a:blip r:embed="rId2"/>
-          <a:stretch>
-            <a:fillRect/>
-          </a:stretch>
-        </p:blipFill>
-        <p:spPr>
-          <a:xfrm>
-            <a:off x="12700" y="1079500"/>
-            <a:ext cx="4546600" cy="3429000"/>
-          </a:xfrm>
-          <a:prstGeom prst="rect">
-            <a:avLst/>
-          </a:prstGeom>
-        </p:spPr>
-      </p:pic>
-      <p:pic>
-        <p:nvPicPr>
-          <p:cNvPr id="10" name="Picture 9" descr="image.png"/>
-          <p:cNvPicPr>
-            <a:picLocks noChangeAspect="1"/>
-          </p:cNvPicPr>
-          <p:nvPr/>
-        </p:nvPicPr>
-        <p:blipFill>
-          <a:blip r:embed="rId3"/>
-          <a:stretch>
-            <a:fillRect/>
-          </a:stretch>
-        </p:blipFill>
-        <p:spPr>
-          <a:xfrm>
-            <a:off x="4572000" y="1079500"/>
-            <a:ext cx="4546600" cy="3429000"/>
-          </a:xfrm>
-          <a:prstGeom prst="rect">
-            <a:avLst/>
-          </a:prstGeom>
-        </p:spPr>
-      </p:pic>
-      <p:pic>
-        <p:nvPicPr>
-          <p:cNvPr id="11" name="Picture 10" descr="image.png"/>
-          <p:cNvPicPr>
-            <a:picLocks noChangeAspect="1"/>
-          </p:cNvPicPr>
-          <p:nvPr/>
-        </p:nvPicPr>
-        <p:blipFill>
-          <a:blip r:embed="rId2"/>
-          <a:stretch>
-            <a:fillRect/>
-          </a:stretch>
-        </p:blipFill>
-        <p:spPr>
-          <a:xfrm>
-            <a:off x="12700" y="1079500"/>
-            <a:ext cx="4546600" cy="3429000"/>
-          </a:xfrm>
-          <a:prstGeom prst="rect">
-            <a:avLst/>
-          </a:prstGeom>
-        </p:spPr>
-      </p:pic>
-      <p:pic>
-        <p:nvPicPr>
-          <p:cNvPr id="12" name="Picture 11" descr="image.png"/>
-          <p:cNvPicPr>
-            <a:picLocks noChangeAspect="1"/>
-          </p:cNvPicPr>
-          <p:nvPr/>
-        </p:nvPicPr>
-        <p:blipFill>
-          <a:blip r:embed="rId3"/>
-          <a:stretch>
-            <a:fillRect/>
-          </a:stretch>
-        </p:blipFill>
-        <p:spPr>
-          <a:xfrm>
-            <a:off x="4572000" y="1079500"/>
-            <a:ext cx="4546600" cy="3429000"/>
-          </a:xfrm>
-          <a:prstGeom prst="rect">
-            <a:avLst/>
-          </a:prstGeom>
-        </p:spPr>
-      </p:pic>
-      <p:pic>
-        <p:nvPicPr>
-          <p:cNvPr id="13" name="Picture 12" descr="image.png"/>
-          <p:cNvPicPr>
-            <a:picLocks noChangeAspect="1"/>
-          </p:cNvPicPr>
-          <p:nvPr/>
-        </p:nvPicPr>
-        <p:blipFill>
-          <a:blip r:embed="rId2"/>
-          <a:stretch>
-            <a:fillRect/>
-          </a:stretch>
-        </p:blipFill>
-        <p:spPr>
-          <a:xfrm>
-            <a:off x="12700" y="1079500"/>
-            <a:ext cx="4546600" cy="3429000"/>
-          </a:xfrm>
-          <a:prstGeom prst="rect">
-            <a:avLst/>
-          </a:prstGeom>
-        </p:spPr>
-      </p:pic>
-      <p:pic>
-        <p:nvPicPr>
-          <p:cNvPr id="14" name="Picture 13" descr="image.png"/>
-          <p:cNvPicPr>
-            <a:picLocks noChangeAspect="1"/>
-          </p:cNvPicPr>
-          <p:nvPr/>
-        </p:nvPicPr>
-        <p:blipFill>
-          <a:blip r:embed="rId3"/>
-          <a:stretch>
-            <a:fillRect/>
-          </a:stretch>
-        </p:blipFill>
-        <p:spPr>
-          <a:xfrm>
-            <a:off x="4572000" y="1079500"/>
-            <a:ext cx="4546600" cy="3429000"/>
-          </a:xfrm>
-          <a:prstGeom prst="rect">
-            <a:avLst/>
-          </a:prstGeom>
-        </p:spPr>
-      </p:pic>
-      <p:pic>
-        <p:nvPicPr>
-          <p:cNvPr id="15" name="Picture 14" descr="image.png"/>
-          <p:cNvPicPr>
-            <a:picLocks noChangeAspect="1"/>
-          </p:cNvPicPr>
-          <p:nvPr/>
-        </p:nvPicPr>
-        <p:blipFill>
-          <a:blip r:embed="rId2"/>
-          <a:stretch>
-            <a:fillRect/>
-          </a:stretch>
-        </p:blipFill>
-        <p:spPr>
-          <a:xfrm>
-            <a:off x="12700" y="1079500"/>
-            <a:ext cx="4546600" cy="3429000"/>
-          </a:xfrm>
-          <a:prstGeom prst="rect">
-            <a:avLst/>
-          </a:prstGeom>
-        </p:spPr>
-      </p:pic>
-      <p:pic>
-        <p:nvPicPr>
-          <p:cNvPr id="16" name="Picture 15" descr="image.png"/>
-          <p:cNvPicPr>
-            <a:picLocks noChangeAspect="1"/>
-          </p:cNvPicPr>
-          <p:nvPr/>
-        </p:nvPicPr>
-        <p:blipFill>
-          <a:blip r:embed="rId3"/>
-          <a:stretch>
-            <a:fillRect/>
-          </a:stretch>
-        </p:blipFill>
-        <p:spPr>
-          <a:xfrm>
-            <a:off x="4572000" y="1079500"/>
-            <a:ext cx="4546600" cy="3429000"/>
-          </a:xfrm>
-          <a:prstGeom prst="rect">
-            <a:avLst/>
-          </a:prstGeom>
-        </p:spPr>
-      </p:pic>
-      <p:pic>
-        <p:nvPicPr>
-          <p:cNvPr id="17" name="Picture 16" descr="image.png"/>
-          <p:cNvPicPr>
-            <a:picLocks noChangeAspect="1"/>
-          </p:cNvPicPr>
-          <p:nvPr/>
-        </p:nvPicPr>
-        <p:blipFill>
-          <a:blip r:embed="rId2"/>
-          <a:stretch>
-            <a:fillRect/>
-          </a:stretch>
-        </p:blipFill>
-        <p:spPr>
-          <a:xfrm>
-            <a:off x="12700" y="1079500"/>
-            <a:ext cx="4546600" cy="3429000"/>
-          </a:xfrm>
-          <a:prstGeom prst="rect">
-            <a:avLst/>
-          </a:prstGeom>
-        </p:spPr>
-      </p:pic>
-      <p:pic>
-        <p:nvPicPr>
-          <p:cNvPr id="18" name="Picture 17" descr="image.png"/>
           <p:cNvPicPr>
             <a:picLocks noChangeAspect="1"/>
           </p:cNvPicPr>
@@ -11837,7 +10397,7 @@
           <a:p>
             <a:r>
               <a:rPr lang="en-US" dirty="0"/>
-              <a:t>5537_-_State_29_-_CE | VT-12 Conducted Emissions (Single Phase)</a:t>
+              <a:t>5537_-_State_6_-_FLBB | VT-01 Off-Board Emissions (3m)</a:t>
             </a:r>
           </a:p>
         </p:txBody>
@@ -11906,294 +10466,6 @@
       <p:pic>
         <p:nvPicPr>
           <p:cNvPr id="6" name="Picture 5" descr="image.png"/>
-          <p:cNvPicPr>
-            <a:picLocks noChangeAspect="1"/>
-          </p:cNvPicPr>
-          <p:nvPr/>
-        </p:nvPicPr>
-        <p:blipFill>
-          <a:blip r:embed="rId3"/>
-          <a:stretch>
-            <a:fillRect/>
-          </a:stretch>
-        </p:blipFill>
-        <p:spPr>
-          <a:xfrm>
-            <a:off x="4572000" y="1079500"/>
-            <a:ext cx="4546600" cy="3429000"/>
-          </a:xfrm>
-          <a:prstGeom prst="rect">
-            <a:avLst/>
-          </a:prstGeom>
-        </p:spPr>
-      </p:pic>
-      <p:pic>
-        <p:nvPicPr>
-          <p:cNvPr id="7" name="Picture 6" descr="image.png"/>
-          <p:cNvPicPr>
-            <a:picLocks noChangeAspect="1"/>
-          </p:cNvPicPr>
-          <p:nvPr/>
-        </p:nvPicPr>
-        <p:blipFill>
-          <a:blip r:embed="rId2"/>
-          <a:stretch>
-            <a:fillRect/>
-          </a:stretch>
-        </p:blipFill>
-        <p:spPr>
-          <a:xfrm>
-            <a:off x="12700" y="1079500"/>
-            <a:ext cx="4546600" cy="3429000"/>
-          </a:xfrm>
-          <a:prstGeom prst="rect">
-            <a:avLst/>
-          </a:prstGeom>
-        </p:spPr>
-      </p:pic>
-      <p:pic>
-        <p:nvPicPr>
-          <p:cNvPr id="8" name="Picture 7" descr="image.png"/>
-          <p:cNvPicPr>
-            <a:picLocks noChangeAspect="1"/>
-          </p:cNvPicPr>
-          <p:nvPr/>
-        </p:nvPicPr>
-        <p:blipFill>
-          <a:blip r:embed="rId3"/>
-          <a:stretch>
-            <a:fillRect/>
-          </a:stretch>
-        </p:blipFill>
-        <p:spPr>
-          <a:xfrm>
-            <a:off x="4572000" y="1079500"/>
-            <a:ext cx="4546600" cy="3429000"/>
-          </a:xfrm>
-          <a:prstGeom prst="rect">
-            <a:avLst/>
-          </a:prstGeom>
-        </p:spPr>
-      </p:pic>
-      <p:pic>
-        <p:nvPicPr>
-          <p:cNvPr id="9" name="Picture 8" descr="image.png"/>
-          <p:cNvPicPr>
-            <a:picLocks noChangeAspect="1"/>
-          </p:cNvPicPr>
-          <p:nvPr/>
-        </p:nvPicPr>
-        <p:blipFill>
-          <a:blip r:embed="rId2"/>
-          <a:stretch>
-            <a:fillRect/>
-          </a:stretch>
-        </p:blipFill>
-        <p:spPr>
-          <a:xfrm>
-            <a:off x="12700" y="1079500"/>
-            <a:ext cx="4546600" cy="3429000"/>
-          </a:xfrm>
-          <a:prstGeom prst="rect">
-            <a:avLst/>
-          </a:prstGeom>
-        </p:spPr>
-      </p:pic>
-      <p:pic>
-        <p:nvPicPr>
-          <p:cNvPr id="10" name="Picture 9" descr="image.png"/>
-          <p:cNvPicPr>
-            <a:picLocks noChangeAspect="1"/>
-          </p:cNvPicPr>
-          <p:nvPr/>
-        </p:nvPicPr>
-        <p:blipFill>
-          <a:blip r:embed="rId3"/>
-          <a:stretch>
-            <a:fillRect/>
-          </a:stretch>
-        </p:blipFill>
-        <p:spPr>
-          <a:xfrm>
-            <a:off x="4572000" y="1079500"/>
-            <a:ext cx="4546600" cy="3429000"/>
-          </a:xfrm>
-          <a:prstGeom prst="rect">
-            <a:avLst/>
-          </a:prstGeom>
-        </p:spPr>
-      </p:pic>
-      <p:pic>
-        <p:nvPicPr>
-          <p:cNvPr id="11" name="Picture 10" descr="image.png"/>
-          <p:cNvPicPr>
-            <a:picLocks noChangeAspect="1"/>
-          </p:cNvPicPr>
-          <p:nvPr/>
-        </p:nvPicPr>
-        <p:blipFill>
-          <a:blip r:embed="rId2"/>
-          <a:stretch>
-            <a:fillRect/>
-          </a:stretch>
-        </p:blipFill>
-        <p:spPr>
-          <a:xfrm>
-            <a:off x="12700" y="1079500"/>
-            <a:ext cx="4546600" cy="3429000"/>
-          </a:xfrm>
-          <a:prstGeom prst="rect">
-            <a:avLst/>
-          </a:prstGeom>
-        </p:spPr>
-      </p:pic>
-      <p:pic>
-        <p:nvPicPr>
-          <p:cNvPr id="12" name="Picture 11" descr="image.png"/>
-          <p:cNvPicPr>
-            <a:picLocks noChangeAspect="1"/>
-          </p:cNvPicPr>
-          <p:nvPr/>
-        </p:nvPicPr>
-        <p:blipFill>
-          <a:blip r:embed="rId3"/>
-          <a:stretch>
-            <a:fillRect/>
-          </a:stretch>
-        </p:blipFill>
-        <p:spPr>
-          <a:xfrm>
-            <a:off x="4572000" y="1079500"/>
-            <a:ext cx="4546600" cy="3429000"/>
-          </a:xfrm>
-          <a:prstGeom prst="rect">
-            <a:avLst/>
-          </a:prstGeom>
-        </p:spPr>
-      </p:pic>
-      <p:pic>
-        <p:nvPicPr>
-          <p:cNvPr id="13" name="Picture 12" descr="image.png"/>
-          <p:cNvPicPr>
-            <a:picLocks noChangeAspect="1"/>
-          </p:cNvPicPr>
-          <p:nvPr/>
-        </p:nvPicPr>
-        <p:blipFill>
-          <a:blip r:embed="rId2"/>
-          <a:stretch>
-            <a:fillRect/>
-          </a:stretch>
-        </p:blipFill>
-        <p:spPr>
-          <a:xfrm>
-            <a:off x="12700" y="1079500"/>
-            <a:ext cx="4546600" cy="3429000"/>
-          </a:xfrm>
-          <a:prstGeom prst="rect">
-            <a:avLst/>
-          </a:prstGeom>
-        </p:spPr>
-      </p:pic>
-      <p:pic>
-        <p:nvPicPr>
-          <p:cNvPr id="14" name="Picture 13" descr="image.png"/>
-          <p:cNvPicPr>
-            <a:picLocks noChangeAspect="1"/>
-          </p:cNvPicPr>
-          <p:nvPr/>
-        </p:nvPicPr>
-        <p:blipFill>
-          <a:blip r:embed="rId3"/>
-          <a:stretch>
-            <a:fillRect/>
-          </a:stretch>
-        </p:blipFill>
-        <p:spPr>
-          <a:xfrm>
-            <a:off x="4572000" y="1079500"/>
-            <a:ext cx="4546600" cy="3429000"/>
-          </a:xfrm>
-          <a:prstGeom prst="rect">
-            <a:avLst/>
-          </a:prstGeom>
-        </p:spPr>
-      </p:pic>
-      <p:pic>
-        <p:nvPicPr>
-          <p:cNvPr id="15" name="Picture 14" descr="image.png"/>
-          <p:cNvPicPr>
-            <a:picLocks noChangeAspect="1"/>
-          </p:cNvPicPr>
-          <p:nvPr/>
-        </p:nvPicPr>
-        <p:blipFill>
-          <a:blip r:embed="rId2"/>
-          <a:stretch>
-            <a:fillRect/>
-          </a:stretch>
-        </p:blipFill>
-        <p:spPr>
-          <a:xfrm>
-            <a:off x="12700" y="1079500"/>
-            <a:ext cx="4546600" cy="3429000"/>
-          </a:xfrm>
-          <a:prstGeom prst="rect">
-            <a:avLst/>
-          </a:prstGeom>
-        </p:spPr>
-      </p:pic>
-      <p:pic>
-        <p:nvPicPr>
-          <p:cNvPr id="16" name="Picture 15" descr="image.png"/>
-          <p:cNvPicPr>
-            <a:picLocks noChangeAspect="1"/>
-          </p:cNvPicPr>
-          <p:nvPr/>
-        </p:nvPicPr>
-        <p:blipFill>
-          <a:blip r:embed="rId3"/>
-          <a:stretch>
-            <a:fillRect/>
-          </a:stretch>
-        </p:blipFill>
-        <p:spPr>
-          <a:xfrm>
-            <a:off x="4572000" y="1079500"/>
-            <a:ext cx="4546600" cy="3429000"/>
-          </a:xfrm>
-          <a:prstGeom prst="rect">
-            <a:avLst/>
-          </a:prstGeom>
-        </p:spPr>
-      </p:pic>
-      <p:pic>
-        <p:nvPicPr>
-          <p:cNvPr id="17" name="Picture 16" descr="image.png"/>
-          <p:cNvPicPr>
-            <a:picLocks noChangeAspect="1"/>
-          </p:cNvPicPr>
-          <p:nvPr/>
-        </p:nvPicPr>
-        <p:blipFill>
-          <a:blip r:embed="rId2"/>
-          <a:stretch>
-            <a:fillRect/>
-          </a:stretch>
-        </p:blipFill>
-        <p:spPr>
-          <a:xfrm>
-            <a:off x="12700" y="1079500"/>
-            <a:ext cx="4546600" cy="3429000"/>
-          </a:xfrm>
-          <a:prstGeom prst="rect">
-            <a:avLst/>
-          </a:prstGeom>
-        </p:spPr>
-      </p:pic>
-      <p:pic>
-        <p:nvPicPr>
-          <p:cNvPr id="18" name="Picture 17" descr="image.png"/>
           <p:cNvPicPr>
             <a:picLocks noChangeAspect="1"/>
           </p:cNvPicPr>
@@ -12302,7 +10574,7 @@
           <a:p>
             <a:r>
               <a:rPr lang="en-US" dirty="0"/>
-              <a:t>5537_-_State_35_Rear_E_Field | VT-15 Electric Fields</a:t>
+              <a:t>5537_-_State_7_-_RRBB - Copy | VT-01 Off-Board Emissions (3m)</a:t>
             </a:r>
           </a:p>
         </p:txBody>
@@ -12361,7 +10633,7 @@
         <p:spPr>
           <a:xfrm>
             <a:off x="12700" y="1079500"/>
-            <a:ext cx="2959100" cy="2235200"/>
+            <a:ext cx="4546600" cy="3429000"/>
           </a:xfrm>
           <a:prstGeom prst="rect">
             <a:avLst/>
@@ -12384,464 +10656,8 @@
         </p:blipFill>
         <p:spPr>
           <a:xfrm>
-            <a:off x="3035300" y="1079500"/>
-            <a:ext cx="2959100" cy="2235200"/>
-          </a:xfrm>
-          <a:prstGeom prst="rect">
-            <a:avLst/>
-          </a:prstGeom>
-        </p:spPr>
-      </p:pic>
-      <p:pic>
-        <p:nvPicPr>
-          <p:cNvPr id="7" name="Picture 6" descr="image.png"/>
-          <p:cNvPicPr>
-            <a:picLocks noChangeAspect="1"/>
-          </p:cNvPicPr>
-          <p:nvPr/>
-        </p:nvPicPr>
-        <p:blipFill>
-          <a:blip r:embed="rId4"/>
-          <a:stretch>
-            <a:fillRect/>
-          </a:stretch>
-        </p:blipFill>
-        <p:spPr>
-          <a:xfrm>
-            <a:off x="6057900" y="1079500"/>
-            <a:ext cx="2959100" cy="2235200"/>
-          </a:xfrm>
-          <a:prstGeom prst="rect">
-            <a:avLst/>
-          </a:prstGeom>
-        </p:spPr>
-      </p:pic>
-      <p:pic>
-        <p:nvPicPr>
-          <p:cNvPr id="8" name="Picture 7" descr="image.png"/>
-          <p:cNvPicPr>
-            <a:picLocks noChangeAspect="1"/>
-          </p:cNvPicPr>
-          <p:nvPr/>
-        </p:nvPicPr>
-        <p:blipFill>
-          <a:blip r:embed="rId2"/>
-          <a:stretch>
-            <a:fillRect/>
-          </a:stretch>
-        </p:blipFill>
-        <p:spPr>
-          <a:xfrm>
-            <a:off x="12700" y="1079500"/>
-            <a:ext cx="2959100" cy="2235200"/>
-          </a:xfrm>
-          <a:prstGeom prst="rect">
-            <a:avLst/>
-          </a:prstGeom>
-        </p:spPr>
-      </p:pic>
-      <p:pic>
-        <p:nvPicPr>
-          <p:cNvPr id="9" name="Picture 8" descr="image.png"/>
-          <p:cNvPicPr>
-            <a:picLocks noChangeAspect="1"/>
-          </p:cNvPicPr>
-          <p:nvPr/>
-        </p:nvPicPr>
-        <p:blipFill>
-          <a:blip r:embed="rId3"/>
-          <a:stretch>
-            <a:fillRect/>
-          </a:stretch>
-        </p:blipFill>
-        <p:spPr>
-          <a:xfrm>
-            <a:off x="3035300" y="1079500"/>
-            <a:ext cx="2959100" cy="2235200"/>
-          </a:xfrm>
-          <a:prstGeom prst="rect">
-            <a:avLst/>
-          </a:prstGeom>
-        </p:spPr>
-      </p:pic>
-      <p:pic>
-        <p:nvPicPr>
-          <p:cNvPr id="10" name="Picture 9" descr="image.png"/>
-          <p:cNvPicPr>
-            <a:picLocks noChangeAspect="1"/>
-          </p:cNvPicPr>
-          <p:nvPr/>
-        </p:nvPicPr>
-        <p:blipFill>
-          <a:blip r:embed="rId4"/>
-          <a:stretch>
-            <a:fillRect/>
-          </a:stretch>
-        </p:blipFill>
-        <p:spPr>
-          <a:xfrm>
-            <a:off x="6057900" y="1079500"/>
-            <a:ext cx="2959100" cy="2235200"/>
-          </a:xfrm>
-          <a:prstGeom prst="rect">
-            <a:avLst/>
-          </a:prstGeom>
-        </p:spPr>
-      </p:pic>
-      <p:pic>
-        <p:nvPicPr>
-          <p:cNvPr id="11" name="Picture 10" descr="image.png"/>
-          <p:cNvPicPr>
-            <a:picLocks noChangeAspect="1"/>
-          </p:cNvPicPr>
-          <p:nvPr/>
-        </p:nvPicPr>
-        <p:blipFill>
-          <a:blip r:embed="rId2"/>
-          <a:stretch>
-            <a:fillRect/>
-          </a:stretch>
-        </p:blipFill>
-        <p:spPr>
-          <a:xfrm>
-            <a:off x="12700" y="1079500"/>
-            <a:ext cx="2959100" cy="2235200"/>
-          </a:xfrm>
-          <a:prstGeom prst="rect">
-            <a:avLst/>
-          </a:prstGeom>
-        </p:spPr>
-      </p:pic>
-      <p:pic>
-        <p:nvPicPr>
-          <p:cNvPr id="12" name="Picture 11" descr="image.png"/>
-          <p:cNvPicPr>
-            <a:picLocks noChangeAspect="1"/>
-          </p:cNvPicPr>
-          <p:nvPr/>
-        </p:nvPicPr>
-        <p:blipFill>
-          <a:blip r:embed="rId3"/>
-          <a:stretch>
-            <a:fillRect/>
-          </a:stretch>
-        </p:blipFill>
-        <p:spPr>
-          <a:xfrm>
-            <a:off x="3035300" y="1079500"/>
-            <a:ext cx="2959100" cy="2235200"/>
-          </a:xfrm>
-          <a:prstGeom prst="rect">
-            <a:avLst/>
-          </a:prstGeom>
-        </p:spPr>
-      </p:pic>
-      <p:pic>
-        <p:nvPicPr>
-          <p:cNvPr id="13" name="Picture 12" descr="image.png"/>
-          <p:cNvPicPr>
-            <a:picLocks noChangeAspect="1"/>
-          </p:cNvPicPr>
-          <p:nvPr/>
-        </p:nvPicPr>
-        <p:blipFill>
-          <a:blip r:embed="rId4"/>
-          <a:stretch>
-            <a:fillRect/>
-          </a:stretch>
-        </p:blipFill>
-        <p:spPr>
-          <a:xfrm>
-            <a:off x="6057900" y="1079500"/>
-            <a:ext cx="2959100" cy="2235200"/>
-          </a:xfrm>
-          <a:prstGeom prst="rect">
-            <a:avLst/>
-          </a:prstGeom>
-        </p:spPr>
-      </p:pic>
-      <p:pic>
-        <p:nvPicPr>
-          <p:cNvPr id="14" name="Picture 13" descr="image.png"/>
-          <p:cNvPicPr>
-            <a:picLocks noChangeAspect="1"/>
-          </p:cNvPicPr>
-          <p:nvPr/>
-        </p:nvPicPr>
-        <p:blipFill>
-          <a:blip r:embed="rId2"/>
-          <a:stretch>
-            <a:fillRect/>
-          </a:stretch>
-        </p:blipFill>
-        <p:spPr>
-          <a:xfrm>
-            <a:off x="12700" y="1079500"/>
-            <a:ext cx="2959100" cy="2235200"/>
-          </a:xfrm>
-          <a:prstGeom prst="rect">
-            <a:avLst/>
-          </a:prstGeom>
-        </p:spPr>
-      </p:pic>
-      <p:pic>
-        <p:nvPicPr>
-          <p:cNvPr id="15" name="Picture 14" descr="image.png"/>
-          <p:cNvPicPr>
-            <a:picLocks noChangeAspect="1"/>
-          </p:cNvPicPr>
-          <p:nvPr/>
-        </p:nvPicPr>
-        <p:blipFill>
-          <a:blip r:embed="rId3"/>
-          <a:stretch>
-            <a:fillRect/>
-          </a:stretch>
-        </p:blipFill>
-        <p:spPr>
-          <a:xfrm>
-            <a:off x="3035300" y="1079500"/>
-            <a:ext cx="2959100" cy="2235200"/>
-          </a:xfrm>
-          <a:prstGeom prst="rect">
-            <a:avLst/>
-          </a:prstGeom>
-        </p:spPr>
-      </p:pic>
-      <p:pic>
-        <p:nvPicPr>
-          <p:cNvPr id="16" name="Picture 15" descr="image.png"/>
-          <p:cNvPicPr>
-            <a:picLocks noChangeAspect="1"/>
-          </p:cNvPicPr>
-          <p:nvPr/>
-        </p:nvPicPr>
-        <p:blipFill>
-          <a:blip r:embed="rId4"/>
-          <a:stretch>
-            <a:fillRect/>
-          </a:stretch>
-        </p:blipFill>
-        <p:spPr>
-          <a:xfrm>
-            <a:off x="6057900" y="1079500"/>
-            <a:ext cx="2959100" cy="2235200"/>
-          </a:xfrm>
-          <a:prstGeom prst="rect">
-            <a:avLst/>
-          </a:prstGeom>
-        </p:spPr>
-      </p:pic>
-      <p:pic>
-        <p:nvPicPr>
-          <p:cNvPr id="17" name="Picture 16" descr="image.png"/>
-          <p:cNvPicPr>
-            <a:picLocks noChangeAspect="1"/>
-          </p:cNvPicPr>
-          <p:nvPr/>
-        </p:nvPicPr>
-        <p:blipFill>
-          <a:blip r:embed="rId2"/>
-          <a:stretch>
-            <a:fillRect/>
-          </a:stretch>
-        </p:blipFill>
-        <p:spPr>
-          <a:xfrm>
-            <a:off x="12700" y="1079500"/>
-            <a:ext cx="2959100" cy="2235200"/>
-          </a:xfrm>
-          <a:prstGeom prst="rect">
-            <a:avLst/>
-          </a:prstGeom>
-        </p:spPr>
-      </p:pic>
-      <p:pic>
-        <p:nvPicPr>
-          <p:cNvPr id="18" name="Picture 17" descr="image.png"/>
-          <p:cNvPicPr>
-            <a:picLocks noChangeAspect="1"/>
-          </p:cNvPicPr>
-          <p:nvPr/>
-        </p:nvPicPr>
-        <p:blipFill>
-          <a:blip r:embed="rId3"/>
-          <a:stretch>
-            <a:fillRect/>
-          </a:stretch>
-        </p:blipFill>
-        <p:spPr>
-          <a:xfrm>
-            <a:off x="3035300" y="1079500"/>
-            <a:ext cx="2959100" cy="2235200"/>
-          </a:xfrm>
-          <a:prstGeom prst="rect">
-            <a:avLst/>
-          </a:prstGeom>
-        </p:spPr>
-      </p:pic>
-      <p:pic>
-        <p:nvPicPr>
-          <p:cNvPr id="19" name="Picture 18" descr="image.png"/>
-          <p:cNvPicPr>
-            <a:picLocks noChangeAspect="1"/>
-          </p:cNvPicPr>
-          <p:nvPr/>
-        </p:nvPicPr>
-        <p:blipFill>
-          <a:blip r:embed="rId4"/>
-          <a:stretch>
-            <a:fillRect/>
-          </a:stretch>
-        </p:blipFill>
-        <p:spPr>
-          <a:xfrm>
-            <a:off x="6057900" y="1079500"/>
-            <a:ext cx="2959100" cy="2235200"/>
-          </a:xfrm>
-          <a:prstGeom prst="rect">
-            <a:avLst/>
-          </a:prstGeom>
-        </p:spPr>
-      </p:pic>
-      <p:pic>
-        <p:nvPicPr>
-          <p:cNvPr id="20" name="Picture 19" descr="image.png"/>
-          <p:cNvPicPr>
-            <a:picLocks noChangeAspect="1"/>
-          </p:cNvPicPr>
-          <p:nvPr/>
-        </p:nvPicPr>
-        <p:blipFill>
-          <a:blip r:embed="rId2"/>
-          <a:stretch>
-            <a:fillRect/>
-          </a:stretch>
-        </p:blipFill>
-        <p:spPr>
-          <a:xfrm>
-            <a:off x="12700" y="1079500"/>
-            <a:ext cx="2959100" cy="2235200"/>
-          </a:xfrm>
-          <a:prstGeom prst="rect">
-            <a:avLst/>
-          </a:prstGeom>
-        </p:spPr>
-      </p:pic>
-      <p:pic>
-        <p:nvPicPr>
-          <p:cNvPr id="21" name="Picture 20" descr="image.png"/>
-          <p:cNvPicPr>
-            <a:picLocks noChangeAspect="1"/>
-          </p:cNvPicPr>
-          <p:nvPr/>
-        </p:nvPicPr>
-        <p:blipFill>
-          <a:blip r:embed="rId3"/>
-          <a:stretch>
-            <a:fillRect/>
-          </a:stretch>
-        </p:blipFill>
-        <p:spPr>
-          <a:xfrm>
-            <a:off x="3035300" y="1079500"/>
-            <a:ext cx="2959100" cy="2235200"/>
-          </a:xfrm>
-          <a:prstGeom prst="rect">
-            <a:avLst/>
-          </a:prstGeom>
-        </p:spPr>
-      </p:pic>
-      <p:pic>
-        <p:nvPicPr>
-          <p:cNvPr id="22" name="Picture 21" descr="image.png"/>
-          <p:cNvPicPr>
-            <a:picLocks noChangeAspect="1"/>
-          </p:cNvPicPr>
-          <p:nvPr/>
-        </p:nvPicPr>
-        <p:blipFill>
-          <a:blip r:embed="rId4"/>
-          <a:stretch>
-            <a:fillRect/>
-          </a:stretch>
-        </p:blipFill>
-        <p:spPr>
-          <a:xfrm>
-            <a:off x="6057900" y="1079500"/>
-            <a:ext cx="2959100" cy="2235200"/>
-          </a:xfrm>
-          <a:prstGeom prst="rect">
-            <a:avLst/>
-          </a:prstGeom>
-        </p:spPr>
-      </p:pic>
-      <p:pic>
-        <p:nvPicPr>
-          <p:cNvPr id="23" name="Picture 22" descr="image.png"/>
-          <p:cNvPicPr>
-            <a:picLocks noChangeAspect="1"/>
-          </p:cNvPicPr>
-          <p:nvPr/>
-        </p:nvPicPr>
-        <p:blipFill>
-          <a:blip r:embed="rId2"/>
-          <a:stretch>
-            <a:fillRect/>
-          </a:stretch>
-        </p:blipFill>
-        <p:spPr>
-          <a:xfrm>
-            <a:off x="12700" y="1079500"/>
-            <a:ext cx="2959100" cy="2235200"/>
-          </a:xfrm>
-          <a:prstGeom prst="rect">
-            <a:avLst/>
-          </a:prstGeom>
-        </p:spPr>
-      </p:pic>
-      <p:pic>
-        <p:nvPicPr>
-          <p:cNvPr id="24" name="Picture 23" descr="image.png"/>
-          <p:cNvPicPr>
-            <a:picLocks noChangeAspect="1"/>
-          </p:cNvPicPr>
-          <p:nvPr/>
-        </p:nvPicPr>
-        <p:blipFill>
-          <a:blip r:embed="rId3"/>
-          <a:stretch>
-            <a:fillRect/>
-          </a:stretch>
-        </p:blipFill>
-        <p:spPr>
-          <a:xfrm>
-            <a:off x="3035300" y="1079500"/>
-            <a:ext cx="2959100" cy="2235200"/>
-          </a:xfrm>
-          <a:prstGeom prst="rect">
-            <a:avLst/>
-          </a:prstGeom>
-        </p:spPr>
-      </p:pic>
-      <p:pic>
-        <p:nvPicPr>
-          <p:cNvPr id="25" name="Picture 24" descr="image.png"/>
-          <p:cNvPicPr>
-            <a:picLocks noChangeAspect="1"/>
-          </p:cNvPicPr>
-          <p:nvPr/>
-        </p:nvPicPr>
-        <p:blipFill>
-          <a:blip r:embed="rId4"/>
-          <a:stretch>
-            <a:fillRect/>
-          </a:stretch>
-        </p:blipFill>
-        <p:spPr>
-          <a:xfrm>
-            <a:off x="6057900" y="1079500"/>
-            <a:ext cx="2959100" cy="2235200"/>
+            <a:off x="4572000" y="1079500"/>
+            <a:ext cx="4546600" cy="3429000"/>
           </a:xfrm>
           <a:prstGeom prst="rect">
             <a:avLst/>
@@ -12935,7 +10751,7 @@
           <a:p>
             <a:r>
               <a:rPr lang="en-US" dirty="0"/>
-              <a:t>5537_-_State_37_LHS_E_Field | VT-15 Electric Fields</a:t>
+              <a:t>5537_-_State_7_-_RRBB | VT-01 Off-Board Emissions (3m)</a:t>
             </a:r>
           </a:p>
         </p:txBody>
@@ -12994,7 +10810,7 @@
         <p:spPr>
           <a:xfrm>
             <a:off x="12700" y="1079500"/>
-            <a:ext cx="2959100" cy="2235200"/>
+            <a:ext cx="4546600" cy="3429000"/>
           </a:xfrm>
           <a:prstGeom prst="rect">
             <a:avLst/>
@@ -13017,464 +10833,8 @@
         </p:blipFill>
         <p:spPr>
           <a:xfrm>
-            <a:off x="3035300" y="1079500"/>
-            <a:ext cx="2959100" cy="2235200"/>
-          </a:xfrm>
-          <a:prstGeom prst="rect">
-            <a:avLst/>
-          </a:prstGeom>
-        </p:spPr>
-      </p:pic>
-      <p:pic>
-        <p:nvPicPr>
-          <p:cNvPr id="7" name="Picture 6" descr="image.png"/>
-          <p:cNvPicPr>
-            <a:picLocks noChangeAspect="1"/>
-          </p:cNvPicPr>
-          <p:nvPr/>
-        </p:nvPicPr>
-        <p:blipFill>
-          <a:blip r:embed="rId4"/>
-          <a:stretch>
-            <a:fillRect/>
-          </a:stretch>
-        </p:blipFill>
-        <p:spPr>
-          <a:xfrm>
-            <a:off x="6057900" y="1079500"/>
-            <a:ext cx="2959100" cy="2235200"/>
-          </a:xfrm>
-          <a:prstGeom prst="rect">
-            <a:avLst/>
-          </a:prstGeom>
-        </p:spPr>
-      </p:pic>
-      <p:pic>
-        <p:nvPicPr>
-          <p:cNvPr id="8" name="Picture 7" descr="image.png"/>
-          <p:cNvPicPr>
-            <a:picLocks noChangeAspect="1"/>
-          </p:cNvPicPr>
-          <p:nvPr/>
-        </p:nvPicPr>
-        <p:blipFill>
-          <a:blip r:embed="rId2"/>
-          <a:stretch>
-            <a:fillRect/>
-          </a:stretch>
-        </p:blipFill>
-        <p:spPr>
-          <a:xfrm>
-            <a:off x="12700" y="1079500"/>
-            <a:ext cx="2959100" cy="2235200"/>
-          </a:xfrm>
-          <a:prstGeom prst="rect">
-            <a:avLst/>
-          </a:prstGeom>
-        </p:spPr>
-      </p:pic>
-      <p:pic>
-        <p:nvPicPr>
-          <p:cNvPr id="9" name="Picture 8" descr="image.png"/>
-          <p:cNvPicPr>
-            <a:picLocks noChangeAspect="1"/>
-          </p:cNvPicPr>
-          <p:nvPr/>
-        </p:nvPicPr>
-        <p:blipFill>
-          <a:blip r:embed="rId3"/>
-          <a:stretch>
-            <a:fillRect/>
-          </a:stretch>
-        </p:blipFill>
-        <p:spPr>
-          <a:xfrm>
-            <a:off x="3035300" y="1079500"/>
-            <a:ext cx="2959100" cy="2235200"/>
-          </a:xfrm>
-          <a:prstGeom prst="rect">
-            <a:avLst/>
-          </a:prstGeom>
-        </p:spPr>
-      </p:pic>
-      <p:pic>
-        <p:nvPicPr>
-          <p:cNvPr id="10" name="Picture 9" descr="image.png"/>
-          <p:cNvPicPr>
-            <a:picLocks noChangeAspect="1"/>
-          </p:cNvPicPr>
-          <p:nvPr/>
-        </p:nvPicPr>
-        <p:blipFill>
-          <a:blip r:embed="rId4"/>
-          <a:stretch>
-            <a:fillRect/>
-          </a:stretch>
-        </p:blipFill>
-        <p:spPr>
-          <a:xfrm>
-            <a:off x="6057900" y="1079500"/>
-            <a:ext cx="2959100" cy="2235200"/>
-          </a:xfrm>
-          <a:prstGeom prst="rect">
-            <a:avLst/>
-          </a:prstGeom>
-        </p:spPr>
-      </p:pic>
-      <p:pic>
-        <p:nvPicPr>
-          <p:cNvPr id="11" name="Picture 10" descr="image.png"/>
-          <p:cNvPicPr>
-            <a:picLocks noChangeAspect="1"/>
-          </p:cNvPicPr>
-          <p:nvPr/>
-        </p:nvPicPr>
-        <p:blipFill>
-          <a:blip r:embed="rId2"/>
-          <a:stretch>
-            <a:fillRect/>
-          </a:stretch>
-        </p:blipFill>
-        <p:spPr>
-          <a:xfrm>
-            <a:off x="12700" y="1079500"/>
-            <a:ext cx="2959100" cy="2235200"/>
-          </a:xfrm>
-          <a:prstGeom prst="rect">
-            <a:avLst/>
-          </a:prstGeom>
-        </p:spPr>
-      </p:pic>
-      <p:pic>
-        <p:nvPicPr>
-          <p:cNvPr id="12" name="Picture 11" descr="image.png"/>
-          <p:cNvPicPr>
-            <a:picLocks noChangeAspect="1"/>
-          </p:cNvPicPr>
-          <p:nvPr/>
-        </p:nvPicPr>
-        <p:blipFill>
-          <a:blip r:embed="rId3"/>
-          <a:stretch>
-            <a:fillRect/>
-          </a:stretch>
-        </p:blipFill>
-        <p:spPr>
-          <a:xfrm>
-            <a:off x="3035300" y="1079500"/>
-            <a:ext cx="2959100" cy="2235200"/>
-          </a:xfrm>
-          <a:prstGeom prst="rect">
-            <a:avLst/>
-          </a:prstGeom>
-        </p:spPr>
-      </p:pic>
-      <p:pic>
-        <p:nvPicPr>
-          <p:cNvPr id="13" name="Picture 12" descr="image.png"/>
-          <p:cNvPicPr>
-            <a:picLocks noChangeAspect="1"/>
-          </p:cNvPicPr>
-          <p:nvPr/>
-        </p:nvPicPr>
-        <p:blipFill>
-          <a:blip r:embed="rId4"/>
-          <a:stretch>
-            <a:fillRect/>
-          </a:stretch>
-        </p:blipFill>
-        <p:spPr>
-          <a:xfrm>
-            <a:off x="6057900" y="1079500"/>
-            <a:ext cx="2959100" cy="2235200"/>
-          </a:xfrm>
-          <a:prstGeom prst="rect">
-            <a:avLst/>
-          </a:prstGeom>
-        </p:spPr>
-      </p:pic>
-      <p:pic>
-        <p:nvPicPr>
-          <p:cNvPr id="14" name="Picture 13" descr="image.png"/>
-          <p:cNvPicPr>
-            <a:picLocks noChangeAspect="1"/>
-          </p:cNvPicPr>
-          <p:nvPr/>
-        </p:nvPicPr>
-        <p:blipFill>
-          <a:blip r:embed="rId2"/>
-          <a:stretch>
-            <a:fillRect/>
-          </a:stretch>
-        </p:blipFill>
-        <p:spPr>
-          <a:xfrm>
-            <a:off x="12700" y="1079500"/>
-            <a:ext cx="2959100" cy="2235200"/>
-          </a:xfrm>
-          <a:prstGeom prst="rect">
-            <a:avLst/>
-          </a:prstGeom>
-        </p:spPr>
-      </p:pic>
-      <p:pic>
-        <p:nvPicPr>
-          <p:cNvPr id="15" name="Picture 14" descr="image.png"/>
-          <p:cNvPicPr>
-            <a:picLocks noChangeAspect="1"/>
-          </p:cNvPicPr>
-          <p:nvPr/>
-        </p:nvPicPr>
-        <p:blipFill>
-          <a:blip r:embed="rId3"/>
-          <a:stretch>
-            <a:fillRect/>
-          </a:stretch>
-        </p:blipFill>
-        <p:spPr>
-          <a:xfrm>
-            <a:off x="3035300" y="1079500"/>
-            <a:ext cx="2959100" cy="2235200"/>
-          </a:xfrm>
-          <a:prstGeom prst="rect">
-            <a:avLst/>
-          </a:prstGeom>
-        </p:spPr>
-      </p:pic>
-      <p:pic>
-        <p:nvPicPr>
-          <p:cNvPr id="16" name="Picture 15" descr="image.png"/>
-          <p:cNvPicPr>
-            <a:picLocks noChangeAspect="1"/>
-          </p:cNvPicPr>
-          <p:nvPr/>
-        </p:nvPicPr>
-        <p:blipFill>
-          <a:blip r:embed="rId4"/>
-          <a:stretch>
-            <a:fillRect/>
-          </a:stretch>
-        </p:blipFill>
-        <p:spPr>
-          <a:xfrm>
-            <a:off x="6057900" y="1079500"/>
-            <a:ext cx="2959100" cy="2235200"/>
-          </a:xfrm>
-          <a:prstGeom prst="rect">
-            <a:avLst/>
-          </a:prstGeom>
-        </p:spPr>
-      </p:pic>
-      <p:pic>
-        <p:nvPicPr>
-          <p:cNvPr id="17" name="Picture 16" descr="image.png"/>
-          <p:cNvPicPr>
-            <a:picLocks noChangeAspect="1"/>
-          </p:cNvPicPr>
-          <p:nvPr/>
-        </p:nvPicPr>
-        <p:blipFill>
-          <a:blip r:embed="rId2"/>
-          <a:stretch>
-            <a:fillRect/>
-          </a:stretch>
-        </p:blipFill>
-        <p:spPr>
-          <a:xfrm>
-            <a:off x="12700" y="1079500"/>
-            <a:ext cx="2959100" cy="2235200"/>
-          </a:xfrm>
-          <a:prstGeom prst="rect">
-            <a:avLst/>
-          </a:prstGeom>
-        </p:spPr>
-      </p:pic>
-      <p:pic>
-        <p:nvPicPr>
-          <p:cNvPr id="18" name="Picture 17" descr="image.png"/>
-          <p:cNvPicPr>
-            <a:picLocks noChangeAspect="1"/>
-          </p:cNvPicPr>
-          <p:nvPr/>
-        </p:nvPicPr>
-        <p:blipFill>
-          <a:blip r:embed="rId3"/>
-          <a:stretch>
-            <a:fillRect/>
-          </a:stretch>
-        </p:blipFill>
-        <p:spPr>
-          <a:xfrm>
-            <a:off x="3035300" y="1079500"/>
-            <a:ext cx="2959100" cy="2235200"/>
-          </a:xfrm>
-          <a:prstGeom prst="rect">
-            <a:avLst/>
-          </a:prstGeom>
-        </p:spPr>
-      </p:pic>
-      <p:pic>
-        <p:nvPicPr>
-          <p:cNvPr id="19" name="Picture 18" descr="image.png"/>
-          <p:cNvPicPr>
-            <a:picLocks noChangeAspect="1"/>
-          </p:cNvPicPr>
-          <p:nvPr/>
-        </p:nvPicPr>
-        <p:blipFill>
-          <a:blip r:embed="rId4"/>
-          <a:stretch>
-            <a:fillRect/>
-          </a:stretch>
-        </p:blipFill>
-        <p:spPr>
-          <a:xfrm>
-            <a:off x="6057900" y="1079500"/>
-            <a:ext cx="2959100" cy="2235200"/>
-          </a:xfrm>
-          <a:prstGeom prst="rect">
-            <a:avLst/>
-          </a:prstGeom>
-        </p:spPr>
-      </p:pic>
-      <p:pic>
-        <p:nvPicPr>
-          <p:cNvPr id="20" name="Picture 19" descr="image.png"/>
-          <p:cNvPicPr>
-            <a:picLocks noChangeAspect="1"/>
-          </p:cNvPicPr>
-          <p:nvPr/>
-        </p:nvPicPr>
-        <p:blipFill>
-          <a:blip r:embed="rId2"/>
-          <a:stretch>
-            <a:fillRect/>
-          </a:stretch>
-        </p:blipFill>
-        <p:spPr>
-          <a:xfrm>
-            <a:off x="12700" y="1079500"/>
-            <a:ext cx="2959100" cy="2235200"/>
-          </a:xfrm>
-          <a:prstGeom prst="rect">
-            <a:avLst/>
-          </a:prstGeom>
-        </p:spPr>
-      </p:pic>
-      <p:pic>
-        <p:nvPicPr>
-          <p:cNvPr id="21" name="Picture 20" descr="image.png"/>
-          <p:cNvPicPr>
-            <a:picLocks noChangeAspect="1"/>
-          </p:cNvPicPr>
-          <p:nvPr/>
-        </p:nvPicPr>
-        <p:blipFill>
-          <a:blip r:embed="rId3"/>
-          <a:stretch>
-            <a:fillRect/>
-          </a:stretch>
-        </p:blipFill>
-        <p:spPr>
-          <a:xfrm>
-            <a:off x="3035300" y="1079500"/>
-            <a:ext cx="2959100" cy="2235200"/>
-          </a:xfrm>
-          <a:prstGeom prst="rect">
-            <a:avLst/>
-          </a:prstGeom>
-        </p:spPr>
-      </p:pic>
-      <p:pic>
-        <p:nvPicPr>
-          <p:cNvPr id="22" name="Picture 21" descr="image.png"/>
-          <p:cNvPicPr>
-            <a:picLocks noChangeAspect="1"/>
-          </p:cNvPicPr>
-          <p:nvPr/>
-        </p:nvPicPr>
-        <p:blipFill>
-          <a:blip r:embed="rId4"/>
-          <a:stretch>
-            <a:fillRect/>
-          </a:stretch>
-        </p:blipFill>
-        <p:spPr>
-          <a:xfrm>
-            <a:off x="6057900" y="1079500"/>
-            <a:ext cx="2959100" cy="2235200"/>
-          </a:xfrm>
-          <a:prstGeom prst="rect">
-            <a:avLst/>
-          </a:prstGeom>
-        </p:spPr>
-      </p:pic>
-      <p:pic>
-        <p:nvPicPr>
-          <p:cNvPr id="23" name="Picture 22" descr="image.png"/>
-          <p:cNvPicPr>
-            <a:picLocks noChangeAspect="1"/>
-          </p:cNvPicPr>
-          <p:nvPr/>
-        </p:nvPicPr>
-        <p:blipFill>
-          <a:blip r:embed="rId2"/>
-          <a:stretch>
-            <a:fillRect/>
-          </a:stretch>
-        </p:blipFill>
-        <p:spPr>
-          <a:xfrm>
-            <a:off x="12700" y="1079500"/>
-            <a:ext cx="2959100" cy="2235200"/>
-          </a:xfrm>
-          <a:prstGeom prst="rect">
-            <a:avLst/>
-          </a:prstGeom>
-        </p:spPr>
-      </p:pic>
-      <p:pic>
-        <p:nvPicPr>
-          <p:cNvPr id="24" name="Picture 23" descr="image.png"/>
-          <p:cNvPicPr>
-            <a:picLocks noChangeAspect="1"/>
-          </p:cNvPicPr>
-          <p:nvPr/>
-        </p:nvPicPr>
-        <p:blipFill>
-          <a:blip r:embed="rId3"/>
-          <a:stretch>
-            <a:fillRect/>
-          </a:stretch>
-        </p:blipFill>
-        <p:spPr>
-          <a:xfrm>
-            <a:off x="3035300" y="1079500"/>
-            <a:ext cx="2959100" cy="2235200"/>
-          </a:xfrm>
-          <a:prstGeom prst="rect">
-            <a:avLst/>
-          </a:prstGeom>
-        </p:spPr>
-      </p:pic>
-      <p:pic>
-        <p:nvPicPr>
-          <p:cNvPr id="25" name="Picture 24" descr="image.png"/>
-          <p:cNvPicPr>
-            <a:picLocks noChangeAspect="1"/>
-          </p:cNvPicPr>
-          <p:nvPr/>
-        </p:nvPicPr>
-        <p:blipFill>
-          <a:blip r:embed="rId4"/>
-          <a:stretch>
-            <a:fillRect/>
-          </a:stretch>
-        </p:blipFill>
-        <p:spPr>
-          <a:xfrm>
-            <a:off x="6057900" y="1079500"/>
-            <a:ext cx="2959100" cy="2235200"/>
+            <a:off x="4572000" y="1079500"/>
+            <a:ext cx="4546600" cy="3429000"/>
           </a:xfrm>
           <a:prstGeom prst="rect">
             <a:avLst/>
@@ -13568,7 +10928,7 @@
           <a:p>
             <a:r>
               <a:rPr lang="en-US" dirty="0"/>
-              <a:t>5537_-_State_32_Rear_H_Field | VT-15 Magnetic Fields</a:t>
+              <a:t>*8*</a:t>
             </a:r>
           </a:p>
         </p:txBody>
@@ -13610,1014 +10970,6 @@
           </a:p>
         </p:txBody>
       </p:sp>
-      <p:pic>
-        <p:nvPicPr>
-          <p:cNvPr id="5" name="Picture 4" descr="image.png"/>
-          <p:cNvPicPr>
-            <a:picLocks noChangeAspect="1"/>
-          </p:cNvPicPr>
-          <p:nvPr/>
-        </p:nvPicPr>
-        <p:blipFill>
-          <a:blip r:embed="rId2"/>
-          <a:stretch>
-            <a:fillRect/>
-          </a:stretch>
-        </p:blipFill>
-        <p:spPr>
-          <a:xfrm>
-            <a:off x="12700" y="825500"/>
-            <a:ext cx="2806700" cy="2120900"/>
-          </a:xfrm>
-          <a:prstGeom prst="rect">
-            <a:avLst/>
-          </a:prstGeom>
-        </p:spPr>
-      </p:pic>
-      <p:pic>
-        <p:nvPicPr>
-          <p:cNvPr id="6" name="Picture 5" descr="image.png"/>
-          <p:cNvPicPr>
-            <a:picLocks noChangeAspect="1"/>
-          </p:cNvPicPr>
-          <p:nvPr/>
-        </p:nvPicPr>
-        <p:blipFill>
-          <a:blip r:embed="rId3"/>
-          <a:stretch>
-            <a:fillRect/>
-          </a:stretch>
-        </p:blipFill>
-        <p:spPr>
-          <a:xfrm>
-            <a:off x="3035300" y="825500"/>
-            <a:ext cx="2806700" cy="2120900"/>
-          </a:xfrm>
-          <a:prstGeom prst="rect">
-            <a:avLst/>
-          </a:prstGeom>
-        </p:spPr>
-      </p:pic>
-      <p:pic>
-        <p:nvPicPr>
-          <p:cNvPr id="7" name="Picture 6" descr="image.png"/>
-          <p:cNvPicPr>
-            <a:picLocks noChangeAspect="1"/>
-          </p:cNvPicPr>
-          <p:nvPr/>
-        </p:nvPicPr>
-        <p:blipFill>
-          <a:blip r:embed="rId4"/>
-          <a:stretch>
-            <a:fillRect/>
-          </a:stretch>
-        </p:blipFill>
-        <p:spPr>
-          <a:xfrm>
-            <a:off x="6057900" y="825500"/>
-            <a:ext cx="2806700" cy="2120900"/>
-          </a:xfrm>
-          <a:prstGeom prst="rect">
-            <a:avLst/>
-          </a:prstGeom>
-        </p:spPr>
-      </p:pic>
-      <p:pic>
-        <p:nvPicPr>
-          <p:cNvPr id="8" name="Picture 7" descr="image.png"/>
-          <p:cNvPicPr>
-            <a:picLocks noChangeAspect="1"/>
-          </p:cNvPicPr>
-          <p:nvPr/>
-        </p:nvPicPr>
-        <p:blipFill>
-          <a:blip r:embed="rId5"/>
-          <a:stretch>
-            <a:fillRect/>
-          </a:stretch>
-        </p:blipFill>
-        <p:spPr>
-          <a:xfrm>
-            <a:off x="12700" y="2984500"/>
-            <a:ext cx="2806700" cy="2120900"/>
-          </a:xfrm>
-          <a:prstGeom prst="rect">
-            <a:avLst/>
-          </a:prstGeom>
-        </p:spPr>
-      </p:pic>
-      <p:pic>
-        <p:nvPicPr>
-          <p:cNvPr id="9" name="Picture 8" descr="image.png"/>
-          <p:cNvPicPr>
-            <a:picLocks noChangeAspect="1"/>
-          </p:cNvPicPr>
-          <p:nvPr/>
-        </p:nvPicPr>
-        <p:blipFill>
-          <a:blip r:embed="rId6"/>
-          <a:stretch>
-            <a:fillRect/>
-          </a:stretch>
-        </p:blipFill>
-        <p:spPr>
-          <a:xfrm>
-            <a:off x="3035300" y="2984500"/>
-            <a:ext cx="2806700" cy="2120900"/>
-          </a:xfrm>
-          <a:prstGeom prst="rect">
-            <a:avLst/>
-          </a:prstGeom>
-        </p:spPr>
-      </p:pic>
-      <p:pic>
-        <p:nvPicPr>
-          <p:cNvPr id="10" name="Picture 9" descr="image.png"/>
-          <p:cNvPicPr>
-            <a:picLocks noChangeAspect="1"/>
-          </p:cNvPicPr>
-          <p:nvPr/>
-        </p:nvPicPr>
-        <p:blipFill>
-          <a:blip r:embed="rId7"/>
-          <a:stretch>
-            <a:fillRect/>
-          </a:stretch>
-        </p:blipFill>
-        <p:spPr>
-          <a:xfrm>
-            <a:off x="6057900" y="2984500"/>
-            <a:ext cx="2806700" cy="2120900"/>
-          </a:xfrm>
-          <a:prstGeom prst="rect">
-            <a:avLst/>
-          </a:prstGeom>
-        </p:spPr>
-      </p:pic>
-      <p:pic>
-        <p:nvPicPr>
-          <p:cNvPr id="11" name="Picture 10" descr="image.png"/>
-          <p:cNvPicPr>
-            <a:picLocks noChangeAspect="1"/>
-          </p:cNvPicPr>
-          <p:nvPr/>
-        </p:nvPicPr>
-        <p:blipFill>
-          <a:blip r:embed="rId2"/>
-          <a:stretch>
-            <a:fillRect/>
-          </a:stretch>
-        </p:blipFill>
-        <p:spPr>
-          <a:xfrm>
-            <a:off x="12700" y="825500"/>
-            <a:ext cx="2806700" cy="2120900"/>
-          </a:xfrm>
-          <a:prstGeom prst="rect">
-            <a:avLst/>
-          </a:prstGeom>
-        </p:spPr>
-      </p:pic>
-      <p:pic>
-        <p:nvPicPr>
-          <p:cNvPr id="12" name="Picture 11" descr="image.png"/>
-          <p:cNvPicPr>
-            <a:picLocks noChangeAspect="1"/>
-          </p:cNvPicPr>
-          <p:nvPr/>
-        </p:nvPicPr>
-        <p:blipFill>
-          <a:blip r:embed="rId3"/>
-          <a:stretch>
-            <a:fillRect/>
-          </a:stretch>
-        </p:blipFill>
-        <p:spPr>
-          <a:xfrm>
-            <a:off x="3035300" y="825500"/>
-            <a:ext cx="2806700" cy="2120900"/>
-          </a:xfrm>
-          <a:prstGeom prst="rect">
-            <a:avLst/>
-          </a:prstGeom>
-        </p:spPr>
-      </p:pic>
-      <p:pic>
-        <p:nvPicPr>
-          <p:cNvPr id="13" name="Picture 12" descr="image.png"/>
-          <p:cNvPicPr>
-            <a:picLocks noChangeAspect="1"/>
-          </p:cNvPicPr>
-          <p:nvPr/>
-        </p:nvPicPr>
-        <p:blipFill>
-          <a:blip r:embed="rId4"/>
-          <a:stretch>
-            <a:fillRect/>
-          </a:stretch>
-        </p:blipFill>
-        <p:spPr>
-          <a:xfrm>
-            <a:off x="6057900" y="825500"/>
-            <a:ext cx="2806700" cy="2120900"/>
-          </a:xfrm>
-          <a:prstGeom prst="rect">
-            <a:avLst/>
-          </a:prstGeom>
-        </p:spPr>
-      </p:pic>
-      <p:pic>
-        <p:nvPicPr>
-          <p:cNvPr id="14" name="Picture 13" descr="image.png"/>
-          <p:cNvPicPr>
-            <a:picLocks noChangeAspect="1"/>
-          </p:cNvPicPr>
-          <p:nvPr/>
-        </p:nvPicPr>
-        <p:blipFill>
-          <a:blip r:embed="rId5"/>
-          <a:stretch>
-            <a:fillRect/>
-          </a:stretch>
-        </p:blipFill>
-        <p:spPr>
-          <a:xfrm>
-            <a:off x="12700" y="2984500"/>
-            <a:ext cx="2806700" cy="2120900"/>
-          </a:xfrm>
-          <a:prstGeom prst="rect">
-            <a:avLst/>
-          </a:prstGeom>
-        </p:spPr>
-      </p:pic>
-      <p:pic>
-        <p:nvPicPr>
-          <p:cNvPr id="15" name="Picture 14" descr="image.png"/>
-          <p:cNvPicPr>
-            <a:picLocks noChangeAspect="1"/>
-          </p:cNvPicPr>
-          <p:nvPr/>
-        </p:nvPicPr>
-        <p:blipFill>
-          <a:blip r:embed="rId6"/>
-          <a:stretch>
-            <a:fillRect/>
-          </a:stretch>
-        </p:blipFill>
-        <p:spPr>
-          <a:xfrm>
-            <a:off x="3035300" y="2984500"/>
-            <a:ext cx="2806700" cy="2120900"/>
-          </a:xfrm>
-          <a:prstGeom prst="rect">
-            <a:avLst/>
-          </a:prstGeom>
-        </p:spPr>
-      </p:pic>
-      <p:pic>
-        <p:nvPicPr>
-          <p:cNvPr id="16" name="Picture 15" descr="image.png"/>
-          <p:cNvPicPr>
-            <a:picLocks noChangeAspect="1"/>
-          </p:cNvPicPr>
-          <p:nvPr/>
-        </p:nvPicPr>
-        <p:blipFill>
-          <a:blip r:embed="rId7"/>
-          <a:stretch>
-            <a:fillRect/>
-          </a:stretch>
-        </p:blipFill>
-        <p:spPr>
-          <a:xfrm>
-            <a:off x="6057900" y="2984500"/>
-            <a:ext cx="2806700" cy="2120900"/>
-          </a:xfrm>
-          <a:prstGeom prst="rect">
-            <a:avLst/>
-          </a:prstGeom>
-        </p:spPr>
-      </p:pic>
-      <p:pic>
-        <p:nvPicPr>
-          <p:cNvPr id="17" name="Picture 16" descr="image.png"/>
-          <p:cNvPicPr>
-            <a:picLocks noChangeAspect="1"/>
-          </p:cNvPicPr>
-          <p:nvPr/>
-        </p:nvPicPr>
-        <p:blipFill>
-          <a:blip r:embed="rId2"/>
-          <a:stretch>
-            <a:fillRect/>
-          </a:stretch>
-        </p:blipFill>
-        <p:spPr>
-          <a:xfrm>
-            <a:off x="12700" y="825500"/>
-            <a:ext cx="2806700" cy="2120900"/>
-          </a:xfrm>
-          <a:prstGeom prst="rect">
-            <a:avLst/>
-          </a:prstGeom>
-        </p:spPr>
-      </p:pic>
-      <p:pic>
-        <p:nvPicPr>
-          <p:cNvPr id="18" name="Picture 17" descr="image.png"/>
-          <p:cNvPicPr>
-            <a:picLocks noChangeAspect="1"/>
-          </p:cNvPicPr>
-          <p:nvPr/>
-        </p:nvPicPr>
-        <p:blipFill>
-          <a:blip r:embed="rId3"/>
-          <a:stretch>
-            <a:fillRect/>
-          </a:stretch>
-        </p:blipFill>
-        <p:spPr>
-          <a:xfrm>
-            <a:off x="3035300" y="825500"/>
-            <a:ext cx="2806700" cy="2120900"/>
-          </a:xfrm>
-          <a:prstGeom prst="rect">
-            <a:avLst/>
-          </a:prstGeom>
-        </p:spPr>
-      </p:pic>
-      <p:pic>
-        <p:nvPicPr>
-          <p:cNvPr id="19" name="Picture 18" descr="image.png"/>
-          <p:cNvPicPr>
-            <a:picLocks noChangeAspect="1"/>
-          </p:cNvPicPr>
-          <p:nvPr/>
-        </p:nvPicPr>
-        <p:blipFill>
-          <a:blip r:embed="rId4"/>
-          <a:stretch>
-            <a:fillRect/>
-          </a:stretch>
-        </p:blipFill>
-        <p:spPr>
-          <a:xfrm>
-            <a:off x="6057900" y="825500"/>
-            <a:ext cx="2806700" cy="2120900"/>
-          </a:xfrm>
-          <a:prstGeom prst="rect">
-            <a:avLst/>
-          </a:prstGeom>
-        </p:spPr>
-      </p:pic>
-      <p:pic>
-        <p:nvPicPr>
-          <p:cNvPr id="20" name="Picture 19" descr="image.png"/>
-          <p:cNvPicPr>
-            <a:picLocks noChangeAspect="1"/>
-          </p:cNvPicPr>
-          <p:nvPr/>
-        </p:nvPicPr>
-        <p:blipFill>
-          <a:blip r:embed="rId5"/>
-          <a:stretch>
-            <a:fillRect/>
-          </a:stretch>
-        </p:blipFill>
-        <p:spPr>
-          <a:xfrm>
-            <a:off x="12700" y="2984500"/>
-            <a:ext cx="2806700" cy="2120900"/>
-          </a:xfrm>
-          <a:prstGeom prst="rect">
-            <a:avLst/>
-          </a:prstGeom>
-        </p:spPr>
-      </p:pic>
-      <p:pic>
-        <p:nvPicPr>
-          <p:cNvPr id="21" name="Picture 20" descr="image.png"/>
-          <p:cNvPicPr>
-            <a:picLocks noChangeAspect="1"/>
-          </p:cNvPicPr>
-          <p:nvPr/>
-        </p:nvPicPr>
-        <p:blipFill>
-          <a:blip r:embed="rId6"/>
-          <a:stretch>
-            <a:fillRect/>
-          </a:stretch>
-        </p:blipFill>
-        <p:spPr>
-          <a:xfrm>
-            <a:off x="3035300" y="2984500"/>
-            <a:ext cx="2806700" cy="2120900"/>
-          </a:xfrm>
-          <a:prstGeom prst="rect">
-            <a:avLst/>
-          </a:prstGeom>
-        </p:spPr>
-      </p:pic>
-      <p:pic>
-        <p:nvPicPr>
-          <p:cNvPr id="22" name="Picture 21" descr="image.png"/>
-          <p:cNvPicPr>
-            <a:picLocks noChangeAspect="1"/>
-          </p:cNvPicPr>
-          <p:nvPr/>
-        </p:nvPicPr>
-        <p:blipFill>
-          <a:blip r:embed="rId7"/>
-          <a:stretch>
-            <a:fillRect/>
-          </a:stretch>
-        </p:blipFill>
-        <p:spPr>
-          <a:xfrm>
-            <a:off x="6057900" y="2984500"/>
-            <a:ext cx="2806700" cy="2120900"/>
-          </a:xfrm>
-          <a:prstGeom prst="rect">
-            <a:avLst/>
-          </a:prstGeom>
-        </p:spPr>
-      </p:pic>
-      <p:pic>
-        <p:nvPicPr>
-          <p:cNvPr id="23" name="Picture 22" descr="image.png"/>
-          <p:cNvPicPr>
-            <a:picLocks noChangeAspect="1"/>
-          </p:cNvPicPr>
-          <p:nvPr/>
-        </p:nvPicPr>
-        <p:blipFill>
-          <a:blip r:embed="rId2"/>
-          <a:stretch>
-            <a:fillRect/>
-          </a:stretch>
-        </p:blipFill>
-        <p:spPr>
-          <a:xfrm>
-            <a:off x="12700" y="825500"/>
-            <a:ext cx="2806700" cy="2120900"/>
-          </a:xfrm>
-          <a:prstGeom prst="rect">
-            <a:avLst/>
-          </a:prstGeom>
-        </p:spPr>
-      </p:pic>
-      <p:pic>
-        <p:nvPicPr>
-          <p:cNvPr id="24" name="Picture 23" descr="image.png"/>
-          <p:cNvPicPr>
-            <a:picLocks noChangeAspect="1"/>
-          </p:cNvPicPr>
-          <p:nvPr/>
-        </p:nvPicPr>
-        <p:blipFill>
-          <a:blip r:embed="rId3"/>
-          <a:stretch>
-            <a:fillRect/>
-          </a:stretch>
-        </p:blipFill>
-        <p:spPr>
-          <a:xfrm>
-            <a:off x="3035300" y="825500"/>
-            <a:ext cx="2806700" cy="2120900"/>
-          </a:xfrm>
-          <a:prstGeom prst="rect">
-            <a:avLst/>
-          </a:prstGeom>
-        </p:spPr>
-      </p:pic>
-      <p:pic>
-        <p:nvPicPr>
-          <p:cNvPr id="25" name="Picture 24" descr="image.png"/>
-          <p:cNvPicPr>
-            <a:picLocks noChangeAspect="1"/>
-          </p:cNvPicPr>
-          <p:nvPr/>
-        </p:nvPicPr>
-        <p:blipFill>
-          <a:blip r:embed="rId4"/>
-          <a:stretch>
-            <a:fillRect/>
-          </a:stretch>
-        </p:blipFill>
-        <p:spPr>
-          <a:xfrm>
-            <a:off x="6057900" y="825500"/>
-            <a:ext cx="2806700" cy="2120900"/>
-          </a:xfrm>
-          <a:prstGeom prst="rect">
-            <a:avLst/>
-          </a:prstGeom>
-        </p:spPr>
-      </p:pic>
-      <p:pic>
-        <p:nvPicPr>
-          <p:cNvPr id="26" name="Picture 25" descr="image.png"/>
-          <p:cNvPicPr>
-            <a:picLocks noChangeAspect="1"/>
-          </p:cNvPicPr>
-          <p:nvPr/>
-        </p:nvPicPr>
-        <p:blipFill>
-          <a:blip r:embed="rId5"/>
-          <a:stretch>
-            <a:fillRect/>
-          </a:stretch>
-        </p:blipFill>
-        <p:spPr>
-          <a:xfrm>
-            <a:off x="12700" y="2984500"/>
-            <a:ext cx="2806700" cy="2120900"/>
-          </a:xfrm>
-          <a:prstGeom prst="rect">
-            <a:avLst/>
-          </a:prstGeom>
-        </p:spPr>
-      </p:pic>
-      <p:pic>
-        <p:nvPicPr>
-          <p:cNvPr id="27" name="Picture 26" descr="image.png"/>
-          <p:cNvPicPr>
-            <a:picLocks noChangeAspect="1"/>
-          </p:cNvPicPr>
-          <p:nvPr/>
-        </p:nvPicPr>
-        <p:blipFill>
-          <a:blip r:embed="rId6"/>
-          <a:stretch>
-            <a:fillRect/>
-          </a:stretch>
-        </p:blipFill>
-        <p:spPr>
-          <a:xfrm>
-            <a:off x="3035300" y="2984500"/>
-            <a:ext cx="2806700" cy="2120900"/>
-          </a:xfrm>
-          <a:prstGeom prst="rect">
-            <a:avLst/>
-          </a:prstGeom>
-        </p:spPr>
-      </p:pic>
-      <p:pic>
-        <p:nvPicPr>
-          <p:cNvPr id="28" name="Picture 27" descr="image.png"/>
-          <p:cNvPicPr>
-            <a:picLocks noChangeAspect="1"/>
-          </p:cNvPicPr>
-          <p:nvPr/>
-        </p:nvPicPr>
-        <p:blipFill>
-          <a:blip r:embed="rId7"/>
-          <a:stretch>
-            <a:fillRect/>
-          </a:stretch>
-        </p:blipFill>
-        <p:spPr>
-          <a:xfrm>
-            <a:off x="6057900" y="2984500"/>
-            <a:ext cx="2806700" cy="2120900"/>
-          </a:xfrm>
-          <a:prstGeom prst="rect">
-            <a:avLst/>
-          </a:prstGeom>
-        </p:spPr>
-      </p:pic>
-      <p:pic>
-        <p:nvPicPr>
-          <p:cNvPr id="29" name="Picture 28" descr="image.png"/>
-          <p:cNvPicPr>
-            <a:picLocks noChangeAspect="1"/>
-          </p:cNvPicPr>
-          <p:nvPr/>
-        </p:nvPicPr>
-        <p:blipFill>
-          <a:blip r:embed="rId2"/>
-          <a:stretch>
-            <a:fillRect/>
-          </a:stretch>
-        </p:blipFill>
-        <p:spPr>
-          <a:xfrm>
-            <a:off x="12700" y="825500"/>
-            <a:ext cx="2806700" cy="2120900"/>
-          </a:xfrm>
-          <a:prstGeom prst="rect">
-            <a:avLst/>
-          </a:prstGeom>
-        </p:spPr>
-      </p:pic>
-      <p:pic>
-        <p:nvPicPr>
-          <p:cNvPr id="30" name="Picture 29" descr="image.png"/>
-          <p:cNvPicPr>
-            <a:picLocks noChangeAspect="1"/>
-          </p:cNvPicPr>
-          <p:nvPr/>
-        </p:nvPicPr>
-        <p:blipFill>
-          <a:blip r:embed="rId3"/>
-          <a:stretch>
-            <a:fillRect/>
-          </a:stretch>
-        </p:blipFill>
-        <p:spPr>
-          <a:xfrm>
-            <a:off x="3035300" y="825500"/>
-            <a:ext cx="2806700" cy="2120900"/>
-          </a:xfrm>
-          <a:prstGeom prst="rect">
-            <a:avLst/>
-          </a:prstGeom>
-        </p:spPr>
-      </p:pic>
-      <p:pic>
-        <p:nvPicPr>
-          <p:cNvPr id="31" name="Picture 30" descr="image.png"/>
-          <p:cNvPicPr>
-            <a:picLocks noChangeAspect="1"/>
-          </p:cNvPicPr>
-          <p:nvPr/>
-        </p:nvPicPr>
-        <p:blipFill>
-          <a:blip r:embed="rId4"/>
-          <a:stretch>
-            <a:fillRect/>
-          </a:stretch>
-        </p:blipFill>
-        <p:spPr>
-          <a:xfrm>
-            <a:off x="6057900" y="825500"/>
-            <a:ext cx="2806700" cy="2120900"/>
-          </a:xfrm>
-          <a:prstGeom prst="rect">
-            <a:avLst/>
-          </a:prstGeom>
-        </p:spPr>
-      </p:pic>
-      <p:pic>
-        <p:nvPicPr>
-          <p:cNvPr id="32" name="Picture 31" descr="image.png"/>
-          <p:cNvPicPr>
-            <a:picLocks noChangeAspect="1"/>
-          </p:cNvPicPr>
-          <p:nvPr/>
-        </p:nvPicPr>
-        <p:blipFill>
-          <a:blip r:embed="rId5"/>
-          <a:stretch>
-            <a:fillRect/>
-          </a:stretch>
-        </p:blipFill>
-        <p:spPr>
-          <a:xfrm>
-            <a:off x="12700" y="2984500"/>
-            <a:ext cx="2806700" cy="2120900"/>
-          </a:xfrm>
-          <a:prstGeom prst="rect">
-            <a:avLst/>
-          </a:prstGeom>
-        </p:spPr>
-      </p:pic>
-      <p:pic>
-        <p:nvPicPr>
-          <p:cNvPr id="33" name="Picture 32" descr="image.png"/>
-          <p:cNvPicPr>
-            <a:picLocks noChangeAspect="1"/>
-          </p:cNvPicPr>
-          <p:nvPr/>
-        </p:nvPicPr>
-        <p:blipFill>
-          <a:blip r:embed="rId6"/>
-          <a:stretch>
-            <a:fillRect/>
-          </a:stretch>
-        </p:blipFill>
-        <p:spPr>
-          <a:xfrm>
-            <a:off x="3035300" y="2984500"/>
-            <a:ext cx="2806700" cy="2120900"/>
-          </a:xfrm>
-          <a:prstGeom prst="rect">
-            <a:avLst/>
-          </a:prstGeom>
-        </p:spPr>
-      </p:pic>
-      <p:pic>
-        <p:nvPicPr>
-          <p:cNvPr id="34" name="Picture 33" descr="image.png"/>
-          <p:cNvPicPr>
-            <a:picLocks noChangeAspect="1"/>
-          </p:cNvPicPr>
-          <p:nvPr/>
-        </p:nvPicPr>
-        <p:blipFill>
-          <a:blip r:embed="rId7"/>
-          <a:stretch>
-            <a:fillRect/>
-          </a:stretch>
-        </p:blipFill>
-        <p:spPr>
-          <a:xfrm>
-            <a:off x="6057900" y="2984500"/>
-            <a:ext cx="2806700" cy="2120900"/>
-          </a:xfrm>
-          <a:prstGeom prst="rect">
-            <a:avLst/>
-          </a:prstGeom>
-        </p:spPr>
-      </p:pic>
-      <p:pic>
-        <p:nvPicPr>
-          <p:cNvPr id="35" name="Picture 34" descr="image.png"/>
-          <p:cNvPicPr>
-            <a:picLocks noChangeAspect="1"/>
-          </p:cNvPicPr>
-          <p:nvPr/>
-        </p:nvPicPr>
-        <p:blipFill>
-          <a:blip r:embed="rId2"/>
-          <a:stretch>
-            <a:fillRect/>
-          </a:stretch>
-        </p:blipFill>
-        <p:spPr>
-          <a:xfrm>
-            <a:off x="12700" y="825500"/>
-            <a:ext cx="2806700" cy="2120900"/>
-          </a:xfrm>
-          <a:prstGeom prst="rect">
-            <a:avLst/>
-          </a:prstGeom>
-        </p:spPr>
-      </p:pic>
-      <p:pic>
-        <p:nvPicPr>
-          <p:cNvPr id="36" name="Picture 35" descr="image.png"/>
-          <p:cNvPicPr>
-            <a:picLocks noChangeAspect="1"/>
-          </p:cNvPicPr>
-          <p:nvPr/>
-        </p:nvPicPr>
-        <p:blipFill>
-          <a:blip r:embed="rId3"/>
-          <a:stretch>
-            <a:fillRect/>
-          </a:stretch>
-        </p:blipFill>
-        <p:spPr>
-          <a:xfrm>
-            <a:off x="3035300" y="825500"/>
-            <a:ext cx="2806700" cy="2120900"/>
-          </a:xfrm>
-          <a:prstGeom prst="rect">
-            <a:avLst/>
-          </a:prstGeom>
-        </p:spPr>
-      </p:pic>
-      <p:pic>
-        <p:nvPicPr>
-          <p:cNvPr id="37" name="Picture 36" descr="image.png"/>
-          <p:cNvPicPr>
-            <a:picLocks noChangeAspect="1"/>
-          </p:cNvPicPr>
-          <p:nvPr/>
-        </p:nvPicPr>
-        <p:blipFill>
-          <a:blip r:embed="rId4"/>
-          <a:stretch>
-            <a:fillRect/>
-          </a:stretch>
-        </p:blipFill>
-        <p:spPr>
-          <a:xfrm>
-            <a:off x="6057900" y="825500"/>
-            <a:ext cx="2806700" cy="2120900"/>
-          </a:xfrm>
-          <a:prstGeom prst="rect">
-            <a:avLst/>
-          </a:prstGeom>
-        </p:spPr>
-      </p:pic>
-      <p:pic>
-        <p:nvPicPr>
-          <p:cNvPr id="38" name="Picture 37" descr="image.png"/>
-          <p:cNvPicPr>
-            <a:picLocks noChangeAspect="1"/>
-          </p:cNvPicPr>
-          <p:nvPr/>
-        </p:nvPicPr>
-        <p:blipFill>
-          <a:blip r:embed="rId5"/>
-          <a:stretch>
-            <a:fillRect/>
-          </a:stretch>
-        </p:blipFill>
-        <p:spPr>
-          <a:xfrm>
-            <a:off x="12700" y="2984500"/>
-            <a:ext cx="2806700" cy="2120900"/>
-          </a:xfrm>
-          <a:prstGeom prst="rect">
-            <a:avLst/>
-          </a:prstGeom>
-        </p:spPr>
-      </p:pic>
-      <p:pic>
-        <p:nvPicPr>
-          <p:cNvPr id="39" name="Picture 38" descr="image.png"/>
-          <p:cNvPicPr>
-            <a:picLocks noChangeAspect="1"/>
-          </p:cNvPicPr>
-          <p:nvPr/>
-        </p:nvPicPr>
-        <p:blipFill>
-          <a:blip r:embed="rId6"/>
-          <a:stretch>
-            <a:fillRect/>
-          </a:stretch>
-        </p:blipFill>
-        <p:spPr>
-          <a:xfrm>
-            <a:off x="3035300" y="2984500"/>
-            <a:ext cx="2806700" cy="2120900"/>
-          </a:xfrm>
-          <a:prstGeom prst="rect">
-            <a:avLst/>
-          </a:prstGeom>
-        </p:spPr>
-      </p:pic>
-      <p:pic>
-        <p:nvPicPr>
-          <p:cNvPr id="40" name="Picture 39" descr="image.png"/>
-          <p:cNvPicPr>
-            <a:picLocks noChangeAspect="1"/>
-          </p:cNvPicPr>
-          <p:nvPr/>
-        </p:nvPicPr>
-        <p:blipFill>
-          <a:blip r:embed="rId7"/>
-          <a:stretch>
-            <a:fillRect/>
-          </a:stretch>
-        </p:blipFill>
-        <p:spPr>
-          <a:xfrm>
-            <a:off x="6057900" y="2984500"/>
-            <a:ext cx="2806700" cy="2120900"/>
-          </a:xfrm>
-          <a:prstGeom prst="rect">
-            <a:avLst/>
-          </a:prstGeom>
-        </p:spPr>
-      </p:pic>
-      <p:pic>
-        <p:nvPicPr>
-          <p:cNvPr id="41" name="Picture 40" descr="image.png"/>
-          <p:cNvPicPr>
-            <a:picLocks noChangeAspect="1"/>
-          </p:cNvPicPr>
-          <p:nvPr/>
-        </p:nvPicPr>
-        <p:blipFill>
-          <a:blip r:embed="rId2"/>
-          <a:stretch>
-            <a:fillRect/>
-          </a:stretch>
-        </p:blipFill>
-        <p:spPr>
-          <a:xfrm>
-            <a:off x="12700" y="825500"/>
-            <a:ext cx="2806700" cy="2120900"/>
-          </a:xfrm>
-          <a:prstGeom prst="rect">
-            <a:avLst/>
-          </a:prstGeom>
-        </p:spPr>
-      </p:pic>
-      <p:pic>
-        <p:nvPicPr>
-          <p:cNvPr id="42" name="Picture 41" descr="image.png"/>
-          <p:cNvPicPr>
-            <a:picLocks noChangeAspect="1"/>
-          </p:cNvPicPr>
-          <p:nvPr/>
-        </p:nvPicPr>
-        <p:blipFill>
-          <a:blip r:embed="rId3"/>
-          <a:stretch>
-            <a:fillRect/>
-          </a:stretch>
-        </p:blipFill>
-        <p:spPr>
-          <a:xfrm>
-            <a:off x="3035300" y="825500"/>
-            <a:ext cx="2806700" cy="2120900"/>
-          </a:xfrm>
-          <a:prstGeom prst="rect">
-            <a:avLst/>
-          </a:prstGeom>
-        </p:spPr>
-      </p:pic>
-      <p:pic>
-        <p:nvPicPr>
-          <p:cNvPr id="43" name="Picture 42" descr="image.png"/>
-          <p:cNvPicPr>
-            <a:picLocks noChangeAspect="1"/>
-          </p:cNvPicPr>
-          <p:nvPr/>
-        </p:nvPicPr>
-        <p:blipFill>
-          <a:blip r:embed="rId4"/>
-          <a:stretch>
-            <a:fillRect/>
-          </a:stretch>
-        </p:blipFill>
-        <p:spPr>
-          <a:xfrm>
-            <a:off x="6057900" y="825500"/>
-            <a:ext cx="2806700" cy="2120900"/>
-          </a:xfrm>
-          <a:prstGeom prst="rect">
-            <a:avLst/>
-          </a:prstGeom>
-        </p:spPr>
-      </p:pic>
-      <p:pic>
-        <p:nvPicPr>
-          <p:cNvPr id="44" name="Picture 43" descr="image.png"/>
-          <p:cNvPicPr>
-            <a:picLocks noChangeAspect="1"/>
-          </p:cNvPicPr>
-          <p:nvPr/>
-        </p:nvPicPr>
-        <p:blipFill>
-          <a:blip r:embed="rId5"/>
-          <a:stretch>
-            <a:fillRect/>
-          </a:stretch>
-        </p:blipFill>
-        <p:spPr>
-          <a:xfrm>
-            <a:off x="12700" y="2984500"/>
-            <a:ext cx="2806700" cy="2120900"/>
-          </a:xfrm>
-          <a:prstGeom prst="rect">
-            <a:avLst/>
-          </a:prstGeom>
-        </p:spPr>
-      </p:pic>
-      <p:pic>
-        <p:nvPicPr>
-          <p:cNvPr id="45" name="Picture 44" descr="image.png"/>
-          <p:cNvPicPr>
-            <a:picLocks noChangeAspect="1"/>
-          </p:cNvPicPr>
-          <p:nvPr/>
-        </p:nvPicPr>
-        <p:blipFill>
-          <a:blip r:embed="rId6"/>
-          <a:stretch>
-            <a:fillRect/>
-          </a:stretch>
-        </p:blipFill>
-        <p:spPr>
-          <a:xfrm>
-            <a:off x="3035300" y="2984500"/>
-            <a:ext cx="2806700" cy="2120900"/>
-          </a:xfrm>
-          <a:prstGeom prst="rect">
-            <a:avLst/>
-          </a:prstGeom>
-        </p:spPr>
-      </p:pic>
-      <p:pic>
-        <p:nvPicPr>
-          <p:cNvPr id="46" name="Picture 45" descr="image.png"/>
-          <p:cNvPicPr>
-            <a:picLocks noChangeAspect="1"/>
-          </p:cNvPicPr>
-          <p:nvPr/>
-        </p:nvPicPr>
-        <p:blipFill>
-          <a:blip r:embed="rId7"/>
-          <a:stretch>
-            <a:fillRect/>
-          </a:stretch>
-        </p:blipFill>
-        <p:spPr>
-          <a:xfrm>
-            <a:off x="6057900" y="2984500"/>
-            <a:ext cx="2806700" cy="2120900"/>
-          </a:xfrm>
-          <a:prstGeom prst="rect">
-            <a:avLst/>
-          </a:prstGeom>
-        </p:spPr>
-      </p:pic>
     </p:spTree>
     <p:extLst>
       <p:ext uri="{BB962C8B-B14F-4D97-AF65-F5344CB8AC3E}">
